--- a/Board_Display.pptx
+++ b/Board_Display.pptx
@@ -6,6 +6,9 @@
   </p:sldMasterIdLst>
   <p:sldIdLst>
     <p:sldId id="256" r:id="rId2"/>
+    <p:sldId id="258" r:id="rId3"/>
+    <p:sldId id="257" r:id="rId4"/>
+    <p:sldId id="259" r:id="rId5"/>
   </p:sldIdLst>
   <p:sldSz cx="12192000" cy="6858000"/>
   <p:notesSz cx="6858000" cy="9144000"/>
@@ -104,6 +107,11 @@
       </a:defRPr>
     </a:lvl9pPr>
   </p:defaultTextStyle>
+  <p:extLst>
+    <p:ext uri="{EFAFB233-063F-42B5-8137-9DF3F51BA10A}">
+      <p15:sldGuideLst xmlns:p15="http://schemas.microsoft.com/office/powerpoint/2012/main"/>
+    </p:ext>
+  </p:extLst>
 </p:presentation>
 </file>
 
@@ -238,7 +246,7 @@
           <a:p>
             <a:fld id="{09D1AB0D-6ABC-4A8F-A329-D321C82B9A5A}" type="datetimeFigureOut">
               <a:rPr lang="en-US" smtClean="0"/>
-              <a:t>5/13/2019</a:t>
+              <a:t>5/15/2019</a:t>
             </a:fld>
             <a:endParaRPr lang="en-US"/>
           </a:p>
@@ -408,7 +416,7 @@
           <a:p>
             <a:fld id="{09D1AB0D-6ABC-4A8F-A329-D321C82B9A5A}" type="datetimeFigureOut">
               <a:rPr lang="en-US" smtClean="0"/>
-              <a:t>5/13/2019</a:t>
+              <a:t>5/15/2019</a:t>
             </a:fld>
             <a:endParaRPr lang="en-US"/>
           </a:p>
@@ -588,7 +596,7 @@
           <a:p>
             <a:fld id="{09D1AB0D-6ABC-4A8F-A329-D321C82B9A5A}" type="datetimeFigureOut">
               <a:rPr lang="en-US" smtClean="0"/>
-              <a:t>5/13/2019</a:t>
+              <a:t>5/15/2019</a:t>
             </a:fld>
             <a:endParaRPr lang="en-US"/>
           </a:p>
@@ -758,7 +766,7 @@
           <a:p>
             <a:fld id="{09D1AB0D-6ABC-4A8F-A329-D321C82B9A5A}" type="datetimeFigureOut">
               <a:rPr lang="en-US" smtClean="0"/>
-              <a:t>5/13/2019</a:t>
+              <a:t>5/15/2019</a:t>
             </a:fld>
             <a:endParaRPr lang="en-US"/>
           </a:p>
@@ -1004,7 +1012,7 @@
           <a:p>
             <a:fld id="{09D1AB0D-6ABC-4A8F-A329-D321C82B9A5A}" type="datetimeFigureOut">
               <a:rPr lang="en-US" smtClean="0"/>
-              <a:t>5/13/2019</a:t>
+              <a:t>5/15/2019</a:t>
             </a:fld>
             <a:endParaRPr lang="en-US"/>
           </a:p>
@@ -1236,7 +1244,7 @@
           <a:p>
             <a:fld id="{09D1AB0D-6ABC-4A8F-A329-D321C82B9A5A}" type="datetimeFigureOut">
               <a:rPr lang="en-US" smtClean="0"/>
-              <a:t>5/13/2019</a:t>
+              <a:t>5/15/2019</a:t>
             </a:fld>
             <a:endParaRPr lang="en-US"/>
           </a:p>
@@ -1603,7 +1611,7 @@
           <a:p>
             <a:fld id="{09D1AB0D-6ABC-4A8F-A329-D321C82B9A5A}" type="datetimeFigureOut">
               <a:rPr lang="en-US" smtClean="0"/>
-              <a:t>5/13/2019</a:t>
+              <a:t>5/15/2019</a:t>
             </a:fld>
             <a:endParaRPr lang="en-US"/>
           </a:p>
@@ -1721,7 +1729,7 @@
           <a:p>
             <a:fld id="{09D1AB0D-6ABC-4A8F-A329-D321C82B9A5A}" type="datetimeFigureOut">
               <a:rPr lang="en-US" smtClean="0"/>
-              <a:t>5/13/2019</a:t>
+              <a:t>5/15/2019</a:t>
             </a:fld>
             <a:endParaRPr lang="en-US"/>
           </a:p>
@@ -1816,7 +1824,7 @@
           <a:p>
             <a:fld id="{09D1AB0D-6ABC-4A8F-A329-D321C82B9A5A}" type="datetimeFigureOut">
               <a:rPr lang="en-US" smtClean="0"/>
-              <a:t>5/13/2019</a:t>
+              <a:t>5/15/2019</a:t>
             </a:fld>
             <a:endParaRPr lang="en-US"/>
           </a:p>
@@ -2093,7 +2101,7 @@
           <a:p>
             <a:fld id="{09D1AB0D-6ABC-4A8F-A329-D321C82B9A5A}" type="datetimeFigureOut">
               <a:rPr lang="en-US" smtClean="0"/>
-              <a:t>5/13/2019</a:t>
+              <a:t>5/15/2019</a:t>
             </a:fld>
             <a:endParaRPr lang="en-US"/>
           </a:p>
@@ -2350,7 +2358,7 @@
           <a:p>
             <a:fld id="{09D1AB0D-6ABC-4A8F-A329-D321C82B9A5A}" type="datetimeFigureOut">
               <a:rPr lang="en-US" smtClean="0"/>
-              <a:t>5/13/2019</a:t>
+              <a:t>5/15/2019</a:t>
             </a:fld>
             <a:endParaRPr lang="en-US"/>
           </a:p>
@@ -2563,7 +2571,7 @@
           <a:p>
             <a:fld id="{09D1AB0D-6ABC-4A8F-A329-D321C82B9A5A}" type="datetimeFigureOut">
               <a:rPr lang="en-US" smtClean="0"/>
-              <a:t>5/13/2019</a:t>
+              <a:t>5/15/2019</a:t>
             </a:fld>
             <a:endParaRPr lang="en-US"/>
           </a:p>
@@ -3821,30 +3829,6 @@
         </p:pic>
         <p:pic>
           <p:nvPicPr>
-            <p:cNvPr id="51" name="Picture 50"/>
-            <p:cNvPicPr>
-              <a:picLocks noChangeAspect="1"/>
-            </p:cNvPicPr>
-            <p:nvPr/>
-          </p:nvPicPr>
-          <p:blipFill>
-            <a:blip r:embed="rId2"/>
-            <a:stretch>
-              <a:fillRect/>
-            </a:stretch>
-          </p:blipFill>
-          <p:spPr>
-            <a:xfrm>
-              <a:off x="4476318" y="1552652"/>
-              <a:ext cx="3024571" cy="4346830"/>
-            </a:xfrm>
-            <a:prstGeom prst="rect">
-              <a:avLst/>
-            </a:prstGeom>
-          </p:spPr>
-        </p:pic>
-        <p:pic>
-          <p:nvPicPr>
             <p:cNvPr id="52" name="Picture 51"/>
             <p:cNvPicPr>
               <a:picLocks noChangeAspect="1"/>
@@ -3963,6 +3947,30 @@
             </a:prstGeom>
           </p:spPr>
         </p:pic>
+        <p:pic>
+          <p:nvPicPr>
+            <p:cNvPr id="51" name="Picture 50"/>
+            <p:cNvPicPr>
+              <a:picLocks noChangeAspect="1"/>
+            </p:cNvPicPr>
+            <p:nvPr/>
+          </p:nvPicPr>
+          <p:blipFill>
+            <a:blip r:embed="rId2"/>
+            <a:stretch>
+              <a:fillRect/>
+            </a:stretch>
+          </p:blipFill>
+          <p:spPr>
+            <a:xfrm>
+              <a:off x="4476318" y="1552652"/>
+              <a:ext cx="3024571" cy="4346830"/>
+            </a:xfrm>
+            <a:prstGeom prst="rect">
+              <a:avLst/>
+            </a:prstGeom>
+          </p:spPr>
+        </p:pic>
       </p:grpSp>
       <p:sp>
         <p:nvSpPr>
@@ -4599,6 +4607,2099 @@
   <p:clrMapOvr>
     <a:masterClrMapping/>
   </p:clrMapOvr>
+</p:sld>
+</file>
+
+<file path=ppt/slides/slide2.xml><?xml version="1.0" encoding="utf-8"?>
+<p:sld xmlns:a="http://schemas.openxmlformats.org/drawingml/2006/main" xmlns:r="http://schemas.openxmlformats.org/officeDocument/2006/relationships" xmlns:p="http://schemas.openxmlformats.org/presentationml/2006/main">
+  <p:cSld>
+    <p:spTree>
+      <p:nvGrpSpPr>
+        <p:cNvPr id="1" name=""/>
+        <p:cNvGrpSpPr/>
+        <p:nvPr/>
+      </p:nvGrpSpPr>
+      <p:grpSpPr>
+        <a:xfrm>
+          <a:off x="0" y="0"/>
+          <a:ext cx="0" cy="0"/>
+          <a:chOff x="0" y="0"/>
+          <a:chExt cx="0" cy="0"/>
+        </a:xfrm>
+      </p:grpSpPr>
+      <p:grpSp>
+        <p:nvGrpSpPr>
+          <p:cNvPr id="107" name="Group 106"/>
+          <p:cNvGrpSpPr/>
+          <p:nvPr/>
+        </p:nvGrpSpPr>
+        <p:grpSpPr>
+          <a:xfrm>
+            <a:off x="-1624562" y="-10756540"/>
+            <a:ext cx="15441125" cy="15441125"/>
+            <a:chOff x="-2834473" y="-10254434"/>
+            <a:chExt cx="15441125" cy="15441125"/>
+          </a:xfrm>
+        </p:grpSpPr>
+        <p:sp>
+          <p:nvSpPr>
+            <p:cNvPr id="6" name="Oval 5"/>
+            <p:cNvSpPr/>
+            <p:nvPr/>
+          </p:nvSpPr>
+          <p:spPr>
+            <a:xfrm rot="20318452">
+              <a:off x="-2834473" y="-10254434"/>
+              <a:ext cx="15441125" cy="15441125"/>
+            </a:xfrm>
+            <a:prstGeom prst="ellipse">
+              <a:avLst/>
+            </a:prstGeom>
+            <a:solidFill>
+              <a:schemeClr val="bg1">
+                <a:lumMod val="75000"/>
+              </a:schemeClr>
+            </a:solidFill>
+            <a:ln>
+              <a:solidFill>
+                <a:schemeClr val="tx1"/>
+              </a:solidFill>
+            </a:ln>
+          </p:spPr>
+          <p:style>
+            <a:lnRef idx="2">
+              <a:schemeClr val="accent1">
+                <a:shade val="50000"/>
+              </a:schemeClr>
+            </a:lnRef>
+            <a:fillRef idx="1">
+              <a:schemeClr val="accent1"/>
+            </a:fillRef>
+            <a:effectRef idx="0">
+              <a:schemeClr val="accent1"/>
+            </a:effectRef>
+            <a:fontRef idx="minor">
+              <a:schemeClr val="lt1"/>
+            </a:fontRef>
+          </p:style>
+          <p:txBody>
+            <a:bodyPr rot="0" spcFirstLastPara="0" vertOverflow="overflow" horzOverflow="overflow" vert="horz" wrap="square" lIns="91440" tIns="45720" rIns="91440" bIns="45720" numCol="1" spcCol="0" rtlCol="0" fromWordArt="0" anchor="ctr" anchorCtr="0" forceAA="0" compatLnSpc="1">
+              <a:prstTxWarp prst="textNoShape">
+                <a:avLst/>
+              </a:prstTxWarp>
+              <a:noAutofit/>
+            </a:bodyPr>
+            <a:lstStyle/>
+            <a:p>
+              <a:pPr algn="ctr"/>
+              <a:endParaRPr lang="en-US"/>
+            </a:p>
+          </p:txBody>
+        </p:sp>
+        <p:sp>
+          <p:nvSpPr>
+            <p:cNvPr id="106" name="Oval 105"/>
+            <p:cNvSpPr/>
+            <p:nvPr/>
+          </p:nvSpPr>
+          <p:spPr>
+            <a:xfrm>
+              <a:off x="-1042121" y="-8462082"/>
+              <a:ext cx="11856421" cy="11856421"/>
+            </a:xfrm>
+            <a:prstGeom prst="ellipse">
+              <a:avLst/>
+            </a:prstGeom>
+            <a:solidFill>
+              <a:schemeClr val="bg1">
+                <a:lumMod val="85000"/>
+              </a:schemeClr>
+            </a:solidFill>
+            <a:ln>
+              <a:solidFill>
+                <a:schemeClr val="tx1"/>
+              </a:solidFill>
+            </a:ln>
+          </p:spPr>
+          <p:style>
+            <a:lnRef idx="2">
+              <a:schemeClr val="accent1">
+                <a:shade val="50000"/>
+              </a:schemeClr>
+            </a:lnRef>
+            <a:fillRef idx="1">
+              <a:schemeClr val="accent1"/>
+            </a:fillRef>
+            <a:effectRef idx="0">
+              <a:schemeClr val="accent1"/>
+            </a:effectRef>
+            <a:fontRef idx="minor">
+              <a:schemeClr val="lt1"/>
+            </a:fontRef>
+          </p:style>
+          <p:txBody>
+            <a:bodyPr rtlCol="0" anchor="ctr"/>
+            <a:lstStyle/>
+            <a:p>
+              <a:pPr algn="ctr"/>
+              <a:endParaRPr lang="en-US"/>
+            </a:p>
+          </p:txBody>
+        </p:sp>
+        <p:sp>
+          <p:nvSpPr>
+            <p:cNvPr id="5" name="Oval 4"/>
+            <p:cNvSpPr/>
+            <p:nvPr/>
+          </p:nvSpPr>
+          <p:spPr>
+            <a:xfrm rot="20318452">
+              <a:off x="3988367" y="-3431594"/>
+              <a:ext cx="1795446" cy="1795446"/>
+            </a:xfrm>
+            <a:prstGeom prst="ellipse">
+              <a:avLst/>
+            </a:prstGeom>
+            <a:solidFill>
+              <a:schemeClr val="bg1">
+                <a:lumMod val="65000"/>
+              </a:schemeClr>
+            </a:solidFill>
+            <a:ln>
+              <a:solidFill>
+                <a:schemeClr val="tx1"/>
+              </a:solidFill>
+            </a:ln>
+          </p:spPr>
+          <p:style>
+            <a:lnRef idx="2">
+              <a:schemeClr val="accent1">
+                <a:shade val="50000"/>
+              </a:schemeClr>
+            </a:lnRef>
+            <a:fillRef idx="1">
+              <a:schemeClr val="accent1"/>
+            </a:fillRef>
+            <a:effectRef idx="0">
+              <a:schemeClr val="accent1"/>
+            </a:effectRef>
+            <a:fontRef idx="minor">
+              <a:schemeClr val="lt1"/>
+            </a:fontRef>
+          </p:style>
+          <p:txBody>
+            <a:bodyPr rot="0" spcFirstLastPara="0" vertOverflow="overflow" horzOverflow="overflow" vert="horz" wrap="square" lIns="91440" tIns="45720" rIns="91440" bIns="45720" numCol="1" spcCol="0" rtlCol="0" fromWordArt="0" anchor="ctr" anchorCtr="0" forceAA="0" compatLnSpc="1">
+              <a:prstTxWarp prst="textNoShape">
+                <a:avLst/>
+              </a:prstTxWarp>
+              <a:noAutofit/>
+            </a:bodyPr>
+            <a:lstStyle/>
+            <a:p>
+              <a:pPr algn="ctr"/>
+              <a:endParaRPr lang="en-US"/>
+            </a:p>
+          </p:txBody>
+        </p:sp>
+        <p:cxnSp>
+          <p:nvCxnSpPr>
+            <p:cNvPr id="79" name="Straight Connector 78"/>
+            <p:cNvCxnSpPr>
+              <a:stCxn id="5" idx="4"/>
+              <a:endCxn id="6" idx="4"/>
+            </p:cNvCxnSpPr>
+            <p:nvPr/>
+          </p:nvCxnSpPr>
+          <p:spPr>
+            <a:xfrm>
+              <a:off x="5213052" y="-1697807"/>
+              <a:ext cx="2484964" cy="6354217"/>
+            </a:xfrm>
+            <a:prstGeom prst="line">
+              <a:avLst/>
+            </a:prstGeom>
+            <a:ln>
+              <a:solidFill>
+                <a:schemeClr val="tx1"/>
+              </a:solidFill>
+            </a:ln>
+          </p:spPr>
+          <p:style>
+            <a:lnRef idx="1">
+              <a:schemeClr val="accent1"/>
+            </a:lnRef>
+            <a:fillRef idx="0">
+              <a:schemeClr val="accent1"/>
+            </a:fillRef>
+            <a:effectRef idx="0">
+              <a:schemeClr val="accent1"/>
+            </a:effectRef>
+            <a:fontRef idx="minor">
+              <a:schemeClr val="tx1"/>
+            </a:fontRef>
+          </p:style>
+        </p:cxnSp>
+        <p:cxnSp>
+          <p:nvCxnSpPr>
+            <p:cNvPr id="81" name="Straight Connector 80"/>
+            <p:cNvCxnSpPr>
+              <a:stCxn id="5" idx="5"/>
+              <a:endCxn id="6" idx="5"/>
+            </p:cNvCxnSpPr>
+            <p:nvPr/>
+          </p:nvCxnSpPr>
+          <p:spPr>
+            <a:xfrm>
+              <a:off x="5708473" y="-2173882"/>
+              <a:ext cx="6250246" cy="2735976"/>
+            </a:xfrm>
+            <a:prstGeom prst="line">
+              <a:avLst/>
+            </a:prstGeom>
+            <a:ln>
+              <a:solidFill>
+                <a:schemeClr val="tx1"/>
+              </a:solidFill>
+            </a:ln>
+          </p:spPr>
+          <p:style>
+            <a:lnRef idx="1">
+              <a:schemeClr val="accent1"/>
+            </a:lnRef>
+            <a:fillRef idx="0">
+              <a:schemeClr val="accent1"/>
+            </a:fillRef>
+            <a:effectRef idx="0">
+              <a:schemeClr val="accent1"/>
+            </a:effectRef>
+            <a:fontRef idx="minor">
+              <a:schemeClr val="tx1"/>
+            </a:fontRef>
+          </p:style>
+        </p:cxnSp>
+        <p:cxnSp>
+          <p:nvCxnSpPr>
+            <p:cNvPr id="85" name="Straight Connector 84"/>
+            <p:cNvCxnSpPr>
+              <a:stCxn id="5" idx="6"/>
+              <a:endCxn id="6" idx="6"/>
+            </p:cNvCxnSpPr>
+            <p:nvPr/>
+          </p:nvCxnSpPr>
+          <p:spPr>
+            <a:xfrm flipV="1">
+              <a:off x="5722154" y="-5345797"/>
+              <a:ext cx="6354218" cy="2484964"/>
+            </a:xfrm>
+            <a:prstGeom prst="line">
+              <a:avLst/>
+            </a:prstGeom>
+            <a:ln>
+              <a:solidFill>
+                <a:schemeClr val="tx1"/>
+              </a:solidFill>
+            </a:ln>
+          </p:spPr>
+          <p:style>
+            <a:lnRef idx="1">
+              <a:schemeClr val="accent1"/>
+            </a:lnRef>
+            <a:fillRef idx="0">
+              <a:schemeClr val="accent1"/>
+            </a:fillRef>
+            <a:effectRef idx="0">
+              <a:schemeClr val="accent1"/>
+            </a:effectRef>
+            <a:fontRef idx="minor">
+              <a:schemeClr val="tx1"/>
+            </a:fontRef>
+          </p:style>
+        </p:cxnSp>
+        <p:cxnSp>
+          <p:nvCxnSpPr>
+            <p:cNvPr id="89" name="Straight Connector 88"/>
+            <p:cNvCxnSpPr>
+              <a:stCxn id="5" idx="3"/>
+              <a:endCxn id="6" idx="3"/>
+            </p:cNvCxnSpPr>
+            <p:nvPr/>
+          </p:nvCxnSpPr>
+          <p:spPr>
+            <a:xfrm flipH="1">
+              <a:off x="1790124" y="-1711488"/>
+              <a:ext cx="2735977" cy="6250246"/>
+            </a:xfrm>
+            <a:prstGeom prst="line">
+              <a:avLst/>
+            </a:prstGeom>
+            <a:ln>
+              <a:solidFill>
+                <a:schemeClr val="tx1"/>
+              </a:solidFill>
+            </a:ln>
+          </p:spPr>
+          <p:style>
+            <a:lnRef idx="1">
+              <a:schemeClr val="accent1"/>
+            </a:lnRef>
+            <a:fillRef idx="0">
+              <a:schemeClr val="accent1"/>
+            </a:fillRef>
+            <a:effectRef idx="0">
+              <a:schemeClr val="accent1"/>
+            </a:effectRef>
+            <a:fontRef idx="minor">
+              <a:schemeClr val="tx1"/>
+            </a:fontRef>
+          </p:style>
+        </p:cxnSp>
+        <p:cxnSp>
+          <p:nvCxnSpPr>
+            <p:cNvPr id="91" name="Straight Connector 90"/>
+            <p:cNvCxnSpPr>
+              <a:stCxn id="6" idx="2"/>
+              <a:endCxn id="5" idx="2"/>
+            </p:cNvCxnSpPr>
+            <p:nvPr/>
+          </p:nvCxnSpPr>
+          <p:spPr>
+            <a:xfrm flipV="1">
+              <a:off x="-2304192" y="-2206909"/>
+              <a:ext cx="6354218" cy="2484964"/>
+            </a:xfrm>
+            <a:prstGeom prst="line">
+              <a:avLst/>
+            </a:prstGeom>
+            <a:ln>
+              <a:solidFill>
+                <a:schemeClr val="tx1"/>
+              </a:solidFill>
+            </a:ln>
+          </p:spPr>
+          <p:style>
+            <a:lnRef idx="1">
+              <a:schemeClr val="accent1"/>
+            </a:lnRef>
+            <a:fillRef idx="0">
+              <a:schemeClr val="accent1"/>
+            </a:fillRef>
+            <a:effectRef idx="0">
+              <a:schemeClr val="accent1"/>
+            </a:effectRef>
+            <a:fontRef idx="minor">
+              <a:schemeClr val="tx1"/>
+            </a:fontRef>
+          </p:style>
+        </p:cxnSp>
+        <p:cxnSp>
+          <p:nvCxnSpPr>
+            <p:cNvPr id="93" name="Straight Connector 92"/>
+            <p:cNvCxnSpPr/>
+            <p:nvPr/>
+          </p:nvCxnSpPr>
+          <p:spPr>
+            <a:xfrm rot="20318452">
+              <a:off x="-1473655" y="-6625319"/>
+              <a:ext cx="4824476" cy="4824476"/>
+            </a:xfrm>
+            <a:prstGeom prst="line">
+              <a:avLst/>
+            </a:prstGeom>
+            <a:ln>
+              <a:solidFill>
+                <a:schemeClr val="tx1"/>
+              </a:solidFill>
+            </a:ln>
+          </p:spPr>
+          <p:style>
+            <a:lnRef idx="1">
+              <a:schemeClr val="accent1"/>
+            </a:lnRef>
+            <a:fillRef idx="0">
+              <a:schemeClr val="accent1"/>
+            </a:fillRef>
+            <a:effectRef idx="0">
+              <a:schemeClr val="accent1"/>
+            </a:effectRef>
+            <a:fontRef idx="minor">
+              <a:schemeClr val="tx1"/>
+            </a:fontRef>
+          </p:style>
+        </p:cxnSp>
+        <p:cxnSp>
+          <p:nvCxnSpPr>
+            <p:cNvPr id="99" name="Straight Connector 98"/>
+            <p:cNvCxnSpPr/>
+            <p:nvPr/>
+          </p:nvCxnSpPr>
+          <p:spPr>
+            <a:xfrm rot="20318452" flipV="1">
+              <a:off x="3316645" y="-9909696"/>
+              <a:ext cx="0" cy="6822840"/>
+            </a:xfrm>
+            <a:prstGeom prst="line">
+              <a:avLst/>
+            </a:prstGeom>
+            <a:ln>
+              <a:solidFill>
+                <a:schemeClr val="tx1"/>
+              </a:solidFill>
+            </a:ln>
+          </p:spPr>
+          <p:style>
+            <a:lnRef idx="1">
+              <a:schemeClr val="accent1"/>
+            </a:lnRef>
+            <a:fillRef idx="0">
+              <a:schemeClr val="accent1"/>
+            </a:fillRef>
+            <a:effectRef idx="0">
+              <a:schemeClr val="accent1"/>
+            </a:effectRef>
+            <a:fontRef idx="minor">
+              <a:schemeClr val="tx1"/>
+            </a:fontRef>
+          </p:style>
+        </p:cxnSp>
+        <p:cxnSp>
+          <p:nvCxnSpPr>
+            <p:cNvPr id="102" name="Straight Connector 101"/>
+            <p:cNvCxnSpPr/>
+            <p:nvPr/>
+          </p:nvCxnSpPr>
+          <p:spPr>
+            <a:xfrm rot="20318452" flipV="1">
+              <a:off x="4201829" y="-8844848"/>
+              <a:ext cx="4824476" cy="4824476"/>
+            </a:xfrm>
+            <a:prstGeom prst="line">
+              <a:avLst/>
+            </a:prstGeom>
+            <a:ln>
+              <a:solidFill>
+                <a:schemeClr val="tx1"/>
+              </a:solidFill>
+            </a:ln>
+          </p:spPr>
+          <p:style>
+            <a:lnRef idx="1">
+              <a:schemeClr val="accent1"/>
+            </a:lnRef>
+            <a:fillRef idx="0">
+              <a:schemeClr val="accent1"/>
+            </a:fillRef>
+            <a:effectRef idx="0">
+              <a:schemeClr val="accent1"/>
+            </a:effectRef>
+            <a:fontRef idx="minor">
+              <a:schemeClr val="tx1"/>
+            </a:fontRef>
+          </p:style>
+        </p:cxnSp>
+      </p:grpSp>
+      <p:grpSp>
+        <p:nvGrpSpPr>
+          <p:cNvPr id="2" name="Group 1"/>
+          <p:cNvGrpSpPr/>
+          <p:nvPr/>
+        </p:nvGrpSpPr>
+        <p:grpSpPr>
+          <a:xfrm>
+            <a:off x="0" y="2518966"/>
+            <a:ext cx="12192000" cy="6520245"/>
+            <a:chOff x="0" y="2518966"/>
+            <a:chExt cx="12192000" cy="6520245"/>
+          </a:xfrm>
+        </p:grpSpPr>
+        <p:pic>
+          <p:nvPicPr>
+            <p:cNvPr id="37" name="Picture 36"/>
+            <p:cNvPicPr>
+              <a:picLocks noChangeAspect="1"/>
+            </p:cNvPicPr>
+            <p:nvPr/>
+          </p:nvPicPr>
+          <p:blipFill>
+            <a:blip r:embed="rId2"/>
+            <a:stretch>
+              <a:fillRect/>
+            </a:stretch>
+          </p:blipFill>
+          <p:spPr>
+            <a:xfrm>
+              <a:off x="0" y="4692381"/>
+              <a:ext cx="3024571" cy="4346830"/>
+            </a:xfrm>
+            <a:prstGeom prst="rect">
+              <a:avLst/>
+            </a:prstGeom>
+          </p:spPr>
+        </p:pic>
+        <p:pic>
+          <p:nvPicPr>
+            <p:cNvPr id="38" name="Picture 37"/>
+            <p:cNvPicPr>
+              <a:picLocks noChangeAspect="1"/>
+            </p:cNvPicPr>
+            <p:nvPr/>
+          </p:nvPicPr>
+          <p:blipFill>
+            <a:blip r:embed="rId2"/>
+            <a:stretch>
+              <a:fillRect/>
+            </a:stretch>
+          </p:blipFill>
+          <p:spPr>
+            <a:xfrm>
+              <a:off x="509302" y="4692381"/>
+              <a:ext cx="3024571" cy="4346830"/>
+            </a:xfrm>
+            <a:prstGeom prst="rect">
+              <a:avLst/>
+            </a:prstGeom>
+          </p:spPr>
+        </p:pic>
+        <p:pic>
+          <p:nvPicPr>
+            <p:cNvPr id="39" name="Picture 38"/>
+            <p:cNvPicPr>
+              <a:picLocks noChangeAspect="1"/>
+            </p:cNvPicPr>
+            <p:nvPr/>
+          </p:nvPicPr>
+          <p:blipFill>
+            <a:blip r:embed="rId2"/>
+            <a:stretch>
+              <a:fillRect/>
+            </a:stretch>
+          </p:blipFill>
+          <p:spPr>
+            <a:xfrm>
+              <a:off x="1018604" y="4692381"/>
+              <a:ext cx="3024571" cy="4346830"/>
+            </a:xfrm>
+            <a:prstGeom prst="rect">
+              <a:avLst/>
+            </a:prstGeom>
+          </p:spPr>
+        </p:pic>
+        <p:pic>
+          <p:nvPicPr>
+            <p:cNvPr id="40" name="Picture 39"/>
+            <p:cNvPicPr>
+              <a:picLocks noChangeAspect="1"/>
+            </p:cNvPicPr>
+            <p:nvPr/>
+          </p:nvPicPr>
+          <p:blipFill>
+            <a:blip r:embed="rId2"/>
+            <a:stretch>
+              <a:fillRect/>
+            </a:stretch>
+          </p:blipFill>
+          <p:spPr>
+            <a:xfrm>
+              <a:off x="1527906" y="4692381"/>
+              <a:ext cx="3024571" cy="4346830"/>
+            </a:xfrm>
+            <a:prstGeom prst="rect">
+              <a:avLst/>
+            </a:prstGeom>
+          </p:spPr>
+        </p:pic>
+        <p:pic>
+          <p:nvPicPr>
+            <p:cNvPr id="41" name="Picture 40"/>
+            <p:cNvPicPr>
+              <a:picLocks noChangeAspect="1"/>
+            </p:cNvPicPr>
+            <p:nvPr/>
+          </p:nvPicPr>
+          <p:blipFill>
+            <a:blip r:embed="rId2"/>
+            <a:stretch>
+              <a:fillRect/>
+            </a:stretch>
+          </p:blipFill>
+          <p:spPr>
+            <a:xfrm>
+              <a:off x="2037208" y="4692381"/>
+              <a:ext cx="3024571" cy="4346830"/>
+            </a:xfrm>
+            <a:prstGeom prst="rect">
+              <a:avLst/>
+            </a:prstGeom>
+          </p:spPr>
+        </p:pic>
+        <p:pic>
+          <p:nvPicPr>
+            <p:cNvPr id="42" name="Picture 41"/>
+            <p:cNvPicPr>
+              <a:picLocks noChangeAspect="1"/>
+            </p:cNvPicPr>
+            <p:nvPr/>
+          </p:nvPicPr>
+          <p:blipFill>
+            <a:blip r:embed="rId2"/>
+            <a:stretch>
+              <a:fillRect/>
+            </a:stretch>
+          </p:blipFill>
+          <p:spPr>
+            <a:xfrm>
+              <a:off x="2546510" y="4692381"/>
+              <a:ext cx="3024571" cy="4346830"/>
+            </a:xfrm>
+            <a:prstGeom prst="rect">
+              <a:avLst/>
+            </a:prstGeom>
+          </p:spPr>
+        </p:pic>
+        <p:pic>
+          <p:nvPicPr>
+            <p:cNvPr id="43" name="Picture 42"/>
+            <p:cNvPicPr>
+              <a:picLocks noChangeAspect="1"/>
+            </p:cNvPicPr>
+            <p:nvPr/>
+          </p:nvPicPr>
+          <p:blipFill>
+            <a:blip r:embed="rId2"/>
+            <a:stretch>
+              <a:fillRect/>
+            </a:stretch>
+          </p:blipFill>
+          <p:spPr>
+            <a:xfrm>
+              <a:off x="3055812" y="4692381"/>
+              <a:ext cx="3024571" cy="4346830"/>
+            </a:xfrm>
+            <a:prstGeom prst="rect">
+              <a:avLst/>
+            </a:prstGeom>
+          </p:spPr>
+        </p:pic>
+        <p:pic>
+          <p:nvPicPr>
+            <p:cNvPr id="44" name="Picture 43"/>
+            <p:cNvPicPr>
+              <a:picLocks noChangeAspect="1"/>
+            </p:cNvPicPr>
+            <p:nvPr/>
+          </p:nvPicPr>
+          <p:blipFill>
+            <a:blip r:embed="rId2"/>
+            <a:stretch>
+              <a:fillRect/>
+            </a:stretch>
+          </p:blipFill>
+          <p:spPr>
+            <a:xfrm>
+              <a:off x="3565114" y="4692381"/>
+              <a:ext cx="3024571" cy="4346830"/>
+            </a:xfrm>
+            <a:prstGeom prst="rect">
+              <a:avLst/>
+            </a:prstGeom>
+          </p:spPr>
+        </p:pic>
+        <p:pic>
+          <p:nvPicPr>
+            <p:cNvPr id="46" name="Picture 45"/>
+            <p:cNvPicPr>
+              <a:picLocks noChangeAspect="1"/>
+            </p:cNvPicPr>
+            <p:nvPr/>
+          </p:nvPicPr>
+          <p:blipFill>
+            <a:blip r:embed="rId2"/>
+            <a:stretch>
+              <a:fillRect/>
+            </a:stretch>
+          </p:blipFill>
+          <p:spPr>
+            <a:xfrm>
+              <a:off x="4074416" y="4692381"/>
+              <a:ext cx="3024571" cy="4346830"/>
+            </a:xfrm>
+            <a:prstGeom prst="rect">
+              <a:avLst/>
+            </a:prstGeom>
+          </p:spPr>
+        </p:pic>
+        <p:pic>
+          <p:nvPicPr>
+            <p:cNvPr id="47" name="Picture 46"/>
+            <p:cNvPicPr>
+              <a:picLocks noChangeAspect="1"/>
+            </p:cNvPicPr>
+            <p:nvPr/>
+          </p:nvPicPr>
+          <p:blipFill>
+            <a:blip r:embed="rId2"/>
+            <a:stretch>
+              <a:fillRect/>
+            </a:stretch>
+          </p:blipFill>
+          <p:spPr>
+            <a:xfrm>
+              <a:off x="4583718" y="4692381"/>
+              <a:ext cx="3024571" cy="4346830"/>
+            </a:xfrm>
+            <a:prstGeom prst="rect">
+              <a:avLst/>
+            </a:prstGeom>
+          </p:spPr>
+        </p:pic>
+        <p:pic>
+          <p:nvPicPr>
+            <p:cNvPr id="48" name="Picture 47"/>
+            <p:cNvPicPr>
+              <a:picLocks noChangeAspect="1"/>
+            </p:cNvPicPr>
+            <p:nvPr/>
+          </p:nvPicPr>
+          <p:blipFill>
+            <a:blip r:embed="rId2"/>
+            <a:stretch>
+              <a:fillRect/>
+            </a:stretch>
+          </p:blipFill>
+          <p:spPr>
+            <a:xfrm>
+              <a:off x="5093020" y="4692381"/>
+              <a:ext cx="3024571" cy="4346830"/>
+            </a:xfrm>
+            <a:prstGeom prst="rect">
+              <a:avLst/>
+            </a:prstGeom>
+          </p:spPr>
+        </p:pic>
+        <p:pic>
+          <p:nvPicPr>
+            <p:cNvPr id="49" name="Picture 48"/>
+            <p:cNvPicPr>
+              <a:picLocks noChangeAspect="1"/>
+            </p:cNvPicPr>
+            <p:nvPr/>
+          </p:nvPicPr>
+          <p:blipFill>
+            <a:blip r:embed="rId2"/>
+            <a:stretch>
+              <a:fillRect/>
+            </a:stretch>
+          </p:blipFill>
+          <p:spPr>
+            <a:xfrm>
+              <a:off x="5602322" y="4692381"/>
+              <a:ext cx="3024571" cy="4346830"/>
+            </a:xfrm>
+            <a:prstGeom prst="rect">
+              <a:avLst/>
+            </a:prstGeom>
+          </p:spPr>
+        </p:pic>
+        <p:pic>
+          <p:nvPicPr>
+            <p:cNvPr id="50" name="Picture 49"/>
+            <p:cNvPicPr>
+              <a:picLocks noChangeAspect="1"/>
+            </p:cNvPicPr>
+            <p:nvPr/>
+          </p:nvPicPr>
+          <p:blipFill>
+            <a:blip r:embed="rId2"/>
+            <a:stretch>
+              <a:fillRect/>
+            </a:stretch>
+          </p:blipFill>
+          <p:spPr>
+            <a:xfrm>
+              <a:off x="6111624" y="4692381"/>
+              <a:ext cx="3024571" cy="4346830"/>
+            </a:xfrm>
+            <a:prstGeom prst="rect">
+              <a:avLst/>
+            </a:prstGeom>
+          </p:spPr>
+        </p:pic>
+        <p:pic>
+          <p:nvPicPr>
+            <p:cNvPr id="52" name="Picture 51"/>
+            <p:cNvPicPr>
+              <a:picLocks noChangeAspect="1"/>
+            </p:cNvPicPr>
+            <p:nvPr/>
+          </p:nvPicPr>
+          <p:blipFill>
+            <a:blip r:embed="rId2"/>
+            <a:stretch>
+              <a:fillRect/>
+            </a:stretch>
+          </p:blipFill>
+          <p:spPr>
+            <a:xfrm>
+              <a:off x="7130228" y="4692381"/>
+              <a:ext cx="3024571" cy="4346830"/>
+            </a:xfrm>
+            <a:prstGeom prst="rect">
+              <a:avLst/>
+            </a:prstGeom>
+          </p:spPr>
+        </p:pic>
+        <p:pic>
+          <p:nvPicPr>
+            <p:cNvPr id="53" name="Picture 52"/>
+            <p:cNvPicPr>
+              <a:picLocks noChangeAspect="1"/>
+            </p:cNvPicPr>
+            <p:nvPr/>
+          </p:nvPicPr>
+          <p:blipFill>
+            <a:blip r:embed="rId2"/>
+            <a:stretch>
+              <a:fillRect/>
+            </a:stretch>
+          </p:blipFill>
+          <p:spPr>
+            <a:xfrm>
+              <a:off x="7639530" y="4692381"/>
+              <a:ext cx="3024571" cy="4346830"/>
+            </a:xfrm>
+            <a:prstGeom prst="rect">
+              <a:avLst/>
+            </a:prstGeom>
+          </p:spPr>
+        </p:pic>
+        <p:pic>
+          <p:nvPicPr>
+            <p:cNvPr id="54" name="Picture 53"/>
+            <p:cNvPicPr>
+              <a:picLocks noChangeAspect="1"/>
+            </p:cNvPicPr>
+            <p:nvPr/>
+          </p:nvPicPr>
+          <p:blipFill>
+            <a:blip r:embed="rId2"/>
+            <a:stretch>
+              <a:fillRect/>
+            </a:stretch>
+          </p:blipFill>
+          <p:spPr>
+            <a:xfrm>
+              <a:off x="8148832" y="4692381"/>
+              <a:ext cx="3024571" cy="4346830"/>
+            </a:xfrm>
+            <a:prstGeom prst="rect">
+              <a:avLst/>
+            </a:prstGeom>
+          </p:spPr>
+        </p:pic>
+        <p:pic>
+          <p:nvPicPr>
+            <p:cNvPr id="55" name="Picture 54"/>
+            <p:cNvPicPr>
+              <a:picLocks noChangeAspect="1"/>
+            </p:cNvPicPr>
+            <p:nvPr/>
+          </p:nvPicPr>
+          <p:blipFill>
+            <a:blip r:embed="rId2"/>
+            <a:stretch>
+              <a:fillRect/>
+            </a:stretch>
+          </p:blipFill>
+          <p:spPr>
+            <a:xfrm>
+              <a:off x="8658134" y="4692381"/>
+              <a:ext cx="3024571" cy="4346830"/>
+            </a:xfrm>
+            <a:prstGeom prst="rect">
+              <a:avLst/>
+            </a:prstGeom>
+          </p:spPr>
+        </p:pic>
+        <p:pic>
+          <p:nvPicPr>
+            <p:cNvPr id="74" name="Picture 73"/>
+            <p:cNvPicPr>
+              <a:picLocks noChangeAspect="1"/>
+            </p:cNvPicPr>
+            <p:nvPr/>
+          </p:nvPicPr>
+          <p:blipFill>
+            <a:blip r:embed="rId2"/>
+            <a:stretch>
+              <a:fillRect/>
+            </a:stretch>
+          </p:blipFill>
+          <p:spPr>
+            <a:xfrm>
+              <a:off x="9167429" y="4684585"/>
+              <a:ext cx="3024571" cy="4346830"/>
+            </a:xfrm>
+            <a:prstGeom prst="rect">
+              <a:avLst/>
+            </a:prstGeom>
+          </p:spPr>
+        </p:pic>
+        <p:pic>
+          <p:nvPicPr>
+            <p:cNvPr id="51" name="Picture 50"/>
+            <p:cNvPicPr>
+              <a:picLocks noChangeAspect="1"/>
+            </p:cNvPicPr>
+            <p:nvPr/>
+          </p:nvPicPr>
+          <p:blipFill>
+            <a:blip r:embed="rId2"/>
+            <a:stretch>
+              <a:fillRect/>
+            </a:stretch>
+          </p:blipFill>
+          <p:spPr>
+            <a:xfrm>
+              <a:off x="6620926" y="2518966"/>
+              <a:ext cx="3024571" cy="4346830"/>
+            </a:xfrm>
+            <a:prstGeom prst="rect">
+              <a:avLst/>
+            </a:prstGeom>
+          </p:spPr>
+        </p:pic>
+        <p:sp>
+          <p:nvSpPr>
+            <p:cNvPr id="9" name="Rectangle 8"/>
+            <p:cNvSpPr/>
+            <p:nvPr/>
+          </p:nvSpPr>
+          <p:spPr>
+            <a:xfrm>
+              <a:off x="12013976" y="3060812"/>
+              <a:ext cx="178024" cy="736375"/>
+            </a:xfrm>
+            <a:prstGeom prst="rect">
+              <a:avLst/>
+            </a:prstGeom>
+            <a:solidFill>
+              <a:schemeClr val="bg1">
+                <a:lumMod val="75000"/>
+              </a:schemeClr>
+            </a:solidFill>
+            <a:ln>
+              <a:solidFill>
+                <a:schemeClr val="tx1"/>
+              </a:solidFill>
+            </a:ln>
+          </p:spPr>
+          <p:style>
+            <a:lnRef idx="2">
+              <a:schemeClr val="accent1">
+                <a:shade val="50000"/>
+              </a:schemeClr>
+            </a:lnRef>
+            <a:fillRef idx="1">
+              <a:schemeClr val="accent1"/>
+            </a:fillRef>
+            <a:effectRef idx="0">
+              <a:schemeClr val="accent1"/>
+            </a:effectRef>
+            <a:fontRef idx="minor">
+              <a:schemeClr val="lt1"/>
+            </a:fontRef>
+          </p:style>
+          <p:txBody>
+            <a:bodyPr rot="0" spcFirstLastPara="0" vertOverflow="overflow" horzOverflow="overflow" vert="horz" wrap="square" lIns="91440" tIns="45720" rIns="91440" bIns="45720" numCol="1" spcCol="0" rtlCol="0" fromWordArt="0" anchor="ctr" anchorCtr="0" forceAA="0" compatLnSpc="1">
+              <a:prstTxWarp prst="textNoShape">
+                <a:avLst/>
+              </a:prstTxWarp>
+              <a:noAutofit/>
+            </a:bodyPr>
+            <a:lstStyle/>
+            <a:p>
+              <a:pPr algn="ctr"/>
+              <a:r>
+                <a:rPr lang="zh-CN" altLang="en-US" sz="1200" dirty="0" smtClean="0">
+                  <a:solidFill>
+                    <a:sysClr val="windowText" lastClr="000000"/>
+                  </a:solidFill>
+                </a:rPr>
+                <a:t>◀</a:t>
+              </a:r>
+              <a:endParaRPr lang="en-US" sz="1200" dirty="0">
+                <a:solidFill>
+                  <a:sysClr val="windowText" lastClr="000000"/>
+                </a:solidFill>
+              </a:endParaRPr>
+            </a:p>
+          </p:txBody>
+        </p:sp>
+      </p:grpSp>
+    </p:spTree>
+    <p:extLst>
+      <p:ext uri="{BB962C8B-B14F-4D97-AF65-F5344CB8AC3E}">
+        <p14:creationId xmlns:p14="http://schemas.microsoft.com/office/powerpoint/2010/main" val="3753260274"/>
+      </p:ext>
+    </p:extLst>
+  </p:cSld>
+  <p:clrMapOvr>
+    <a:masterClrMapping/>
+  </p:clrMapOvr>
+  <p:timing>
+    <p:tnLst>
+      <p:par>
+        <p:cTn id="1" dur="indefinite" restart="never" nodeType="tmRoot"/>
+      </p:par>
+    </p:tnLst>
+  </p:timing>
+</p:sld>
+</file>
+
+<file path=ppt/slides/slide3.xml><?xml version="1.0" encoding="utf-8"?>
+<p:sld xmlns:a="http://schemas.openxmlformats.org/drawingml/2006/main" xmlns:r="http://schemas.openxmlformats.org/officeDocument/2006/relationships" xmlns:p="http://schemas.openxmlformats.org/presentationml/2006/main">
+  <p:cSld>
+    <p:spTree>
+      <p:nvGrpSpPr>
+        <p:cNvPr id="1" name=""/>
+        <p:cNvGrpSpPr/>
+        <p:nvPr/>
+      </p:nvGrpSpPr>
+      <p:grpSpPr>
+        <a:xfrm>
+          <a:off x="0" y="0"/>
+          <a:ext cx="0" cy="0"/>
+          <a:chOff x="0" y="0"/>
+          <a:chExt cx="0" cy="0"/>
+        </a:xfrm>
+      </p:grpSpPr>
+      <p:sp>
+        <p:nvSpPr>
+          <p:cNvPr id="12" name="Rectangle 11"/>
+          <p:cNvSpPr/>
+          <p:nvPr/>
+        </p:nvSpPr>
+        <p:spPr>
+          <a:xfrm>
+            <a:off x="0" y="0"/>
+            <a:ext cx="12192000" cy="6858000"/>
+          </a:xfrm>
+          <a:prstGeom prst="rect">
+            <a:avLst/>
+          </a:prstGeom>
+          <a:gradFill flip="none" rotWithShape="1">
+            <a:gsLst>
+              <a:gs pos="0">
+                <a:schemeClr val="bg1">
+                  <a:lumMod val="85000"/>
+                  <a:shade val="30000"/>
+                  <a:satMod val="115000"/>
+                </a:schemeClr>
+              </a:gs>
+              <a:gs pos="50000">
+                <a:schemeClr val="bg1">
+                  <a:lumMod val="85000"/>
+                  <a:shade val="67500"/>
+                  <a:satMod val="115000"/>
+                </a:schemeClr>
+              </a:gs>
+              <a:gs pos="100000">
+                <a:schemeClr val="bg1">
+                  <a:lumMod val="85000"/>
+                  <a:shade val="100000"/>
+                  <a:satMod val="115000"/>
+                </a:schemeClr>
+              </a:gs>
+            </a:gsLst>
+            <a:lin ang="16200000" scaled="1"/>
+            <a:tileRect/>
+          </a:gradFill>
+          <a:ln>
+            <a:noFill/>
+          </a:ln>
+        </p:spPr>
+        <p:style>
+          <a:lnRef idx="2">
+            <a:schemeClr val="accent1">
+              <a:shade val="50000"/>
+            </a:schemeClr>
+          </a:lnRef>
+          <a:fillRef idx="1">
+            <a:schemeClr val="accent1"/>
+          </a:fillRef>
+          <a:effectRef idx="0">
+            <a:schemeClr val="accent1"/>
+          </a:effectRef>
+          <a:fontRef idx="minor">
+            <a:schemeClr val="lt1"/>
+          </a:fontRef>
+        </p:style>
+        <p:txBody>
+          <a:bodyPr rtlCol="0" anchor="ctr"/>
+          <a:lstStyle/>
+          <a:p>
+            <a:pPr algn="ctr"/>
+            <a:endParaRPr lang="en-US"/>
+          </a:p>
+        </p:txBody>
+      </p:sp>
+      <p:sp>
+        <p:nvSpPr>
+          <p:cNvPr id="7" name="TextBox 6"/>
+          <p:cNvSpPr txBox="1"/>
+          <p:nvPr/>
+        </p:nvSpPr>
+        <p:spPr>
+          <a:xfrm>
+            <a:off x="2115127" y="386609"/>
+            <a:ext cx="7949302" cy="1323439"/>
+          </a:xfrm>
+          <a:prstGeom prst="rect">
+            <a:avLst/>
+          </a:prstGeom>
+          <a:noFill/>
+        </p:spPr>
+        <p:txBody>
+          <a:bodyPr wrap="square" rtlCol="0" anchor="ctr">
+            <a:spAutoFit/>
+          </a:bodyPr>
+          <a:lstStyle/>
+          <a:p>
+            <a:pPr algn="ctr"/>
+            <a:r>
+              <a:rPr lang="zh-CN" altLang="en-US" sz="8000" spc="1000" dirty="0" smtClean="0">
+                <a:latin typeface="Microsoft YaHei" panose="020B0503020204020204" pitchFamily="34" charset="-122"/>
+                <a:ea typeface="Microsoft YaHei" panose="020B0503020204020204" pitchFamily="34" charset="-122"/>
+              </a:rPr>
+              <a:t>占卜大战</a:t>
+            </a:r>
+            <a:endParaRPr lang="en-US" sz="8000" spc="1000" dirty="0">
+              <a:latin typeface="Microsoft YaHei" panose="020B0503020204020204" pitchFamily="34" charset="-122"/>
+              <a:ea typeface="Microsoft YaHei" panose="020B0503020204020204" pitchFamily="34" charset="-122"/>
+            </a:endParaRPr>
+          </a:p>
+        </p:txBody>
+      </p:sp>
+      <p:grpSp>
+        <p:nvGrpSpPr>
+          <p:cNvPr id="11" name="Group 10"/>
+          <p:cNvGrpSpPr/>
+          <p:nvPr/>
+        </p:nvGrpSpPr>
+        <p:grpSpPr>
+          <a:xfrm>
+            <a:off x="4744989" y="2364949"/>
+            <a:ext cx="2689578" cy="3038980"/>
+            <a:chOff x="5198277" y="3107382"/>
+            <a:chExt cx="1795446" cy="2028692"/>
+          </a:xfrm>
+        </p:grpSpPr>
+        <p:grpSp>
+          <p:nvGrpSpPr>
+            <p:cNvPr id="6" name="Group 5"/>
+            <p:cNvGrpSpPr/>
+            <p:nvPr/>
+          </p:nvGrpSpPr>
+          <p:grpSpPr>
+            <a:xfrm>
+              <a:off x="5198277" y="3107382"/>
+              <a:ext cx="1795446" cy="2028692"/>
+              <a:chOff x="5083201" y="2624118"/>
+              <a:chExt cx="1795446" cy="2028692"/>
+            </a:xfrm>
+          </p:grpSpPr>
+          <p:sp>
+            <p:nvSpPr>
+              <p:cNvPr id="4" name="Oval 3"/>
+              <p:cNvSpPr/>
+              <p:nvPr/>
+            </p:nvSpPr>
+            <p:spPr>
+              <a:xfrm>
+                <a:off x="5083201" y="2624118"/>
+                <a:ext cx="1795446" cy="1795446"/>
+              </a:xfrm>
+              <a:prstGeom prst="ellipse">
+                <a:avLst/>
+              </a:prstGeom>
+              <a:solidFill>
+                <a:schemeClr val="bg1">
+                  <a:lumMod val="65000"/>
+                </a:schemeClr>
+              </a:solidFill>
+              <a:ln>
+                <a:solidFill>
+                  <a:schemeClr val="tx1"/>
+                </a:solidFill>
+              </a:ln>
+            </p:spPr>
+            <p:style>
+              <a:lnRef idx="2">
+                <a:schemeClr val="accent1">
+                  <a:shade val="50000"/>
+                </a:schemeClr>
+              </a:lnRef>
+              <a:fillRef idx="1">
+                <a:schemeClr val="accent1"/>
+              </a:fillRef>
+              <a:effectRef idx="0">
+                <a:schemeClr val="accent1"/>
+              </a:effectRef>
+              <a:fontRef idx="minor">
+                <a:schemeClr val="lt1"/>
+              </a:fontRef>
+            </p:style>
+            <p:txBody>
+              <a:bodyPr rot="0" spcFirstLastPara="0" vertOverflow="overflow" horzOverflow="overflow" vert="horz" wrap="square" lIns="91440" tIns="45720" rIns="91440" bIns="45720" numCol="1" spcCol="0" rtlCol="0" fromWordArt="0" anchor="ctr" anchorCtr="0" forceAA="0" compatLnSpc="1">
+                <a:prstTxWarp prst="textNoShape">
+                  <a:avLst/>
+                </a:prstTxWarp>
+                <a:noAutofit/>
+              </a:bodyPr>
+              <a:lstStyle/>
+              <a:p>
+                <a:pPr algn="ctr"/>
+                <a:endParaRPr lang="en-US"/>
+              </a:p>
+            </p:txBody>
+          </p:sp>
+          <p:sp>
+            <p:nvSpPr>
+              <p:cNvPr id="5" name="Trapezoid 4"/>
+              <p:cNvSpPr/>
+              <p:nvPr/>
+            </p:nvSpPr>
+            <p:spPr>
+              <a:xfrm>
+                <a:off x="5470426" y="4315628"/>
+                <a:ext cx="1020996" cy="337182"/>
+              </a:xfrm>
+              <a:prstGeom prst="trapezoid">
+                <a:avLst/>
+              </a:prstGeom>
+              <a:solidFill>
+                <a:schemeClr val="bg2">
+                  <a:lumMod val="90000"/>
+                </a:schemeClr>
+              </a:solidFill>
+              <a:ln>
+                <a:solidFill>
+                  <a:schemeClr val="tx1"/>
+                </a:solidFill>
+              </a:ln>
+            </p:spPr>
+            <p:style>
+              <a:lnRef idx="2">
+                <a:schemeClr val="accent1">
+                  <a:shade val="50000"/>
+                </a:schemeClr>
+              </a:lnRef>
+              <a:fillRef idx="1">
+                <a:schemeClr val="accent1"/>
+              </a:fillRef>
+              <a:effectRef idx="0">
+                <a:schemeClr val="accent1"/>
+              </a:effectRef>
+              <a:fontRef idx="minor">
+                <a:schemeClr val="lt1"/>
+              </a:fontRef>
+            </p:style>
+            <p:txBody>
+              <a:bodyPr rtlCol="0" anchor="ctr"/>
+              <a:lstStyle/>
+              <a:p>
+                <a:pPr algn="ctr"/>
+                <a:endParaRPr lang="en-US"/>
+              </a:p>
+            </p:txBody>
+          </p:sp>
+        </p:grpSp>
+        <p:sp>
+          <p:nvSpPr>
+            <p:cNvPr id="8" name="Freeform 7"/>
+            <p:cNvSpPr/>
+            <p:nvPr/>
+          </p:nvSpPr>
+          <p:spPr>
+            <a:xfrm>
+              <a:off x="6426389" y="3401558"/>
+              <a:ext cx="360218" cy="600364"/>
+            </a:xfrm>
+            <a:custGeom>
+              <a:avLst/>
+              <a:gdLst>
+                <a:gd name="connsiteX0" fmla="*/ 0 w 360218"/>
+                <a:gd name="connsiteY0" fmla="*/ 55418 h 600364"/>
+                <a:gd name="connsiteX1" fmla="*/ 138545 w 360218"/>
+                <a:gd name="connsiteY1" fmla="*/ 0 h 600364"/>
+                <a:gd name="connsiteX2" fmla="*/ 304800 w 360218"/>
+                <a:gd name="connsiteY2" fmla="*/ 258618 h 600364"/>
+                <a:gd name="connsiteX3" fmla="*/ 360218 w 360218"/>
+                <a:gd name="connsiteY3" fmla="*/ 600364 h 600364"/>
+                <a:gd name="connsiteX4" fmla="*/ 0 w 360218"/>
+                <a:gd name="connsiteY4" fmla="*/ 55418 h 600364"/>
+              </a:gdLst>
+              <a:ahLst/>
+              <a:cxnLst>
+                <a:cxn ang="0">
+                  <a:pos x="connsiteX0" y="connsiteY0"/>
+                </a:cxn>
+                <a:cxn ang="0">
+                  <a:pos x="connsiteX1" y="connsiteY1"/>
+                </a:cxn>
+                <a:cxn ang="0">
+                  <a:pos x="connsiteX2" y="connsiteY2"/>
+                </a:cxn>
+                <a:cxn ang="0">
+                  <a:pos x="connsiteX3" y="connsiteY3"/>
+                </a:cxn>
+                <a:cxn ang="0">
+                  <a:pos x="connsiteX4" y="connsiteY4"/>
+                </a:cxn>
+              </a:cxnLst>
+              <a:rect l="l" t="t" r="r" b="b"/>
+              <a:pathLst>
+                <a:path w="360218" h="600364">
+                  <a:moveTo>
+                    <a:pt x="0" y="55418"/>
+                  </a:moveTo>
+                  <a:lnTo>
+                    <a:pt x="138545" y="0"/>
+                  </a:lnTo>
+                  <a:lnTo>
+                    <a:pt x="304800" y="258618"/>
+                  </a:lnTo>
+                  <a:lnTo>
+                    <a:pt x="360218" y="600364"/>
+                  </a:lnTo>
+                  <a:lnTo>
+                    <a:pt x="0" y="55418"/>
+                  </a:lnTo>
+                  <a:close/>
+                </a:path>
+              </a:pathLst>
+            </a:custGeom>
+            <a:solidFill>
+              <a:schemeClr val="bg1"/>
+            </a:solidFill>
+            <a:ln>
+              <a:noFill/>
+            </a:ln>
+          </p:spPr>
+          <p:style>
+            <a:lnRef idx="2">
+              <a:schemeClr val="accent1">
+                <a:shade val="50000"/>
+              </a:schemeClr>
+            </a:lnRef>
+            <a:fillRef idx="1">
+              <a:schemeClr val="accent1"/>
+            </a:fillRef>
+            <a:effectRef idx="0">
+              <a:schemeClr val="accent1"/>
+            </a:effectRef>
+            <a:fontRef idx="minor">
+              <a:schemeClr val="lt1"/>
+            </a:fontRef>
+          </p:style>
+          <p:txBody>
+            <a:bodyPr rtlCol="0" anchor="ctr"/>
+            <a:lstStyle/>
+            <a:p>
+              <a:pPr algn="ctr"/>
+              <a:endParaRPr lang="en-US">
+                <a:solidFill>
+                  <a:schemeClr val="bg1"/>
+                </a:solidFill>
+              </a:endParaRPr>
+            </a:p>
+          </p:txBody>
+        </p:sp>
+        <p:sp>
+          <p:nvSpPr>
+            <p:cNvPr id="10" name="Freeform 9"/>
+            <p:cNvSpPr/>
+            <p:nvPr/>
+          </p:nvSpPr>
+          <p:spPr>
+            <a:xfrm>
+              <a:off x="6724071" y="4110181"/>
+              <a:ext cx="110836" cy="203200"/>
+            </a:xfrm>
+            <a:custGeom>
+              <a:avLst/>
+              <a:gdLst>
+                <a:gd name="connsiteX0" fmla="*/ 73891 w 110836"/>
+                <a:gd name="connsiteY0" fmla="*/ 0 h 203200"/>
+                <a:gd name="connsiteX1" fmla="*/ 0 w 110836"/>
+                <a:gd name="connsiteY1" fmla="*/ 147782 h 203200"/>
+                <a:gd name="connsiteX2" fmla="*/ 110836 w 110836"/>
+                <a:gd name="connsiteY2" fmla="*/ 203200 h 203200"/>
+                <a:gd name="connsiteX3" fmla="*/ 73891 w 110836"/>
+                <a:gd name="connsiteY3" fmla="*/ 0 h 203200"/>
+              </a:gdLst>
+              <a:ahLst/>
+              <a:cxnLst>
+                <a:cxn ang="0">
+                  <a:pos x="connsiteX0" y="connsiteY0"/>
+                </a:cxn>
+                <a:cxn ang="0">
+                  <a:pos x="connsiteX1" y="connsiteY1"/>
+                </a:cxn>
+                <a:cxn ang="0">
+                  <a:pos x="connsiteX2" y="connsiteY2"/>
+                </a:cxn>
+                <a:cxn ang="0">
+                  <a:pos x="connsiteX3" y="connsiteY3"/>
+                </a:cxn>
+              </a:cxnLst>
+              <a:rect l="l" t="t" r="r" b="b"/>
+              <a:pathLst>
+                <a:path w="110836" h="203200">
+                  <a:moveTo>
+                    <a:pt x="73891" y="0"/>
+                  </a:moveTo>
+                  <a:lnTo>
+                    <a:pt x="0" y="147782"/>
+                  </a:lnTo>
+                  <a:lnTo>
+                    <a:pt x="110836" y="203200"/>
+                  </a:lnTo>
+                  <a:lnTo>
+                    <a:pt x="73891" y="0"/>
+                  </a:lnTo>
+                  <a:close/>
+                </a:path>
+              </a:pathLst>
+            </a:custGeom>
+            <a:solidFill>
+              <a:schemeClr val="bg1"/>
+            </a:solidFill>
+            <a:ln>
+              <a:noFill/>
+            </a:ln>
+          </p:spPr>
+          <p:style>
+            <a:lnRef idx="2">
+              <a:schemeClr val="accent1">
+                <a:shade val="50000"/>
+              </a:schemeClr>
+            </a:lnRef>
+            <a:fillRef idx="1">
+              <a:schemeClr val="accent1"/>
+            </a:fillRef>
+            <a:effectRef idx="0">
+              <a:schemeClr val="accent1"/>
+            </a:effectRef>
+            <a:fontRef idx="minor">
+              <a:schemeClr val="lt1"/>
+            </a:fontRef>
+          </p:style>
+          <p:txBody>
+            <a:bodyPr rtlCol="0" anchor="ctr"/>
+            <a:lstStyle/>
+            <a:p>
+              <a:pPr algn="ctr"/>
+              <a:endParaRPr lang="en-US"/>
+            </a:p>
+          </p:txBody>
+        </p:sp>
+      </p:grpSp>
+      <p:sp>
+        <p:nvSpPr>
+          <p:cNvPr id="14" name="TextBox 13"/>
+          <p:cNvSpPr txBox="1"/>
+          <p:nvPr/>
+        </p:nvSpPr>
+        <p:spPr>
+          <a:xfrm flipH="1">
+            <a:off x="5412508" y="3095357"/>
+            <a:ext cx="1365256" cy="369332"/>
+          </a:xfrm>
+          <a:prstGeom prst="rect">
+            <a:avLst/>
+          </a:prstGeom>
+          <a:noFill/>
+        </p:spPr>
+        <p:txBody>
+          <a:bodyPr wrap="square" rtlCol="0">
+            <a:spAutoFit/>
+          </a:bodyPr>
+          <a:lstStyle/>
+          <a:p>
+            <a:pPr algn="ctr"/>
+            <a:r>
+              <a:rPr lang="zh-CN" altLang="en-US" dirty="0" smtClean="0">
+                <a:latin typeface="Microsoft YaHei" panose="020B0503020204020204" pitchFamily="34" charset="-122"/>
+                <a:ea typeface="Microsoft YaHei" panose="020B0503020204020204" pitchFamily="34" charset="-122"/>
+              </a:rPr>
+              <a:t>开始游戏</a:t>
+            </a:r>
+            <a:endParaRPr lang="en-US" dirty="0">
+              <a:latin typeface="Microsoft YaHei" panose="020B0503020204020204" pitchFamily="34" charset="-122"/>
+              <a:ea typeface="Microsoft YaHei" panose="020B0503020204020204" pitchFamily="34" charset="-122"/>
+            </a:endParaRPr>
+          </a:p>
+        </p:txBody>
+      </p:sp>
+      <p:sp>
+        <p:nvSpPr>
+          <p:cNvPr id="15" name="TextBox 14"/>
+          <p:cNvSpPr txBox="1"/>
+          <p:nvPr/>
+        </p:nvSpPr>
+        <p:spPr>
+          <a:xfrm flipH="1">
+            <a:off x="5407150" y="3569755"/>
+            <a:ext cx="1365256" cy="369332"/>
+          </a:xfrm>
+          <a:prstGeom prst="rect">
+            <a:avLst/>
+          </a:prstGeom>
+          <a:noFill/>
+        </p:spPr>
+        <p:txBody>
+          <a:bodyPr wrap="square" rtlCol="0">
+            <a:spAutoFit/>
+          </a:bodyPr>
+          <a:lstStyle/>
+          <a:p>
+            <a:pPr algn="ctr"/>
+            <a:r>
+              <a:rPr lang="zh-CN" altLang="en-US" dirty="0">
+                <a:latin typeface="Microsoft YaHei" panose="020B0503020204020204" pitchFamily="34" charset="-122"/>
+                <a:ea typeface="Microsoft YaHei" panose="020B0503020204020204" pitchFamily="34" charset="-122"/>
+              </a:rPr>
+              <a:t>设置</a:t>
+            </a:r>
+            <a:endParaRPr lang="en-US" dirty="0">
+              <a:latin typeface="Microsoft YaHei" panose="020B0503020204020204" pitchFamily="34" charset="-122"/>
+              <a:ea typeface="Microsoft YaHei" panose="020B0503020204020204" pitchFamily="34" charset="-122"/>
+            </a:endParaRPr>
+          </a:p>
+        </p:txBody>
+      </p:sp>
+      <p:sp>
+        <p:nvSpPr>
+          <p:cNvPr id="16" name="TextBox 15"/>
+          <p:cNvSpPr txBox="1"/>
+          <p:nvPr/>
+        </p:nvSpPr>
+        <p:spPr>
+          <a:xfrm flipH="1">
+            <a:off x="5407150" y="4044153"/>
+            <a:ext cx="1365256" cy="369332"/>
+          </a:xfrm>
+          <a:prstGeom prst="rect">
+            <a:avLst/>
+          </a:prstGeom>
+          <a:noFill/>
+        </p:spPr>
+        <p:txBody>
+          <a:bodyPr wrap="square" rtlCol="0">
+            <a:spAutoFit/>
+          </a:bodyPr>
+          <a:lstStyle/>
+          <a:p>
+            <a:pPr algn="ctr"/>
+            <a:r>
+              <a:rPr lang="zh-CN" altLang="en-US" dirty="0" smtClean="0">
+                <a:latin typeface="Microsoft YaHei" panose="020B0503020204020204" pitchFamily="34" charset="-122"/>
+                <a:ea typeface="Microsoft YaHei" panose="020B0503020204020204" pitchFamily="34" charset="-122"/>
+              </a:rPr>
+              <a:t>离开</a:t>
+            </a:r>
+            <a:endParaRPr lang="en-US" dirty="0">
+              <a:latin typeface="Microsoft YaHei" panose="020B0503020204020204" pitchFamily="34" charset="-122"/>
+              <a:ea typeface="Microsoft YaHei" panose="020B0503020204020204" pitchFamily="34" charset="-122"/>
+            </a:endParaRPr>
+          </a:p>
+        </p:txBody>
+      </p:sp>
+    </p:spTree>
+    <p:extLst>
+      <p:ext uri="{BB962C8B-B14F-4D97-AF65-F5344CB8AC3E}">
+        <p14:creationId xmlns:p14="http://schemas.microsoft.com/office/powerpoint/2010/main" val="67491585"/>
+      </p:ext>
+    </p:extLst>
+  </p:cSld>
+  <p:clrMapOvr>
+    <a:masterClrMapping/>
+  </p:clrMapOvr>
+  <p:timing>
+    <p:tnLst>
+      <p:par>
+        <p:cTn id="1" dur="indefinite" restart="never" nodeType="tmRoot"/>
+      </p:par>
+    </p:tnLst>
+  </p:timing>
+</p:sld>
+</file>
+
+<file path=ppt/slides/slide4.xml><?xml version="1.0" encoding="utf-8"?>
+<p:sld xmlns:a="http://schemas.openxmlformats.org/drawingml/2006/main" xmlns:r="http://schemas.openxmlformats.org/officeDocument/2006/relationships" xmlns:p="http://schemas.openxmlformats.org/presentationml/2006/main">
+  <p:cSld>
+    <p:spTree>
+      <p:nvGrpSpPr>
+        <p:cNvPr id="1" name=""/>
+        <p:cNvGrpSpPr/>
+        <p:nvPr/>
+      </p:nvGrpSpPr>
+      <p:grpSpPr>
+        <a:xfrm>
+          <a:off x="0" y="0"/>
+          <a:ext cx="0" cy="0"/>
+          <a:chOff x="0" y="0"/>
+          <a:chExt cx="0" cy="0"/>
+        </a:xfrm>
+      </p:grpSpPr>
+      <p:sp>
+        <p:nvSpPr>
+          <p:cNvPr id="12" name="Rectangle 11"/>
+          <p:cNvSpPr/>
+          <p:nvPr/>
+        </p:nvSpPr>
+        <p:spPr>
+          <a:xfrm>
+            <a:off x="0" y="0"/>
+            <a:ext cx="12192000" cy="6858000"/>
+          </a:xfrm>
+          <a:prstGeom prst="rect">
+            <a:avLst/>
+          </a:prstGeom>
+          <a:gradFill flip="none" rotWithShape="1">
+            <a:gsLst>
+              <a:gs pos="0">
+                <a:schemeClr val="bg1">
+                  <a:lumMod val="85000"/>
+                  <a:shade val="30000"/>
+                  <a:satMod val="115000"/>
+                </a:schemeClr>
+              </a:gs>
+              <a:gs pos="50000">
+                <a:schemeClr val="bg1">
+                  <a:lumMod val="85000"/>
+                  <a:shade val="67500"/>
+                  <a:satMod val="115000"/>
+                </a:schemeClr>
+              </a:gs>
+              <a:gs pos="100000">
+                <a:schemeClr val="bg1">
+                  <a:lumMod val="85000"/>
+                  <a:shade val="100000"/>
+                  <a:satMod val="115000"/>
+                </a:schemeClr>
+              </a:gs>
+            </a:gsLst>
+            <a:lin ang="16200000" scaled="1"/>
+            <a:tileRect/>
+          </a:gradFill>
+          <a:ln>
+            <a:noFill/>
+          </a:ln>
+        </p:spPr>
+        <p:style>
+          <a:lnRef idx="2">
+            <a:schemeClr val="accent1">
+              <a:shade val="50000"/>
+            </a:schemeClr>
+          </a:lnRef>
+          <a:fillRef idx="1">
+            <a:schemeClr val="accent1"/>
+          </a:fillRef>
+          <a:effectRef idx="0">
+            <a:schemeClr val="accent1"/>
+          </a:effectRef>
+          <a:fontRef idx="minor">
+            <a:schemeClr val="lt1"/>
+          </a:fontRef>
+        </p:style>
+        <p:txBody>
+          <a:bodyPr rtlCol="0" anchor="ctr"/>
+          <a:lstStyle/>
+          <a:p>
+            <a:pPr algn="ctr"/>
+            <a:endParaRPr lang="en-US"/>
+          </a:p>
+        </p:txBody>
+      </p:sp>
+      <p:grpSp>
+        <p:nvGrpSpPr>
+          <p:cNvPr id="11" name="Group 10"/>
+          <p:cNvGrpSpPr/>
+          <p:nvPr/>
+        </p:nvGrpSpPr>
+        <p:grpSpPr>
+          <a:xfrm>
+            <a:off x="2688760" y="669073"/>
+            <a:ext cx="6814480" cy="7699746"/>
+            <a:chOff x="5198277" y="3107382"/>
+            <a:chExt cx="1795446" cy="2028692"/>
+          </a:xfrm>
+        </p:grpSpPr>
+        <p:grpSp>
+          <p:nvGrpSpPr>
+            <p:cNvPr id="6" name="Group 5"/>
+            <p:cNvGrpSpPr/>
+            <p:nvPr/>
+          </p:nvGrpSpPr>
+          <p:grpSpPr>
+            <a:xfrm>
+              <a:off x="5198277" y="3107382"/>
+              <a:ext cx="1795446" cy="2028692"/>
+              <a:chOff x="5083201" y="2624118"/>
+              <a:chExt cx="1795446" cy="2028692"/>
+            </a:xfrm>
+          </p:grpSpPr>
+          <p:sp>
+            <p:nvSpPr>
+              <p:cNvPr id="4" name="Oval 3"/>
+              <p:cNvSpPr/>
+              <p:nvPr/>
+            </p:nvSpPr>
+            <p:spPr>
+              <a:xfrm>
+                <a:off x="5083201" y="2624118"/>
+                <a:ext cx="1795446" cy="1795446"/>
+              </a:xfrm>
+              <a:prstGeom prst="ellipse">
+                <a:avLst/>
+              </a:prstGeom>
+              <a:solidFill>
+                <a:schemeClr val="bg1">
+                  <a:lumMod val="65000"/>
+                </a:schemeClr>
+              </a:solidFill>
+              <a:ln>
+                <a:solidFill>
+                  <a:schemeClr val="tx1"/>
+                </a:solidFill>
+              </a:ln>
+            </p:spPr>
+            <p:style>
+              <a:lnRef idx="2">
+                <a:schemeClr val="accent1">
+                  <a:shade val="50000"/>
+                </a:schemeClr>
+              </a:lnRef>
+              <a:fillRef idx="1">
+                <a:schemeClr val="accent1"/>
+              </a:fillRef>
+              <a:effectRef idx="0">
+                <a:schemeClr val="accent1"/>
+              </a:effectRef>
+              <a:fontRef idx="minor">
+                <a:schemeClr val="lt1"/>
+              </a:fontRef>
+            </p:style>
+            <p:txBody>
+              <a:bodyPr rot="0" spcFirstLastPara="0" vertOverflow="overflow" horzOverflow="overflow" vert="horz" wrap="square" lIns="91440" tIns="45720" rIns="91440" bIns="45720" numCol="1" spcCol="0" rtlCol="0" fromWordArt="0" anchor="ctr" anchorCtr="0" forceAA="0" compatLnSpc="1">
+                <a:prstTxWarp prst="textNoShape">
+                  <a:avLst/>
+                </a:prstTxWarp>
+                <a:noAutofit/>
+              </a:bodyPr>
+              <a:lstStyle/>
+              <a:p>
+                <a:pPr algn="ctr"/>
+                <a:endParaRPr lang="en-US"/>
+              </a:p>
+            </p:txBody>
+          </p:sp>
+          <p:sp>
+            <p:nvSpPr>
+              <p:cNvPr id="5" name="Trapezoid 4"/>
+              <p:cNvSpPr/>
+              <p:nvPr/>
+            </p:nvSpPr>
+            <p:spPr>
+              <a:xfrm>
+                <a:off x="5470426" y="4315628"/>
+                <a:ext cx="1020996" cy="337182"/>
+              </a:xfrm>
+              <a:prstGeom prst="trapezoid">
+                <a:avLst/>
+              </a:prstGeom>
+              <a:solidFill>
+                <a:schemeClr val="bg2">
+                  <a:lumMod val="90000"/>
+                </a:schemeClr>
+              </a:solidFill>
+              <a:ln>
+                <a:solidFill>
+                  <a:schemeClr val="tx1"/>
+                </a:solidFill>
+              </a:ln>
+            </p:spPr>
+            <p:style>
+              <a:lnRef idx="2">
+                <a:schemeClr val="accent1">
+                  <a:shade val="50000"/>
+                </a:schemeClr>
+              </a:lnRef>
+              <a:fillRef idx="1">
+                <a:schemeClr val="accent1"/>
+              </a:fillRef>
+              <a:effectRef idx="0">
+                <a:schemeClr val="accent1"/>
+              </a:effectRef>
+              <a:fontRef idx="minor">
+                <a:schemeClr val="lt1"/>
+              </a:fontRef>
+            </p:style>
+            <p:txBody>
+              <a:bodyPr rtlCol="0" anchor="ctr"/>
+              <a:lstStyle/>
+              <a:p>
+                <a:pPr algn="ctr"/>
+                <a:endParaRPr lang="en-US"/>
+              </a:p>
+            </p:txBody>
+          </p:sp>
+        </p:grpSp>
+        <p:sp>
+          <p:nvSpPr>
+            <p:cNvPr id="8" name="Freeform 7"/>
+            <p:cNvSpPr/>
+            <p:nvPr/>
+          </p:nvSpPr>
+          <p:spPr>
+            <a:xfrm>
+              <a:off x="6426389" y="3401558"/>
+              <a:ext cx="360218" cy="600364"/>
+            </a:xfrm>
+            <a:custGeom>
+              <a:avLst/>
+              <a:gdLst>
+                <a:gd name="connsiteX0" fmla="*/ 0 w 360218"/>
+                <a:gd name="connsiteY0" fmla="*/ 55418 h 600364"/>
+                <a:gd name="connsiteX1" fmla="*/ 138545 w 360218"/>
+                <a:gd name="connsiteY1" fmla="*/ 0 h 600364"/>
+                <a:gd name="connsiteX2" fmla="*/ 304800 w 360218"/>
+                <a:gd name="connsiteY2" fmla="*/ 258618 h 600364"/>
+                <a:gd name="connsiteX3" fmla="*/ 360218 w 360218"/>
+                <a:gd name="connsiteY3" fmla="*/ 600364 h 600364"/>
+                <a:gd name="connsiteX4" fmla="*/ 0 w 360218"/>
+                <a:gd name="connsiteY4" fmla="*/ 55418 h 600364"/>
+              </a:gdLst>
+              <a:ahLst/>
+              <a:cxnLst>
+                <a:cxn ang="0">
+                  <a:pos x="connsiteX0" y="connsiteY0"/>
+                </a:cxn>
+                <a:cxn ang="0">
+                  <a:pos x="connsiteX1" y="connsiteY1"/>
+                </a:cxn>
+                <a:cxn ang="0">
+                  <a:pos x="connsiteX2" y="connsiteY2"/>
+                </a:cxn>
+                <a:cxn ang="0">
+                  <a:pos x="connsiteX3" y="connsiteY3"/>
+                </a:cxn>
+                <a:cxn ang="0">
+                  <a:pos x="connsiteX4" y="connsiteY4"/>
+                </a:cxn>
+              </a:cxnLst>
+              <a:rect l="l" t="t" r="r" b="b"/>
+              <a:pathLst>
+                <a:path w="360218" h="600364">
+                  <a:moveTo>
+                    <a:pt x="0" y="55418"/>
+                  </a:moveTo>
+                  <a:lnTo>
+                    <a:pt x="138545" y="0"/>
+                  </a:lnTo>
+                  <a:lnTo>
+                    <a:pt x="304800" y="258618"/>
+                  </a:lnTo>
+                  <a:lnTo>
+                    <a:pt x="360218" y="600364"/>
+                  </a:lnTo>
+                  <a:lnTo>
+                    <a:pt x="0" y="55418"/>
+                  </a:lnTo>
+                  <a:close/>
+                </a:path>
+              </a:pathLst>
+            </a:custGeom>
+            <a:solidFill>
+              <a:schemeClr val="bg1"/>
+            </a:solidFill>
+            <a:ln>
+              <a:noFill/>
+            </a:ln>
+          </p:spPr>
+          <p:style>
+            <a:lnRef idx="2">
+              <a:schemeClr val="accent1">
+                <a:shade val="50000"/>
+              </a:schemeClr>
+            </a:lnRef>
+            <a:fillRef idx="1">
+              <a:schemeClr val="accent1"/>
+            </a:fillRef>
+            <a:effectRef idx="0">
+              <a:schemeClr val="accent1"/>
+            </a:effectRef>
+            <a:fontRef idx="minor">
+              <a:schemeClr val="lt1"/>
+            </a:fontRef>
+          </p:style>
+          <p:txBody>
+            <a:bodyPr rtlCol="0" anchor="ctr"/>
+            <a:lstStyle/>
+            <a:p>
+              <a:pPr algn="ctr"/>
+              <a:endParaRPr lang="en-US">
+                <a:solidFill>
+                  <a:schemeClr val="bg1"/>
+                </a:solidFill>
+              </a:endParaRPr>
+            </a:p>
+          </p:txBody>
+        </p:sp>
+        <p:sp>
+          <p:nvSpPr>
+            <p:cNvPr id="10" name="Freeform 9"/>
+            <p:cNvSpPr/>
+            <p:nvPr/>
+          </p:nvSpPr>
+          <p:spPr>
+            <a:xfrm>
+              <a:off x="6724071" y="4110181"/>
+              <a:ext cx="110836" cy="203200"/>
+            </a:xfrm>
+            <a:custGeom>
+              <a:avLst/>
+              <a:gdLst>
+                <a:gd name="connsiteX0" fmla="*/ 73891 w 110836"/>
+                <a:gd name="connsiteY0" fmla="*/ 0 h 203200"/>
+                <a:gd name="connsiteX1" fmla="*/ 0 w 110836"/>
+                <a:gd name="connsiteY1" fmla="*/ 147782 h 203200"/>
+                <a:gd name="connsiteX2" fmla="*/ 110836 w 110836"/>
+                <a:gd name="connsiteY2" fmla="*/ 203200 h 203200"/>
+                <a:gd name="connsiteX3" fmla="*/ 73891 w 110836"/>
+                <a:gd name="connsiteY3" fmla="*/ 0 h 203200"/>
+              </a:gdLst>
+              <a:ahLst/>
+              <a:cxnLst>
+                <a:cxn ang="0">
+                  <a:pos x="connsiteX0" y="connsiteY0"/>
+                </a:cxn>
+                <a:cxn ang="0">
+                  <a:pos x="connsiteX1" y="connsiteY1"/>
+                </a:cxn>
+                <a:cxn ang="0">
+                  <a:pos x="connsiteX2" y="connsiteY2"/>
+                </a:cxn>
+                <a:cxn ang="0">
+                  <a:pos x="connsiteX3" y="connsiteY3"/>
+                </a:cxn>
+              </a:cxnLst>
+              <a:rect l="l" t="t" r="r" b="b"/>
+              <a:pathLst>
+                <a:path w="110836" h="203200">
+                  <a:moveTo>
+                    <a:pt x="73891" y="0"/>
+                  </a:moveTo>
+                  <a:lnTo>
+                    <a:pt x="0" y="147782"/>
+                  </a:lnTo>
+                  <a:lnTo>
+                    <a:pt x="110836" y="203200"/>
+                  </a:lnTo>
+                  <a:lnTo>
+                    <a:pt x="73891" y="0"/>
+                  </a:lnTo>
+                  <a:close/>
+                </a:path>
+              </a:pathLst>
+            </a:custGeom>
+            <a:solidFill>
+              <a:schemeClr val="bg1"/>
+            </a:solidFill>
+            <a:ln>
+              <a:noFill/>
+            </a:ln>
+          </p:spPr>
+          <p:style>
+            <a:lnRef idx="2">
+              <a:schemeClr val="accent1">
+                <a:shade val="50000"/>
+              </a:schemeClr>
+            </a:lnRef>
+            <a:fillRef idx="1">
+              <a:schemeClr val="accent1"/>
+            </a:fillRef>
+            <a:effectRef idx="0">
+              <a:schemeClr val="accent1"/>
+            </a:effectRef>
+            <a:fontRef idx="minor">
+              <a:schemeClr val="lt1"/>
+            </a:fontRef>
+          </p:style>
+          <p:txBody>
+            <a:bodyPr rtlCol="0" anchor="ctr"/>
+            <a:lstStyle/>
+            <a:p>
+              <a:pPr algn="ctr"/>
+              <a:endParaRPr lang="en-US"/>
+            </a:p>
+          </p:txBody>
+        </p:sp>
+      </p:grpSp>
+      <p:sp>
+        <p:nvSpPr>
+          <p:cNvPr id="2" name="TextBox 1"/>
+          <p:cNvSpPr txBox="1"/>
+          <p:nvPr/>
+        </p:nvSpPr>
+        <p:spPr>
+          <a:xfrm>
+            <a:off x="4661207" y="1610072"/>
+            <a:ext cx="2236510" cy="707886"/>
+          </a:xfrm>
+          <a:prstGeom prst="rect">
+            <a:avLst/>
+          </a:prstGeom>
+          <a:noFill/>
+        </p:spPr>
+        <p:txBody>
+          <a:bodyPr wrap="none" rtlCol="0">
+            <a:spAutoFit/>
+          </a:bodyPr>
+          <a:lstStyle/>
+          <a:p>
+            <a:r>
+              <a:rPr lang="zh-CN" altLang="en-US" sz="4000" dirty="0" smtClean="0">
+                <a:latin typeface="Microsoft YaHei Light" panose="020B0502040204020203" pitchFamily="34" charset="-122"/>
+                <a:ea typeface="Microsoft YaHei Light" panose="020B0502040204020203" pitchFamily="34" charset="-122"/>
+              </a:rPr>
+              <a:t>创建房间</a:t>
+            </a:r>
+            <a:endParaRPr lang="en-US" sz="4000" dirty="0">
+              <a:latin typeface="Microsoft YaHei Light" panose="020B0502040204020203" pitchFamily="34" charset="-122"/>
+              <a:ea typeface="Microsoft YaHei Light" panose="020B0502040204020203" pitchFamily="34" charset="-122"/>
+            </a:endParaRPr>
+          </a:p>
+        </p:txBody>
+      </p:sp>
+    </p:spTree>
+    <p:extLst>
+      <p:ext uri="{BB962C8B-B14F-4D97-AF65-F5344CB8AC3E}">
+        <p14:creationId xmlns:p14="http://schemas.microsoft.com/office/powerpoint/2010/main" val="1809472695"/>
+      </p:ext>
+    </p:extLst>
+  </p:cSld>
+  <p:clrMapOvr>
+    <a:masterClrMapping/>
+  </p:clrMapOvr>
+  <p:timing>
+    <p:tnLst>
+      <p:par>
+        <p:cTn id="1" dur="indefinite" restart="never" nodeType="tmRoot"/>
+      </p:par>
+    </p:tnLst>
+  </p:timing>
 </p:sld>
 </file>
 

--- a/Board_Display.pptx
+++ b/Board_Display.pptx
@@ -5,10 +5,12 @@
     <p:sldMasterId id="2147483672" r:id="rId1"/>
   </p:sldMasterIdLst>
   <p:sldIdLst>
-    <p:sldId id="256" r:id="rId2"/>
-    <p:sldId id="258" r:id="rId3"/>
-    <p:sldId id="257" r:id="rId4"/>
-    <p:sldId id="259" r:id="rId5"/>
+    <p:sldId id="257" r:id="rId2"/>
+    <p:sldId id="259" r:id="rId3"/>
+    <p:sldId id="260" r:id="rId4"/>
+    <p:sldId id="261" r:id="rId5"/>
+    <p:sldId id="258" r:id="rId6"/>
+    <p:sldId id="256" r:id="rId7"/>
   </p:sldIdLst>
   <p:sldSz cx="12192000" cy="6858000"/>
   <p:notesSz cx="6858000" cy="9144000"/>
@@ -246,7 +248,7 @@
           <a:p>
             <a:fld id="{09D1AB0D-6ABC-4A8F-A329-D321C82B9A5A}" type="datetimeFigureOut">
               <a:rPr lang="en-US" smtClean="0"/>
-              <a:t>5/15/2019</a:t>
+              <a:t>5/16/2019</a:t>
             </a:fld>
             <a:endParaRPr lang="en-US"/>
           </a:p>
@@ -416,7 +418,7 @@
           <a:p>
             <a:fld id="{09D1AB0D-6ABC-4A8F-A329-D321C82B9A5A}" type="datetimeFigureOut">
               <a:rPr lang="en-US" smtClean="0"/>
-              <a:t>5/15/2019</a:t>
+              <a:t>5/16/2019</a:t>
             </a:fld>
             <a:endParaRPr lang="en-US"/>
           </a:p>
@@ -596,7 +598,7 @@
           <a:p>
             <a:fld id="{09D1AB0D-6ABC-4A8F-A329-D321C82B9A5A}" type="datetimeFigureOut">
               <a:rPr lang="en-US" smtClean="0"/>
-              <a:t>5/15/2019</a:t>
+              <a:t>5/16/2019</a:t>
             </a:fld>
             <a:endParaRPr lang="en-US"/>
           </a:p>
@@ -766,7 +768,7 @@
           <a:p>
             <a:fld id="{09D1AB0D-6ABC-4A8F-A329-D321C82B9A5A}" type="datetimeFigureOut">
               <a:rPr lang="en-US" smtClean="0"/>
-              <a:t>5/15/2019</a:t>
+              <a:t>5/16/2019</a:t>
             </a:fld>
             <a:endParaRPr lang="en-US"/>
           </a:p>
@@ -1012,7 +1014,7 @@
           <a:p>
             <a:fld id="{09D1AB0D-6ABC-4A8F-A329-D321C82B9A5A}" type="datetimeFigureOut">
               <a:rPr lang="en-US" smtClean="0"/>
-              <a:t>5/15/2019</a:t>
+              <a:t>5/16/2019</a:t>
             </a:fld>
             <a:endParaRPr lang="en-US"/>
           </a:p>
@@ -1244,7 +1246,7 @@
           <a:p>
             <a:fld id="{09D1AB0D-6ABC-4A8F-A329-D321C82B9A5A}" type="datetimeFigureOut">
               <a:rPr lang="en-US" smtClean="0"/>
-              <a:t>5/15/2019</a:t>
+              <a:t>5/16/2019</a:t>
             </a:fld>
             <a:endParaRPr lang="en-US"/>
           </a:p>
@@ -1611,7 +1613,7 @@
           <a:p>
             <a:fld id="{09D1AB0D-6ABC-4A8F-A329-D321C82B9A5A}" type="datetimeFigureOut">
               <a:rPr lang="en-US" smtClean="0"/>
-              <a:t>5/15/2019</a:t>
+              <a:t>5/16/2019</a:t>
             </a:fld>
             <a:endParaRPr lang="en-US"/>
           </a:p>
@@ -1729,7 +1731,7 @@
           <a:p>
             <a:fld id="{09D1AB0D-6ABC-4A8F-A329-D321C82B9A5A}" type="datetimeFigureOut">
               <a:rPr lang="en-US" smtClean="0"/>
-              <a:t>5/15/2019</a:t>
+              <a:t>5/16/2019</a:t>
             </a:fld>
             <a:endParaRPr lang="en-US"/>
           </a:p>
@@ -1824,7 +1826,7 @@
           <a:p>
             <a:fld id="{09D1AB0D-6ABC-4A8F-A329-D321C82B9A5A}" type="datetimeFigureOut">
               <a:rPr lang="en-US" smtClean="0"/>
-              <a:t>5/15/2019</a:t>
+              <a:t>5/16/2019</a:t>
             </a:fld>
             <a:endParaRPr lang="en-US"/>
           </a:p>
@@ -2101,7 +2103,7 @@
           <a:p>
             <a:fld id="{09D1AB0D-6ABC-4A8F-A329-D321C82B9A5A}" type="datetimeFigureOut">
               <a:rPr lang="en-US" smtClean="0"/>
-              <a:t>5/15/2019</a:t>
+              <a:t>5/16/2019</a:t>
             </a:fld>
             <a:endParaRPr lang="en-US"/>
           </a:p>
@@ -2358,7 +2360,7 @@
           <a:p>
             <a:fld id="{09D1AB0D-6ABC-4A8F-A329-D321C82B9A5A}" type="datetimeFigureOut">
               <a:rPr lang="en-US" smtClean="0"/>
-              <a:t>5/15/2019</a:t>
+              <a:t>5/16/2019</a:t>
             </a:fld>
             <a:endParaRPr lang="en-US"/>
           </a:p>
@@ -2571,7 +2573,7 @@
           <a:p>
             <a:fld id="{09D1AB0D-6ABC-4A8F-A329-D321C82B9A5A}" type="datetimeFigureOut">
               <a:rPr lang="en-US" smtClean="0"/>
-              <a:t>5/15/2019</a:t>
+              <a:t>5/16/2019</a:t>
             </a:fld>
             <a:endParaRPr lang="en-US"/>
           </a:p>
@@ -2976,43 +2978,317 @@
           <a:chExt cx="0" cy="0"/>
         </a:xfrm>
       </p:grpSpPr>
+      <p:sp>
+        <p:nvSpPr>
+          <p:cNvPr id="12" name="Rectangle 11"/>
+          <p:cNvSpPr/>
+          <p:nvPr/>
+        </p:nvSpPr>
+        <p:spPr>
+          <a:xfrm>
+            <a:off x="0" y="0"/>
+            <a:ext cx="12192000" cy="6858000"/>
+          </a:xfrm>
+          <a:prstGeom prst="rect">
+            <a:avLst/>
+          </a:prstGeom>
+          <a:gradFill flip="none" rotWithShape="1">
+            <a:gsLst>
+              <a:gs pos="0">
+                <a:schemeClr val="bg1">
+                  <a:lumMod val="85000"/>
+                  <a:shade val="30000"/>
+                  <a:satMod val="115000"/>
+                </a:schemeClr>
+              </a:gs>
+              <a:gs pos="50000">
+                <a:schemeClr val="bg1">
+                  <a:lumMod val="85000"/>
+                  <a:shade val="67500"/>
+                  <a:satMod val="115000"/>
+                </a:schemeClr>
+              </a:gs>
+              <a:gs pos="100000">
+                <a:schemeClr val="bg1">
+                  <a:lumMod val="85000"/>
+                  <a:shade val="100000"/>
+                  <a:satMod val="115000"/>
+                </a:schemeClr>
+              </a:gs>
+            </a:gsLst>
+            <a:lin ang="16200000" scaled="1"/>
+            <a:tileRect/>
+          </a:gradFill>
+          <a:ln>
+            <a:noFill/>
+          </a:ln>
+        </p:spPr>
+        <p:style>
+          <a:lnRef idx="2">
+            <a:schemeClr val="accent1">
+              <a:shade val="50000"/>
+            </a:schemeClr>
+          </a:lnRef>
+          <a:fillRef idx="1">
+            <a:schemeClr val="accent1"/>
+          </a:fillRef>
+          <a:effectRef idx="0">
+            <a:schemeClr val="accent1"/>
+          </a:effectRef>
+          <a:fontRef idx="minor">
+            <a:schemeClr val="lt1"/>
+          </a:fontRef>
+        </p:style>
+        <p:txBody>
+          <a:bodyPr rtlCol="0" anchor="ctr"/>
+          <a:lstStyle/>
+          <a:p>
+            <a:pPr algn="ctr"/>
+            <a:endParaRPr lang="en-US"/>
+          </a:p>
+        </p:txBody>
+      </p:sp>
+      <p:sp>
+        <p:nvSpPr>
+          <p:cNvPr id="7" name="TextBox 6"/>
+          <p:cNvSpPr txBox="1"/>
+          <p:nvPr/>
+        </p:nvSpPr>
+        <p:spPr>
+          <a:xfrm>
+            <a:off x="2115127" y="386609"/>
+            <a:ext cx="7949302" cy="1323439"/>
+          </a:xfrm>
+          <a:prstGeom prst="rect">
+            <a:avLst/>
+          </a:prstGeom>
+          <a:noFill/>
+        </p:spPr>
+        <p:txBody>
+          <a:bodyPr wrap="square" rtlCol="0" anchor="ctr">
+            <a:spAutoFit/>
+          </a:bodyPr>
+          <a:lstStyle/>
+          <a:p>
+            <a:pPr algn="ctr"/>
+            <a:r>
+              <a:rPr lang="zh-CN" altLang="en-US" sz="8000" spc="1000" dirty="0" smtClean="0">
+                <a:latin typeface="Microsoft YaHei" panose="020B0503020204020204" pitchFamily="34" charset="-122"/>
+                <a:ea typeface="Microsoft YaHei" panose="020B0503020204020204" pitchFamily="34" charset="-122"/>
+              </a:rPr>
+              <a:t>占卜大战</a:t>
+            </a:r>
+            <a:endParaRPr lang="en-US" sz="8000" spc="1000" dirty="0">
+              <a:latin typeface="Microsoft YaHei" panose="020B0503020204020204" pitchFamily="34" charset="-122"/>
+              <a:ea typeface="Microsoft YaHei" panose="020B0503020204020204" pitchFamily="34" charset="-122"/>
+            </a:endParaRPr>
+          </a:p>
+        </p:txBody>
+      </p:sp>
       <p:grpSp>
         <p:nvGrpSpPr>
-          <p:cNvPr id="107" name="Group 106"/>
+          <p:cNvPr id="11" name="Group 10"/>
           <p:cNvGrpSpPr/>
           <p:nvPr/>
         </p:nvGrpSpPr>
         <p:grpSpPr>
           <a:xfrm>
-            <a:off x="-3143567" y="-10756540"/>
-            <a:ext cx="15441125" cy="15441125"/>
-            <a:chOff x="-2834473" y="-10254434"/>
-            <a:chExt cx="15441125" cy="15441125"/>
+            <a:off x="4744989" y="2364949"/>
+            <a:ext cx="2689578" cy="3038980"/>
+            <a:chOff x="5198277" y="3107382"/>
+            <a:chExt cx="1795446" cy="2028692"/>
           </a:xfrm>
         </p:grpSpPr>
+        <p:grpSp>
+          <p:nvGrpSpPr>
+            <p:cNvPr id="6" name="Group 5"/>
+            <p:cNvGrpSpPr/>
+            <p:nvPr/>
+          </p:nvGrpSpPr>
+          <p:grpSpPr>
+            <a:xfrm>
+              <a:off x="5198277" y="3107382"/>
+              <a:ext cx="1795446" cy="2028692"/>
+              <a:chOff x="5083201" y="2624118"/>
+              <a:chExt cx="1795446" cy="2028692"/>
+            </a:xfrm>
+          </p:grpSpPr>
+          <p:sp>
+            <p:nvSpPr>
+              <p:cNvPr id="4" name="Oval 3"/>
+              <p:cNvSpPr/>
+              <p:nvPr/>
+            </p:nvSpPr>
+            <p:spPr>
+              <a:xfrm>
+                <a:off x="5083201" y="2624118"/>
+                <a:ext cx="1795446" cy="1795446"/>
+              </a:xfrm>
+              <a:prstGeom prst="ellipse">
+                <a:avLst/>
+              </a:prstGeom>
+              <a:solidFill>
+                <a:schemeClr val="bg1">
+                  <a:lumMod val="65000"/>
+                </a:schemeClr>
+              </a:solidFill>
+              <a:ln>
+                <a:solidFill>
+                  <a:schemeClr val="tx1"/>
+                </a:solidFill>
+              </a:ln>
+            </p:spPr>
+            <p:style>
+              <a:lnRef idx="2">
+                <a:schemeClr val="accent1">
+                  <a:shade val="50000"/>
+                </a:schemeClr>
+              </a:lnRef>
+              <a:fillRef idx="1">
+                <a:schemeClr val="accent1"/>
+              </a:fillRef>
+              <a:effectRef idx="0">
+                <a:schemeClr val="accent1"/>
+              </a:effectRef>
+              <a:fontRef idx="minor">
+                <a:schemeClr val="lt1"/>
+              </a:fontRef>
+            </p:style>
+            <p:txBody>
+              <a:bodyPr rot="0" spcFirstLastPara="0" vertOverflow="overflow" horzOverflow="overflow" vert="horz" wrap="square" lIns="91440" tIns="45720" rIns="91440" bIns="45720" numCol="1" spcCol="0" rtlCol="0" fromWordArt="0" anchor="ctr" anchorCtr="0" forceAA="0" compatLnSpc="1">
+                <a:prstTxWarp prst="textNoShape">
+                  <a:avLst/>
+                </a:prstTxWarp>
+                <a:noAutofit/>
+              </a:bodyPr>
+              <a:lstStyle/>
+              <a:p>
+                <a:pPr algn="ctr"/>
+                <a:endParaRPr lang="en-US"/>
+              </a:p>
+            </p:txBody>
+          </p:sp>
+          <p:sp>
+            <p:nvSpPr>
+              <p:cNvPr id="5" name="Trapezoid 4"/>
+              <p:cNvSpPr/>
+              <p:nvPr/>
+            </p:nvSpPr>
+            <p:spPr>
+              <a:xfrm>
+                <a:off x="5470426" y="4315628"/>
+                <a:ext cx="1020996" cy="337182"/>
+              </a:xfrm>
+              <a:prstGeom prst="trapezoid">
+                <a:avLst/>
+              </a:prstGeom>
+              <a:solidFill>
+                <a:schemeClr val="bg2">
+                  <a:lumMod val="90000"/>
+                </a:schemeClr>
+              </a:solidFill>
+              <a:ln>
+                <a:solidFill>
+                  <a:schemeClr val="tx1"/>
+                </a:solidFill>
+              </a:ln>
+            </p:spPr>
+            <p:style>
+              <a:lnRef idx="2">
+                <a:schemeClr val="accent1">
+                  <a:shade val="50000"/>
+                </a:schemeClr>
+              </a:lnRef>
+              <a:fillRef idx="1">
+                <a:schemeClr val="accent1"/>
+              </a:fillRef>
+              <a:effectRef idx="0">
+                <a:schemeClr val="accent1"/>
+              </a:effectRef>
+              <a:fontRef idx="minor">
+                <a:schemeClr val="lt1"/>
+              </a:fontRef>
+            </p:style>
+            <p:txBody>
+              <a:bodyPr rtlCol="0" anchor="ctr"/>
+              <a:lstStyle/>
+              <a:p>
+                <a:pPr algn="ctr"/>
+                <a:endParaRPr lang="en-US"/>
+              </a:p>
+            </p:txBody>
+          </p:sp>
+        </p:grpSp>
         <p:sp>
           <p:nvSpPr>
-            <p:cNvPr id="6" name="Oval 5"/>
+            <p:cNvPr id="8" name="Freeform 7"/>
             <p:cNvSpPr/>
             <p:nvPr/>
           </p:nvSpPr>
           <p:spPr>
-            <a:xfrm rot="20318452">
-              <a:off x="-2834473" y="-10254434"/>
-              <a:ext cx="15441125" cy="15441125"/>
+            <a:xfrm>
+              <a:off x="6426389" y="3401558"/>
+              <a:ext cx="360218" cy="600364"/>
             </a:xfrm>
-            <a:prstGeom prst="ellipse">
+            <a:custGeom>
               <a:avLst/>
-            </a:prstGeom>
+              <a:gdLst>
+                <a:gd name="connsiteX0" fmla="*/ 0 w 360218"/>
+                <a:gd name="connsiteY0" fmla="*/ 55418 h 600364"/>
+                <a:gd name="connsiteX1" fmla="*/ 138545 w 360218"/>
+                <a:gd name="connsiteY1" fmla="*/ 0 h 600364"/>
+                <a:gd name="connsiteX2" fmla="*/ 304800 w 360218"/>
+                <a:gd name="connsiteY2" fmla="*/ 258618 h 600364"/>
+                <a:gd name="connsiteX3" fmla="*/ 360218 w 360218"/>
+                <a:gd name="connsiteY3" fmla="*/ 600364 h 600364"/>
+                <a:gd name="connsiteX4" fmla="*/ 0 w 360218"/>
+                <a:gd name="connsiteY4" fmla="*/ 55418 h 600364"/>
+              </a:gdLst>
+              <a:ahLst/>
+              <a:cxnLst>
+                <a:cxn ang="0">
+                  <a:pos x="connsiteX0" y="connsiteY0"/>
+                </a:cxn>
+                <a:cxn ang="0">
+                  <a:pos x="connsiteX1" y="connsiteY1"/>
+                </a:cxn>
+                <a:cxn ang="0">
+                  <a:pos x="connsiteX2" y="connsiteY2"/>
+                </a:cxn>
+                <a:cxn ang="0">
+                  <a:pos x="connsiteX3" y="connsiteY3"/>
+                </a:cxn>
+                <a:cxn ang="0">
+                  <a:pos x="connsiteX4" y="connsiteY4"/>
+                </a:cxn>
+              </a:cxnLst>
+              <a:rect l="l" t="t" r="r" b="b"/>
+              <a:pathLst>
+                <a:path w="360218" h="600364">
+                  <a:moveTo>
+                    <a:pt x="0" y="55418"/>
+                  </a:moveTo>
+                  <a:lnTo>
+                    <a:pt x="138545" y="0"/>
+                  </a:lnTo>
+                  <a:lnTo>
+                    <a:pt x="304800" y="258618"/>
+                  </a:lnTo>
+                  <a:lnTo>
+                    <a:pt x="360218" y="600364"/>
+                  </a:lnTo>
+                  <a:lnTo>
+                    <a:pt x="0" y="55418"/>
+                  </a:lnTo>
+                  <a:close/>
+                </a:path>
+              </a:pathLst>
+            </a:custGeom>
             <a:solidFill>
-              <a:schemeClr val="bg1">
-                <a:lumMod val="75000"/>
-              </a:schemeClr>
+              <a:schemeClr val="bg1"/>
             </a:solidFill>
             <a:ln>
-              <a:solidFill>
-                <a:schemeClr val="tx1"/>
-              </a:solidFill>
+              <a:noFill/>
             </a:ln>
           </p:spPr>
           <p:style>
@@ -3032,12 +3308,100 @@
             </a:fontRef>
           </p:style>
           <p:txBody>
-            <a:bodyPr rot="0" spcFirstLastPara="0" vertOverflow="overflow" horzOverflow="overflow" vert="horz" wrap="square" lIns="91440" tIns="45720" rIns="91440" bIns="45720" numCol="1" spcCol="0" rtlCol="0" fromWordArt="0" anchor="ctr" anchorCtr="0" forceAA="0" compatLnSpc="1">
-              <a:prstTxWarp prst="textNoShape">
-                <a:avLst/>
-              </a:prstTxWarp>
-              <a:noAutofit/>
-            </a:bodyPr>
+            <a:bodyPr rtlCol="0" anchor="ctr"/>
+            <a:lstStyle/>
+            <a:p>
+              <a:pPr algn="ctr"/>
+              <a:endParaRPr lang="en-US">
+                <a:solidFill>
+                  <a:schemeClr val="bg1"/>
+                </a:solidFill>
+              </a:endParaRPr>
+            </a:p>
+          </p:txBody>
+        </p:sp>
+        <p:sp>
+          <p:nvSpPr>
+            <p:cNvPr id="10" name="Freeform 9"/>
+            <p:cNvSpPr/>
+            <p:nvPr/>
+          </p:nvSpPr>
+          <p:spPr>
+            <a:xfrm>
+              <a:off x="6724071" y="4110181"/>
+              <a:ext cx="110836" cy="203200"/>
+            </a:xfrm>
+            <a:custGeom>
+              <a:avLst/>
+              <a:gdLst>
+                <a:gd name="connsiteX0" fmla="*/ 73891 w 110836"/>
+                <a:gd name="connsiteY0" fmla="*/ 0 h 203200"/>
+                <a:gd name="connsiteX1" fmla="*/ 0 w 110836"/>
+                <a:gd name="connsiteY1" fmla="*/ 147782 h 203200"/>
+                <a:gd name="connsiteX2" fmla="*/ 110836 w 110836"/>
+                <a:gd name="connsiteY2" fmla="*/ 203200 h 203200"/>
+                <a:gd name="connsiteX3" fmla="*/ 73891 w 110836"/>
+                <a:gd name="connsiteY3" fmla="*/ 0 h 203200"/>
+              </a:gdLst>
+              <a:ahLst/>
+              <a:cxnLst>
+                <a:cxn ang="0">
+                  <a:pos x="connsiteX0" y="connsiteY0"/>
+                </a:cxn>
+                <a:cxn ang="0">
+                  <a:pos x="connsiteX1" y="connsiteY1"/>
+                </a:cxn>
+                <a:cxn ang="0">
+                  <a:pos x="connsiteX2" y="connsiteY2"/>
+                </a:cxn>
+                <a:cxn ang="0">
+                  <a:pos x="connsiteX3" y="connsiteY3"/>
+                </a:cxn>
+              </a:cxnLst>
+              <a:rect l="l" t="t" r="r" b="b"/>
+              <a:pathLst>
+                <a:path w="110836" h="203200">
+                  <a:moveTo>
+                    <a:pt x="73891" y="0"/>
+                  </a:moveTo>
+                  <a:lnTo>
+                    <a:pt x="0" y="147782"/>
+                  </a:lnTo>
+                  <a:lnTo>
+                    <a:pt x="110836" y="203200"/>
+                  </a:lnTo>
+                  <a:lnTo>
+                    <a:pt x="73891" y="0"/>
+                  </a:lnTo>
+                  <a:close/>
+                </a:path>
+              </a:pathLst>
+            </a:custGeom>
+            <a:solidFill>
+              <a:schemeClr val="bg1"/>
+            </a:solidFill>
+            <a:ln>
+              <a:noFill/>
+            </a:ln>
+          </p:spPr>
+          <p:style>
+            <a:lnRef idx="2">
+              <a:schemeClr val="accent1">
+                <a:shade val="50000"/>
+              </a:schemeClr>
+            </a:lnRef>
+            <a:fillRef idx="1">
+              <a:schemeClr val="accent1"/>
+            </a:fillRef>
+            <a:effectRef idx="0">
+              <a:schemeClr val="accent1"/>
+            </a:effectRef>
+            <a:fontRef idx="minor">
+              <a:schemeClr val="lt1"/>
+            </a:fontRef>
+          </p:style>
+          <p:txBody>
+            <a:bodyPr rtlCol="0" anchor="ctr"/>
             <a:lstStyle/>
             <a:p>
               <a:pPr algn="ctr"/>
@@ -3045,24 +3409,1173 @@
             </a:p>
           </p:txBody>
         </p:sp>
+      </p:grpSp>
+      <p:sp>
+        <p:nvSpPr>
+          <p:cNvPr id="14" name="TextBox 13"/>
+          <p:cNvSpPr txBox="1"/>
+          <p:nvPr/>
+        </p:nvSpPr>
+        <p:spPr>
+          <a:xfrm flipH="1">
+            <a:off x="5412508" y="3095357"/>
+            <a:ext cx="1365256" cy="369332"/>
+          </a:xfrm>
+          <a:prstGeom prst="rect">
+            <a:avLst/>
+          </a:prstGeom>
+          <a:noFill/>
+        </p:spPr>
+        <p:txBody>
+          <a:bodyPr wrap="square" rtlCol="0">
+            <a:spAutoFit/>
+          </a:bodyPr>
+          <a:lstStyle/>
+          <a:p>
+            <a:pPr algn="ctr"/>
+            <a:r>
+              <a:rPr lang="zh-CN" altLang="en-US" dirty="0" smtClean="0">
+                <a:latin typeface="Microsoft YaHei" panose="020B0503020204020204" pitchFamily="34" charset="-122"/>
+                <a:ea typeface="Microsoft YaHei" panose="020B0503020204020204" pitchFamily="34" charset="-122"/>
+              </a:rPr>
+              <a:t>开始游戏</a:t>
+            </a:r>
+            <a:endParaRPr lang="en-US" dirty="0">
+              <a:latin typeface="Microsoft YaHei" panose="020B0503020204020204" pitchFamily="34" charset="-122"/>
+              <a:ea typeface="Microsoft YaHei" panose="020B0503020204020204" pitchFamily="34" charset="-122"/>
+            </a:endParaRPr>
+          </a:p>
+        </p:txBody>
+      </p:sp>
+      <p:sp>
+        <p:nvSpPr>
+          <p:cNvPr id="15" name="TextBox 14"/>
+          <p:cNvSpPr txBox="1"/>
+          <p:nvPr/>
+        </p:nvSpPr>
+        <p:spPr>
+          <a:xfrm flipH="1">
+            <a:off x="5407150" y="3569755"/>
+            <a:ext cx="1365256" cy="369332"/>
+          </a:xfrm>
+          <a:prstGeom prst="rect">
+            <a:avLst/>
+          </a:prstGeom>
+          <a:noFill/>
+        </p:spPr>
+        <p:txBody>
+          <a:bodyPr wrap="square" rtlCol="0">
+            <a:spAutoFit/>
+          </a:bodyPr>
+          <a:lstStyle/>
+          <a:p>
+            <a:pPr algn="ctr"/>
+            <a:r>
+              <a:rPr lang="zh-CN" altLang="en-US" dirty="0">
+                <a:latin typeface="Microsoft YaHei" panose="020B0503020204020204" pitchFamily="34" charset="-122"/>
+                <a:ea typeface="Microsoft YaHei" panose="020B0503020204020204" pitchFamily="34" charset="-122"/>
+              </a:rPr>
+              <a:t>设置</a:t>
+            </a:r>
+            <a:endParaRPr lang="en-US" dirty="0">
+              <a:latin typeface="Microsoft YaHei" panose="020B0503020204020204" pitchFamily="34" charset="-122"/>
+              <a:ea typeface="Microsoft YaHei" panose="020B0503020204020204" pitchFamily="34" charset="-122"/>
+            </a:endParaRPr>
+          </a:p>
+        </p:txBody>
+      </p:sp>
+      <p:sp>
+        <p:nvSpPr>
+          <p:cNvPr id="16" name="TextBox 15"/>
+          <p:cNvSpPr txBox="1"/>
+          <p:nvPr/>
+        </p:nvSpPr>
+        <p:spPr>
+          <a:xfrm flipH="1">
+            <a:off x="5407150" y="4044153"/>
+            <a:ext cx="1365256" cy="369332"/>
+          </a:xfrm>
+          <a:prstGeom prst="rect">
+            <a:avLst/>
+          </a:prstGeom>
+          <a:noFill/>
+        </p:spPr>
+        <p:txBody>
+          <a:bodyPr wrap="square" rtlCol="0">
+            <a:spAutoFit/>
+          </a:bodyPr>
+          <a:lstStyle/>
+          <a:p>
+            <a:pPr algn="ctr"/>
+            <a:r>
+              <a:rPr lang="zh-CN" altLang="en-US" dirty="0" smtClean="0">
+                <a:latin typeface="Microsoft YaHei" panose="020B0503020204020204" pitchFamily="34" charset="-122"/>
+                <a:ea typeface="Microsoft YaHei" panose="020B0503020204020204" pitchFamily="34" charset="-122"/>
+              </a:rPr>
+              <a:t>离开</a:t>
+            </a:r>
+            <a:endParaRPr lang="en-US" dirty="0">
+              <a:latin typeface="Microsoft YaHei" panose="020B0503020204020204" pitchFamily="34" charset="-122"/>
+              <a:ea typeface="Microsoft YaHei" panose="020B0503020204020204" pitchFamily="34" charset="-122"/>
+            </a:endParaRPr>
+          </a:p>
+        </p:txBody>
+      </p:sp>
+    </p:spTree>
+    <p:extLst>
+      <p:ext uri="{BB962C8B-B14F-4D97-AF65-F5344CB8AC3E}">
+        <p14:creationId xmlns:p14="http://schemas.microsoft.com/office/powerpoint/2010/main" val="67491585"/>
+      </p:ext>
+    </p:extLst>
+  </p:cSld>
+  <p:clrMapOvr>
+    <a:masterClrMapping/>
+  </p:clrMapOvr>
+  <p:timing>
+    <p:tnLst>
+      <p:par>
+        <p:cTn id="1" dur="indefinite" restart="never" nodeType="tmRoot"/>
+      </p:par>
+    </p:tnLst>
+  </p:timing>
+</p:sld>
+</file>
+
+<file path=ppt/slides/slide2.xml><?xml version="1.0" encoding="utf-8"?>
+<p:sld xmlns:a="http://schemas.openxmlformats.org/drawingml/2006/main" xmlns:r="http://schemas.openxmlformats.org/officeDocument/2006/relationships" xmlns:p="http://schemas.openxmlformats.org/presentationml/2006/main">
+  <p:cSld>
+    <p:spTree>
+      <p:nvGrpSpPr>
+        <p:cNvPr id="1" name=""/>
+        <p:cNvGrpSpPr/>
+        <p:nvPr/>
+      </p:nvGrpSpPr>
+      <p:grpSpPr>
+        <a:xfrm>
+          <a:off x="0" y="0"/>
+          <a:ext cx="0" cy="0"/>
+          <a:chOff x="0" y="0"/>
+          <a:chExt cx="0" cy="0"/>
+        </a:xfrm>
+      </p:grpSpPr>
+      <p:sp>
+        <p:nvSpPr>
+          <p:cNvPr id="12" name="Rectangle 11"/>
+          <p:cNvSpPr/>
+          <p:nvPr/>
+        </p:nvSpPr>
+        <p:spPr>
+          <a:xfrm>
+            <a:off x="0" y="0"/>
+            <a:ext cx="12192000" cy="6858000"/>
+          </a:xfrm>
+          <a:prstGeom prst="rect">
+            <a:avLst/>
+          </a:prstGeom>
+          <a:gradFill flip="none" rotWithShape="1">
+            <a:gsLst>
+              <a:gs pos="0">
+                <a:schemeClr val="bg1">
+                  <a:lumMod val="85000"/>
+                  <a:shade val="30000"/>
+                  <a:satMod val="115000"/>
+                </a:schemeClr>
+              </a:gs>
+              <a:gs pos="50000">
+                <a:schemeClr val="bg1">
+                  <a:lumMod val="85000"/>
+                  <a:shade val="67500"/>
+                  <a:satMod val="115000"/>
+                </a:schemeClr>
+              </a:gs>
+              <a:gs pos="100000">
+                <a:schemeClr val="bg1">
+                  <a:lumMod val="85000"/>
+                  <a:shade val="100000"/>
+                  <a:satMod val="115000"/>
+                </a:schemeClr>
+              </a:gs>
+            </a:gsLst>
+            <a:lin ang="16200000" scaled="1"/>
+            <a:tileRect/>
+          </a:gradFill>
+          <a:ln>
+            <a:noFill/>
+          </a:ln>
+        </p:spPr>
+        <p:style>
+          <a:lnRef idx="2">
+            <a:schemeClr val="accent1">
+              <a:shade val="50000"/>
+            </a:schemeClr>
+          </a:lnRef>
+          <a:fillRef idx="1">
+            <a:schemeClr val="accent1"/>
+          </a:fillRef>
+          <a:effectRef idx="0">
+            <a:schemeClr val="accent1"/>
+          </a:effectRef>
+          <a:fontRef idx="minor">
+            <a:schemeClr val="lt1"/>
+          </a:fontRef>
+        </p:style>
+        <p:txBody>
+          <a:bodyPr rtlCol="0" anchor="ctr"/>
+          <a:lstStyle/>
+          <a:p>
+            <a:pPr algn="ctr"/>
+            <a:endParaRPr lang="en-US"/>
+          </a:p>
+        </p:txBody>
+      </p:sp>
+      <p:grpSp>
+        <p:nvGrpSpPr>
+          <p:cNvPr id="11" name="Group 10"/>
+          <p:cNvGrpSpPr/>
+          <p:nvPr/>
+        </p:nvGrpSpPr>
+        <p:grpSpPr>
+          <a:xfrm>
+            <a:off x="2688760" y="142300"/>
+            <a:ext cx="6814480" cy="7699746"/>
+            <a:chOff x="5198277" y="3107382"/>
+            <a:chExt cx="1795446" cy="2028692"/>
+          </a:xfrm>
+        </p:grpSpPr>
+        <p:grpSp>
+          <p:nvGrpSpPr>
+            <p:cNvPr id="6" name="Group 5"/>
+            <p:cNvGrpSpPr/>
+            <p:nvPr/>
+          </p:nvGrpSpPr>
+          <p:grpSpPr>
+            <a:xfrm>
+              <a:off x="5198277" y="3107382"/>
+              <a:ext cx="1795446" cy="2028692"/>
+              <a:chOff x="5083201" y="2624118"/>
+              <a:chExt cx="1795446" cy="2028692"/>
+            </a:xfrm>
+          </p:grpSpPr>
+          <p:sp>
+            <p:nvSpPr>
+              <p:cNvPr id="4" name="Oval 3"/>
+              <p:cNvSpPr/>
+              <p:nvPr/>
+            </p:nvSpPr>
+            <p:spPr>
+              <a:xfrm>
+                <a:off x="5083201" y="2624118"/>
+                <a:ext cx="1795446" cy="1795446"/>
+              </a:xfrm>
+              <a:prstGeom prst="ellipse">
+                <a:avLst/>
+              </a:prstGeom>
+              <a:solidFill>
+                <a:schemeClr val="bg1">
+                  <a:lumMod val="65000"/>
+                </a:schemeClr>
+              </a:solidFill>
+              <a:ln>
+                <a:solidFill>
+                  <a:schemeClr val="tx1"/>
+                </a:solidFill>
+              </a:ln>
+            </p:spPr>
+            <p:style>
+              <a:lnRef idx="2">
+                <a:schemeClr val="accent1">
+                  <a:shade val="50000"/>
+                </a:schemeClr>
+              </a:lnRef>
+              <a:fillRef idx="1">
+                <a:schemeClr val="accent1"/>
+              </a:fillRef>
+              <a:effectRef idx="0">
+                <a:schemeClr val="accent1"/>
+              </a:effectRef>
+              <a:fontRef idx="minor">
+                <a:schemeClr val="lt1"/>
+              </a:fontRef>
+            </p:style>
+            <p:txBody>
+              <a:bodyPr rot="0" spcFirstLastPara="0" vertOverflow="overflow" horzOverflow="overflow" vert="horz" wrap="square" lIns="91440" tIns="45720" rIns="91440" bIns="45720" numCol="1" spcCol="0" rtlCol="0" fromWordArt="0" anchor="ctr" anchorCtr="0" forceAA="0" compatLnSpc="1">
+                <a:prstTxWarp prst="textNoShape">
+                  <a:avLst/>
+                </a:prstTxWarp>
+                <a:noAutofit/>
+              </a:bodyPr>
+              <a:lstStyle/>
+              <a:p>
+                <a:pPr algn="ctr"/>
+                <a:endParaRPr lang="en-US"/>
+              </a:p>
+            </p:txBody>
+          </p:sp>
+          <p:sp>
+            <p:nvSpPr>
+              <p:cNvPr id="5" name="Trapezoid 4"/>
+              <p:cNvSpPr/>
+              <p:nvPr/>
+            </p:nvSpPr>
+            <p:spPr>
+              <a:xfrm>
+                <a:off x="5470426" y="4315628"/>
+                <a:ext cx="1020996" cy="337182"/>
+              </a:xfrm>
+              <a:prstGeom prst="trapezoid">
+                <a:avLst/>
+              </a:prstGeom>
+              <a:solidFill>
+                <a:schemeClr val="bg2">
+                  <a:lumMod val="90000"/>
+                </a:schemeClr>
+              </a:solidFill>
+              <a:ln>
+                <a:solidFill>
+                  <a:schemeClr val="tx1"/>
+                </a:solidFill>
+              </a:ln>
+            </p:spPr>
+            <p:style>
+              <a:lnRef idx="2">
+                <a:schemeClr val="accent1">
+                  <a:shade val="50000"/>
+                </a:schemeClr>
+              </a:lnRef>
+              <a:fillRef idx="1">
+                <a:schemeClr val="accent1"/>
+              </a:fillRef>
+              <a:effectRef idx="0">
+                <a:schemeClr val="accent1"/>
+              </a:effectRef>
+              <a:fontRef idx="minor">
+                <a:schemeClr val="lt1"/>
+              </a:fontRef>
+            </p:style>
+            <p:txBody>
+              <a:bodyPr rtlCol="0" anchor="ctr"/>
+              <a:lstStyle/>
+              <a:p>
+                <a:pPr algn="ctr"/>
+                <a:endParaRPr lang="en-US"/>
+              </a:p>
+            </p:txBody>
+          </p:sp>
+        </p:grpSp>
         <p:sp>
           <p:nvSpPr>
-            <p:cNvPr id="106" name="Oval 105"/>
+            <p:cNvPr id="8" name="Freeform 7"/>
             <p:cNvSpPr/>
             <p:nvPr/>
           </p:nvSpPr>
           <p:spPr>
             <a:xfrm>
-              <a:off x="-1042121" y="-8462082"/>
-              <a:ext cx="11856421" cy="11856421"/>
+              <a:off x="6426389" y="3401558"/>
+              <a:ext cx="360218" cy="600364"/>
             </a:xfrm>
-            <a:prstGeom prst="ellipse">
+            <a:custGeom>
+              <a:avLst/>
+              <a:gdLst>
+                <a:gd name="connsiteX0" fmla="*/ 0 w 360218"/>
+                <a:gd name="connsiteY0" fmla="*/ 55418 h 600364"/>
+                <a:gd name="connsiteX1" fmla="*/ 138545 w 360218"/>
+                <a:gd name="connsiteY1" fmla="*/ 0 h 600364"/>
+                <a:gd name="connsiteX2" fmla="*/ 304800 w 360218"/>
+                <a:gd name="connsiteY2" fmla="*/ 258618 h 600364"/>
+                <a:gd name="connsiteX3" fmla="*/ 360218 w 360218"/>
+                <a:gd name="connsiteY3" fmla="*/ 600364 h 600364"/>
+                <a:gd name="connsiteX4" fmla="*/ 0 w 360218"/>
+                <a:gd name="connsiteY4" fmla="*/ 55418 h 600364"/>
+              </a:gdLst>
+              <a:ahLst/>
+              <a:cxnLst>
+                <a:cxn ang="0">
+                  <a:pos x="connsiteX0" y="connsiteY0"/>
+                </a:cxn>
+                <a:cxn ang="0">
+                  <a:pos x="connsiteX1" y="connsiteY1"/>
+                </a:cxn>
+                <a:cxn ang="0">
+                  <a:pos x="connsiteX2" y="connsiteY2"/>
+                </a:cxn>
+                <a:cxn ang="0">
+                  <a:pos x="connsiteX3" y="connsiteY3"/>
+                </a:cxn>
+                <a:cxn ang="0">
+                  <a:pos x="connsiteX4" y="connsiteY4"/>
+                </a:cxn>
+              </a:cxnLst>
+              <a:rect l="l" t="t" r="r" b="b"/>
+              <a:pathLst>
+                <a:path w="360218" h="600364">
+                  <a:moveTo>
+                    <a:pt x="0" y="55418"/>
+                  </a:moveTo>
+                  <a:lnTo>
+                    <a:pt x="138545" y="0"/>
+                  </a:lnTo>
+                  <a:lnTo>
+                    <a:pt x="304800" y="258618"/>
+                  </a:lnTo>
+                  <a:lnTo>
+                    <a:pt x="360218" y="600364"/>
+                  </a:lnTo>
+                  <a:lnTo>
+                    <a:pt x="0" y="55418"/>
+                  </a:lnTo>
+                  <a:close/>
+                </a:path>
+              </a:pathLst>
+            </a:custGeom>
+            <a:solidFill>
+              <a:schemeClr val="bg1"/>
+            </a:solidFill>
+            <a:ln>
+              <a:noFill/>
+            </a:ln>
+          </p:spPr>
+          <p:style>
+            <a:lnRef idx="2">
+              <a:schemeClr val="accent1">
+                <a:shade val="50000"/>
+              </a:schemeClr>
+            </a:lnRef>
+            <a:fillRef idx="1">
+              <a:schemeClr val="accent1"/>
+            </a:fillRef>
+            <a:effectRef idx="0">
+              <a:schemeClr val="accent1"/>
+            </a:effectRef>
+            <a:fontRef idx="minor">
+              <a:schemeClr val="lt1"/>
+            </a:fontRef>
+          </p:style>
+          <p:txBody>
+            <a:bodyPr rtlCol="0" anchor="ctr"/>
+            <a:lstStyle/>
+            <a:p>
+              <a:pPr algn="ctr"/>
+              <a:endParaRPr lang="en-US">
+                <a:solidFill>
+                  <a:schemeClr val="bg1"/>
+                </a:solidFill>
+              </a:endParaRPr>
+            </a:p>
+          </p:txBody>
+        </p:sp>
+        <p:sp>
+          <p:nvSpPr>
+            <p:cNvPr id="10" name="Freeform 9"/>
+            <p:cNvSpPr/>
+            <p:nvPr/>
+          </p:nvSpPr>
+          <p:spPr>
+            <a:xfrm>
+              <a:off x="6724071" y="4110181"/>
+              <a:ext cx="110836" cy="203200"/>
+            </a:xfrm>
+            <a:custGeom>
+              <a:avLst/>
+              <a:gdLst>
+                <a:gd name="connsiteX0" fmla="*/ 73891 w 110836"/>
+                <a:gd name="connsiteY0" fmla="*/ 0 h 203200"/>
+                <a:gd name="connsiteX1" fmla="*/ 0 w 110836"/>
+                <a:gd name="connsiteY1" fmla="*/ 147782 h 203200"/>
+                <a:gd name="connsiteX2" fmla="*/ 110836 w 110836"/>
+                <a:gd name="connsiteY2" fmla="*/ 203200 h 203200"/>
+                <a:gd name="connsiteX3" fmla="*/ 73891 w 110836"/>
+                <a:gd name="connsiteY3" fmla="*/ 0 h 203200"/>
+              </a:gdLst>
+              <a:ahLst/>
+              <a:cxnLst>
+                <a:cxn ang="0">
+                  <a:pos x="connsiteX0" y="connsiteY0"/>
+                </a:cxn>
+                <a:cxn ang="0">
+                  <a:pos x="connsiteX1" y="connsiteY1"/>
+                </a:cxn>
+                <a:cxn ang="0">
+                  <a:pos x="connsiteX2" y="connsiteY2"/>
+                </a:cxn>
+                <a:cxn ang="0">
+                  <a:pos x="connsiteX3" y="connsiteY3"/>
+                </a:cxn>
+              </a:cxnLst>
+              <a:rect l="l" t="t" r="r" b="b"/>
+              <a:pathLst>
+                <a:path w="110836" h="203200">
+                  <a:moveTo>
+                    <a:pt x="73891" y="0"/>
+                  </a:moveTo>
+                  <a:lnTo>
+                    <a:pt x="0" y="147782"/>
+                  </a:lnTo>
+                  <a:lnTo>
+                    <a:pt x="110836" y="203200"/>
+                  </a:lnTo>
+                  <a:lnTo>
+                    <a:pt x="73891" y="0"/>
+                  </a:lnTo>
+                  <a:close/>
+                </a:path>
+              </a:pathLst>
+            </a:custGeom>
+            <a:solidFill>
+              <a:schemeClr val="bg1"/>
+            </a:solidFill>
+            <a:ln>
+              <a:noFill/>
+            </a:ln>
+          </p:spPr>
+          <p:style>
+            <a:lnRef idx="2">
+              <a:schemeClr val="accent1">
+                <a:shade val="50000"/>
+              </a:schemeClr>
+            </a:lnRef>
+            <a:fillRef idx="1">
+              <a:schemeClr val="accent1"/>
+            </a:fillRef>
+            <a:effectRef idx="0">
+              <a:schemeClr val="accent1"/>
+            </a:effectRef>
+            <a:fontRef idx="minor">
+              <a:schemeClr val="lt1"/>
+            </a:fontRef>
+          </p:style>
+          <p:txBody>
+            <a:bodyPr rtlCol="0" anchor="ctr"/>
+            <a:lstStyle/>
+            <a:p>
+              <a:pPr algn="ctr"/>
+              <a:endParaRPr lang="en-US"/>
+            </a:p>
+          </p:txBody>
+        </p:sp>
+      </p:grpSp>
+      <p:sp>
+        <p:nvSpPr>
+          <p:cNvPr id="2" name="TextBox 1"/>
+          <p:cNvSpPr txBox="1"/>
+          <p:nvPr/>
+        </p:nvSpPr>
+        <p:spPr>
+          <a:xfrm>
+            <a:off x="4977745" y="967064"/>
+            <a:ext cx="2236510" cy="707886"/>
+          </a:xfrm>
+          <a:prstGeom prst="rect">
+            <a:avLst/>
+          </a:prstGeom>
+          <a:noFill/>
+        </p:spPr>
+        <p:txBody>
+          <a:bodyPr wrap="none" rtlCol="0">
+            <a:spAutoFit/>
+          </a:bodyPr>
+          <a:lstStyle/>
+          <a:p>
+            <a:r>
+              <a:rPr lang="zh-CN" altLang="en-US" sz="4000" dirty="0" smtClean="0">
+                <a:effectLst>
+                  <a:outerShdw blurRad="88900" dist="63500" dir="2400000" algn="ctr" rotWithShape="0">
+                    <a:schemeClr val="bg1">
+                      <a:alpha val="91000"/>
+                    </a:schemeClr>
+                  </a:outerShdw>
+                </a:effectLst>
+                <a:latin typeface="Microsoft YaHei Light" panose="020B0502040204020203" pitchFamily="34" charset="-122"/>
+                <a:ea typeface="Microsoft YaHei Light" panose="020B0502040204020203" pitchFamily="34" charset="-122"/>
+              </a:rPr>
+              <a:t>创建房间</a:t>
+            </a:r>
+            <a:endParaRPr lang="en-US" sz="4000" dirty="0">
+              <a:effectLst>
+                <a:outerShdw blurRad="88900" dist="63500" dir="2400000" algn="ctr" rotWithShape="0">
+                  <a:schemeClr val="bg1">
+                    <a:alpha val="91000"/>
+                  </a:schemeClr>
+                </a:outerShdw>
+              </a:effectLst>
+              <a:latin typeface="Microsoft YaHei Light" panose="020B0502040204020203" pitchFamily="34" charset="-122"/>
+              <a:ea typeface="Microsoft YaHei Light" panose="020B0502040204020203" pitchFamily="34" charset="-122"/>
+            </a:endParaRPr>
+          </a:p>
+        </p:txBody>
+      </p:sp>
+      <p:sp>
+        <p:nvSpPr>
+          <p:cNvPr id="3" name="TextBox 2"/>
+          <p:cNvSpPr txBox="1"/>
+          <p:nvPr/>
+        </p:nvSpPr>
+        <p:spPr>
+          <a:xfrm>
+            <a:off x="3750177" y="1874921"/>
+            <a:ext cx="1051947" cy="523220"/>
+          </a:xfrm>
+          <a:prstGeom prst="rect">
+            <a:avLst/>
+          </a:prstGeom>
+          <a:noFill/>
+        </p:spPr>
+        <p:txBody>
+          <a:bodyPr wrap="square" rtlCol="0">
+            <a:spAutoFit/>
+          </a:bodyPr>
+          <a:lstStyle/>
+          <a:p>
+            <a:r>
+              <a:rPr lang="zh-CN" altLang="en-US" sz="2800" dirty="0">
+                <a:latin typeface="Microsoft YaHei Light" panose="020B0502040204020203" pitchFamily="34" charset="-122"/>
+                <a:ea typeface="Microsoft YaHei Light" panose="020B0502040204020203" pitchFamily="34" charset="-122"/>
+              </a:rPr>
+              <a:t>房间</a:t>
+            </a:r>
+            <a:r>
+              <a:rPr lang="en-US" altLang="zh-CN" sz="2800" dirty="0" smtClean="0">
+                <a:latin typeface="Microsoft YaHei Light" panose="020B0502040204020203" pitchFamily="34" charset="-122"/>
+                <a:ea typeface="Microsoft YaHei Light" panose="020B0502040204020203" pitchFamily="34" charset="-122"/>
+              </a:rPr>
+              <a:t>1</a:t>
+            </a:r>
+            <a:endParaRPr lang="en-US" sz="2800" dirty="0">
+              <a:latin typeface="Microsoft YaHei Light" panose="020B0502040204020203" pitchFamily="34" charset="-122"/>
+              <a:ea typeface="Microsoft YaHei Light" panose="020B0502040204020203" pitchFamily="34" charset="-122"/>
+            </a:endParaRPr>
+          </a:p>
+        </p:txBody>
+      </p:sp>
+      <p:sp>
+        <p:nvSpPr>
+          <p:cNvPr id="13" name="TextBox 12"/>
+          <p:cNvSpPr txBox="1"/>
+          <p:nvPr/>
+        </p:nvSpPr>
+        <p:spPr>
+          <a:xfrm>
+            <a:off x="6315740" y="1874921"/>
+            <a:ext cx="2126083" cy="523220"/>
+          </a:xfrm>
+          <a:prstGeom prst="rect">
+            <a:avLst/>
+          </a:prstGeom>
+          <a:noFill/>
+        </p:spPr>
+        <p:txBody>
+          <a:bodyPr wrap="square" rtlCol="0">
+            <a:spAutoFit/>
+          </a:bodyPr>
+          <a:lstStyle/>
+          <a:p>
+            <a:pPr algn="r"/>
+            <a:r>
+              <a:rPr lang="en-US" altLang="zh-CN" sz="2800" dirty="0" smtClean="0">
+                <a:latin typeface="Microsoft YaHei Light" panose="020B0502040204020203" pitchFamily="34" charset="-122"/>
+                <a:ea typeface="Microsoft YaHei Light" panose="020B0502040204020203" pitchFamily="34" charset="-122"/>
+              </a:rPr>
+              <a:t>[</a:t>
+            </a:r>
+            <a:r>
+              <a:rPr lang="zh-CN" altLang="en-US" sz="2800" dirty="0" smtClean="0">
+                <a:latin typeface="Microsoft YaHei Light" panose="020B0502040204020203" pitchFamily="34" charset="-122"/>
+                <a:ea typeface="Microsoft YaHei Light" panose="020B0502040204020203" pitchFamily="34" charset="-122"/>
+              </a:rPr>
+              <a:t>空闲</a:t>
+            </a:r>
+            <a:r>
+              <a:rPr lang="en-US" altLang="zh-CN" sz="2800" dirty="0" smtClean="0">
+                <a:latin typeface="Microsoft YaHei Light" panose="020B0502040204020203" pitchFamily="34" charset="-122"/>
+                <a:ea typeface="Microsoft YaHei Light" panose="020B0502040204020203" pitchFamily="34" charset="-122"/>
+              </a:rPr>
+              <a:t>]4/4</a:t>
+            </a:r>
+            <a:endParaRPr lang="en-US" sz="2800" dirty="0">
+              <a:latin typeface="Microsoft YaHei Light" panose="020B0502040204020203" pitchFamily="34" charset="-122"/>
+              <a:ea typeface="Microsoft YaHei Light" panose="020B0502040204020203" pitchFamily="34" charset="-122"/>
+            </a:endParaRPr>
+          </a:p>
+        </p:txBody>
+      </p:sp>
+      <p:cxnSp>
+        <p:nvCxnSpPr>
+          <p:cNvPr id="15" name="Straight Connector 14"/>
+          <p:cNvCxnSpPr/>
+          <p:nvPr/>
+        </p:nvCxnSpPr>
+        <p:spPr>
+          <a:xfrm>
+            <a:off x="3879743" y="1721444"/>
+            <a:ext cx="4432515" cy="0"/>
+          </a:xfrm>
+          <a:prstGeom prst="line">
+            <a:avLst/>
+          </a:prstGeom>
+          <a:ln w="19050">
+            <a:solidFill>
+              <a:schemeClr val="tx1"/>
+            </a:solidFill>
+          </a:ln>
+          <a:effectLst>
+            <a:outerShdw blurRad="50800" dist="63500" dir="600000" algn="ctr" rotWithShape="0">
+              <a:schemeClr val="bg1">
+                <a:alpha val="95000"/>
+              </a:schemeClr>
+            </a:outerShdw>
+          </a:effectLst>
+        </p:spPr>
+        <p:style>
+          <a:lnRef idx="1">
+            <a:schemeClr val="accent1"/>
+          </a:lnRef>
+          <a:fillRef idx="0">
+            <a:schemeClr val="accent1"/>
+          </a:fillRef>
+          <a:effectRef idx="0">
+            <a:schemeClr val="accent1"/>
+          </a:effectRef>
+          <a:fontRef idx="minor">
+            <a:schemeClr val="tx1"/>
+          </a:fontRef>
+        </p:style>
+      </p:cxnSp>
+      <p:sp>
+        <p:nvSpPr>
+          <p:cNvPr id="17" name="TextBox 16"/>
+          <p:cNvSpPr txBox="1"/>
+          <p:nvPr/>
+        </p:nvSpPr>
+        <p:spPr>
+          <a:xfrm>
+            <a:off x="3750177" y="2611354"/>
+            <a:ext cx="1227568" cy="523220"/>
+          </a:xfrm>
+          <a:prstGeom prst="rect">
+            <a:avLst/>
+          </a:prstGeom>
+          <a:noFill/>
+        </p:spPr>
+        <p:txBody>
+          <a:bodyPr wrap="square" rtlCol="0">
+            <a:spAutoFit/>
+          </a:bodyPr>
+          <a:lstStyle/>
+          <a:p>
+            <a:r>
+              <a:rPr lang="zh-CN" altLang="en-US" sz="2800" dirty="0">
+                <a:latin typeface="Microsoft YaHei Light" panose="020B0502040204020203" pitchFamily="34" charset="-122"/>
+                <a:ea typeface="Microsoft YaHei Light" panose="020B0502040204020203" pitchFamily="34" charset="-122"/>
+              </a:rPr>
+              <a:t>房</a:t>
+            </a:r>
+            <a:r>
+              <a:rPr lang="zh-CN" altLang="en-US" sz="2800" dirty="0" smtClean="0">
+                <a:latin typeface="Microsoft YaHei Light" panose="020B0502040204020203" pitchFamily="34" charset="-122"/>
+                <a:ea typeface="Microsoft YaHei Light" panose="020B0502040204020203" pitchFamily="34" charset="-122"/>
+              </a:rPr>
+              <a:t>间</a:t>
+            </a:r>
+            <a:r>
+              <a:rPr lang="en-US" altLang="zh-CN" sz="2800" dirty="0">
+                <a:latin typeface="Microsoft YaHei Light" panose="020B0502040204020203" pitchFamily="34" charset="-122"/>
+                <a:ea typeface="Microsoft YaHei Light" panose="020B0502040204020203" pitchFamily="34" charset="-122"/>
+              </a:rPr>
+              <a:t>2</a:t>
+            </a:r>
+            <a:endParaRPr lang="en-US" sz="2800" dirty="0">
+              <a:latin typeface="Microsoft YaHei Light" panose="020B0502040204020203" pitchFamily="34" charset="-122"/>
+              <a:ea typeface="Microsoft YaHei Light" panose="020B0502040204020203" pitchFamily="34" charset="-122"/>
+            </a:endParaRPr>
+          </a:p>
+        </p:txBody>
+      </p:sp>
+      <p:sp>
+        <p:nvSpPr>
+          <p:cNvPr id="18" name="TextBox 17"/>
+          <p:cNvSpPr txBox="1"/>
+          <p:nvPr/>
+        </p:nvSpPr>
+        <p:spPr>
+          <a:xfrm>
+            <a:off x="6315740" y="2611354"/>
+            <a:ext cx="2126083" cy="523220"/>
+          </a:xfrm>
+          <a:prstGeom prst="rect">
+            <a:avLst/>
+          </a:prstGeom>
+          <a:noFill/>
+        </p:spPr>
+        <p:txBody>
+          <a:bodyPr wrap="square" rtlCol="0">
+            <a:spAutoFit/>
+          </a:bodyPr>
+          <a:lstStyle/>
+          <a:p>
+            <a:pPr algn="r"/>
+            <a:r>
+              <a:rPr lang="en-US" altLang="zh-CN" sz="2800" dirty="0" smtClean="0">
+                <a:latin typeface="Microsoft YaHei Light" panose="020B0502040204020203" pitchFamily="34" charset="-122"/>
+                <a:ea typeface="Microsoft YaHei Light" panose="020B0502040204020203" pitchFamily="34" charset="-122"/>
+              </a:rPr>
+              <a:t>[</a:t>
+            </a:r>
+            <a:r>
+              <a:rPr lang="zh-CN" altLang="en-US" sz="2800" dirty="0" smtClean="0">
+                <a:latin typeface="Microsoft YaHei Light" panose="020B0502040204020203" pitchFamily="34" charset="-122"/>
+                <a:ea typeface="Microsoft YaHei Light" panose="020B0502040204020203" pitchFamily="34" charset="-122"/>
+              </a:rPr>
+              <a:t>游戏中</a:t>
+            </a:r>
+            <a:r>
+              <a:rPr lang="en-US" altLang="zh-CN" sz="2800" dirty="0" smtClean="0">
+                <a:latin typeface="Microsoft YaHei Light" panose="020B0502040204020203" pitchFamily="34" charset="-122"/>
+                <a:ea typeface="Microsoft YaHei Light" panose="020B0502040204020203" pitchFamily="34" charset="-122"/>
+              </a:rPr>
+              <a:t>]3/5</a:t>
+            </a:r>
+            <a:endParaRPr lang="en-US" sz="2800" dirty="0">
+              <a:latin typeface="Microsoft YaHei Light" panose="020B0502040204020203" pitchFamily="34" charset="-122"/>
+              <a:ea typeface="Microsoft YaHei Light" panose="020B0502040204020203" pitchFamily="34" charset="-122"/>
+            </a:endParaRPr>
+          </a:p>
+        </p:txBody>
+      </p:sp>
+      <p:sp>
+        <p:nvSpPr>
+          <p:cNvPr id="20" name="TextBox 19"/>
+          <p:cNvSpPr txBox="1"/>
+          <p:nvPr/>
+        </p:nvSpPr>
+        <p:spPr>
+          <a:xfrm>
+            <a:off x="3750177" y="3347787"/>
+            <a:ext cx="1612237" cy="523220"/>
+          </a:xfrm>
+          <a:prstGeom prst="rect">
+            <a:avLst/>
+          </a:prstGeom>
+          <a:noFill/>
+        </p:spPr>
+        <p:txBody>
+          <a:bodyPr wrap="square" rtlCol="0">
+            <a:spAutoFit/>
+          </a:bodyPr>
+          <a:lstStyle/>
+          <a:p>
+            <a:r>
+              <a:rPr lang="zh-CN" altLang="en-US" sz="2800" dirty="0">
+                <a:latin typeface="Microsoft YaHei Light" panose="020B0502040204020203" pitchFamily="34" charset="-122"/>
+                <a:ea typeface="Microsoft YaHei Light" panose="020B0502040204020203" pitchFamily="34" charset="-122"/>
+              </a:rPr>
+              <a:t>房</a:t>
+            </a:r>
+            <a:r>
+              <a:rPr lang="zh-CN" altLang="en-US" sz="2800" dirty="0" smtClean="0">
+                <a:latin typeface="Microsoft YaHei Light" panose="020B0502040204020203" pitchFamily="34" charset="-122"/>
+                <a:ea typeface="Microsoft YaHei Light" panose="020B0502040204020203" pitchFamily="34" charset="-122"/>
+              </a:rPr>
+              <a:t>间</a:t>
+            </a:r>
+            <a:r>
+              <a:rPr lang="en-US" altLang="zh-CN" sz="2800" dirty="0" smtClean="0">
+                <a:latin typeface="Microsoft YaHei Light" panose="020B0502040204020203" pitchFamily="34" charset="-122"/>
+                <a:ea typeface="Microsoft YaHei Light" panose="020B0502040204020203" pitchFamily="34" charset="-122"/>
+              </a:rPr>
+              <a:t>3</a:t>
+            </a:r>
+            <a:endParaRPr lang="en-US" sz="2800" dirty="0">
+              <a:latin typeface="Microsoft YaHei Light" panose="020B0502040204020203" pitchFamily="34" charset="-122"/>
+              <a:ea typeface="Microsoft YaHei Light" panose="020B0502040204020203" pitchFamily="34" charset="-122"/>
+            </a:endParaRPr>
+          </a:p>
+        </p:txBody>
+      </p:sp>
+      <p:sp>
+        <p:nvSpPr>
+          <p:cNvPr id="21" name="TextBox 20"/>
+          <p:cNvSpPr txBox="1"/>
+          <p:nvPr/>
+        </p:nvSpPr>
+        <p:spPr>
+          <a:xfrm>
+            <a:off x="6315740" y="3347787"/>
+            <a:ext cx="2126083" cy="523220"/>
+          </a:xfrm>
+          <a:prstGeom prst="rect">
+            <a:avLst/>
+          </a:prstGeom>
+          <a:noFill/>
+        </p:spPr>
+        <p:txBody>
+          <a:bodyPr wrap="square" rtlCol="0">
+            <a:spAutoFit/>
+          </a:bodyPr>
+          <a:lstStyle/>
+          <a:p>
+            <a:pPr algn="r"/>
+            <a:r>
+              <a:rPr lang="en-US" altLang="zh-CN" sz="2800" dirty="0" smtClean="0">
+                <a:latin typeface="Microsoft YaHei Light" panose="020B0502040204020203" pitchFamily="34" charset="-122"/>
+                <a:ea typeface="Microsoft YaHei Light" panose="020B0502040204020203" pitchFamily="34" charset="-122"/>
+              </a:rPr>
+              <a:t>[</a:t>
+            </a:r>
+            <a:r>
+              <a:rPr lang="zh-CN" altLang="en-US" sz="2800" dirty="0">
+                <a:latin typeface="Microsoft YaHei Light" panose="020B0502040204020203" pitchFamily="34" charset="-122"/>
+                <a:ea typeface="Microsoft YaHei Light" panose="020B0502040204020203" pitchFamily="34" charset="-122"/>
+              </a:rPr>
+              <a:t>空</a:t>
+            </a:r>
+            <a:r>
+              <a:rPr lang="zh-CN" altLang="en-US" sz="2800" dirty="0" smtClean="0">
+                <a:latin typeface="Microsoft YaHei Light" panose="020B0502040204020203" pitchFamily="34" charset="-122"/>
+                <a:ea typeface="Microsoft YaHei Light" panose="020B0502040204020203" pitchFamily="34" charset="-122"/>
+              </a:rPr>
+              <a:t>闲</a:t>
+            </a:r>
+            <a:r>
+              <a:rPr lang="en-US" altLang="zh-CN" sz="2800" dirty="0" smtClean="0">
+                <a:latin typeface="Microsoft YaHei Light" panose="020B0502040204020203" pitchFamily="34" charset="-122"/>
+                <a:ea typeface="Microsoft YaHei Light" panose="020B0502040204020203" pitchFamily="34" charset="-122"/>
+              </a:rPr>
+              <a:t>]2/4</a:t>
+            </a:r>
+            <a:endParaRPr lang="en-US" sz="2800" dirty="0">
+              <a:latin typeface="Microsoft YaHei Light" panose="020B0502040204020203" pitchFamily="34" charset="-122"/>
+              <a:ea typeface="Microsoft YaHei Light" panose="020B0502040204020203" pitchFamily="34" charset="-122"/>
+            </a:endParaRPr>
+          </a:p>
+        </p:txBody>
+      </p:sp>
+      <p:sp>
+        <p:nvSpPr>
+          <p:cNvPr id="23" name="TextBox 22"/>
+          <p:cNvSpPr txBox="1"/>
+          <p:nvPr/>
+        </p:nvSpPr>
+        <p:spPr>
+          <a:xfrm>
+            <a:off x="3750177" y="4820651"/>
+            <a:ext cx="1767220" cy="523220"/>
+          </a:xfrm>
+          <a:prstGeom prst="rect">
+            <a:avLst/>
+          </a:prstGeom>
+          <a:noFill/>
+        </p:spPr>
+        <p:txBody>
+          <a:bodyPr wrap="square" rtlCol="0">
+            <a:spAutoFit/>
+          </a:bodyPr>
+          <a:lstStyle/>
+          <a:p>
+            <a:r>
+              <a:rPr lang="zh-CN" altLang="en-US" sz="2800" dirty="0">
+                <a:latin typeface="Microsoft YaHei Light" panose="020B0502040204020203" pitchFamily="34" charset="-122"/>
+                <a:ea typeface="Microsoft YaHei Light" panose="020B0502040204020203" pitchFamily="34" charset="-122"/>
+              </a:rPr>
+              <a:t>房</a:t>
+            </a:r>
+            <a:r>
+              <a:rPr lang="zh-CN" altLang="en-US" sz="2800" dirty="0" smtClean="0">
+                <a:latin typeface="Microsoft YaHei Light" panose="020B0502040204020203" pitchFamily="34" charset="-122"/>
+                <a:ea typeface="Microsoft YaHei Light" panose="020B0502040204020203" pitchFamily="34" charset="-122"/>
+              </a:rPr>
+              <a:t>间</a:t>
+            </a:r>
+            <a:r>
+              <a:rPr lang="en-US" altLang="zh-CN" sz="2800" dirty="0" smtClean="0">
+                <a:latin typeface="Microsoft YaHei Light" panose="020B0502040204020203" pitchFamily="34" charset="-122"/>
+                <a:ea typeface="Microsoft YaHei Light" panose="020B0502040204020203" pitchFamily="34" charset="-122"/>
+              </a:rPr>
+              <a:t>5</a:t>
+            </a:r>
+            <a:endParaRPr lang="en-US" sz="2800" dirty="0">
+              <a:latin typeface="Microsoft YaHei Light" panose="020B0502040204020203" pitchFamily="34" charset="-122"/>
+              <a:ea typeface="Microsoft YaHei Light" panose="020B0502040204020203" pitchFamily="34" charset="-122"/>
+            </a:endParaRPr>
+          </a:p>
+        </p:txBody>
+      </p:sp>
+      <p:sp>
+        <p:nvSpPr>
+          <p:cNvPr id="24" name="TextBox 23"/>
+          <p:cNvSpPr txBox="1"/>
+          <p:nvPr/>
+        </p:nvSpPr>
+        <p:spPr>
+          <a:xfrm>
+            <a:off x="6315740" y="4820651"/>
+            <a:ext cx="2126083" cy="523220"/>
+          </a:xfrm>
+          <a:prstGeom prst="rect">
+            <a:avLst/>
+          </a:prstGeom>
+          <a:noFill/>
+        </p:spPr>
+        <p:txBody>
+          <a:bodyPr wrap="square" rtlCol="0">
+            <a:spAutoFit/>
+          </a:bodyPr>
+          <a:lstStyle/>
+          <a:p>
+            <a:pPr algn="r"/>
+            <a:r>
+              <a:rPr lang="en-US" altLang="zh-CN" sz="2800" dirty="0" smtClean="0">
+                <a:latin typeface="Microsoft YaHei Light" panose="020B0502040204020203" pitchFamily="34" charset="-122"/>
+                <a:ea typeface="Microsoft YaHei Light" panose="020B0502040204020203" pitchFamily="34" charset="-122"/>
+              </a:rPr>
+              <a:t>[</a:t>
+            </a:r>
+            <a:r>
+              <a:rPr lang="zh-CN" altLang="en-US" sz="2800" dirty="0" smtClean="0">
+                <a:latin typeface="Microsoft YaHei Light" panose="020B0502040204020203" pitchFamily="34" charset="-122"/>
+                <a:ea typeface="Microsoft YaHei Light" panose="020B0502040204020203" pitchFamily="34" charset="-122"/>
+              </a:rPr>
+              <a:t>游戏中</a:t>
+            </a:r>
+            <a:r>
+              <a:rPr lang="en-US" altLang="zh-CN" sz="2800" dirty="0" smtClean="0">
+                <a:latin typeface="Microsoft YaHei Light" panose="020B0502040204020203" pitchFamily="34" charset="-122"/>
+                <a:ea typeface="Microsoft YaHei Light" panose="020B0502040204020203" pitchFamily="34" charset="-122"/>
+              </a:rPr>
+              <a:t>]6/6</a:t>
+            </a:r>
+            <a:endParaRPr lang="en-US" sz="2800" dirty="0">
+              <a:latin typeface="Microsoft YaHei Light" panose="020B0502040204020203" pitchFamily="34" charset="-122"/>
+              <a:ea typeface="Microsoft YaHei Light" panose="020B0502040204020203" pitchFamily="34" charset="-122"/>
+            </a:endParaRPr>
+          </a:p>
+        </p:txBody>
+      </p:sp>
+      <p:sp>
+        <p:nvSpPr>
+          <p:cNvPr id="26" name="TextBox 25"/>
+          <p:cNvSpPr txBox="1"/>
+          <p:nvPr/>
+        </p:nvSpPr>
+        <p:spPr>
+          <a:xfrm>
+            <a:off x="3750177" y="4084220"/>
+            <a:ext cx="1418508" cy="523220"/>
+          </a:xfrm>
+          <a:prstGeom prst="rect">
+            <a:avLst/>
+          </a:prstGeom>
+          <a:noFill/>
+        </p:spPr>
+        <p:txBody>
+          <a:bodyPr wrap="square" rtlCol="0">
+            <a:spAutoFit/>
+          </a:bodyPr>
+          <a:lstStyle/>
+          <a:p>
+            <a:r>
+              <a:rPr lang="zh-CN" altLang="en-US" sz="2800" dirty="0">
+                <a:latin typeface="Microsoft YaHei Light" panose="020B0502040204020203" pitchFamily="34" charset="-122"/>
+                <a:ea typeface="Microsoft YaHei Light" panose="020B0502040204020203" pitchFamily="34" charset="-122"/>
+              </a:rPr>
+              <a:t>房</a:t>
+            </a:r>
+            <a:r>
+              <a:rPr lang="zh-CN" altLang="en-US" sz="2800" dirty="0" smtClean="0">
+                <a:latin typeface="Microsoft YaHei Light" panose="020B0502040204020203" pitchFamily="34" charset="-122"/>
+                <a:ea typeface="Microsoft YaHei Light" panose="020B0502040204020203" pitchFamily="34" charset="-122"/>
+              </a:rPr>
+              <a:t>间</a:t>
+            </a:r>
+            <a:r>
+              <a:rPr lang="en-US" altLang="zh-CN" sz="2800" dirty="0" smtClean="0">
+                <a:latin typeface="Microsoft YaHei Light" panose="020B0502040204020203" pitchFamily="34" charset="-122"/>
+                <a:ea typeface="Microsoft YaHei Light" panose="020B0502040204020203" pitchFamily="34" charset="-122"/>
+              </a:rPr>
+              <a:t>4</a:t>
+            </a:r>
+          </a:p>
+        </p:txBody>
+      </p:sp>
+      <p:sp>
+        <p:nvSpPr>
+          <p:cNvPr id="27" name="TextBox 26"/>
+          <p:cNvSpPr txBox="1"/>
+          <p:nvPr/>
+        </p:nvSpPr>
+        <p:spPr>
+          <a:xfrm>
+            <a:off x="6315740" y="4084220"/>
+            <a:ext cx="2126083" cy="523220"/>
+          </a:xfrm>
+          <a:prstGeom prst="rect">
+            <a:avLst/>
+          </a:prstGeom>
+          <a:noFill/>
+        </p:spPr>
+        <p:txBody>
+          <a:bodyPr wrap="square" rtlCol="0">
+            <a:spAutoFit/>
+          </a:bodyPr>
+          <a:lstStyle/>
+          <a:p>
+            <a:pPr algn="r"/>
+            <a:r>
+              <a:rPr lang="en-US" altLang="zh-CN" sz="2800" dirty="0" smtClean="0">
+                <a:latin typeface="Microsoft YaHei Light" panose="020B0502040204020203" pitchFamily="34" charset="-122"/>
+                <a:ea typeface="Microsoft YaHei Light" panose="020B0502040204020203" pitchFamily="34" charset="-122"/>
+              </a:rPr>
+              <a:t>[</a:t>
+            </a:r>
+            <a:r>
+              <a:rPr lang="zh-CN" altLang="en-US" sz="2800" dirty="0" smtClean="0">
+                <a:latin typeface="Microsoft YaHei Light" panose="020B0502040204020203" pitchFamily="34" charset="-122"/>
+                <a:ea typeface="Microsoft YaHei Light" panose="020B0502040204020203" pitchFamily="34" charset="-122"/>
+              </a:rPr>
+              <a:t>空闲</a:t>
+            </a:r>
+            <a:r>
+              <a:rPr lang="en-US" altLang="zh-CN" sz="2800" dirty="0" smtClean="0">
+                <a:latin typeface="Microsoft YaHei Light" panose="020B0502040204020203" pitchFamily="34" charset="-122"/>
+                <a:ea typeface="Microsoft YaHei Light" panose="020B0502040204020203" pitchFamily="34" charset="-122"/>
+              </a:rPr>
+              <a:t>]1/7</a:t>
+            </a:r>
+            <a:endParaRPr lang="en-US" sz="2800" dirty="0">
+              <a:latin typeface="Microsoft YaHei Light" panose="020B0502040204020203" pitchFamily="34" charset="-122"/>
+              <a:ea typeface="Microsoft YaHei Light" panose="020B0502040204020203" pitchFamily="34" charset="-122"/>
+            </a:endParaRPr>
+          </a:p>
+        </p:txBody>
+      </p:sp>
+      <p:grpSp>
+        <p:nvGrpSpPr>
+          <p:cNvPr id="36" name="Group 35"/>
+          <p:cNvGrpSpPr/>
+          <p:nvPr/>
+        </p:nvGrpSpPr>
+        <p:grpSpPr>
+          <a:xfrm>
+            <a:off x="5517218" y="5634569"/>
+            <a:ext cx="1157565" cy="461665"/>
+            <a:chOff x="5517218" y="5634569"/>
+            <a:chExt cx="1157565" cy="461665"/>
+          </a:xfrm>
+        </p:grpSpPr>
+        <p:sp>
+          <p:nvSpPr>
+            <p:cNvPr id="32" name="Isosceles Triangle 31"/>
+            <p:cNvSpPr/>
+            <p:nvPr/>
+          </p:nvSpPr>
+          <p:spPr>
+            <a:xfrm rot="5400000">
+              <a:off x="6430324" y="5752226"/>
+              <a:ext cx="262567" cy="226351"/>
+            </a:xfrm>
+            <a:prstGeom prst="triangle">
               <a:avLst/>
             </a:prstGeom>
             <a:solidFill>
-              <a:schemeClr val="bg1">
-                <a:lumMod val="85000"/>
-              </a:schemeClr>
+              <a:schemeClr val="tx1"/>
             </a:solidFill>
             <a:ln>
               <a:solidFill>
@@ -3097,22 +4610,57 @@
         </p:sp>
         <p:sp>
           <p:nvSpPr>
-            <p:cNvPr id="5" name="Oval 4"/>
+            <p:cNvPr id="33" name="TextBox 32"/>
+            <p:cNvSpPr txBox="1"/>
+            <p:nvPr/>
+          </p:nvSpPr>
+          <p:spPr>
+            <a:xfrm>
+              <a:off x="5893669" y="5634569"/>
+              <a:ext cx="404662" cy="461665"/>
+            </a:xfrm>
+            <a:prstGeom prst="rect">
+              <a:avLst/>
+            </a:prstGeom>
+            <a:noFill/>
+          </p:spPr>
+          <p:txBody>
+            <a:bodyPr wrap="square" rtlCol="0">
+              <a:spAutoFit/>
+            </a:bodyPr>
+            <a:lstStyle/>
+            <a:p>
+              <a:pPr algn="ctr"/>
+              <a:r>
+                <a:rPr lang="en-US" sz="2400" dirty="0" smtClean="0">
+                  <a:latin typeface="Microsoft YaHei Light" panose="020B0502040204020203" pitchFamily="34" charset="-122"/>
+                  <a:ea typeface="Microsoft YaHei Light" panose="020B0502040204020203" pitchFamily="34" charset="-122"/>
+                </a:rPr>
+                <a:t>1</a:t>
+              </a:r>
+              <a:endParaRPr lang="en-US" sz="2400" dirty="0">
+                <a:latin typeface="Microsoft YaHei Light" panose="020B0502040204020203" pitchFamily="34" charset="-122"/>
+                <a:ea typeface="Microsoft YaHei Light" panose="020B0502040204020203" pitchFamily="34" charset="-122"/>
+              </a:endParaRPr>
+            </a:p>
+          </p:txBody>
+        </p:sp>
+        <p:sp>
+          <p:nvSpPr>
+            <p:cNvPr id="34" name="Isosceles Triangle 33"/>
             <p:cNvSpPr/>
             <p:nvPr/>
           </p:nvSpPr>
           <p:spPr>
-            <a:xfrm rot="20318452">
-              <a:off x="3988367" y="-3431594"/>
-              <a:ext cx="1795446" cy="1795446"/>
+            <a:xfrm rot="16200000">
+              <a:off x="5499110" y="5752226"/>
+              <a:ext cx="262567" cy="226351"/>
             </a:xfrm>
-            <a:prstGeom prst="ellipse">
+            <a:prstGeom prst="triangle">
               <a:avLst/>
             </a:prstGeom>
             <a:solidFill>
-              <a:schemeClr val="bg1">
-                <a:lumMod val="65000"/>
-              </a:schemeClr>
+              <a:schemeClr val="tx1"/>
             </a:solidFill>
             <a:ln>
               <a:solidFill>
@@ -3137,12 +4685,7 @@
             </a:fontRef>
           </p:style>
           <p:txBody>
-            <a:bodyPr rot="0" spcFirstLastPara="0" vertOverflow="overflow" horzOverflow="overflow" vert="horz" wrap="square" lIns="91440" tIns="45720" rIns="91440" bIns="45720" numCol="1" spcCol="0" rtlCol="0" fromWordArt="0" anchor="ctr" anchorCtr="0" forceAA="0" compatLnSpc="1">
-              <a:prstTxWarp prst="textNoShape">
-                <a:avLst/>
-              </a:prstTxWarp>
-              <a:noAutofit/>
-            </a:bodyPr>
+            <a:bodyPr rtlCol="0" anchor="ctr"/>
             <a:lstStyle/>
             <a:p>
               <a:pPr algn="ctr"/>
@@ -3150,23 +4693,1096 @@
             </a:p>
           </p:txBody>
         </p:sp>
-        <p:cxnSp>
-          <p:nvCxnSpPr>
-            <p:cNvPr id="79" name="Straight Connector 78"/>
-            <p:cNvCxnSpPr>
-              <a:stCxn id="5" idx="4"/>
-              <a:endCxn id="6" idx="4"/>
-            </p:cNvCxnSpPr>
+      </p:grpSp>
+    </p:spTree>
+    <p:extLst>
+      <p:ext uri="{BB962C8B-B14F-4D97-AF65-F5344CB8AC3E}">
+        <p14:creationId xmlns:p14="http://schemas.microsoft.com/office/powerpoint/2010/main" val="1809472695"/>
+      </p:ext>
+    </p:extLst>
+  </p:cSld>
+  <p:clrMapOvr>
+    <a:masterClrMapping/>
+  </p:clrMapOvr>
+  <p:timing>
+    <p:tnLst>
+      <p:par>
+        <p:cTn id="1" dur="indefinite" restart="never" nodeType="tmRoot"/>
+      </p:par>
+    </p:tnLst>
+  </p:timing>
+</p:sld>
+</file>
+
+<file path=ppt/slides/slide3.xml><?xml version="1.0" encoding="utf-8"?>
+<p:sld xmlns:a="http://schemas.openxmlformats.org/drawingml/2006/main" xmlns:r="http://schemas.openxmlformats.org/officeDocument/2006/relationships" xmlns:p="http://schemas.openxmlformats.org/presentationml/2006/main">
+  <p:cSld>
+    <p:spTree>
+      <p:nvGrpSpPr>
+        <p:cNvPr id="1" name=""/>
+        <p:cNvGrpSpPr/>
+        <p:nvPr/>
+      </p:nvGrpSpPr>
+      <p:grpSpPr>
+        <a:xfrm>
+          <a:off x="0" y="0"/>
+          <a:ext cx="0" cy="0"/>
+          <a:chOff x="0" y="0"/>
+          <a:chExt cx="0" cy="0"/>
+        </a:xfrm>
+      </p:grpSpPr>
+      <p:sp>
+        <p:nvSpPr>
+          <p:cNvPr id="12" name="Rectangle 11"/>
+          <p:cNvSpPr/>
+          <p:nvPr/>
+        </p:nvSpPr>
+        <p:spPr>
+          <a:xfrm>
+            <a:off x="0" y="0"/>
+            <a:ext cx="12192000" cy="6858000"/>
+          </a:xfrm>
+          <a:prstGeom prst="rect">
+            <a:avLst/>
+          </a:prstGeom>
+          <a:gradFill flip="none" rotWithShape="1">
+            <a:gsLst>
+              <a:gs pos="0">
+                <a:schemeClr val="bg1">
+                  <a:lumMod val="85000"/>
+                  <a:shade val="30000"/>
+                  <a:satMod val="115000"/>
+                </a:schemeClr>
+              </a:gs>
+              <a:gs pos="50000">
+                <a:schemeClr val="bg1">
+                  <a:lumMod val="85000"/>
+                  <a:shade val="67500"/>
+                  <a:satMod val="115000"/>
+                </a:schemeClr>
+              </a:gs>
+              <a:gs pos="100000">
+                <a:schemeClr val="bg1">
+                  <a:lumMod val="85000"/>
+                  <a:shade val="100000"/>
+                  <a:satMod val="115000"/>
+                </a:schemeClr>
+              </a:gs>
+            </a:gsLst>
+            <a:lin ang="16200000" scaled="1"/>
+            <a:tileRect/>
+          </a:gradFill>
+          <a:ln>
+            <a:noFill/>
+          </a:ln>
+        </p:spPr>
+        <p:style>
+          <a:lnRef idx="2">
+            <a:schemeClr val="accent1">
+              <a:shade val="50000"/>
+            </a:schemeClr>
+          </a:lnRef>
+          <a:fillRef idx="1">
+            <a:schemeClr val="accent1"/>
+          </a:fillRef>
+          <a:effectRef idx="0">
+            <a:schemeClr val="accent1"/>
+          </a:effectRef>
+          <a:fontRef idx="minor">
+            <a:schemeClr val="lt1"/>
+          </a:fontRef>
+        </p:style>
+        <p:txBody>
+          <a:bodyPr rtlCol="0" anchor="ctr"/>
+          <a:lstStyle/>
+          <a:p>
+            <a:pPr algn="ctr"/>
+            <a:endParaRPr lang="en-US" dirty="0"/>
+          </a:p>
+        </p:txBody>
+      </p:sp>
+      <p:grpSp>
+        <p:nvGrpSpPr>
+          <p:cNvPr id="28" name="Group 27"/>
+          <p:cNvGrpSpPr/>
+          <p:nvPr/>
+        </p:nvGrpSpPr>
+        <p:grpSpPr>
+          <a:xfrm>
+            <a:off x="5126452" y="2333498"/>
+            <a:ext cx="1939096" cy="2191003"/>
+            <a:chOff x="5198277" y="3107382"/>
+            <a:chExt cx="1795446" cy="2028692"/>
+          </a:xfrm>
+        </p:grpSpPr>
+        <p:grpSp>
+          <p:nvGrpSpPr>
+            <p:cNvPr id="29" name="Group 28"/>
+            <p:cNvGrpSpPr/>
             <p:nvPr/>
-          </p:nvCxnSpPr>
+          </p:nvGrpSpPr>
+          <p:grpSpPr>
+            <a:xfrm>
+              <a:off x="5198277" y="3107382"/>
+              <a:ext cx="1795446" cy="2028692"/>
+              <a:chOff x="5083201" y="2624118"/>
+              <a:chExt cx="1795446" cy="2028692"/>
+            </a:xfrm>
+          </p:grpSpPr>
+          <p:sp>
+            <p:nvSpPr>
+              <p:cNvPr id="32" name="Oval 31"/>
+              <p:cNvSpPr/>
+              <p:nvPr/>
+            </p:nvSpPr>
+            <p:spPr>
+              <a:xfrm>
+                <a:off x="5083201" y="2624118"/>
+                <a:ext cx="1795446" cy="1795446"/>
+              </a:xfrm>
+              <a:prstGeom prst="ellipse">
+                <a:avLst/>
+              </a:prstGeom>
+              <a:solidFill>
+                <a:schemeClr val="bg1">
+                  <a:lumMod val="65000"/>
+                </a:schemeClr>
+              </a:solidFill>
+              <a:ln>
+                <a:solidFill>
+                  <a:schemeClr val="tx1"/>
+                </a:solidFill>
+              </a:ln>
+            </p:spPr>
+            <p:style>
+              <a:lnRef idx="2">
+                <a:schemeClr val="accent1">
+                  <a:shade val="50000"/>
+                </a:schemeClr>
+              </a:lnRef>
+              <a:fillRef idx="1">
+                <a:schemeClr val="accent1"/>
+              </a:fillRef>
+              <a:effectRef idx="0">
+                <a:schemeClr val="accent1"/>
+              </a:effectRef>
+              <a:fontRef idx="minor">
+                <a:schemeClr val="lt1"/>
+              </a:fontRef>
+            </p:style>
+            <p:txBody>
+              <a:bodyPr rot="0" spcFirstLastPara="0" vertOverflow="overflow" horzOverflow="overflow" vert="horz" wrap="square" lIns="91440" tIns="45720" rIns="91440" bIns="45720" numCol="1" spcCol="0" rtlCol="0" fromWordArt="0" anchor="ctr" anchorCtr="0" forceAA="0" compatLnSpc="1">
+                <a:prstTxWarp prst="textNoShape">
+                  <a:avLst/>
+                </a:prstTxWarp>
+                <a:noAutofit/>
+              </a:bodyPr>
+              <a:lstStyle/>
+              <a:p>
+                <a:pPr algn="ctr"/>
+                <a:endParaRPr lang="en-US"/>
+              </a:p>
+            </p:txBody>
+          </p:sp>
+          <p:sp>
+            <p:nvSpPr>
+              <p:cNvPr id="33" name="Trapezoid 32"/>
+              <p:cNvSpPr/>
+              <p:nvPr/>
+            </p:nvSpPr>
+            <p:spPr>
+              <a:xfrm>
+                <a:off x="5470426" y="4315628"/>
+                <a:ext cx="1020996" cy="337182"/>
+              </a:xfrm>
+              <a:prstGeom prst="trapezoid">
+                <a:avLst/>
+              </a:prstGeom>
+              <a:solidFill>
+                <a:schemeClr val="bg2">
+                  <a:lumMod val="90000"/>
+                </a:schemeClr>
+              </a:solidFill>
+              <a:ln>
+                <a:solidFill>
+                  <a:schemeClr val="tx1"/>
+                </a:solidFill>
+              </a:ln>
+            </p:spPr>
+            <p:style>
+              <a:lnRef idx="2">
+                <a:schemeClr val="accent1">
+                  <a:shade val="50000"/>
+                </a:schemeClr>
+              </a:lnRef>
+              <a:fillRef idx="1">
+                <a:schemeClr val="accent1"/>
+              </a:fillRef>
+              <a:effectRef idx="0">
+                <a:schemeClr val="accent1"/>
+              </a:effectRef>
+              <a:fontRef idx="minor">
+                <a:schemeClr val="lt1"/>
+              </a:fontRef>
+            </p:style>
+            <p:txBody>
+              <a:bodyPr rtlCol="0" anchor="ctr"/>
+              <a:lstStyle/>
+              <a:p>
+                <a:pPr algn="ctr"/>
+                <a:endParaRPr lang="en-US"/>
+              </a:p>
+            </p:txBody>
+          </p:sp>
+        </p:grpSp>
+        <p:sp>
+          <p:nvSpPr>
+            <p:cNvPr id="30" name="Freeform 29"/>
+            <p:cNvSpPr/>
+            <p:nvPr/>
+          </p:nvSpPr>
           <p:spPr>
             <a:xfrm>
-              <a:off x="5213052" y="-1697807"/>
-              <a:ext cx="2484964" cy="6354217"/>
+              <a:off x="6426389" y="3401558"/>
+              <a:ext cx="360218" cy="600364"/>
             </a:xfrm>
-            <a:prstGeom prst="line">
+            <a:custGeom>
+              <a:avLst/>
+              <a:gdLst>
+                <a:gd name="connsiteX0" fmla="*/ 0 w 360218"/>
+                <a:gd name="connsiteY0" fmla="*/ 55418 h 600364"/>
+                <a:gd name="connsiteX1" fmla="*/ 138545 w 360218"/>
+                <a:gd name="connsiteY1" fmla="*/ 0 h 600364"/>
+                <a:gd name="connsiteX2" fmla="*/ 304800 w 360218"/>
+                <a:gd name="connsiteY2" fmla="*/ 258618 h 600364"/>
+                <a:gd name="connsiteX3" fmla="*/ 360218 w 360218"/>
+                <a:gd name="connsiteY3" fmla="*/ 600364 h 600364"/>
+                <a:gd name="connsiteX4" fmla="*/ 0 w 360218"/>
+                <a:gd name="connsiteY4" fmla="*/ 55418 h 600364"/>
+              </a:gdLst>
+              <a:ahLst/>
+              <a:cxnLst>
+                <a:cxn ang="0">
+                  <a:pos x="connsiteX0" y="connsiteY0"/>
+                </a:cxn>
+                <a:cxn ang="0">
+                  <a:pos x="connsiteX1" y="connsiteY1"/>
+                </a:cxn>
+                <a:cxn ang="0">
+                  <a:pos x="connsiteX2" y="connsiteY2"/>
+                </a:cxn>
+                <a:cxn ang="0">
+                  <a:pos x="connsiteX3" y="connsiteY3"/>
+                </a:cxn>
+                <a:cxn ang="0">
+                  <a:pos x="connsiteX4" y="connsiteY4"/>
+                </a:cxn>
+              </a:cxnLst>
+              <a:rect l="l" t="t" r="r" b="b"/>
+              <a:pathLst>
+                <a:path w="360218" h="600364">
+                  <a:moveTo>
+                    <a:pt x="0" y="55418"/>
+                  </a:moveTo>
+                  <a:lnTo>
+                    <a:pt x="138545" y="0"/>
+                  </a:lnTo>
+                  <a:lnTo>
+                    <a:pt x="304800" y="258618"/>
+                  </a:lnTo>
+                  <a:lnTo>
+                    <a:pt x="360218" y="600364"/>
+                  </a:lnTo>
+                  <a:lnTo>
+                    <a:pt x="0" y="55418"/>
+                  </a:lnTo>
+                  <a:close/>
+                </a:path>
+              </a:pathLst>
+            </a:custGeom>
+            <a:solidFill>
+              <a:schemeClr val="bg1"/>
+            </a:solidFill>
+            <a:ln>
+              <a:noFill/>
+            </a:ln>
+          </p:spPr>
+          <p:style>
+            <a:lnRef idx="2">
+              <a:schemeClr val="accent1">
+                <a:shade val="50000"/>
+              </a:schemeClr>
+            </a:lnRef>
+            <a:fillRef idx="1">
+              <a:schemeClr val="accent1"/>
+            </a:fillRef>
+            <a:effectRef idx="0">
+              <a:schemeClr val="accent1"/>
+            </a:effectRef>
+            <a:fontRef idx="minor">
+              <a:schemeClr val="lt1"/>
+            </a:fontRef>
+          </p:style>
+          <p:txBody>
+            <a:bodyPr rtlCol="0" anchor="ctr"/>
+            <a:lstStyle/>
+            <a:p>
+              <a:pPr algn="ctr"/>
+              <a:endParaRPr lang="en-US">
+                <a:solidFill>
+                  <a:schemeClr val="bg1"/>
+                </a:solidFill>
+              </a:endParaRPr>
+            </a:p>
+          </p:txBody>
+        </p:sp>
+        <p:sp>
+          <p:nvSpPr>
+            <p:cNvPr id="31" name="Freeform 30"/>
+            <p:cNvSpPr/>
+            <p:nvPr/>
+          </p:nvSpPr>
+          <p:spPr>
+            <a:xfrm>
+              <a:off x="6724071" y="4110181"/>
+              <a:ext cx="110836" cy="203200"/>
+            </a:xfrm>
+            <a:custGeom>
+              <a:avLst/>
+              <a:gdLst>
+                <a:gd name="connsiteX0" fmla="*/ 73891 w 110836"/>
+                <a:gd name="connsiteY0" fmla="*/ 0 h 203200"/>
+                <a:gd name="connsiteX1" fmla="*/ 0 w 110836"/>
+                <a:gd name="connsiteY1" fmla="*/ 147782 h 203200"/>
+                <a:gd name="connsiteX2" fmla="*/ 110836 w 110836"/>
+                <a:gd name="connsiteY2" fmla="*/ 203200 h 203200"/>
+                <a:gd name="connsiteX3" fmla="*/ 73891 w 110836"/>
+                <a:gd name="connsiteY3" fmla="*/ 0 h 203200"/>
+              </a:gdLst>
+              <a:ahLst/>
+              <a:cxnLst>
+                <a:cxn ang="0">
+                  <a:pos x="connsiteX0" y="connsiteY0"/>
+                </a:cxn>
+                <a:cxn ang="0">
+                  <a:pos x="connsiteX1" y="connsiteY1"/>
+                </a:cxn>
+                <a:cxn ang="0">
+                  <a:pos x="connsiteX2" y="connsiteY2"/>
+                </a:cxn>
+                <a:cxn ang="0">
+                  <a:pos x="connsiteX3" y="connsiteY3"/>
+                </a:cxn>
+              </a:cxnLst>
+              <a:rect l="l" t="t" r="r" b="b"/>
+              <a:pathLst>
+                <a:path w="110836" h="203200">
+                  <a:moveTo>
+                    <a:pt x="73891" y="0"/>
+                  </a:moveTo>
+                  <a:lnTo>
+                    <a:pt x="0" y="147782"/>
+                  </a:lnTo>
+                  <a:lnTo>
+                    <a:pt x="110836" y="203200"/>
+                  </a:lnTo>
+                  <a:lnTo>
+                    <a:pt x="73891" y="0"/>
+                  </a:lnTo>
+                  <a:close/>
+                </a:path>
+              </a:pathLst>
+            </a:custGeom>
+            <a:solidFill>
+              <a:schemeClr val="bg1"/>
+            </a:solidFill>
+            <a:ln>
+              <a:noFill/>
+            </a:ln>
+          </p:spPr>
+          <p:style>
+            <a:lnRef idx="2">
+              <a:schemeClr val="accent1">
+                <a:shade val="50000"/>
+              </a:schemeClr>
+            </a:lnRef>
+            <a:fillRef idx="1">
+              <a:schemeClr val="accent1"/>
+            </a:fillRef>
+            <a:effectRef idx="0">
+              <a:schemeClr val="accent1"/>
+            </a:effectRef>
+            <a:fontRef idx="minor">
+              <a:schemeClr val="lt1"/>
+            </a:fontRef>
+          </p:style>
+          <p:txBody>
+            <a:bodyPr rtlCol="0" anchor="ctr"/>
+            <a:lstStyle/>
+            <a:p>
+              <a:pPr algn="ctr"/>
+              <a:endParaRPr lang="en-US"/>
+            </a:p>
+          </p:txBody>
+        </p:sp>
+      </p:grpSp>
+      <p:sp>
+        <p:nvSpPr>
+          <p:cNvPr id="7" name="TextBox 6"/>
+          <p:cNvSpPr txBox="1"/>
+          <p:nvPr/>
+        </p:nvSpPr>
+        <p:spPr>
+          <a:xfrm>
+            <a:off x="5065537" y="2914887"/>
+            <a:ext cx="2060925" cy="769441"/>
+          </a:xfrm>
+          <a:prstGeom prst="rect">
+            <a:avLst/>
+          </a:prstGeom>
+          <a:noFill/>
+        </p:spPr>
+        <p:txBody>
+          <a:bodyPr wrap="square" rtlCol="0">
+            <a:spAutoFit/>
+          </a:bodyPr>
+          <a:lstStyle/>
+          <a:p>
+            <a:pPr algn="ctr"/>
+            <a:r>
+              <a:rPr lang="zh-CN" altLang="en-US" sz="4400" dirty="0" smtClean="0">
+                <a:solidFill>
+                  <a:schemeClr val="bg1">
+                    <a:lumMod val="95000"/>
+                  </a:schemeClr>
+                </a:solidFill>
+                <a:effectLst>
+                  <a:glow rad="127000">
+                    <a:schemeClr val="bg1">
+                      <a:alpha val="51000"/>
+                    </a:schemeClr>
+                  </a:glow>
+                </a:effectLst>
+                <a:latin typeface="Microsoft YaHei" panose="020B0503020204020204" pitchFamily="34" charset="-122"/>
+                <a:ea typeface="Microsoft YaHei" panose="020B0503020204020204" pitchFamily="34" charset="-122"/>
+              </a:rPr>
+              <a:t>开 始</a:t>
+            </a:r>
+            <a:endParaRPr lang="en-US" sz="4400" dirty="0">
+              <a:solidFill>
+                <a:schemeClr val="bg1">
+                  <a:lumMod val="95000"/>
+                </a:schemeClr>
+              </a:solidFill>
+              <a:effectLst>
+                <a:glow rad="127000">
+                  <a:schemeClr val="bg1">
+                    <a:alpha val="51000"/>
+                  </a:schemeClr>
+                </a:glow>
+              </a:effectLst>
+              <a:latin typeface="Microsoft YaHei" panose="020B0503020204020204" pitchFamily="34" charset="-122"/>
+              <a:ea typeface="Microsoft YaHei" panose="020B0503020204020204" pitchFamily="34" charset="-122"/>
+            </a:endParaRPr>
+          </a:p>
+        </p:txBody>
+      </p:sp>
+      <p:sp>
+        <p:nvSpPr>
+          <p:cNvPr id="14" name="Rectangle 13"/>
+          <p:cNvSpPr/>
+          <p:nvPr/>
+        </p:nvSpPr>
+        <p:spPr>
+          <a:xfrm>
+            <a:off x="5538245" y="92278"/>
+            <a:ext cx="1115510" cy="1115510"/>
+          </a:xfrm>
+          <a:prstGeom prst="rect">
+            <a:avLst/>
+          </a:prstGeom>
+          <a:solidFill>
+            <a:schemeClr val="bg2"/>
+          </a:solidFill>
+          <a:ln>
+            <a:solidFill>
+              <a:schemeClr val="tx1"/>
+            </a:solidFill>
+          </a:ln>
+        </p:spPr>
+        <p:style>
+          <a:lnRef idx="2">
+            <a:schemeClr val="accent1">
+              <a:shade val="50000"/>
+            </a:schemeClr>
+          </a:lnRef>
+          <a:fillRef idx="1">
+            <a:schemeClr val="accent1"/>
+          </a:fillRef>
+          <a:effectRef idx="0">
+            <a:schemeClr val="accent1"/>
+          </a:effectRef>
+          <a:fontRef idx="minor">
+            <a:schemeClr val="lt1"/>
+          </a:fontRef>
+        </p:style>
+        <p:txBody>
+          <a:bodyPr rtlCol="0" anchor="ctr"/>
+          <a:lstStyle/>
+          <a:p>
+            <a:pPr algn="ctr"/>
+            <a:endParaRPr lang="en-US"/>
+          </a:p>
+        </p:txBody>
+      </p:sp>
+      <p:sp>
+        <p:nvSpPr>
+          <p:cNvPr id="34" name="Rectangle 33"/>
+          <p:cNvSpPr/>
+          <p:nvPr/>
+        </p:nvSpPr>
+        <p:spPr>
+          <a:xfrm>
+            <a:off x="10577074" y="1217988"/>
+            <a:ext cx="1115510" cy="1115510"/>
+          </a:xfrm>
+          <a:prstGeom prst="rect">
+            <a:avLst/>
+          </a:prstGeom>
+          <a:solidFill>
+            <a:schemeClr val="bg2"/>
+          </a:solidFill>
+          <a:ln>
+            <a:solidFill>
+              <a:schemeClr val="tx1"/>
+            </a:solidFill>
+          </a:ln>
+        </p:spPr>
+        <p:style>
+          <a:lnRef idx="2">
+            <a:schemeClr val="accent1">
+              <a:shade val="50000"/>
+            </a:schemeClr>
+          </a:lnRef>
+          <a:fillRef idx="1">
+            <a:schemeClr val="accent1"/>
+          </a:fillRef>
+          <a:effectRef idx="0">
+            <a:schemeClr val="accent1"/>
+          </a:effectRef>
+          <a:fontRef idx="minor">
+            <a:schemeClr val="lt1"/>
+          </a:fontRef>
+        </p:style>
+        <p:txBody>
+          <a:bodyPr rtlCol="0" anchor="ctr"/>
+          <a:lstStyle/>
+          <a:p>
+            <a:pPr algn="ctr"/>
+            <a:endParaRPr lang="en-US"/>
+          </a:p>
+        </p:txBody>
+      </p:sp>
+      <p:sp>
+        <p:nvSpPr>
+          <p:cNvPr id="35" name="Rectangle 34"/>
+          <p:cNvSpPr/>
+          <p:nvPr/>
+        </p:nvSpPr>
+        <p:spPr>
+          <a:xfrm>
+            <a:off x="10607553" y="3431816"/>
+            <a:ext cx="1115510" cy="1115510"/>
+          </a:xfrm>
+          <a:prstGeom prst="rect">
+            <a:avLst/>
+          </a:prstGeom>
+          <a:solidFill>
+            <a:schemeClr val="bg2"/>
+          </a:solidFill>
+          <a:ln>
+            <a:solidFill>
+              <a:schemeClr val="tx1"/>
+            </a:solidFill>
+          </a:ln>
+        </p:spPr>
+        <p:style>
+          <a:lnRef idx="2">
+            <a:schemeClr val="accent1">
+              <a:shade val="50000"/>
+            </a:schemeClr>
+          </a:lnRef>
+          <a:fillRef idx="1">
+            <a:schemeClr val="accent1"/>
+          </a:fillRef>
+          <a:effectRef idx="0">
+            <a:schemeClr val="accent1"/>
+          </a:effectRef>
+          <a:fontRef idx="minor">
+            <a:schemeClr val="lt1"/>
+          </a:fontRef>
+        </p:style>
+        <p:txBody>
+          <a:bodyPr rtlCol="0" anchor="ctr"/>
+          <a:lstStyle/>
+          <a:p>
+            <a:pPr algn="ctr"/>
+            <a:endParaRPr lang="en-US"/>
+          </a:p>
+        </p:txBody>
+      </p:sp>
+      <p:sp>
+        <p:nvSpPr>
+          <p:cNvPr id="36" name="Rectangle 35"/>
+          <p:cNvSpPr/>
+          <p:nvPr/>
+        </p:nvSpPr>
+        <p:spPr>
+          <a:xfrm>
+            <a:off x="5538245" y="5615102"/>
+            <a:ext cx="1115510" cy="1115510"/>
+          </a:xfrm>
+          <a:prstGeom prst="rect">
+            <a:avLst/>
+          </a:prstGeom>
+          <a:solidFill>
+            <a:schemeClr val="bg2"/>
+          </a:solidFill>
+          <a:ln>
+            <a:solidFill>
+              <a:schemeClr val="tx1"/>
+            </a:solidFill>
+          </a:ln>
+        </p:spPr>
+        <p:style>
+          <a:lnRef idx="2">
+            <a:schemeClr val="accent1">
+              <a:shade val="50000"/>
+            </a:schemeClr>
+          </a:lnRef>
+          <a:fillRef idx="1">
+            <a:schemeClr val="accent1"/>
+          </a:fillRef>
+          <a:effectRef idx="0">
+            <a:schemeClr val="accent1"/>
+          </a:effectRef>
+          <a:fontRef idx="minor">
+            <a:schemeClr val="lt1"/>
+          </a:fontRef>
+        </p:style>
+        <p:txBody>
+          <a:bodyPr rtlCol="0" anchor="ctr"/>
+          <a:lstStyle/>
+          <a:p>
+            <a:pPr algn="ctr"/>
+            <a:endParaRPr lang="en-US"/>
+          </a:p>
+        </p:txBody>
+      </p:sp>
+      <p:sp>
+        <p:nvSpPr>
+          <p:cNvPr id="37" name="Rectangle 36"/>
+          <p:cNvSpPr/>
+          <p:nvPr/>
+        </p:nvSpPr>
+        <p:spPr>
+          <a:xfrm>
+            <a:off x="381050" y="1219764"/>
+            <a:ext cx="1115510" cy="1115510"/>
+          </a:xfrm>
+          <a:prstGeom prst="rect">
+            <a:avLst/>
+          </a:prstGeom>
+          <a:solidFill>
+            <a:schemeClr val="bg2"/>
+          </a:solidFill>
+          <a:ln>
+            <a:solidFill>
+              <a:schemeClr val="tx1"/>
+            </a:solidFill>
+          </a:ln>
+        </p:spPr>
+        <p:style>
+          <a:lnRef idx="2">
+            <a:schemeClr val="accent1">
+              <a:shade val="50000"/>
+            </a:schemeClr>
+          </a:lnRef>
+          <a:fillRef idx="1">
+            <a:schemeClr val="accent1"/>
+          </a:fillRef>
+          <a:effectRef idx="0">
+            <a:schemeClr val="accent1"/>
+          </a:effectRef>
+          <a:fontRef idx="minor">
+            <a:schemeClr val="lt1"/>
+          </a:fontRef>
+        </p:style>
+        <p:txBody>
+          <a:bodyPr rtlCol="0" anchor="ctr"/>
+          <a:lstStyle/>
+          <a:p>
+            <a:pPr algn="ctr"/>
+            <a:endParaRPr lang="en-US"/>
+          </a:p>
+        </p:txBody>
+      </p:sp>
+      <p:sp>
+        <p:nvSpPr>
+          <p:cNvPr id="38" name="Rectangle 37"/>
+          <p:cNvSpPr/>
+          <p:nvPr/>
+        </p:nvSpPr>
+        <p:spPr>
+          <a:xfrm>
+            <a:off x="381050" y="3426047"/>
+            <a:ext cx="1115510" cy="1115510"/>
+          </a:xfrm>
+          <a:prstGeom prst="rect">
+            <a:avLst/>
+          </a:prstGeom>
+          <a:solidFill>
+            <a:schemeClr val="bg2"/>
+          </a:solidFill>
+          <a:ln>
+            <a:solidFill>
+              <a:schemeClr val="tx1"/>
+            </a:solidFill>
+          </a:ln>
+        </p:spPr>
+        <p:style>
+          <a:lnRef idx="2">
+            <a:schemeClr val="accent1">
+              <a:shade val="50000"/>
+            </a:schemeClr>
+          </a:lnRef>
+          <a:fillRef idx="1">
+            <a:schemeClr val="accent1"/>
+          </a:fillRef>
+          <a:effectRef idx="0">
+            <a:schemeClr val="accent1"/>
+          </a:effectRef>
+          <a:fontRef idx="minor">
+            <a:schemeClr val="lt1"/>
+          </a:fontRef>
+        </p:style>
+        <p:txBody>
+          <a:bodyPr rtlCol="0" anchor="ctr"/>
+          <a:lstStyle/>
+          <a:p>
+            <a:pPr algn="ctr"/>
+            <a:endParaRPr lang="en-US"/>
+          </a:p>
+        </p:txBody>
+      </p:sp>
+      <p:sp>
+        <p:nvSpPr>
+          <p:cNvPr id="40" name="Smiley Face 39"/>
+          <p:cNvSpPr/>
+          <p:nvPr/>
+        </p:nvSpPr>
+        <p:spPr>
+          <a:xfrm>
+            <a:off x="10669700" y="3491251"/>
+            <a:ext cx="985101" cy="985101"/>
+          </a:xfrm>
+          <a:prstGeom prst="smileyFace">
+            <a:avLst/>
+          </a:prstGeom>
+          <a:solidFill>
+            <a:schemeClr val="bg1"/>
+          </a:solidFill>
+          <a:ln>
+            <a:solidFill>
+              <a:schemeClr val="tx1"/>
+            </a:solidFill>
+          </a:ln>
+        </p:spPr>
+        <p:style>
+          <a:lnRef idx="2">
+            <a:schemeClr val="accent1">
+              <a:shade val="50000"/>
+            </a:schemeClr>
+          </a:lnRef>
+          <a:fillRef idx="1">
+            <a:schemeClr val="accent1"/>
+          </a:fillRef>
+          <a:effectRef idx="0">
+            <a:schemeClr val="accent1"/>
+          </a:effectRef>
+          <a:fontRef idx="minor">
+            <a:schemeClr val="lt1"/>
+          </a:fontRef>
+        </p:style>
+        <p:txBody>
+          <a:bodyPr rtlCol="0" anchor="ctr"/>
+          <a:lstStyle/>
+          <a:p>
+            <a:pPr algn="ctr"/>
+            <a:endParaRPr lang="en-US"/>
+          </a:p>
+        </p:txBody>
+      </p:sp>
+      <p:sp>
+        <p:nvSpPr>
+          <p:cNvPr id="41" name="Smiley Face 40"/>
+          <p:cNvSpPr/>
+          <p:nvPr/>
+        </p:nvSpPr>
+        <p:spPr>
+          <a:xfrm>
+            <a:off x="10642278" y="1283192"/>
+            <a:ext cx="985101" cy="985101"/>
+          </a:xfrm>
+          <a:prstGeom prst="smileyFace">
+            <a:avLst/>
+          </a:prstGeom>
+          <a:solidFill>
+            <a:schemeClr val="bg1"/>
+          </a:solidFill>
+          <a:ln>
+            <a:solidFill>
+              <a:schemeClr val="tx1"/>
+            </a:solidFill>
+          </a:ln>
+        </p:spPr>
+        <p:style>
+          <a:lnRef idx="2">
+            <a:schemeClr val="accent1">
+              <a:shade val="50000"/>
+            </a:schemeClr>
+          </a:lnRef>
+          <a:fillRef idx="1">
+            <a:schemeClr val="accent1"/>
+          </a:fillRef>
+          <a:effectRef idx="0">
+            <a:schemeClr val="accent1"/>
+          </a:effectRef>
+          <a:fontRef idx="minor">
+            <a:schemeClr val="lt1"/>
+          </a:fontRef>
+        </p:style>
+        <p:txBody>
+          <a:bodyPr rtlCol="0" anchor="ctr"/>
+          <a:lstStyle/>
+          <a:p>
+            <a:pPr algn="ctr"/>
+            <a:endParaRPr lang="en-US"/>
+          </a:p>
+        </p:txBody>
+      </p:sp>
+      <p:sp>
+        <p:nvSpPr>
+          <p:cNvPr id="42" name="TextBox 41"/>
+          <p:cNvSpPr txBox="1"/>
+          <p:nvPr/>
+        </p:nvSpPr>
+        <p:spPr>
+          <a:xfrm>
+            <a:off x="5324093" y="5040331"/>
+            <a:ext cx="1543812" cy="461665"/>
+          </a:xfrm>
+          <a:prstGeom prst="rect">
+            <a:avLst/>
+          </a:prstGeom>
+          <a:noFill/>
+        </p:spPr>
+        <p:txBody>
+          <a:bodyPr wrap="square" rtlCol="0">
+            <a:spAutoFit/>
+          </a:bodyPr>
+          <a:lstStyle/>
+          <a:p>
+            <a:pPr algn="ctr"/>
+            <a:r>
+              <a:rPr lang="en-US" altLang="zh-CN" sz="2400" smtClean="0">
+                <a:latin typeface="Microsoft YaHei Light" panose="020B0502040204020203" pitchFamily="34" charset="-122"/>
+                <a:ea typeface="Microsoft YaHei Light" panose="020B0502040204020203" pitchFamily="34" charset="-122"/>
+              </a:rPr>
+              <a:t>[</a:t>
+            </a:r>
+            <a:r>
+              <a:rPr lang="zh-CN" altLang="en-US" sz="2400" smtClean="0">
+                <a:latin typeface="Microsoft YaHei Light" panose="020B0502040204020203" pitchFamily="34" charset="-122"/>
+                <a:ea typeface="Microsoft YaHei Light" panose="020B0502040204020203" pitchFamily="34" charset="-122"/>
+              </a:rPr>
+              <a:t>房主</a:t>
+            </a:r>
+            <a:r>
+              <a:rPr lang="en-US" altLang="zh-CN" sz="2400" smtClean="0">
+                <a:latin typeface="Microsoft YaHei Light" panose="020B0502040204020203" pitchFamily="34" charset="-122"/>
+                <a:ea typeface="Microsoft YaHei Light" panose="020B0502040204020203" pitchFamily="34" charset="-122"/>
+              </a:rPr>
+              <a:t>]</a:t>
+            </a:r>
+            <a:r>
+              <a:rPr lang="zh-CN" altLang="en-US" sz="2400" smtClean="0">
+                <a:latin typeface="Microsoft YaHei Light" panose="020B0502040204020203" pitchFamily="34" charset="-122"/>
+                <a:ea typeface="Microsoft YaHei Light" panose="020B0502040204020203" pitchFamily="34" charset="-122"/>
+              </a:rPr>
+              <a:t>你</a:t>
+            </a:r>
+            <a:endParaRPr lang="en-US" sz="2400" dirty="0">
+              <a:latin typeface="Microsoft YaHei Light" panose="020B0502040204020203" pitchFamily="34" charset="-122"/>
+              <a:ea typeface="Microsoft YaHei Light" panose="020B0502040204020203" pitchFamily="34" charset="-122"/>
+            </a:endParaRPr>
+          </a:p>
+        </p:txBody>
+      </p:sp>
+      <p:sp>
+        <p:nvSpPr>
+          <p:cNvPr id="44" name="Rectangle 43"/>
+          <p:cNvSpPr/>
+          <p:nvPr/>
+        </p:nvSpPr>
+        <p:spPr>
+          <a:xfrm>
+            <a:off x="10426942" y="2392933"/>
+            <a:ext cx="1415772" cy="461665"/>
+          </a:xfrm>
+          <a:prstGeom prst="rect">
+            <a:avLst/>
+          </a:prstGeom>
+        </p:spPr>
+        <p:txBody>
+          <a:bodyPr wrap="none">
+            <a:spAutoFit/>
+          </a:bodyPr>
+          <a:lstStyle/>
+          <a:p>
+            <a:pPr lvl="0" algn="ctr"/>
+            <a:r>
+              <a:rPr lang="zh-CN" altLang="en-US" sz="2400" smtClean="0">
+                <a:solidFill>
+                  <a:prstClr val="black"/>
+                </a:solidFill>
+                <a:latin typeface="Microsoft YaHei Light" panose="020B0502040204020203" pitchFamily="34" charset="-122"/>
+                <a:ea typeface="Microsoft YaHei Light" panose="020B0502040204020203" pitchFamily="34" charset="-122"/>
+              </a:rPr>
+              <a:t>玩家一号</a:t>
+            </a:r>
+            <a:endParaRPr lang="en-US" sz="2400" dirty="0">
+              <a:solidFill>
+                <a:prstClr val="black"/>
+              </a:solidFill>
+              <a:latin typeface="Microsoft YaHei Light" panose="020B0502040204020203" pitchFamily="34" charset="-122"/>
+              <a:ea typeface="Microsoft YaHei Light" panose="020B0502040204020203" pitchFamily="34" charset="-122"/>
+            </a:endParaRPr>
+          </a:p>
+        </p:txBody>
+      </p:sp>
+      <p:sp>
+        <p:nvSpPr>
+          <p:cNvPr id="46" name="Rectangle 45"/>
+          <p:cNvSpPr/>
+          <p:nvPr/>
+        </p:nvSpPr>
+        <p:spPr>
+          <a:xfrm>
+            <a:off x="10457422" y="4675496"/>
+            <a:ext cx="1415772" cy="461665"/>
+          </a:xfrm>
+          <a:prstGeom prst="rect">
+            <a:avLst/>
+          </a:prstGeom>
+        </p:spPr>
+        <p:txBody>
+          <a:bodyPr wrap="none">
+            <a:spAutoFit/>
+          </a:bodyPr>
+          <a:lstStyle/>
+          <a:p>
+            <a:pPr lvl="0" algn="ctr"/>
+            <a:r>
+              <a:rPr lang="zh-CN" altLang="en-US" sz="2400" dirty="0" smtClean="0">
+                <a:solidFill>
+                  <a:prstClr val="black"/>
+                </a:solidFill>
+                <a:latin typeface="Microsoft YaHei Light" panose="020B0502040204020203" pitchFamily="34" charset="-122"/>
+                <a:ea typeface="Microsoft YaHei Light" panose="020B0502040204020203" pitchFamily="34" charset="-122"/>
+              </a:rPr>
+              <a:t>玩家二号</a:t>
+            </a:r>
+            <a:endParaRPr lang="en-US" sz="2400" dirty="0">
+              <a:solidFill>
+                <a:prstClr val="black"/>
+              </a:solidFill>
+              <a:latin typeface="Microsoft YaHei Light" panose="020B0502040204020203" pitchFamily="34" charset="-122"/>
+              <a:ea typeface="Microsoft YaHei Light" panose="020B0502040204020203" pitchFamily="34" charset="-122"/>
+            </a:endParaRPr>
+          </a:p>
+        </p:txBody>
+      </p:sp>
+      <p:pic>
+        <p:nvPicPr>
+          <p:cNvPr id="1026" name="Picture 2" descr="http://www.wikidot.com/avatar.php?userid=3687969&amp;timestamp=1558007050"/>
+          <p:cNvPicPr>
+            <a:picLocks noChangeAspect="1" noChangeArrowheads="1"/>
+          </p:cNvPicPr>
+          <p:nvPr/>
+        </p:nvPicPr>
+        <p:blipFill rotWithShape="1">
+          <a:blip r:embed="rId2">
+            <a:extLst>
+              <a:ext uri="{28A0092B-C50C-407E-A947-70E740481C1C}">
+                <a14:useLocalDpi xmlns:a14="http://schemas.microsoft.com/office/drawing/2010/main" val="0"/>
+              </a:ext>
+            </a:extLst>
+          </a:blip>
+          <a:srcRect/>
+          <a:stretch/>
+        </p:blipFill>
+        <p:spPr bwMode="auto">
+          <a:xfrm>
+            <a:off x="5538245" y="5615102"/>
+            <a:ext cx="1115510" cy="1117264"/>
+          </a:xfrm>
+          <a:prstGeom prst="rect">
+            <a:avLst/>
+          </a:prstGeom>
+          <a:noFill/>
+          <a:extLst>
+            <a:ext uri="{909E8E84-426E-40DD-AFC4-6F175D3DCCD1}">
+              <a14:hiddenFill xmlns:a14="http://schemas.microsoft.com/office/drawing/2010/main">
+                <a:solidFill>
+                  <a:srgbClr val="FFFFFF"/>
+                </a:solidFill>
+              </a14:hiddenFill>
+            </a:ext>
+          </a:extLst>
+        </p:spPr>
+      </p:pic>
+      <p:grpSp>
+        <p:nvGrpSpPr>
+          <p:cNvPr id="55" name="Group 54"/>
+          <p:cNvGrpSpPr/>
+          <p:nvPr/>
+        </p:nvGrpSpPr>
+        <p:grpSpPr>
+          <a:xfrm>
+            <a:off x="10652634" y="6215398"/>
+            <a:ext cx="1157565" cy="461665"/>
+            <a:chOff x="10535019" y="6337745"/>
+            <a:chExt cx="1157565" cy="461665"/>
+          </a:xfrm>
+        </p:grpSpPr>
+        <p:sp>
+          <p:nvSpPr>
+            <p:cNvPr id="51" name="Isosceles Triangle 50"/>
+            <p:cNvSpPr/>
+            <p:nvPr/>
+          </p:nvSpPr>
+          <p:spPr>
+            <a:xfrm rot="5400000">
+              <a:off x="11448125" y="6455402"/>
+              <a:ext cx="262567" cy="226351"/>
+            </a:xfrm>
+            <a:prstGeom prst="triangle">
               <a:avLst/>
             </a:prstGeom>
+            <a:solidFill>
+              <a:schemeClr val="tx1"/>
+            </a:solidFill>
             <a:ln>
               <a:solidFill>
                 <a:schemeClr val="tx1"/>
@@ -3174,37 +5790,84 @@
             </a:ln>
           </p:spPr>
           <p:style>
-            <a:lnRef idx="1">
-              <a:schemeClr val="accent1"/>
+            <a:lnRef idx="2">
+              <a:schemeClr val="accent1">
+                <a:shade val="50000"/>
+              </a:schemeClr>
             </a:lnRef>
-            <a:fillRef idx="0">
+            <a:fillRef idx="1">
               <a:schemeClr val="accent1"/>
             </a:fillRef>
             <a:effectRef idx="0">
               <a:schemeClr val="accent1"/>
             </a:effectRef>
             <a:fontRef idx="minor">
-              <a:schemeClr val="tx1"/>
+              <a:schemeClr val="lt1"/>
             </a:fontRef>
           </p:style>
-        </p:cxnSp>
-        <p:cxnSp>
-          <p:nvCxnSpPr>
-            <p:cNvPr id="81" name="Straight Connector 80"/>
-            <p:cNvCxnSpPr>
-              <a:stCxn id="5" idx="5"/>
-              <a:endCxn id="6" idx="5"/>
-            </p:cNvCxnSpPr>
+          <p:txBody>
+            <a:bodyPr rtlCol="0" anchor="ctr"/>
+            <a:lstStyle/>
+            <a:p>
+              <a:pPr algn="ctr"/>
+              <a:endParaRPr lang="en-US"/>
+            </a:p>
+          </p:txBody>
+        </p:sp>
+        <p:sp>
+          <p:nvSpPr>
+            <p:cNvPr id="52" name="TextBox 51"/>
+            <p:cNvSpPr txBox="1"/>
             <p:nvPr/>
-          </p:nvCxnSpPr>
+          </p:nvSpPr>
           <p:spPr>
             <a:xfrm>
-              <a:off x="5708473" y="-2173882"/>
-              <a:ext cx="6250246" cy="2735976"/>
+              <a:off x="10911470" y="6337745"/>
+              <a:ext cx="404662" cy="461665"/>
             </a:xfrm>
-            <a:prstGeom prst="line">
+            <a:prstGeom prst="rect">
               <a:avLst/>
             </a:prstGeom>
+            <a:noFill/>
+          </p:spPr>
+          <p:txBody>
+            <a:bodyPr wrap="square" rtlCol="0">
+              <a:spAutoFit/>
+            </a:bodyPr>
+            <a:lstStyle/>
+            <a:p>
+              <a:pPr algn="ctr"/>
+              <a:r>
+                <a:rPr lang="en-US" sz="2400" dirty="0" smtClean="0">
+                  <a:latin typeface="Microsoft YaHei Light" panose="020B0502040204020203" pitchFamily="34" charset="-122"/>
+                  <a:ea typeface="Microsoft YaHei Light" panose="020B0502040204020203" pitchFamily="34" charset="-122"/>
+                </a:rPr>
+                <a:t>1</a:t>
+              </a:r>
+              <a:endParaRPr lang="en-US" sz="2400" dirty="0">
+                <a:latin typeface="Microsoft YaHei Light" panose="020B0502040204020203" pitchFamily="34" charset="-122"/>
+                <a:ea typeface="Microsoft YaHei Light" panose="020B0502040204020203" pitchFamily="34" charset="-122"/>
+              </a:endParaRPr>
+            </a:p>
+          </p:txBody>
+        </p:sp>
+        <p:sp>
+          <p:nvSpPr>
+            <p:cNvPr id="53" name="Isosceles Triangle 52"/>
+            <p:cNvSpPr/>
+            <p:nvPr/>
+          </p:nvSpPr>
+          <p:spPr>
+            <a:xfrm rot="16200000">
+              <a:off x="10516911" y="6455402"/>
+              <a:ext cx="262567" cy="226351"/>
+            </a:xfrm>
+            <a:prstGeom prst="triangle">
+              <a:avLst/>
+            </a:prstGeom>
+            <a:solidFill>
+              <a:schemeClr val="tx1"/>
+            </a:solidFill>
             <a:ln>
               <a:solidFill>
                 <a:schemeClr val="tx1"/>
@@ -3212,252 +5875,127 @@
             </a:ln>
           </p:spPr>
           <p:style>
-            <a:lnRef idx="1">
-              <a:schemeClr val="accent1"/>
+            <a:lnRef idx="2">
+              <a:schemeClr val="accent1">
+                <a:shade val="50000"/>
+              </a:schemeClr>
             </a:lnRef>
-            <a:fillRef idx="0">
+            <a:fillRef idx="1">
               <a:schemeClr val="accent1"/>
             </a:fillRef>
             <a:effectRef idx="0">
               <a:schemeClr val="accent1"/>
             </a:effectRef>
             <a:fontRef idx="minor">
-              <a:schemeClr val="tx1"/>
+              <a:schemeClr val="lt1"/>
             </a:fontRef>
           </p:style>
-        </p:cxnSp>
-        <p:cxnSp>
-          <p:nvCxnSpPr>
-            <p:cNvPr id="85" name="Straight Connector 84"/>
-            <p:cNvCxnSpPr>
-              <a:stCxn id="5" idx="6"/>
-              <a:endCxn id="6" idx="6"/>
-            </p:cNvCxnSpPr>
-            <p:nvPr/>
-          </p:nvCxnSpPr>
-          <p:spPr>
-            <a:xfrm flipV="1">
-              <a:off x="5722154" y="-5345797"/>
-              <a:ext cx="6354218" cy="2484964"/>
-            </a:xfrm>
-            <a:prstGeom prst="line">
-              <a:avLst/>
-            </a:prstGeom>
-            <a:ln>
-              <a:solidFill>
-                <a:schemeClr val="tx1"/>
-              </a:solidFill>
-            </a:ln>
-          </p:spPr>
-          <p:style>
-            <a:lnRef idx="1">
-              <a:schemeClr val="accent1"/>
-            </a:lnRef>
-            <a:fillRef idx="0">
-              <a:schemeClr val="accent1"/>
-            </a:fillRef>
-            <a:effectRef idx="0">
-              <a:schemeClr val="accent1"/>
-            </a:effectRef>
-            <a:fontRef idx="minor">
-              <a:schemeClr val="tx1"/>
-            </a:fontRef>
-          </p:style>
-        </p:cxnSp>
-        <p:cxnSp>
-          <p:nvCxnSpPr>
-            <p:cNvPr id="89" name="Straight Connector 88"/>
-            <p:cNvCxnSpPr>
-              <a:stCxn id="5" idx="3"/>
-              <a:endCxn id="6" idx="3"/>
-            </p:cNvCxnSpPr>
-            <p:nvPr/>
-          </p:nvCxnSpPr>
-          <p:spPr>
-            <a:xfrm flipH="1">
-              <a:off x="1790124" y="-1711488"/>
-              <a:ext cx="2735977" cy="6250246"/>
-            </a:xfrm>
-            <a:prstGeom prst="line">
-              <a:avLst/>
-            </a:prstGeom>
-            <a:ln>
-              <a:solidFill>
-                <a:schemeClr val="tx1"/>
-              </a:solidFill>
-            </a:ln>
-          </p:spPr>
-          <p:style>
-            <a:lnRef idx="1">
-              <a:schemeClr val="accent1"/>
-            </a:lnRef>
-            <a:fillRef idx="0">
-              <a:schemeClr val="accent1"/>
-            </a:fillRef>
-            <a:effectRef idx="0">
-              <a:schemeClr val="accent1"/>
-            </a:effectRef>
-            <a:fontRef idx="minor">
-              <a:schemeClr val="tx1"/>
-            </a:fontRef>
-          </p:style>
-        </p:cxnSp>
-        <p:cxnSp>
-          <p:nvCxnSpPr>
-            <p:cNvPr id="91" name="Straight Connector 90"/>
-            <p:cNvCxnSpPr>
-              <a:stCxn id="6" idx="2"/>
-              <a:endCxn id="5" idx="2"/>
-            </p:cNvCxnSpPr>
-            <p:nvPr/>
-          </p:nvCxnSpPr>
-          <p:spPr>
-            <a:xfrm flipV="1">
-              <a:off x="-2304192" y="-2206909"/>
-              <a:ext cx="6354218" cy="2484964"/>
-            </a:xfrm>
-            <a:prstGeom prst="line">
-              <a:avLst/>
-            </a:prstGeom>
-            <a:ln>
-              <a:solidFill>
-                <a:schemeClr val="tx1"/>
-              </a:solidFill>
-            </a:ln>
-          </p:spPr>
-          <p:style>
-            <a:lnRef idx="1">
-              <a:schemeClr val="accent1"/>
-            </a:lnRef>
-            <a:fillRef idx="0">
-              <a:schemeClr val="accent1"/>
-            </a:fillRef>
-            <a:effectRef idx="0">
-              <a:schemeClr val="accent1"/>
-            </a:effectRef>
-            <a:fontRef idx="minor">
-              <a:schemeClr val="tx1"/>
-            </a:fontRef>
-          </p:style>
-        </p:cxnSp>
-        <p:cxnSp>
-          <p:nvCxnSpPr>
-            <p:cNvPr id="93" name="Straight Connector 92"/>
-            <p:cNvCxnSpPr/>
-            <p:nvPr/>
-          </p:nvCxnSpPr>
-          <p:spPr>
-            <a:xfrm rot="20318452">
-              <a:off x="-1473655" y="-6625319"/>
-              <a:ext cx="4824476" cy="4824476"/>
-            </a:xfrm>
-            <a:prstGeom prst="line">
-              <a:avLst/>
-            </a:prstGeom>
-            <a:ln>
-              <a:solidFill>
-                <a:schemeClr val="tx1"/>
-              </a:solidFill>
-            </a:ln>
-          </p:spPr>
-          <p:style>
-            <a:lnRef idx="1">
-              <a:schemeClr val="accent1"/>
-            </a:lnRef>
-            <a:fillRef idx="0">
-              <a:schemeClr val="accent1"/>
-            </a:fillRef>
-            <a:effectRef idx="0">
-              <a:schemeClr val="accent1"/>
-            </a:effectRef>
-            <a:fontRef idx="minor">
-              <a:schemeClr val="tx1"/>
-            </a:fontRef>
-          </p:style>
-        </p:cxnSp>
-        <p:cxnSp>
-          <p:nvCxnSpPr>
-            <p:cNvPr id="99" name="Straight Connector 98"/>
-            <p:cNvCxnSpPr/>
-            <p:nvPr/>
-          </p:nvCxnSpPr>
-          <p:spPr>
-            <a:xfrm rot="20318452" flipV="1">
-              <a:off x="3316645" y="-9909696"/>
-              <a:ext cx="0" cy="6822840"/>
-            </a:xfrm>
-            <a:prstGeom prst="line">
-              <a:avLst/>
-            </a:prstGeom>
-            <a:ln>
-              <a:solidFill>
-                <a:schemeClr val="tx1"/>
-              </a:solidFill>
-            </a:ln>
-          </p:spPr>
-          <p:style>
-            <a:lnRef idx="1">
-              <a:schemeClr val="accent1"/>
-            </a:lnRef>
-            <a:fillRef idx="0">
-              <a:schemeClr val="accent1"/>
-            </a:fillRef>
-            <a:effectRef idx="0">
-              <a:schemeClr val="accent1"/>
-            </a:effectRef>
-            <a:fontRef idx="minor">
-              <a:schemeClr val="tx1"/>
-            </a:fontRef>
-          </p:style>
-        </p:cxnSp>
-        <p:cxnSp>
-          <p:nvCxnSpPr>
-            <p:cNvPr id="102" name="Straight Connector 101"/>
-            <p:cNvCxnSpPr/>
-            <p:nvPr/>
-          </p:nvCxnSpPr>
-          <p:spPr>
-            <a:xfrm rot="20318452" flipV="1">
-              <a:off x="4201829" y="-8844848"/>
-              <a:ext cx="4824476" cy="4824476"/>
-            </a:xfrm>
-            <a:prstGeom prst="line">
-              <a:avLst/>
-            </a:prstGeom>
-            <a:ln>
-              <a:solidFill>
-                <a:schemeClr val="tx1"/>
-              </a:solidFill>
-            </a:ln>
-          </p:spPr>
-          <p:style>
-            <a:lnRef idx="1">
-              <a:schemeClr val="accent1"/>
-            </a:lnRef>
-            <a:fillRef idx="0">
-              <a:schemeClr val="accent1"/>
-            </a:fillRef>
-            <a:effectRef idx="0">
-              <a:schemeClr val="accent1"/>
-            </a:effectRef>
-            <a:fontRef idx="minor">
-              <a:schemeClr val="tx1"/>
-            </a:fontRef>
-          </p:style>
-        </p:cxnSp>
+          <p:txBody>
+            <a:bodyPr rtlCol="0" anchor="ctr"/>
+            <a:lstStyle/>
+            <a:p>
+              <a:pPr algn="ctr"/>
+              <a:endParaRPr lang="en-US"/>
+            </a:p>
+          </p:txBody>
+        </p:sp>
       </p:grpSp>
       <p:sp>
         <p:nvSpPr>
-          <p:cNvPr id="8" name="Rectangle 7"/>
+          <p:cNvPr id="54" name="Rectangle 53"/>
           <p:cNvSpPr/>
           <p:nvPr/>
         </p:nvSpPr>
         <p:spPr>
           <a:xfrm>
-            <a:off x="9537812" y="0"/>
-            <a:ext cx="2654188" cy="6858000"/>
+            <a:off x="10523530" y="5753733"/>
+            <a:ext cx="1415772" cy="461665"/>
           </a:xfrm>
           <a:prstGeom prst="rect">
+            <a:avLst/>
+          </a:prstGeom>
+        </p:spPr>
+        <p:txBody>
+          <a:bodyPr wrap="none">
+            <a:spAutoFit/>
+          </a:bodyPr>
+          <a:lstStyle/>
+          <a:p>
+            <a:pPr lvl="0" algn="ctr"/>
+            <a:r>
+              <a:rPr lang="zh-CN" altLang="en-US" sz="2400" dirty="0">
+                <a:solidFill>
+                  <a:prstClr val="black"/>
+                </a:solidFill>
+                <a:latin typeface="Microsoft YaHei Light" panose="020B0502040204020203" pitchFamily="34" charset="-122"/>
+                <a:ea typeface="Microsoft YaHei Light" panose="020B0502040204020203" pitchFamily="34" charset="-122"/>
+              </a:rPr>
+              <a:t>最大人数</a:t>
+            </a:r>
+            <a:endParaRPr lang="en-US" sz="2400" dirty="0">
+              <a:solidFill>
+                <a:prstClr val="black"/>
+              </a:solidFill>
+              <a:latin typeface="Microsoft YaHei Light" panose="020B0502040204020203" pitchFamily="34" charset="-122"/>
+              <a:ea typeface="Microsoft YaHei Light" panose="020B0502040204020203" pitchFamily="34" charset="-122"/>
+            </a:endParaRPr>
+          </a:p>
+        </p:txBody>
+      </p:sp>
+      <p:sp>
+        <p:nvSpPr>
+          <p:cNvPr id="57" name="Rectangle 56"/>
+          <p:cNvSpPr/>
+          <p:nvPr/>
+        </p:nvSpPr>
+        <p:spPr>
+          <a:xfrm>
+            <a:off x="337279" y="6215398"/>
+            <a:ext cx="800219" cy="461665"/>
+          </a:xfrm>
+          <a:prstGeom prst="rect">
+            <a:avLst/>
+          </a:prstGeom>
+        </p:spPr>
+        <p:txBody>
+          <a:bodyPr wrap="none">
+            <a:spAutoFit/>
+          </a:bodyPr>
+          <a:lstStyle/>
+          <a:p>
+            <a:pPr lvl="0" algn="ctr"/>
+            <a:r>
+              <a:rPr lang="zh-CN" altLang="en-US" sz="2400" dirty="0" smtClean="0">
+                <a:solidFill>
+                  <a:prstClr val="black"/>
+                </a:solidFill>
+                <a:latin typeface="Microsoft YaHei Light" panose="020B0502040204020203" pitchFamily="34" charset="-122"/>
+                <a:ea typeface="Microsoft YaHei Light" panose="020B0502040204020203" pitchFamily="34" charset="-122"/>
+              </a:rPr>
+              <a:t>离开</a:t>
+            </a:r>
+            <a:endParaRPr lang="en-US" sz="2400" dirty="0">
+              <a:solidFill>
+                <a:prstClr val="black"/>
+              </a:solidFill>
+              <a:latin typeface="Microsoft YaHei Light" panose="020B0502040204020203" pitchFamily="34" charset="-122"/>
+              <a:ea typeface="Microsoft YaHei Light" panose="020B0502040204020203" pitchFamily="34" charset="-122"/>
+            </a:endParaRPr>
+          </a:p>
+        </p:txBody>
+      </p:sp>
+      <p:sp>
+        <p:nvSpPr>
+          <p:cNvPr id="58" name="Rounded Rectangle 57"/>
+          <p:cNvSpPr/>
+          <p:nvPr/>
+        </p:nvSpPr>
+        <p:spPr>
+          <a:xfrm>
+            <a:off x="8514993" y="3942389"/>
+            <a:ext cx="1911382" cy="576727"/>
+          </a:xfrm>
+          <a:prstGeom prst="roundRect">
             <a:avLst/>
           </a:prstGeom>
           <a:solidFill>
@@ -3488,513 +6026,86 @@
           </a:fontRef>
         </p:style>
         <p:txBody>
-          <a:bodyPr rot="0" spcFirstLastPara="0" vertOverflow="overflow" horzOverflow="overflow" vert="horz" wrap="square" lIns="91440" tIns="45720" rIns="91440" bIns="45720" numCol="1" spcCol="0" rtlCol="0" fromWordArt="0" anchor="ctr" anchorCtr="0" forceAA="0" compatLnSpc="1">
-            <a:prstTxWarp prst="textNoShape">
-              <a:avLst/>
-            </a:prstTxWarp>
-            <a:noAutofit/>
-          </a:bodyPr>
+          <a:bodyPr rtlCol="0" anchor="ctr"/>
           <a:lstStyle/>
           <a:p>
             <a:pPr algn="ctr"/>
-            <a:endParaRPr lang="en-US"/>
-          </a:p>
-        </p:txBody>
-      </p:sp>
-      <p:grpSp>
-        <p:nvGrpSpPr>
-          <p:cNvPr id="77" name="Group 76"/>
-          <p:cNvGrpSpPr/>
-          <p:nvPr/>
-        </p:nvGrpSpPr>
-        <p:grpSpPr>
-          <a:xfrm>
-            <a:off x="-8477" y="2518966"/>
-            <a:ext cx="9319959" cy="6520245"/>
-            <a:chOff x="0" y="1552652"/>
-            <a:chExt cx="9319959" cy="6520245"/>
-          </a:xfrm>
-        </p:grpSpPr>
-        <p:pic>
-          <p:nvPicPr>
-            <p:cNvPr id="37" name="Picture 36"/>
-            <p:cNvPicPr>
-              <a:picLocks noChangeAspect="1"/>
-            </p:cNvPicPr>
-            <p:nvPr/>
-          </p:nvPicPr>
-          <p:blipFill>
-            <a:blip r:embed="rId2"/>
-            <a:stretch>
-              <a:fillRect/>
-            </a:stretch>
-          </p:blipFill>
-          <p:spPr>
-            <a:xfrm>
-              <a:off x="0" y="3726067"/>
-              <a:ext cx="3024571" cy="4346830"/>
-            </a:xfrm>
-            <a:prstGeom prst="rect">
-              <a:avLst/>
-            </a:prstGeom>
-          </p:spPr>
-        </p:pic>
-        <p:pic>
-          <p:nvPicPr>
-            <p:cNvPr id="38" name="Picture 37"/>
-            <p:cNvPicPr>
-              <a:picLocks noChangeAspect="1"/>
-            </p:cNvPicPr>
-            <p:nvPr/>
-          </p:nvPicPr>
-          <p:blipFill>
-            <a:blip r:embed="rId2"/>
-            <a:stretch>
-              <a:fillRect/>
-            </a:stretch>
-          </p:blipFill>
-          <p:spPr>
-            <a:xfrm>
-              <a:off x="345651" y="3726067"/>
-              <a:ext cx="3024571" cy="4346830"/>
-            </a:xfrm>
-            <a:prstGeom prst="rect">
-              <a:avLst/>
-            </a:prstGeom>
-          </p:spPr>
-        </p:pic>
-        <p:pic>
-          <p:nvPicPr>
-            <p:cNvPr id="39" name="Picture 38"/>
-            <p:cNvPicPr>
-              <a:picLocks noChangeAspect="1"/>
-            </p:cNvPicPr>
-            <p:nvPr/>
-          </p:nvPicPr>
-          <p:blipFill>
-            <a:blip r:embed="rId2"/>
-            <a:stretch>
-              <a:fillRect/>
-            </a:stretch>
-          </p:blipFill>
-          <p:spPr>
-            <a:xfrm>
-              <a:off x="691302" y="3726067"/>
-              <a:ext cx="3024571" cy="4346830"/>
-            </a:xfrm>
-            <a:prstGeom prst="rect">
-              <a:avLst/>
-            </a:prstGeom>
-          </p:spPr>
-        </p:pic>
-        <p:pic>
-          <p:nvPicPr>
-            <p:cNvPr id="40" name="Picture 39"/>
-            <p:cNvPicPr>
-              <a:picLocks noChangeAspect="1"/>
-            </p:cNvPicPr>
-            <p:nvPr/>
-          </p:nvPicPr>
-          <p:blipFill>
-            <a:blip r:embed="rId2"/>
-            <a:stretch>
-              <a:fillRect/>
-            </a:stretch>
-          </p:blipFill>
-          <p:spPr>
-            <a:xfrm>
-              <a:off x="1044516" y="3726067"/>
-              <a:ext cx="3024571" cy="4346830"/>
-            </a:xfrm>
-            <a:prstGeom prst="rect">
-              <a:avLst/>
-            </a:prstGeom>
-          </p:spPr>
-        </p:pic>
-        <p:pic>
-          <p:nvPicPr>
-            <p:cNvPr id="41" name="Picture 40"/>
-            <p:cNvPicPr>
-              <a:picLocks noChangeAspect="1"/>
-            </p:cNvPicPr>
-            <p:nvPr/>
-          </p:nvPicPr>
-          <p:blipFill>
-            <a:blip r:embed="rId2"/>
-            <a:stretch>
-              <a:fillRect/>
-            </a:stretch>
-          </p:blipFill>
-          <p:spPr>
-            <a:xfrm>
-              <a:off x="1391456" y="3726067"/>
-              <a:ext cx="3024571" cy="4346830"/>
-            </a:xfrm>
-            <a:prstGeom prst="rect">
-              <a:avLst/>
-            </a:prstGeom>
-          </p:spPr>
-        </p:pic>
-        <p:pic>
-          <p:nvPicPr>
-            <p:cNvPr id="42" name="Picture 41"/>
-            <p:cNvPicPr>
-              <a:picLocks noChangeAspect="1"/>
-            </p:cNvPicPr>
-            <p:nvPr/>
-          </p:nvPicPr>
-          <p:blipFill>
-            <a:blip r:embed="rId2"/>
-            <a:stretch>
-              <a:fillRect/>
-            </a:stretch>
-          </p:blipFill>
-          <p:spPr>
-            <a:xfrm>
-              <a:off x="1738396" y="3726067"/>
-              <a:ext cx="3024571" cy="4346830"/>
-            </a:xfrm>
-            <a:prstGeom prst="rect">
-              <a:avLst/>
-            </a:prstGeom>
-          </p:spPr>
-        </p:pic>
-        <p:pic>
-          <p:nvPicPr>
-            <p:cNvPr id="43" name="Picture 42"/>
-            <p:cNvPicPr>
-              <a:picLocks noChangeAspect="1"/>
-            </p:cNvPicPr>
-            <p:nvPr/>
-          </p:nvPicPr>
-          <p:blipFill>
-            <a:blip r:embed="rId2"/>
-            <a:stretch>
-              <a:fillRect/>
-            </a:stretch>
-          </p:blipFill>
-          <p:spPr>
-            <a:xfrm>
-              <a:off x="2085336" y="3726067"/>
-              <a:ext cx="3024571" cy="4346830"/>
-            </a:xfrm>
-            <a:prstGeom prst="rect">
-              <a:avLst/>
-            </a:prstGeom>
-          </p:spPr>
-        </p:pic>
-        <p:pic>
-          <p:nvPicPr>
-            <p:cNvPr id="44" name="Picture 43"/>
-            <p:cNvPicPr>
-              <a:picLocks noChangeAspect="1"/>
-            </p:cNvPicPr>
-            <p:nvPr/>
-          </p:nvPicPr>
-          <p:blipFill>
-            <a:blip r:embed="rId2"/>
-            <a:stretch>
-              <a:fillRect/>
-            </a:stretch>
-          </p:blipFill>
-          <p:spPr>
-            <a:xfrm>
-              <a:off x="2432276" y="3726067"/>
-              <a:ext cx="3024571" cy="4346830"/>
-            </a:xfrm>
-            <a:prstGeom prst="rect">
-              <a:avLst/>
-            </a:prstGeom>
-          </p:spPr>
-        </p:pic>
-        <p:pic>
-          <p:nvPicPr>
-            <p:cNvPr id="46" name="Picture 45"/>
-            <p:cNvPicPr>
-              <a:picLocks noChangeAspect="1"/>
-            </p:cNvPicPr>
-            <p:nvPr/>
-          </p:nvPicPr>
-          <p:blipFill>
-            <a:blip r:embed="rId2"/>
-            <a:stretch>
-              <a:fillRect/>
-            </a:stretch>
-          </p:blipFill>
-          <p:spPr>
-            <a:xfrm>
-              <a:off x="2791207" y="3726067"/>
-              <a:ext cx="3024571" cy="4346830"/>
-            </a:xfrm>
-            <a:prstGeom prst="rect">
-              <a:avLst/>
-            </a:prstGeom>
-          </p:spPr>
-        </p:pic>
-        <p:pic>
-          <p:nvPicPr>
-            <p:cNvPr id="47" name="Picture 46"/>
-            <p:cNvPicPr>
-              <a:picLocks noChangeAspect="1"/>
-            </p:cNvPicPr>
-            <p:nvPr/>
-          </p:nvPicPr>
-          <p:blipFill>
-            <a:blip r:embed="rId2"/>
-            <a:stretch>
-              <a:fillRect/>
-            </a:stretch>
-          </p:blipFill>
-          <p:spPr>
-            <a:xfrm>
-              <a:off x="3147694" y="3726067"/>
-              <a:ext cx="3024571" cy="4346830"/>
-            </a:xfrm>
-            <a:prstGeom prst="rect">
-              <a:avLst/>
-            </a:prstGeom>
-          </p:spPr>
-        </p:pic>
-        <p:pic>
-          <p:nvPicPr>
-            <p:cNvPr id="48" name="Picture 47"/>
-            <p:cNvPicPr>
-              <a:picLocks noChangeAspect="1"/>
-            </p:cNvPicPr>
-            <p:nvPr/>
-          </p:nvPicPr>
-          <p:blipFill>
-            <a:blip r:embed="rId2"/>
-            <a:stretch>
-              <a:fillRect/>
-            </a:stretch>
-          </p:blipFill>
-          <p:spPr>
-            <a:xfrm>
-              <a:off x="3493345" y="3726067"/>
-              <a:ext cx="3024571" cy="4346830"/>
-            </a:xfrm>
-            <a:prstGeom prst="rect">
-              <a:avLst/>
-            </a:prstGeom>
-          </p:spPr>
-        </p:pic>
-        <p:pic>
-          <p:nvPicPr>
-            <p:cNvPr id="49" name="Picture 48"/>
-            <p:cNvPicPr>
-              <a:picLocks noChangeAspect="1"/>
-            </p:cNvPicPr>
-            <p:nvPr/>
-          </p:nvPicPr>
-          <p:blipFill>
-            <a:blip r:embed="rId2"/>
-            <a:stretch>
-              <a:fillRect/>
-            </a:stretch>
-          </p:blipFill>
-          <p:spPr>
-            <a:xfrm>
-              <a:off x="3838996" y="3726067"/>
-              <a:ext cx="3024571" cy="4346830"/>
-            </a:xfrm>
-            <a:prstGeom prst="rect">
-              <a:avLst/>
-            </a:prstGeom>
-          </p:spPr>
-        </p:pic>
-        <p:pic>
-          <p:nvPicPr>
-            <p:cNvPr id="50" name="Picture 49"/>
-            <p:cNvPicPr>
-              <a:picLocks noChangeAspect="1"/>
-            </p:cNvPicPr>
-            <p:nvPr/>
-          </p:nvPicPr>
-          <p:blipFill>
-            <a:blip r:embed="rId2"/>
-            <a:stretch>
-              <a:fillRect/>
-            </a:stretch>
-          </p:blipFill>
-          <p:spPr>
-            <a:xfrm>
-              <a:off x="4192210" y="3726067"/>
-              <a:ext cx="3024571" cy="4346830"/>
-            </a:xfrm>
-            <a:prstGeom prst="rect">
-              <a:avLst/>
-            </a:prstGeom>
-          </p:spPr>
-        </p:pic>
-        <p:pic>
-          <p:nvPicPr>
-            <p:cNvPr id="52" name="Picture 51"/>
-            <p:cNvPicPr>
-              <a:picLocks noChangeAspect="1"/>
-            </p:cNvPicPr>
-            <p:nvPr/>
-          </p:nvPicPr>
-          <p:blipFill>
-            <a:blip r:embed="rId2"/>
-            <a:stretch>
-              <a:fillRect/>
-            </a:stretch>
-          </p:blipFill>
-          <p:spPr>
-            <a:xfrm>
-              <a:off x="4886090" y="3726067"/>
-              <a:ext cx="3024571" cy="4346830"/>
-            </a:xfrm>
-            <a:prstGeom prst="rect">
-              <a:avLst/>
-            </a:prstGeom>
-          </p:spPr>
-        </p:pic>
-        <p:pic>
-          <p:nvPicPr>
-            <p:cNvPr id="53" name="Picture 52"/>
-            <p:cNvPicPr>
-              <a:picLocks noChangeAspect="1"/>
-            </p:cNvPicPr>
-            <p:nvPr/>
-          </p:nvPicPr>
-          <p:blipFill>
-            <a:blip r:embed="rId2"/>
-            <a:stretch>
-              <a:fillRect/>
-            </a:stretch>
-          </p:blipFill>
-          <p:spPr>
-            <a:xfrm>
-              <a:off x="5233030" y="3726067"/>
-              <a:ext cx="3024571" cy="4346830"/>
-            </a:xfrm>
-            <a:prstGeom prst="rect">
-              <a:avLst/>
-            </a:prstGeom>
-          </p:spPr>
-        </p:pic>
-        <p:pic>
-          <p:nvPicPr>
-            <p:cNvPr id="54" name="Picture 53"/>
-            <p:cNvPicPr>
-              <a:picLocks noChangeAspect="1"/>
-            </p:cNvPicPr>
-            <p:nvPr/>
-          </p:nvPicPr>
-          <p:blipFill>
-            <a:blip r:embed="rId2"/>
-            <a:stretch>
-              <a:fillRect/>
-            </a:stretch>
-          </p:blipFill>
-          <p:spPr>
-            <a:xfrm>
-              <a:off x="5579970" y="3726067"/>
-              <a:ext cx="3024571" cy="4346830"/>
-            </a:xfrm>
-            <a:prstGeom prst="rect">
-              <a:avLst/>
-            </a:prstGeom>
-          </p:spPr>
-        </p:pic>
-        <p:pic>
-          <p:nvPicPr>
-            <p:cNvPr id="55" name="Picture 54"/>
-            <p:cNvPicPr>
-              <a:picLocks noChangeAspect="1"/>
-            </p:cNvPicPr>
-            <p:nvPr/>
-          </p:nvPicPr>
-          <p:blipFill>
-            <a:blip r:embed="rId2"/>
-            <a:stretch>
-              <a:fillRect/>
-            </a:stretch>
-          </p:blipFill>
-          <p:spPr>
-            <a:xfrm>
-              <a:off x="5938901" y="3726067"/>
-              <a:ext cx="3024571" cy="4346830"/>
-            </a:xfrm>
-            <a:prstGeom prst="rect">
-              <a:avLst/>
-            </a:prstGeom>
-          </p:spPr>
-        </p:pic>
-        <p:pic>
-          <p:nvPicPr>
-            <p:cNvPr id="74" name="Picture 73"/>
-            <p:cNvPicPr>
-              <a:picLocks noChangeAspect="1"/>
-            </p:cNvPicPr>
-            <p:nvPr/>
-          </p:nvPicPr>
-          <p:blipFill>
-            <a:blip r:embed="rId2"/>
-            <a:stretch>
-              <a:fillRect/>
-            </a:stretch>
-          </p:blipFill>
-          <p:spPr>
-            <a:xfrm>
-              <a:off x="6295388" y="3718271"/>
-              <a:ext cx="3024571" cy="4346830"/>
-            </a:xfrm>
-            <a:prstGeom prst="rect">
-              <a:avLst/>
-            </a:prstGeom>
-          </p:spPr>
-        </p:pic>
-        <p:pic>
-          <p:nvPicPr>
-            <p:cNvPr id="51" name="Picture 50"/>
-            <p:cNvPicPr>
-              <a:picLocks noChangeAspect="1"/>
-            </p:cNvPicPr>
-            <p:nvPr/>
-          </p:nvPicPr>
-          <p:blipFill>
-            <a:blip r:embed="rId2"/>
-            <a:stretch>
-              <a:fillRect/>
-            </a:stretch>
-          </p:blipFill>
-          <p:spPr>
-            <a:xfrm>
-              <a:off x="4476318" y="1552652"/>
-              <a:ext cx="3024571" cy="4346830"/>
-            </a:xfrm>
-            <a:prstGeom prst="rect">
-              <a:avLst/>
-            </a:prstGeom>
-          </p:spPr>
-        </p:pic>
-      </p:grpSp>
-      <p:sp>
-        <p:nvSpPr>
-          <p:cNvPr id="9" name="Rectangle 8"/>
+            <a:r>
+              <a:rPr lang="zh-CN" altLang="en-US" sz="2000" dirty="0" smtClean="0">
+                <a:solidFill>
+                  <a:schemeClr val="tx1"/>
+                </a:solidFill>
+                <a:latin typeface="Microsoft YaHei" panose="020B0503020204020204" pitchFamily="34" charset="-122"/>
+                <a:ea typeface="Microsoft YaHei" panose="020B0503020204020204" pitchFamily="34" charset="-122"/>
+              </a:rPr>
+              <a:t>这里是对话框</a:t>
+            </a:r>
+            <a:endParaRPr lang="en-US" sz="2000" dirty="0">
+              <a:solidFill>
+                <a:schemeClr val="tx1"/>
+              </a:solidFill>
+              <a:latin typeface="Microsoft YaHei" panose="020B0503020204020204" pitchFamily="34" charset="-122"/>
+              <a:ea typeface="Microsoft YaHei" panose="020B0503020204020204" pitchFamily="34" charset="-122"/>
+            </a:endParaRPr>
+          </a:p>
+        </p:txBody>
+      </p:sp>
+    </p:spTree>
+    <p:extLst>
+      <p:ext uri="{BB962C8B-B14F-4D97-AF65-F5344CB8AC3E}">
+        <p14:creationId xmlns:p14="http://schemas.microsoft.com/office/powerpoint/2010/main" val="1764355797"/>
+      </p:ext>
+    </p:extLst>
+  </p:cSld>
+  <p:clrMapOvr>
+    <a:masterClrMapping/>
+  </p:clrMapOvr>
+  <p:timing>
+    <p:tnLst>
+      <p:par>
+        <p:cTn id="1" dur="indefinite" restart="never" nodeType="tmRoot"/>
+      </p:par>
+    </p:tnLst>
+  </p:timing>
+</p:sld>
+</file>
+
+<file path=ppt/slides/slide4.xml><?xml version="1.0" encoding="utf-8"?>
+<p:sld xmlns:a="http://schemas.openxmlformats.org/drawingml/2006/main" xmlns:r="http://schemas.openxmlformats.org/officeDocument/2006/relationships" xmlns:p="http://schemas.openxmlformats.org/presentationml/2006/main">
+  <p:cSld>
+    <p:spTree>
+      <p:nvGrpSpPr>
+        <p:cNvPr id="1" name=""/>
+        <p:cNvGrpSpPr/>
+        <p:nvPr/>
+      </p:nvGrpSpPr>
+      <p:grpSpPr>
+        <a:xfrm>
+          <a:off x="0" y="0"/>
+          <a:ext cx="0" cy="0"/>
+          <a:chOff x="0" y="0"/>
+          <a:chExt cx="0" cy="0"/>
+        </a:xfrm>
+      </p:grpSpPr>
+      <p:sp>
+        <p:nvSpPr>
+          <p:cNvPr id="39" name="Rectangle 38"/>
           <p:cNvSpPr/>
           <p:nvPr/>
         </p:nvSpPr>
         <p:spPr>
           <a:xfrm>
-            <a:off x="9359788" y="3060812"/>
-            <a:ext cx="178024" cy="736375"/>
+            <a:off x="0" y="0"/>
+            <a:ext cx="12192000" cy="6858000"/>
           </a:xfrm>
           <a:prstGeom prst="rect">
             <a:avLst/>
           </a:prstGeom>
           <a:solidFill>
-            <a:schemeClr val="bg1">
-              <a:lumMod val="75000"/>
-            </a:schemeClr>
+            <a:schemeClr val="tx1"/>
           </a:solidFill>
           <a:ln>
-            <a:solidFill>
-              <a:schemeClr val="tx1"/>
-            </a:solidFill>
+            <a:noFill/>
           </a:ln>
         </p:spPr>
         <p:style>
@@ -4014,253 +6125,98 @@
           </a:fontRef>
         </p:style>
         <p:txBody>
-          <a:bodyPr rot="0" spcFirstLastPara="0" vertOverflow="overflow" horzOverflow="overflow" vert="horz" wrap="square" lIns="91440" tIns="45720" rIns="91440" bIns="45720" numCol="1" spcCol="0" rtlCol="0" fromWordArt="0" anchor="ctr" anchorCtr="0" forceAA="0" compatLnSpc="1">
-            <a:prstTxWarp prst="textNoShape">
-              <a:avLst/>
-            </a:prstTxWarp>
-            <a:noAutofit/>
-          </a:bodyPr>
+          <a:bodyPr rtlCol="0" anchor="ctr"/>
           <a:lstStyle/>
           <a:p>
             <a:pPr algn="ctr"/>
             <a:r>
-              <a:rPr lang="zh-CN" altLang="en-US" sz="1200" dirty="0" smtClean="0">
-                <a:solidFill>
-                  <a:sysClr val="windowText" lastClr="000000"/>
-                </a:solidFill>
-              </a:rPr>
-              <a:t>▶</a:t>
-            </a:r>
-            <a:endParaRPr lang="en-US" sz="1200" dirty="0">
-              <a:solidFill>
-                <a:sysClr val="windowText" lastClr="000000"/>
-              </a:solidFill>
-            </a:endParaRPr>
-          </a:p>
-        </p:txBody>
-      </p:sp>
-      <p:cxnSp>
-        <p:nvCxnSpPr>
-          <p:cNvPr id="114" name="Straight Connector 113"/>
-          <p:cNvCxnSpPr/>
+              <a:rPr lang="zh-CN" altLang="en-US" dirty="0" smtClean="0"/>
+              <a:t>（渐黑过渡）</a:t>
+            </a:r>
+            <a:endParaRPr lang="en-US" dirty="0"/>
+          </a:p>
+        </p:txBody>
+      </p:sp>
+    </p:spTree>
+    <p:extLst>
+      <p:ext uri="{BB962C8B-B14F-4D97-AF65-F5344CB8AC3E}">
+        <p14:creationId xmlns:p14="http://schemas.microsoft.com/office/powerpoint/2010/main" val="3476992176"/>
+      </p:ext>
+    </p:extLst>
+  </p:cSld>
+  <p:clrMapOvr>
+    <a:masterClrMapping/>
+  </p:clrMapOvr>
+  <p:timing>
+    <p:tnLst>
+      <p:par>
+        <p:cTn id="1" dur="indefinite" restart="never" nodeType="tmRoot"/>
+      </p:par>
+    </p:tnLst>
+  </p:timing>
+</p:sld>
+</file>
+
+<file path=ppt/slides/slide5.xml><?xml version="1.0" encoding="utf-8"?>
+<p:sld xmlns:a="http://schemas.openxmlformats.org/drawingml/2006/main" xmlns:r="http://schemas.openxmlformats.org/officeDocument/2006/relationships" xmlns:p="http://schemas.openxmlformats.org/presentationml/2006/main">
+  <p:cSld>
+    <p:spTree>
+      <p:nvGrpSpPr>
+        <p:cNvPr id="1" name=""/>
+        <p:cNvGrpSpPr/>
+        <p:nvPr/>
+      </p:nvGrpSpPr>
+      <p:grpSpPr>
+        <a:xfrm>
+          <a:off x="0" y="0"/>
+          <a:ext cx="0" cy="0"/>
+          <a:chOff x="0" y="0"/>
+          <a:chExt cx="0" cy="0"/>
+        </a:xfrm>
+      </p:grpSpPr>
+      <p:sp>
+        <p:nvSpPr>
+          <p:cNvPr id="35" name="Rectangle 34"/>
+          <p:cNvSpPr/>
           <p:nvPr/>
-        </p:nvCxnSpPr>
+        </p:nvSpPr>
         <p:spPr>
-          <a:xfrm flipH="1">
-            <a:off x="9733280" y="3422927"/>
-            <a:ext cx="2296160" cy="6073"/>
-          </a:xfrm>
-          <a:prstGeom prst="line">
-            <a:avLst/>
-          </a:prstGeom>
-          <a:ln>
-            <a:solidFill>
-              <a:schemeClr val="tx1"/>
-            </a:solidFill>
-          </a:ln>
-        </p:spPr>
-        <p:style>
-          <a:lnRef idx="1">
-            <a:schemeClr val="accent1"/>
-          </a:lnRef>
-          <a:fillRef idx="0">
-            <a:schemeClr val="accent1"/>
-          </a:fillRef>
-          <a:effectRef idx="0">
-            <a:schemeClr val="accent1"/>
-          </a:effectRef>
-          <a:fontRef idx="minor">
-            <a:schemeClr val="tx1"/>
-          </a:fontRef>
-        </p:style>
-      </p:cxnSp>
-      <p:sp>
-        <p:nvSpPr>
-          <p:cNvPr id="117" name="TextBox 116"/>
-          <p:cNvSpPr txBox="1"/>
-          <p:nvPr/>
-        </p:nvSpPr>
-        <p:spPr>
-          <a:xfrm flipH="1">
-            <a:off x="9711531" y="170714"/>
-            <a:ext cx="1637072" cy="369332"/>
+          <a:xfrm>
+            <a:off x="0" y="0"/>
+            <a:ext cx="12192000" cy="6858000"/>
           </a:xfrm>
           <a:prstGeom prst="rect">
             <a:avLst/>
           </a:prstGeom>
-          <a:noFill/>
-        </p:spPr>
-        <p:txBody>
-          <a:bodyPr wrap="square" rtlCol="0">
-            <a:spAutoFit/>
-          </a:bodyPr>
-          <a:lstStyle/>
-          <a:p>
-            <a:r>
-              <a:rPr lang="zh-CN" altLang="en-US" dirty="0" smtClean="0">
-                <a:latin typeface="Microsoft YaHei" panose="020B0503020204020204" pitchFamily="34" charset="-122"/>
-                <a:ea typeface="Microsoft YaHei" panose="020B0503020204020204" pitchFamily="34" charset="-122"/>
-              </a:rPr>
-              <a:t>任务</a:t>
-            </a:r>
-            <a:endParaRPr lang="en-US" dirty="0">
-              <a:latin typeface="Microsoft YaHei" panose="020B0503020204020204" pitchFamily="34" charset="-122"/>
-              <a:ea typeface="Microsoft YaHei" panose="020B0503020204020204" pitchFamily="34" charset="-122"/>
-            </a:endParaRPr>
-          </a:p>
-        </p:txBody>
-      </p:sp>
-      <p:sp>
-        <p:nvSpPr>
-          <p:cNvPr id="118" name="TextBox 117"/>
-          <p:cNvSpPr txBox="1"/>
-          <p:nvPr/>
-        </p:nvSpPr>
-        <p:spPr>
-          <a:xfrm>
-            <a:off x="9732119" y="582886"/>
-            <a:ext cx="2035158" cy="1031051"/>
-          </a:xfrm>
-          <a:prstGeom prst="rect">
-            <a:avLst/>
-          </a:prstGeom>
-          <a:noFill/>
-        </p:spPr>
-        <p:txBody>
-          <a:bodyPr wrap="square" rtlCol="0">
-            <a:spAutoFit/>
-          </a:bodyPr>
-          <a:lstStyle/>
-          <a:p>
-            <a:pPr marL="182880" indent="-182880">
-              <a:spcAft>
-                <a:spcPts val="600"/>
-              </a:spcAft>
-              <a:buAutoNum type="arabicPeriod"/>
-            </a:pPr>
-            <a:r>
-              <a:rPr lang="en-US" sz="1400" dirty="0" smtClean="0"/>
-              <a:t>Tom </a:t>
-            </a:r>
-            <a:r>
-              <a:rPr lang="zh-CN" altLang="en-US" sz="1400" dirty="0" smtClean="0"/>
-              <a:t>需要</a:t>
-            </a:r>
-            <a:r>
-              <a:rPr lang="zh-CN" altLang="en-US" sz="1400" dirty="0" smtClean="0">
-                <a:solidFill>
-                  <a:schemeClr val="accent1">
-                    <a:lumMod val="75000"/>
-                  </a:schemeClr>
-                </a:solidFill>
-              </a:rPr>
-              <a:t>驱散身上的恶灵 </a:t>
-            </a:r>
-            <a:r>
-              <a:rPr lang="en-US" altLang="zh-CN" sz="1400" dirty="0" smtClean="0"/>
-              <a:t>[</a:t>
-            </a:r>
-            <a:r>
-              <a:rPr lang="zh-CN" altLang="en-US" sz="1400" dirty="0" smtClean="0"/>
-              <a:t>难度</a:t>
-            </a:r>
-            <a:r>
-              <a:rPr lang="en-US" altLang="zh-CN" sz="1400" dirty="0" smtClean="0"/>
-              <a:t>2]</a:t>
-            </a:r>
-          </a:p>
-          <a:p>
-            <a:pPr marL="182880" indent="-182880">
-              <a:spcAft>
-                <a:spcPts val="600"/>
-              </a:spcAft>
-              <a:buAutoNum type="arabicPeriod"/>
-            </a:pPr>
-            <a:r>
-              <a:rPr lang="en-US" altLang="zh-CN" sz="1400" dirty="0" smtClean="0"/>
-              <a:t>Lucy </a:t>
-            </a:r>
-            <a:r>
-              <a:rPr lang="zh-CN" altLang="en-US" sz="1400" dirty="0"/>
-              <a:t>需</a:t>
-            </a:r>
-            <a:r>
-              <a:rPr lang="zh-CN" altLang="en-US" sz="1400" dirty="0" smtClean="0"/>
-              <a:t>要</a:t>
-            </a:r>
-            <a:r>
-              <a:rPr lang="en-US" altLang="zh-CN" sz="1400" dirty="0" smtClean="0">
-                <a:solidFill>
-                  <a:srgbClr val="FFC000"/>
-                </a:solidFill>
-              </a:rPr>
-              <a:t>1</a:t>
-            </a:r>
-            <a:r>
-              <a:rPr lang="zh-CN" altLang="en-US" sz="1400" dirty="0" smtClean="0">
-                <a:solidFill>
-                  <a:srgbClr val="FFC000"/>
-                </a:solidFill>
-              </a:rPr>
-              <a:t>*铜钱剑</a:t>
-            </a:r>
-            <a:r>
-              <a:rPr lang="en-US" altLang="zh-CN" sz="1400" dirty="0" smtClean="0">
-                <a:solidFill>
-                  <a:srgbClr val="FFC000"/>
-                </a:solidFill>
-              </a:rPr>
-              <a:t> </a:t>
-            </a:r>
-            <a:r>
-              <a:rPr lang="en-US" altLang="zh-CN" sz="1400" dirty="0" smtClean="0"/>
-              <a:t>[</a:t>
-            </a:r>
-            <a:r>
-              <a:rPr lang="zh-CN" altLang="en-US" sz="1400" dirty="0" smtClean="0"/>
-              <a:t>难度</a:t>
-            </a:r>
-            <a:r>
-              <a:rPr lang="en-US" altLang="zh-CN" sz="1400" dirty="0"/>
-              <a:t>1</a:t>
-            </a:r>
-            <a:r>
-              <a:rPr lang="en-US" altLang="zh-CN" sz="1400" dirty="0" smtClean="0"/>
-              <a:t>]</a:t>
-            </a:r>
-            <a:endParaRPr lang="zh-CN" altLang="en-US" sz="1400" dirty="0" smtClean="0">
-              <a:solidFill>
-                <a:schemeClr val="accent4">
-                  <a:lumMod val="75000"/>
+          <a:gradFill flip="none" rotWithShape="1">
+            <a:gsLst>
+              <a:gs pos="0">
+                <a:schemeClr val="bg1">
+                  <a:lumMod val="85000"/>
+                  <a:shade val="30000"/>
+                  <a:satMod val="115000"/>
                 </a:schemeClr>
-              </a:solidFill>
-            </a:endParaRPr>
-          </a:p>
-        </p:txBody>
-      </p:sp>
-      <p:sp>
-        <p:nvSpPr>
-          <p:cNvPr id="119" name="Rounded Rectangle 118"/>
-          <p:cNvSpPr/>
-          <p:nvPr/>
-        </p:nvSpPr>
-        <p:spPr>
-          <a:xfrm>
-            <a:off x="9708421" y="6352176"/>
-            <a:ext cx="2024718" cy="284480"/>
-          </a:xfrm>
-          <a:prstGeom prst="roundRect">
-            <a:avLst>
-              <a:gd name="adj" fmla="val 50000"/>
-            </a:avLst>
-          </a:prstGeom>
-          <a:solidFill>
-            <a:schemeClr val="bg1"/>
-          </a:solidFill>
+              </a:gs>
+              <a:gs pos="50000">
+                <a:schemeClr val="bg1">
+                  <a:lumMod val="85000"/>
+                  <a:shade val="67500"/>
+                  <a:satMod val="115000"/>
+                </a:schemeClr>
+              </a:gs>
+              <a:gs pos="100000">
+                <a:schemeClr val="bg1">
+                  <a:lumMod val="85000"/>
+                  <a:shade val="100000"/>
+                  <a:satMod val="115000"/>
+                </a:schemeClr>
+              </a:gs>
+            </a:gsLst>
+            <a:lin ang="16200000" scaled="1"/>
+            <a:tileRect/>
+          </a:gradFill>
           <a:ln>
-            <a:solidFill>
-              <a:schemeClr val="tx1"/>
-            </a:solidFill>
+            <a:noFill/>
           </a:ln>
         </p:spPr>
         <p:style>
@@ -4284,349 +6240,10 @@
           <a:lstStyle/>
           <a:p>
             <a:pPr algn="ctr"/>
-            <a:endParaRPr lang="en-US"/>
-          </a:p>
-        </p:txBody>
-      </p:sp>
-      <p:sp>
-        <p:nvSpPr>
-          <p:cNvPr id="120" name="TextBox 119"/>
-          <p:cNvSpPr txBox="1"/>
-          <p:nvPr/>
-        </p:nvSpPr>
-        <p:spPr>
-          <a:xfrm flipH="1">
-            <a:off x="9715836" y="3656506"/>
-            <a:ext cx="1069948" cy="369332"/>
-          </a:xfrm>
-          <a:prstGeom prst="rect">
-            <a:avLst/>
-          </a:prstGeom>
-          <a:noFill/>
-        </p:spPr>
-        <p:txBody>
-          <a:bodyPr wrap="square" rtlCol="0">
-            <a:spAutoFit/>
-          </a:bodyPr>
-          <a:lstStyle/>
-          <a:p>
-            <a:r>
-              <a:rPr lang="zh-CN" altLang="en-US" dirty="0">
-                <a:latin typeface="Microsoft YaHei" panose="020B0503020204020204" pitchFamily="34" charset="-122"/>
-                <a:ea typeface="Microsoft YaHei" panose="020B0503020204020204" pitchFamily="34" charset="-122"/>
-              </a:rPr>
-              <a:t>聊天</a:t>
-            </a:r>
-            <a:endParaRPr lang="en-US" dirty="0">
-              <a:latin typeface="Microsoft YaHei" panose="020B0503020204020204" pitchFamily="34" charset="-122"/>
-              <a:ea typeface="Microsoft YaHei" panose="020B0503020204020204" pitchFamily="34" charset="-122"/>
-            </a:endParaRPr>
-          </a:p>
-        </p:txBody>
-      </p:sp>
-      <p:sp>
-        <p:nvSpPr>
-          <p:cNvPr id="121" name="TextBox 120"/>
-          <p:cNvSpPr txBox="1"/>
-          <p:nvPr/>
-        </p:nvSpPr>
-        <p:spPr>
-          <a:xfrm>
-            <a:off x="9781546" y="4148391"/>
-            <a:ext cx="2180162" cy="923330"/>
-          </a:xfrm>
-          <a:prstGeom prst="rect">
-            <a:avLst/>
-          </a:prstGeom>
-          <a:noFill/>
-        </p:spPr>
-        <p:txBody>
-          <a:bodyPr wrap="square" rtlCol="0">
-            <a:spAutoFit/>
-          </a:bodyPr>
-          <a:lstStyle/>
-          <a:p>
-            <a:pPr>
-              <a:spcAft>
-                <a:spcPts val="600"/>
-              </a:spcAft>
-            </a:pPr>
-            <a:r>
-              <a:rPr lang="zh-CN" altLang="en-US" sz="1100" dirty="0">
-                <a:solidFill>
-                  <a:srgbClr val="C00000"/>
-                </a:solidFill>
-                <a:latin typeface="Microsoft YaHei" panose="020B0503020204020204" pitchFamily="34" charset="-122"/>
-                <a:ea typeface="Microsoft YaHei" panose="020B0503020204020204" pitchFamily="34" charset="-122"/>
-              </a:rPr>
-              <a:t>系</a:t>
-            </a:r>
-            <a:r>
-              <a:rPr lang="zh-CN" altLang="en-US" sz="1100" dirty="0" smtClean="0">
-                <a:solidFill>
-                  <a:srgbClr val="C00000"/>
-                </a:solidFill>
-                <a:latin typeface="Microsoft YaHei" panose="020B0503020204020204" pitchFamily="34" charset="-122"/>
-                <a:ea typeface="Microsoft YaHei" panose="020B0503020204020204" pitchFamily="34" charset="-122"/>
-              </a:rPr>
-              <a:t>统</a:t>
-            </a:r>
-            <a:r>
-              <a:rPr lang="zh-CN" altLang="en-US" sz="1100" dirty="0" smtClean="0">
-                <a:latin typeface="Microsoft YaHei" panose="020B0503020204020204" pitchFamily="34" charset="-122"/>
-                <a:ea typeface="Microsoft YaHei" panose="020B0503020204020204" pitchFamily="34" charset="-122"/>
-              </a:rPr>
-              <a:t>：</a:t>
-            </a:r>
-            <a:r>
-              <a:rPr lang="zh-CN" altLang="en-US" sz="1100" dirty="0" smtClean="0">
-                <a:solidFill>
-                  <a:srgbClr val="7030A0"/>
-                </a:solidFill>
-                <a:latin typeface="Microsoft YaHei" panose="020B0503020204020204" pitchFamily="34" charset="-122"/>
-                <a:ea typeface="Microsoft YaHei" panose="020B0503020204020204" pitchFamily="34" charset="-122"/>
-              </a:rPr>
-              <a:t>玩家</a:t>
-            </a:r>
-            <a:r>
-              <a:rPr lang="en-US" altLang="zh-CN" sz="1100" dirty="0" smtClean="0">
-                <a:solidFill>
-                  <a:srgbClr val="7030A0"/>
-                </a:solidFill>
-                <a:latin typeface="Microsoft YaHei" panose="020B0503020204020204" pitchFamily="34" charset="-122"/>
-                <a:ea typeface="Microsoft YaHei" panose="020B0503020204020204" pitchFamily="34" charset="-122"/>
-              </a:rPr>
-              <a:t>1 </a:t>
-            </a:r>
-            <a:r>
-              <a:rPr lang="zh-CN" altLang="en-US" sz="1100" dirty="0" smtClean="0">
-                <a:latin typeface="Microsoft YaHei" panose="020B0503020204020204" pitchFamily="34" charset="-122"/>
-                <a:ea typeface="Microsoft YaHei" panose="020B0503020204020204" pitchFamily="34" charset="-122"/>
-              </a:rPr>
-              <a:t>在 </a:t>
-            </a:r>
-            <a:r>
-              <a:rPr lang="zh-CN" altLang="en-US" sz="1100" dirty="0">
-                <a:solidFill>
-                  <a:srgbClr val="7030A0"/>
-                </a:solidFill>
-                <a:latin typeface="Microsoft YaHei" panose="020B0503020204020204" pitchFamily="34" charset="-122"/>
-                <a:ea typeface="Microsoft YaHei" panose="020B0503020204020204" pitchFamily="34" charset="-122"/>
-              </a:rPr>
-              <a:t>玩</a:t>
-            </a:r>
-            <a:r>
-              <a:rPr lang="zh-CN" altLang="en-US" sz="1100" dirty="0" smtClean="0">
-                <a:solidFill>
-                  <a:srgbClr val="7030A0"/>
-                </a:solidFill>
-                <a:latin typeface="Microsoft YaHei" panose="020B0503020204020204" pitchFamily="34" charset="-122"/>
-                <a:ea typeface="Microsoft YaHei" panose="020B0503020204020204" pitchFamily="34" charset="-122"/>
-              </a:rPr>
-              <a:t>家</a:t>
-            </a:r>
-            <a:r>
-              <a:rPr lang="en-US" altLang="zh-CN" sz="1100" dirty="0" smtClean="0">
-                <a:solidFill>
-                  <a:srgbClr val="7030A0"/>
-                </a:solidFill>
-                <a:latin typeface="Microsoft YaHei" panose="020B0503020204020204" pitchFamily="34" charset="-122"/>
-                <a:ea typeface="Microsoft YaHei" panose="020B0503020204020204" pitchFamily="34" charset="-122"/>
-              </a:rPr>
-              <a:t>1</a:t>
-            </a:r>
-            <a:r>
-              <a:rPr lang="zh-CN" altLang="en-US" sz="1100" dirty="0" smtClean="0">
-                <a:solidFill>
-                  <a:srgbClr val="7030A0"/>
-                </a:solidFill>
-                <a:latin typeface="Microsoft YaHei" panose="020B0503020204020204" pitchFamily="34" charset="-122"/>
-                <a:ea typeface="Microsoft YaHei" panose="020B0503020204020204" pitchFamily="34" charset="-122"/>
-              </a:rPr>
-              <a:t>的区域 </a:t>
-            </a:r>
-            <a:r>
-              <a:rPr lang="zh-CN" altLang="en-US" sz="1100" dirty="0" smtClean="0">
-                <a:latin typeface="Microsoft YaHei" panose="020B0503020204020204" pitchFamily="34" charset="-122"/>
-                <a:ea typeface="Microsoft YaHei" panose="020B0503020204020204" pitchFamily="34" charset="-122"/>
-              </a:rPr>
-              <a:t>放</a:t>
-            </a:r>
-            <a:r>
-              <a:rPr lang="zh-CN" altLang="en-US" sz="1100" dirty="0">
-                <a:latin typeface="Microsoft YaHei" panose="020B0503020204020204" pitchFamily="34" charset="-122"/>
-                <a:ea typeface="Microsoft YaHei" panose="020B0503020204020204" pitchFamily="34" charset="-122"/>
-              </a:rPr>
-              <a:t>置</a:t>
-            </a:r>
-            <a:r>
-              <a:rPr lang="zh-CN" altLang="en-US" sz="1100" dirty="0" smtClean="0">
-                <a:latin typeface="Microsoft YaHei" panose="020B0503020204020204" pitchFamily="34" charset="-122"/>
-                <a:ea typeface="Microsoft YaHei" panose="020B0503020204020204" pitchFamily="34" charset="-122"/>
-              </a:rPr>
-              <a:t>了</a:t>
-            </a:r>
-            <a:r>
-              <a:rPr lang="zh-CN" altLang="en-US" sz="1100" dirty="0" smtClean="0">
-                <a:solidFill>
-                  <a:srgbClr val="FFC000"/>
-                </a:solidFill>
-                <a:latin typeface="Microsoft YaHei" panose="020B0503020204020204" pitchFamily="34" charset="-122"/>
-                <a:ea typeface="Microsoft YaHei" panose="020B0503020204020204" pitchFamily="34" charset="-122"/>
-              </a:rPr>
-              <a:t> 自杀宝典</a:t>
-            </a:r>
-            <a:endParaRPr lang="en-US" altLang="zh-CN" sz="1100" dirty="0" smtClean="0">
-              <a:solidFill>
-                <a:srgbClr val="FFC000"/>
-              </a:solidFill>
-              <a:latin typeface="Microsoft YaHei" panose="020B0503020204020204" pitchFamily="34" charset="-122"/>
-              <a:ea typeface="Microsoft YaHei" panose="020B0503020204020204" pitchFamily="34" charset="-122"/>
-            </a:endParaRPr>
-          </a:p>
-          <a:p>
-            <a:pPr>
-              <a:spcAft>
-                <a:spcPts val="600"/>
-              </a:spcAft>
-            </a:pPr>
-            <a:r>
-              <a:rPr lang="zh-CN" altLang="en-US" sz="1100" dirty="0" smtClean="0">
-                <a:solidFill>
-                  <a:schemeClr val="accent2">
-                    <a:lumMod val="75000"/>
-                  </a:schemeClr>
-                </a:solidFill>
-                <a:latin typeface="Microsoft YaHei" panose="020B0503020204020204" pitchFamily="34" charset="-122"/>
-                <a:ea typeface="Microsoft YaHei" panose="020B0503020204020204" pitchFamily="34" charset="-122"/>
-              </a:rPr>
-              <a:t>玩家</a:t>
-            </a:r>
-            <a:r>
-              <a:rPr lang="en-US" altLang="zh-CN" sz="1100" dirty="0" smtClean="0">
-                <a:solidFill>
-                  <a:schemeClr val="accent2">
-                    <a:lumMod val="75000"/>
-                  </a:schemeClr>
-                </a:solidFill>
-                <a:latin typeface="Microsoft YaHei" panose="020B0503020204020204" pitchFamily="34" charset="-122"/>
-                <a:ea typeface="Microsoft YaHei" panose="020B0503020204020204" pitchFamily="34" charset="-122"/>
-              </a:rPr>
-              <a:t>2</a:t>
-            </a:r>
-            <a:r>
-              <a:rPr lang="zh-CN" altLang="en-US" sz="1100" dirty="0" smtClean="0">
-                <a:latin typeface="Microsoft YaHei" panose="020B0503020204020204" pitchFamily="34" charset="-122"/>
-                <a:ea typeface="Microsoft YaHei" panose="020B0503020204020204" pitchFamily="34" charset="-122"/>
-              </a:rPr>
-              <a:t>：哈哈哈还真放啊</a:t>
-            </a:r>
-            <a:endParaRPr lang="en-US" altLang="zh-CN" sz="1100" dirty="0" smtClean="0">
-              <a:latin typeface="Microsoft YaHei" panose="020B0503020204020204" pitchFamily="34" charset="-122"/>
-              <a:ea typeface="Microsoft YaHei" panose="020B0503020204020204" pitchFamily="34" charset="-122"/>
-            </a:endParaRPr>
-          </a:p>
-          <a:p>
-            <a:pPr>
-              <a:spcAft>
-                <a:spcPts val="600"/>
-              </a:spcAft>
-            </a:pPr>
-            <a:r>
-              <a:rPr lang="zh-CN" altLang="en-US" sz="1100" dirty="0">
-                <a:solidFill>
-                  <a:srgbClr val="7030A0"/>
-                </a:solidFill>
-                <a:latin typeface="Microsoft YaHei" panose="020B0503020204020204" pitchFamily="34" charset="-122"/>
-                <a:ea typeface="Microsoft YaHei" panose="020B0503020204020204" pitchFamily="34" charset="-122"/>
-              </a:rPr>
-              <a:t>玩</a:t>
-            </a:r>
-            <a:r>
-              <a:rPr lang="zh-CN" altLang="en-US" sz="1100" dirty="0" smtClean="0">
-                <a:solidFill>
-                  <a:srgbClr val="7030A0"/>
-                </a:solidFill>
-                <a:latin typeface="Microsoft YaHei" panose="020B0503020204020204" pitchFamily="34" charset="-122"/>
-                <a:ea typeface="Microsoft YaHei" panose="020B0503020204020204" pitchFamily="34" charset="-122"/>
-              </a:rPr>
-              <a:t>家</a:t>
-            </a:r>
-            <a:r>
-              <a:rPr lang="en-US" altLang="zh-CN" sz="1100" dirty="0" smtClean="0">
-                <a:solidFill>
-                  <a:srgbClr val="7030A0"/>
-                </a:solidFill>
-                <a:latin typeface="Microsoft YaHei" panose="020B0503020204020204" pitchFamily="34" charset="-122"/>
-                <a:ea typeface="Microsoft YaHei" panose="020B0503020204020204" pitchFamily="34" charset="-122"/>
-              </a:rPr>
-              <a:t>1</a:t>
-            </a:r>
-            <a:r>
-              <a:rPr lang="zh-CN" altLang="en-US" sz="1100" dirty="0" smtClean="0">
-                <a:latin typeface="Microsoft YaHei" panose="020B0503020204020204" pitchFamily="34" charset="-122"/>
-                <a:ea typeface="Microsoft YaHei" panose="020B0503020204020204" pitchFamily="34" charset="-122"/>
-              </a:rPr>
-              <a:t>：</a:t>
-            </a:r>
-            <a:r>
-              <a:rPr lang="en-US" altLang="ja-JP" sz="1100" dirty="0" smtClean="0">
-                <a:latin typeface="Microsoft YaHei" panose="020B0503020204020204" pitchFamily="34" charset="-122"/>
-                <a:ea typeface="Microsoft YaHei" panose="020B0503020204020204" pitchFamily="34" charset="-122"/>
-              </a:rPr>
-              <a:t>¯\_(</a:t>
-            </a:r>
-            <a:r>
-              <a:rPr lang="ja-JP" altLang="en-US" sz="1100" dirty="0" smtClean="0">
-                <a:latin typeface="Microsoft YaHei" panose="020B0503020204020204" pitchFamily="34" charset="-122"/>
-                <a:ea typeface="Microsoft YaHei" panose="020B0503020204020204" pitchFamily="34" charset="-122"/>
-              </a:rPr>
-              <a:t>ツ</a:t>
-            </a:r>
-            <a:r>
-              <a:rPr lang="en-US" altLang="ja-JP" sz="1100" dirty="0" smtClean="0">
-                <a:latin typeface="Microsoft YaHei" panose="020B0503020204020204" pitchFamily="34" charset="-122"/>
-                <a:ea typeface="Microsoft YaHei" panose="020B0503020204020204" pitchFamily="34" charset="-122"/>
-              </a:rPr>
-              <a:t>)_/¯</a:t>
-            </a:r>
-            <a:endParaRPr lang="en-US" sz="1100" dirty="0">
-              <a:latin typeface="Microsoft YaHei" panose="020B0503020204020204" pitchFamily="34" charset="-122"/>
-              <a:ea typeface="Microsoft YaHei" panose="020B0503020204020204" pitchFamily="34" charset="-122"/>
-            </a:endParaRPr>
-          </a:p>
-        </p:txBody>
-      </p:sp>
-    </p:spTree>
-    <p:extLst>
-      <p:ext uri="{BB962C8B-B14F-4D97-AF65-F5344CB8AC3E}">
-        <p14:creationId xmlns:p14="http://schemas.microsoft.com/office/powerpoint/2010/main" val="2699790629"/>
-      </p:ext>
-    </p:extLst>
-  </p:cSld>
-  <p:clrMapOvr>
-    <a:masterClrMapping/>
-  </p:clrMapOvr>
-</p:sld>
-</file>
-
-<file path=ppt/slides/slide2.xml><?xml version="1.0" encoding="utf-8"?>
-<p:sld xmlns:a="http://schemas.openxmlformats.org/drawingml/2006/main" xmlns:r="http://schemas.openxmlformats.org/officeDocument/2006/relationships" xmlns:p="http://schemas.openxmlformats.org/presentationml/2006/main">
-  <p:cSld>
-    <p:spTree>
-      <p:nvGrpSpPr>
-        <p:cNvPr id="1" name=""/>
-        <p:cNvGrpSpPr/>
-        <p:nvPr/>
-      </p:nvGrpSpPr>
-      <p:grpSpPr>
-        <a:xfrm>
-          <a:off x="0" y="0"/>
-          <a:ext cx="0" cy="0"/>
-          <a:chOff x="0" y="0"/>
-          <a:chExt cx="0" cy="0"/>
-        </a:xfrm>
-      </p:grpSpPr>
+            <a:endParaRPr lang="en-US" dirty="0"/>
+          </a:p>
+        </p:txBody>
+      </p:sp>
       <p:grpSp>
         <p:nvGrpSpPr>
           <p:cNvPr id="107" name="Group 106"/>
@@ -5655,7 +7272,7 @@
 </p:sld>
 </file>
 
-<file path=ppt/slides/slide3.xml><?xml version="1.0" encoding="utf-8"?>
+<file path=ppt/slides/slide6.xml><?xml version="1.0" encoding="utf-8"?>
 <p:sld xmlns:a="http://schemas.openxmlformats.org/drawingml/2006/main" xmlns:r="http://schemas.openxmlformats.org/officeDocument/2006/relationships" xmlns:p="http://schemas.openxmlformats.org/presentationml/2006/main">
   <p:cSld>
     <p:spTree>
@@ -5674,7 +7291,7 @@
       </p:grpSpPr>
       <p:sp>
         <p:nvSpPr>
-          <p:cNvPr id="12" name="Rectangle 11"/>
+          <p:cNvPr id="45" name="Rectangle 44"/>
           <p:cNvSpPr/>
           <p:nvPr/>
         </p:nvSpPr>
@@ -5738,251 +7355,47 @@
           <a:lstStyle/>
           <a:p>
             <a:pPr algn="ctr"/>
-            <a:endParaRPr lang="en-US"/>
-          </a:p>
-        </p:txBody>
-      </p:sp>
-      <p:sp>
-        <p:nvSpPr>
-          <p:cNvPr id="7" name="TextBox 6"/>
-          <p:cNvSpPr txBox="1"/>
-          <p:nvPr/>
-        </p:nvSpPr>
-        <p:spPr>
-          <a:xfrm>
-            <a:off x="2115127" y="386609"/>
-            <a:ext cx="7949302" cy="1323439"/>
-          </a:xfrm>
-          <a:prstGeom prst="rect">
-            <a:avLst/>
-          </a:prstGeom>
-          <a:noFill/>
-        </p:spPr>
-        <p:txBody>
-          <a:bodyPr wrap="square" rtlCol="0" anchor="ctr">
-            <a:spAutoFit/>
-          </a:bodyPr>
-          <a:lstStyle/>
-          <a:p>
-            <a:pPr algn="ctr"/>
-            <a:r>
-              <a:rPr lang="zh-CN" altLang="en-US" sz="8000" spc="1000" dirty="0" smtClean="0">
-                <a:latin typeface="Microsoft YaHei" panose="020B0503020204020204" pitchFamily="34" charset="-122"/>
-                <a:ea typeface="Microsoft YaHei" panose="020B0503020204020204" pitchFamily="34" charset="-122"/>
-              </a:rPr>
-              <a:t>占卜大战</a:t>
-            </a:r>
-            <a:endParaRPr lang="en-US" sz="8000" spc="1000" dirty="0">
-              <a:latin typeface="Microsoft YaHei" panose="020B0503020204020204" pitchFamily="34" charset="-122"/>
-              <a:ea typeface="Microsoft YaHei" panose="020B0503020204020204" pitchFamily="34" charset="-122"/>
-            </a:endParaRPr>
+            <a:endParaRPr lang="en-US" dirty="0"/>
           </a:p>
         </p:txBody>
       </p:sp>
       <p:grpSp>
         <p:nvGrpSpPr>
-          <p:cNvPr id="11" name="Group 10"/>
+          <p:cNvPr id="107" name="Group 106"/>
           <p:cNvGrpSpPr/>
           <p:nvPr/>
         </p:nvGrpSpPr>
         <p:grpSpPr>
           <a:xfrm>
-            <a:off x="4744989" y="2364949"/>
-            <a:ext cx="2689578" cy="3038980"/>
-            <a:chOff x="5198277" y="3107382"/>
-            <a:chExt cx="1795446" cy="2028692"/>
+            <a:off x="-1624562" y="-10756540"/>
+            <a:ext cx="15441125" cy="15441125"/>
+            <a:chOff x="-2834473" y="-10254434"/>
+            <a:chExt cx="15441125" cy="15441125"/>
           </a:xfrm>
         </p:grpSpPr>
-        <p:grpSp>
-          <p:nvGrpSpPr>
-            <p:cNvPr id="6" name="Group 5"/>
-            <p:cNvGrpSpPr/>
-            <p:nvPr/>
-          </p:nvGrpSpPr>
-          <p:grpSpPr>
-            <a:xfrm>
-              <a:off x="5198277" y="3107382"/>
-              <a:ext cx="1795446" cy="2028692"/>
-              <a:chOff x="5083201" y="2624118"/>
-              <a:chExt cx="1795446" cy="2028692"/>
-            </a:xfrm>
-          </p:grpSpPr>
-          <p:sp>
-            <p:nvSpPr>
-              <p:cNvPr id="4" name="Oval 3"/>
-              <p:cNvSpPr/>
-              <p:nvPr/>
-            </p:nvSpPr>
-            <p:spPr>
-              <a:xfrm>
-                <a:off x="5083201" y="2624118"/>
-                <a:ext cx="1795446" cy="1795446"/>
-              </a:xfrm>
-              <a:prstGeom prst="ellipse">
-                <a:avLst/>
-              </a:prstGeom>
-              <a:solidFill>
-                <a:schemeClr val="bg1">
-                  <a:lumMod val="65000"/>
-                </a:schemeClr>
-              </a:solidFill>
-              <a:ln>
-                <a:solidFill>
-                  <a:schemeClr val="tx1"/>
-                </a:solidFill>
-              </a:ln>
-            </p:spPr>
-            <p:style>
-              <a:lnRef idx="2">
-                <a:schemeClr val="accent1">
-                  <a:shade val="50000"/>
-                </a:schemeClr>
-              </a:lnRef>
-              <a:fillRef idx="1">
-                <a:schemeClr val="accent1"/>
-              </a:fillRef>
-              <a:effectRef idx="0">
-                <a:schemeClr val="accent1"/>
-              </a:effectRef>
-              <a:fontRef idx="minor">
-                <a:schemeClr val="lt1"/>
-              </a:fontRef>
-            </p:style>
-            <p:txBody>
-              <a:bodyPr rot="0" spcFirstLastPara="0" vertOverflow="overflow" horzOverflow="overflow" vert="horz" wrap="square" lIns="91440" tIns="45720" rIns="91440" bIns="45720" numCol="1" spcCol="0" rtlCol="0" fromWordArt="0" anchor="ctr" anchorCtr="0" forceAA="0" compatLnSpc="1">
-                <a:prstTxWarp prst="textNoShape">
-                  <a:avLst/>
-                </a:prstTxWarp>
-                <a:noAutofit/>
-              </a:bodyPr>
-              <a:lstStyle/>
-              <a:p>
-                <a:pPr algn="ctr"/>
-                <a:endParaRPr lang="en-US"/>
-              </a:p>
-            </p:txBody>
-          </p:sp>
-          <p:sp>
-            <p:nvSpPr>
-              <p:cNvPr id="5" name="Trapezoid 4"/>
-              <p:cNvSpPr/>
-              <p:nvPr/>
-            </p:nvSpPr>
-            <p:spPr>
-              <a:xfrm>
-                <a:off x="5470426" y="4315628"/>
-                <a:ext cx="1020996" cy="337182"/>
-              </a:xfrm>
-              <a:prstGeom prst="trapezoid">
-                <a:avLst/>
-              </a:prstGeom>
-              <a:solidFill>
-                <a:schemeClr val="bg2">
-                  <a:lumMod val="90000"/>
-                </a:schemeClr>
-              </a:solidFill>
-              <a:ln>
-                <a:solidFill>
-                  <a:schemeClr val="tx1"/>
-                </a:solidFill>
-              </a:ln>
-            </p:spPr>
-            <p:style>
-              <a:lnRef idx="2">
-                <a:schemeClr val="accent1">
-                  <a:shade val="50000"/>
-                </a:schemeClr>
-              </a:lnRef>
-              <a:fillRef idx="1">
-                <a:schemeClr val="accent1"/>
-              </a:fillRef>
-              <a:effectRef idx="0">
-                <a:schemeClr val="accent1"/>
-              </a:effectRef>
-              <a:fontRef idx="minor">
-                <a:schemeClr val="lt1"/>
-              </a:fontRef>
-            </p:style>
-            <p:txBody>
-              <a:bodyPr rtlCol="0" anchor="ctr"/>
-              <a:lstStyle/>
-              <a:p>
-                <a:pPr algn="ctr"/>
-                <a:endParaRPr lang="en-US"/>
-              </a:p>
-            </p:txBody>
-          </p:sp>
-        </p:grpSp>
         <p:sp>
           <p:nvSpPr>
-            <p:cNvPr id="8" name="Freeform 7"/>
+            <p:cNvPr id="6" name="Oval 5"/>
             <p:cNvSpPr/>
             <p:nvPr/>
           </p:nvSpPr>
           <p:spPr>
-            <a:xfrm>
-              <a:off x="6426389" y="3401558"/>
-              <a:ext cx="360218" cy="600364"/>
+            <a:xfrm rot="20318452">
+              <a:off x="-2834473" y="-10254434"/>
+              <a:ext cx="15441125" cy="15441125"/>
             </a:xfrm>
-            <a:custGeom>
+            <a:prstGeom prst="ellipse">
               <a:avLst/>
-              <a:gdLst>
-                <a:gd name="connsiteX0" fmla="*/ 0 w 360218"/>
-                <a:gd name="connsiteY0" fmla="*/ 55418 h 600364"/>
-                <a:gd name="connsiteX1" fmla="*/ 138545 w 360218"/>
-                <a:gd name="connsiteY1" fmla="*/ 0 h 600364"/>
-                <a:gd name="connsiteX2" fmla="*/ 304800 w 360218"/>
-                <a:gd name="connsiteY2" fmla="*/ 258618 h 600364"/>
-                <a:gd name="connsiteX3" fmla="*/ 360218 w 360218"/>
-                <a:gd name="connsiteY3" fmla="*/ 600364 h 600364"/>
-                <a:gd name="connsiteX4" fmla="*/ 0 w 360218"/>
-                <a:gd name="connsiteY4" fmla="*/ 55418 h 600364"/>
-              </a:gdLst>
-              <a:ahLst/>
-              <a:cxnLst>
-                <a:cxn ang="0">
-                  <a:pos x="connsiteX0" y="connsiteY0"/>
-                </a:cxn>
-                <a:cxn ang="0">
-                  <a:pos x="connsiteX1" y="connsiteY1"/>
-                </a:cxn>
-                <a:cxn ang="0">
-                  <a:pos x="connsiteX2" y="connsiteY2"/>
-                </a:cxn>
-                <a:cxn ang="0">
-                  <a:pos x="connsiteX3" y="connsiteY3"/>
-                </a:cxn>
-                <a:cxn ang="0">
-                  <a:pos x="connsiteX4" y="connsiteY4"/>
-                </a:cxn>
-              </a:cxnLst>
-              <a:rect l="l" t="t" r="r" b="b"/>
-              <a:pathLst>
-                <a:path w="360218" h="600364">
-                  <a:moveTo>
-                    <a:pt x="0" y="55418"/>
-                  </a:moveTo>
-                  <a:lnTo>
-                    <a:pt x="138545" y="0"/>
-                  </a:lnTo>
-                  <a:lnTo>
-                    <a:pt x="304800" y="258618"/>
-                  </a:lnTo>
-                  <a:lnTo>
-                    <a:pt x="360218" y="600364"/>
-                  </a:lnTo>
-                  <a:lnTo>
-                    <a:pt x="0" y="55418"/>
-                  </a:lnTo>
-                  <a:close/>
-                </a:path>
-              </a:pathLst>
-            </a:custGeom>
+            </a:prstGeom>
             <a:solidFill>
-              <a:schemeClr val="bg1"/>
+              <a:schemeClr val="bg1">
+                <a:lumMod val="75000"/>
+              </a:schemeClr>
             </a:solidFill>
             <a:ln>
-              <a:noFill/>
+              <a:solidFill>
+                <a:schemeClr val="tx1"/>
+              </a:solidFill>
             </a:ln>
           </p:spPr>
           <p:style>
@@ -6002,80 +7415,42 @@
             </a:fontRef>
           </p:style>
           <p:txBody>
-            <a:bodyPr rtlCol="0" anchor="ctr"/>
+            <a:bodyPr rot="0" spcFirstLastPara="0" vertOverflow="overflow" horzOverflow="overflow" vert="horz" wrap="square" lIns="91440" tIns="45720" rIns="91440" bIns="45720" numCol="1" spcCol="0" rtlCol="0" fromWordArt="0" anchor="ctr" anchorCtr="0" forceAA="0" compatLnSpc="1">
+              <a:prstTxWarp prst="textNoShape">
+                <a:avLst/>
+              </a:prstTxWarp>
+              <a:noAutofit/>
+            </a:bodyPr>
             <a:lstStyle/>
             <a:p>
               <a:pPr algn="ctr"/>
-              <a:endParaRPr lang="en-US">
-                <a:solidFill>
-                  <a:schemeClr val="bg1"/>
-                </a:solidFill>
-              </a:endParaRPr>
+              <a:endParaRPr lang="en-US"/>
             </a:p>
           </p:txBody>
         </p:sp>
         <p:sp>
           <p:nvSpPr>
-            <p:cNvPr id="10" name="Freeform 9"/>
+            <p:cNvPr id="106" name="Oval 105"/>
             <p:cNvSpPr/>
             <p:nvPr/>
           </p:nvSpPr>
           <p:spPr>
             <a:xfrm>
-              <a:off x="6724071" y="4110181"/>
-              <a:ext cx="110836" cy="203200"/>
+              <a:off x="-1042121" y="-8462082"/>
+              <a:ext cx="11856421" cy="11856421"/>
             </a:xfrm>
-            <a:custGeom>
+            <a:prstGeom prst="ellipse">
               <a:avLst/>
-              <a:gdLst>
-                <a:gd name="connsiteX0" fmla="*/ 73891 w 110836"/>
-                <a:gd name="connsiteY0" fmla="*/ 0 h 203200"/>
-                <a:gd name="connsiteX1" fmla="*/ 0 w 110836"/>
-                <a:gd name="connsiteY1" fmla="*/ 147782 h 203200"/>
-                <a:gd name="connsiteX2" fmla="*/ 110836 w 110836"/>
-                <a:gd name="connsiteY2" fmla="*/ 203200 h 203200"/>
-                <a:gd name="connsiteX3" fmla="*/ 73891 w 110836"/>
-                <a:gd name="connsiteY3" fmla="*/ 0 h 203200"/>
-              </a:gdLst>
-              <a:ahLst/>
-              <a:cxnLst>
-                <a:cxn ang="0">
-                  <a:pos x="connsiteX0" y="connsiteY0"/>
-                </a:cxn>
-                <a:cxn ang="0">
-                  <a:pos x="connsiteX1" y="connsiteY1"/>
-                </a:cxn>
-                <a:cxn ang="0">
-                  <a:pos x="connsiteX2" y="connsiteY2"/>
-                </a:cxn>
-                <a:cxn ang="0">
-                  <a:pos x="connsiteX3" y="connsiteY3"/>
-                </a:cxn>
-              </a:cxnLst>
-              <a:rect l="l" t="t" r="r" b="b"/>
-              <a:pathLst>
-                <a:path w="110836" h="203200">
-                  <a:moveTo>
-                    <a:pt x="73891" y="0"/>
-                  </a:moveTo>
-                  <a:lnTo>
-                    <a:pt x="0" y="147782"/>
-                  </a:lnTo>
-                  <a:lnTo>
-                    <a:pt x="110836" y="203200"/>
-                  </a:lnTo>
-                  <a:lnTo>
-                    <a:pt x="73891" y="0"/>
-                  </a:lnTo>
-                  <a:close/>
-                </a:path>
-              </a:pathLst>
-            </a:custGeom>
+            </a:prstGeom>
             <a:solidFill>
-              <a:schemeClr val="bg1"/>
+              <a:schemeClr val="bg1">
+                <a:lumMod val="85000"/>
+              </a:schemeClr>
             </a:solidFill>
             <a:ln>
-              <a:noFill/>
+              <a:solidFill>
+                <a:schemeClr val="tx1"/>
+              </a:solidFill>
             </a:ln>
           </p:spPr>
           <p:style>
@@ -6103,429 +7478,29 @@
             </a:p>
           </p:txBody>
         </p:sp>
-      </p:grpSp>
-      <p:sp>
-        <p:nvSpPr>
-          <p:cNvPr id="14" name="TextBox 13"/>
-          <p:cNvSpPr txBox="1"/>
-          <p:nvPr/>
-        </p:nvSpPr>
-        <p:spPr>
-          <a:xfrm flipH="1">
-            <a:off x="5412508" y="3095357"/>
-            <a:ext cx="1365256" cy="369332"/>
-          </a:xfrm>
-          <a:prstGeom prst="rect">
-            <a:avLst/>
-          </a:prstGeom>
-          <a:noFill/>
-        </p:spPr>
-        <p:txBody>
-          <a:bodyPr wrap="square" rtlCol="0">
-            <a:spAutoFit/>
-          </a:bodyPr>
-          <a:lstStyle/>
-          <a:p>
-            <a:pPr algn="ctr"/>
-            <a:r>
-              <a:rPr lang="zh-CN" altLang="en-US" dirty="0" smtClean="0">
-                <a:latin typeface="Microsoft YaHei" panose="020B0503020204020204" pitchFamily="34" charset="-122"/>
-                <a:ea typeface="Microsoft YaHei" panose="020B0503020204020204" pitchFamily="34" charset="-122"/>
-              </a:rPr>
-              <a:t>开始游戏</a:t>
-            </a:r>
-            <a:endParaRPr lang="en-US" dirty="0">
-              <a:latin typeface="Microsoft YaHei" panose="020B0503020204020204" pitchFamily="34" charset="-122"/>
-              <a:ea typeface="Microsoft YaHei" panose="020B0503020204020204" pitchFamily="34" charset="-122"/>
-            </a:endParaRPr>
-          </a:p>
-        </p:txBody>
-      </p:sp>
-      <p:sp>
-        <p:nvSpPr>
-          <p:cNvPr id="15" name="TextBox 14"/>
-          <p:cNvSpPr txBox="1"/>
-          <p:nvPr/>
-        </p:nvSpPr>
-        <p:spPr>
-          <a:xfrm flipH="1">
-            <a:off x="5407150" y="3569755"/>
-            <a:ext cx="1365256" cy="369332"/>
-          </a:xfrm>
-          <a:prstGeom prst="rect">
-            <a:avLst/>
-          </a:prstGeom>
-          <a:noFill/>
-        </p:spPr>
-        <p:txBody>
-          <a:bodyPr wrap="square" rtlCol="0">
-            <a:spAutoFit/>
-          </a:bodyPr>
-          <a:lstStyle/>
-          <a:p>
-            <a:pPr algn="ctr"/>
-            <a:r>
-              <a:rPr lang="zh-CN" altLang="en-US" dirty="0">
-                <a:latin typeface="Microsoft YaHei" panose="020B0503020204020204" pitchFamily="34" charset="-122"/>
-                <a:ea typeface="Microsoft YaHei" panose="020B0503020204020204" pitchFamily="34" charset="-122"/>
-              </a:rPr>
-              <a:t>设置</a:t>
-            </a:r>
-            <a:endParaRPr lang="en-US" dirty="0">
-              <a:latin typeface="Microsoft YaHei" panose="020B0503020204020204" pitchFamily="34" charset="-122"/>
-              <a:ea typeface="Microsoft YaHei" panose="020B0503020204020204" pitchFamily="34" charset="-122"/>
-            </a:endParaRPr>
-          </a:p>
-        </p:txBody>
-      </p:sp>
-      <p:sp>
-        <p:nvSpPr>
-          <p:cNvPr id="16" name="TextBox 15"/>
-          <p:cNvSpPr txBox="1"/>
-          <p:nvPr/>
-        </p:nvSpPr>
-        <p:spPr>
-          <a:xfrm flipH="1">
-            <a:off x="5407150" y="4044153"/>
-            <a:ext cx="1365256" cy="369332"/>
-          </a:xfrm>
-          <a:prstGeom prst="rect">
-            <a:avLst/>
-          </a:prstGeom>
-          <a:noFill/>
-        </p:spPr>
-        <p:txBody>
-          <a:bodyPr wrap="square" rtlCol="0">
-            <a:spAutoFit/>
-          </a:bodyPr>
-          <a:lstStyle/>
-          <a:p>
-            <a:pPr algn="ctr"/>
-            <a:r>
-              <a:rPr lang="zh-CN" altLang="en-US" dirty="0" smtClean="0">
-                <a:latin typeface="Microsoft YaHei" panose="020B0503020204020204" pitchFamily="34" charset="-122"/>
-                <a:ea typeface="Microsoft YaHei" panose="020B0503020204020204" pitchFamily="34" charset="-122"/>
-              </a:rPr>
-              <a:t>离开</a:t>
-            </a:r>
-            <a:endParaRPr lang="en-US" dirty="0">
-              <a:latin typeface="Microsoft YaHei" panose="020B0503020204020204" pitchFamily="34" charset="-122"/>
-              <a:ea typeface="Microsoft YaHei" panose="020B0503020204020204" pitchFamily="34" charset="-122"/>
-            </a:endParaRPr>
-          </a:p>
-        </p:txBody>
-      </p:sp>
-    </p:spTree>
-    <p:extLst>
-      <p:ext uri="{BB962C8B-B14F-4D97-AF65-F5344CB8AC3E}">
-        <p14:creationId xmlns:p14="http://schemas.microsoft.com/office/powerpoint/2010/main" val="67491585"/>
-      </p:ext>
-    </p:extLst>
-  </p:cSld>
-  <p:clrMapOvr>
-    <a:masterClrMapping/>
-  </p:clrMapOvr>
-  <p:timing>
-    <p:tnLst>
-      <p:par>
-        <p:cTn id="1" dur="indefinite" restart="never" nodeType="tmRoot"/>
-      </p:par>
-    </p:tnLst>
-  </p:timing>
-</p:sld>
-</file>
-
-<file path=ppt/slides/slide4.xml><?xml version="1.0" encoding="utf-8"?>
-<p:sld xmlns:a="http://schemas.openxmlformats.org/drawingml/2006/main" xmlns:r="http://schemas.openxmlformats.org/officeDocument/2006/relationships" xmlns:p="http://schemas.openxmlformats.org/presentationml/2006/main">
-  <p:cSld>
-    <p:spTree>
-      <p:nvGrpSpPr>
-        <p:cNvPr id="1" name=""/>
-        <p:cNvGrpSpPr/>
-        <p:nvPr/>
-      </p:nvGrpSpPr>
-      <p:grpSpPr>
-        <a:xfrm>
-          <a:off x="0" y="0"/>
-          <a:ext cx="0" cy="0"/>
-          <a:chOff x="0" y="0"/>
-          <a:chExt cx="0" cy="0"/>
-        </a:xfrm>
-      </p:grpSpPr>
-      <p:sp>
-        <p:nvSpPr>
-          <p:cNvPr id="12" name="Rectangle 11"/>
-          <p:cNvSpPr/>
-          <p:nvPr/>
-        </p:nvSpPr>
-        <p:spPr>
-          <a:xfrm>
-            <a:off x="0" y="0"/>
-            <a:ext cx="12192000" cy="6858000"/>
-          </a:xfrm>
-          <a:prstGeom prst="rect">
-            <a:avLst/>
-          </a:prstGeom>
-          <a:gradFill flip="none" rotWithShape="1">
-            <a:gsLst>
-              <a:gs pos="0">
-                <a:schemeClr val="bg1">
-                  <a:lumMod val="85000"/>
-                  <a:shade val="30000"/>
-                  <a:satMod val="115000"/>
-                </a:schemeClr>
-              </a:gs>
-              <a:gs pos="50000">
-                <a:schemeClr val="bg1">
-                  <a:lumMod val="85000"/>
-                  <a:shade val="67500"/>
-                  <a:satMod val="115000"/>
-                </a:schemeClr>
-              </a:gs>
-              <a:gs pos="100000">
-                <a:schemeClr val="bg1">
-                  <a:lumMod val="85000"/>
-                  <a:shade val="100000"/>
-                  <a:satMod val="115000"/>
-                </a:schemeClr>
-              </a:gs>
-            </a:gsLst>
-            <a:lin ang="16200000" scaled="1"/>
-            <a:tileRect/>
-          </a:gradFill>
-          <a:ln>
-            <a:noFill/>
-          </a:ln>
-        </p:spPr>
-        <p:style>
-          <a:lnRef idx="2">
-            <a:schemeClr val="accent1">
-              <a:shade val="50000"/>
-            </a:schemeClr>
-          </a:lnRef>
-          <a:fillRef idx="1">
-            <a:schemeClr val="accent1"/>
-          </a:fillRef>
-          <a:effectRef idx="0">
-            <a:schemeClr val="accent1"/>
-          </a:effectRef>
-          <a:fontRef idx="minor">
-            <a:schemeClr val="lt1"/>
-          </a:fontRef>
-        </p:style>
-        <p:txBody>
-          <a:bodyPr rtlCol="0" anchor="ctr"/>
-          <a:lstStyle/>
-          <a:p>
-            <a:pPr algn="ctr"/>
-            <a:endParaRPr lang="en-US"/>
-          </a:p>
-        </p:txBody>
-      </p:sp>
-      <p:grpSp>
-        <p:nvGrpSpPr>
-          <p:cNvPr id="11" name="Group 10"/>
-          <p:cNvGrpSpPr/>
-          <p:nvPr/>
-        </p:nvGrpSpPr>
-        <p:grpSpPr>
-          <a:xfrm>
-            <a:off x="2688760" y="669073"/>
-            <a:ext cx="6814480" cy="7699746"/>
-            <a:chOff x="5198277" y="3107382"/>
-            <a:chExt cx="1795446" cy="2028692"/>
-          </a:xfrm>
-        </p:grpSpPr>
-        <p:grpSp>
-          <p:nvGrpSpPr>
-            <p:cNvPr id="6" name="Group 5"/>
-            <p:cNvGrpSpPr/>
-            <p:nvPr/>
-          </p:nvGrpSpPr>
-          <p:grpSpPr>
-            <a:xfrm>
-              <a:off x="5198277" y="3107382"/>
-              <a:ext cx="1795446" cy="2028692"/>
-              <a:chOff x="5083201" y="2624118"/>
-              <a:chExt cx="1795446" cy="2028692"/>
-            </a:xfrm>
-          </p:grpSpPr>
-          <p:sp>
-            <p:nvSpPr>
-              <p:cNvPr id="4" name="Oval 3"/>
-              <p:cNvSpPr/>
-              <p:nvPr/>
-            </p:nvSpPr>
-            <p:spPr>
-              <a:xfrm>
-                <a:off x="5083201" y="2624118"/>
-                <a:ext cx="1795446" cy="1795446"/>
-              </a:xfrm>
-              <a:prstGeom prst="ellipse">
-                <a:avLst/>
-              </a:prstGeom>
-              <a:solidFill>
-                <a:schemeClr val="bg1">
-                  <a:lumMod val="65000"/>
-                </a:schemeClr>
-              </a:solidFill>
-              <a:ln>
-                <a:solidFill>
-                  <a:schemeClr val="tx1"/>
-                </a:solidFill>
-              </a:ln>
-            </p:spPr>
-            <p:style>
-              <a:lnRef idx="2">
-                <a:schemeClr val="accent1">
-                  <a:shade val="50000"/>
-                </a:schemeClr>
-              </a:lnRef>
-              <a:fillRef idx="1">
-                <a:schemeClr val="accent1"/>
-              </a:fillRef>
-              <a:effectRef idx="0">
-                <a:schemeClr val="accent1"/>
-              </a:effectRef>
-              <a:fontRef idx="minor">
-                <a:schemeClr val="lt1"/>
-              </a:fontRef>
-            </p:style>
-            <p:txBody>
-              <a:bodyPr rot="0" spcFirstLastPara="0" vertOverflow="overflow" horzOverflow="overflow" vert="horz" wrap="square" lIns="91440" tIns="45720" rIns="91440" bIns="45720" numCol="1" spcCol="0" rtlCol="0" fromWordArt="0" anchor="ctr" anchorCtr="0" forceAA="0" compatLnSpc="1">
-                <a:prstTxWarp prst="textNoShape">
-                  <a:avLst/>
-                </a:prstTxWarp>
-                <a:noAutofit/>
-              </a:bodyPr>
-              <a:lstStyle/>
-              <a:p>
-                <a:pPr algn="ctr"/>
-                <a:endParaRPr lang="en-US"/>
-              </a:p>
-            </p:txBody>
-          </p:sp>
-          <p:sp>
-            <p:nvSpPr>
-              <p:cNvPr id="5" name="Trapezoid 4"/>
-              <p:cNvSpPr/>
-              <p:nvPr/>
-            </p:nvSpPr>
-            <p:spPr>
-              <a:xfrm>
-                <a:off x="5470426" y="4315628"/>
-                <a:ext cx="1020996" cy="337182"/>
-              </a:xfrm>
-              <a:prstGeom prst="trapezoid">
-                <a:avLst/>
-              </a:prstGeom>
-              <a:solidFill>
-                <a:schemeClr val="bg2">
-                  <a:lumMod val="90000"/>
-                </a:schemeClr>
-              </a:solidFill>
-              <a:ln>
-                <a:solidFill>
-                  <a:schemeClr val="tx1"/>
-                </a:solidFill>
-              </a:ln>
-            </p:spPr>
-            <p:style>
-              <a:lnRef idx="2">
-                <a:schemeClr val="accent1">
-                  <a:shade val="50000"/>
-                </a:schemeClr>
-              </a:lnRef>
-              <a:fillRef idx="1">
-                <a:schemeClr val="accent1"/>
-              </a:fillRef>
-              <a:effectRef idx="0">
-                <a:schemeClr val="accent1"/>
-              </a:effectRef>
-              <a:fontRef idx="minor">
-                <a:schemeClr val="lt1"/>
-              </a:fontRef>
-            </p:style>
-            <p:txBody>
-              <a:bodyPr rtlCol="0" anchor="ctr"/>
-              <a:lstStyle/>
-              <a:p>
-                <a:pPr algn="ctr"/>
-                <a:endParaRPr lang="en-US"/>
-              </a:p>
-            </p:txBody>
-          </p:sp>
-        </p:grpSp>
         <p:sp>
           <p:nvSpPr>
-            <p:cNvPr id="8" name="Freeform 7"/>
+            <p:cNvPr id="5" name="Oval 4"/>
             <p:cNvSpPr/>
             <p:nvPr/>
           </p:nvSpPr>
           <p:spPr>
-            <a:xfrm>
-              <a:off x="6426389" y="3401558"/>
-              <a:ext cx="360218" cy="600364"/>
+            <a:xfrm rot="20318452">
+              <a:off x="3988367" y="-3431594"/>
+              <a:ext cx="1795446" cy="1795446"/>
             </a:xfrm>
-            <a:custGeom>
+            <a:prstGeom prst="ellipse">
               <a:avLst/>
-              <a:gdLst>
-                <a:gd name="connsiteX0" fmla="*/ 0 w 360218"/>
-                <a:gd name="connsiteY0" fmla="*/ 55418 h 600364"/>
-                <a:gd name="connsiteX1" fmla="*/ 138545 w 360218"/>
-                <a:gd name="connsiteY1" fmla="*/ 0 h 600364"/>
-                <a:gd name="connsiteX2" fmla="*/ 304800 w 360218"/>
-                <a:gd name="connsiteY2" fmla="*/ 258618 h 600364"/>
-                <a:gd name="connsiteX3" fmla="*/ 360218 w 360218"/>
-                <a:gd name="connsiteY3" fmla="*/ 600364 h 600364"/>
-                <a:gd name="connsiteX4" fmla="*/ 0 w 360218"/>
-                <a:gd name="connsiteY4" fmla="*/ 55418 h 600364"/>
-              </a:gdLst>
-              <a:ahLst/>
-              <a:cxnLst>
-                <a:cxn ang="0">
-                  <a:pos x="connsiteX0" y="connsiteY0"/>
-                </a:cxn>
-                <a:cxn ang="0">
-                  <a:pos x="connsiteX1" y="connsiteY1"/>
-                </a:cxn>
-                <a:cxn ang="0">
-                  <a:pos x="connsiteX2" y="connsiteY2"/>
-                </a:cxn>
-                <a:cxn ang="0">
-                  <a:pos x="connsiteX3" y="connsiteY3"/>
-                </a:cxn>
-                <a:cxn ang="0">
-                  <a:pos x="connsiteX4" y="connsiteY4"/>
-                </a:cxn>
-              </a:cxnLst>
-              <a:rect l="l" t="t" r="r" b="b"/>
-              <a:pathLst>
-                <a:path w="360218" h="600364">
-                  <a:moveTo>
-                    <a:pt x="0" y="55418"/>
-                  </a:moveTo>
-                  <a:lnTo>
-                    <a:pt x="138545" y="0"/>
-                  </a:lnTo>
-                  <a:lnTo>
-                    <a:pt x="304800" y="258618"/>
-                  </a:lnTo>
-                  <a:lnTo>
-                    <a:pt x="360218" y="600364"/>
-                  </a:lnTo>
-                  <a:lnTo>
-                    <a:pt x="0" y="55418"/>
-                  </a:lnTo>
-                  <a:close/>
-                </a:path>
-              </a:pathLst>
-            </a:custGeom>
+            </a:prstGeom>
             <a:solidFill>
-              <a:schemeClr val="bg1"/>
+              <a:schemeClr val="bg1">
+                <a:lumMod val="65000"/>
+              </a:schemeClr>
             </a:solidFill>
             <a:ln>
-              <a:noFill/>
+              <a:solidFill>
+                <a:schemeClr val="tx1"/>
+              </a:solidFill>
             </a:ln>
           </p:spPr>
           <p:style>
@@ -6545,100 +7520,12 @@
             </a:fontRef>
           </p:style>
           <p:txBody>
-            <a:bodyPr rtlCol="0" anchor="ctr"/>
-            <a:lstStyle/>
-            <a:p>
-              <a:pPr algn="ctr"/>
-              <a:endParaRPr lang="en-US">
-                <a:solidFill>
-                  <a:schemeClr val="bg1"/>
-                </a:solidFill>
-              </a:endParaRPr>
-            </a:p>
-          </p:txBody>
-        </p:sp>
-        <p:sp>
-          <p:nvSpPr>
-            <p:cNvPr id="10" name="Freeform 9"/>
-            <p:cNvSpPr/>
-            <p:nvPr/>
-          </p:nvSpPr>
-          <p:spPr>
-            <a:xfrm>
-              <a:off x="6724071" y="4110181"/>
-              <a:ext cx="110836" cy="203200"/>
-            </a:xfrm>
-            <a:custGeom>
-              <a:avLst/>
-              <a:gdLst>
-                <a:gd name="connsiteX0" fmla="*/ 73891 w 110836"/>
-                <a:gd name="connsiteY0" fmla="*/ 0 h 203200"/>
-                <a:gd name="connsiteX1" fmla="*/ 0 w 110836"/>
-                <a:gd name="connsiteY1" fmla="*/ 147782 h 203200"/>
-                <a:gd name="connsiteX2" fmla="*/ 110836 w 110836"/>
-                <a:gd name="connsiteY2" fmla="*/ 203200 h 203200"/>
-                <a:gd name="connsiteX3" fmla="*/ 73891 w 110836"/>
-                <a:gd name="connsiteY3" fmla="*/ 0 h 203200"/>
-              </a:gdLst>
-              <a:ahLst/>
-              <a:cxnLst>
-                <a:cxn ang="0">
-                  <a:pos x="connsiteX0" y="connsiteY0"/>
-                </a:cxn>
-                <a:cxn ang="0">
-                  <a:pos x="connsiteX1" y="connsiteY1"/>
-                </a:cxn>
-                <a:cxn ang="0">
-                  <a:pos x="connsiteX2" y="connsiteY2"/>
-                </a:cxn>
-                <a:cxn ang="0">
-                  <a:pos x="connsiteX3" y="connsiteY3"/>
-                </a:cxn>
-              </a:cxnLst>
-              <a:rect l="l" t="t" r="r" b="b"/>
-              <a:pathLst>
-                <a:path w="110836" h="203200">
-                  <a:moveTo>
-                    <a:pt x="73891" y="0"/>
-                  </a:moveTo>
-                  <a:lnTo>
-                    <a:pt x="0" y="147782"/>
-                  </a:lnTo>
-                  <a:lnTo>
-                    <a:pt x="110836" y="203200"/>
-                  </a:lnTo>
-                  <a:lnTo>
-                    <a:pt x="73891" y="0"/>
-                  </a:lnTo>
-                  <a:close/>
-                </a:path>
-              </a:pathLst>
-            </a:custGeom>
-            <a:solidFill>
-              <a:schemeClr val="bg1"/>
-            </a:solidFill>
-            <a:ln>
-              <a:noFill/>
-            </a:ln>
-          </p:spPr>
-          <p:style>
-            <a:lnRef idx="2">
-              <a:schemeClr val="accent1">
-                <a:shade val="50000"/>
-              </a:schemeClr>
-            </a:lnRef>
-            <a:fillRef idx="1">
-              <a:schemeClr val="accent1"/>
-            </a:fillRef>
-            <a:effectRef idx="0">
-              <a:schemeClr val="accent1"/>
-            </a:effectRef>
-            <a:fontRef idx="minor">
-              <a:schemeClr val="lt1"/>
-            </a:fontRef>
-          </p:style>
-          <p:txBody>
-            <a:bodyPr rtlCol="0" anchor="ctr"/>
+            <a:bodyPr rot="0" spcFirstLastPara="0" vertOverflow="overflow" horzOverflow="overflow" vert="horz" wrap="square" lIns="91440" tIns="45720" rIns="91440" bIns="45720" numCol="1" spcCol="0" rtlCol="0" fromWordArt="0" anchor="ctr" anchorCtr="0" forceAA="0" compatLnSpc="1">
+              <a:prstTxWarp prst="textNoShape">
+                <a:avLst/>
+              </a:prstTxWarp>
+              <a:noAutofit/>
+            </a:bodyPr>
             <a:lstStyle/>
             <a:p>
               <a:pPr algn="ctr"/>
@@ -6646,17 +7533,947 @@
             </a:p>
           </p:txBody>
         </p:sp>
+        <p:cxnSp>
+          <p:nvCxnSpPr>
+            <p:cNvPr id="79" name="Straight Connector 78"/>
+            <p:cNvCxnSpPr>
+              <a:stCxn id="5" idx="4"/>
+              <a:endCxn id="6" idx="4"/>
+            </p:cNvCxnSpPr>
+            <p:nvPr/>
+          </p:nvCxnSpPr>
+          <p:spPr>
+            <a:xfrm>
+              <a:off x="5213052" y="-1697807"/>
+              <a:ext cx="2484964" cy="6354217"/>
+            </a:xfrm>
+            <a:prstGeom prst="line">
+              <a:avLst/>
+            </a:prstGeom>
+            <a:ln>
+              <a:solidFill>
+                <a:schemeClr val="tx1"/>
+              </a:solidFill>
+            </a:ln>
+          </p:spPr>
+          <p:style>
+            <a:lnRef idx="1">
+              <a:schemeClr val="accent1"/>
+            </a:lnRef>
+            <a:fillRef idx="0">
+              <a:schemeClr val="accent1"/>
+            </a:fillRef>
+            <a:effectRef idx="0">
+              <a:schemeClr val="accent1"/>
+            </a:effectRef>
+            <a:fontRef idx="minor">
+              <a:schemeClr val="tx1"/>
+            </a:fontRef>
+          </p:style>
+        </p:cxnSp>
+        <p:cxnSp>
+          <p:nvCxnSpPr>
+            <p:cNvPr id="81" name="Straight Connector 80"/>
+            <p:cNvCxnSpPr>
+              <a:stCxn id="5" idx="5"/>
+              <a:endCxn id="6" idx="5"/>
+            </p:cNvCxnSpPr>
+            <p:nvPr/>
+          </p:nvCxnSpPr>
+          <p:spPr>
+            <a:xfrm>
+              <a:off x="5708473" y="-2173882"/>
+              <a:ext cx="6250246" cy="2735976"/>
+            </a:xfrm>
+            <a:prstGeom prst="line">
+              <a:avLst/>
+            </a:prstGeom>
+            <a:ln>
+              <a:solidFill>
+                <a:schemeClr val="tx1"/>
+              </a:solidFill>
+            </a:ln>
+          </p:spPr>
+          <p:style>
+            <a:lnRef idx="1">
+              <a:schemeClr val="accent1"/>
+            </a:lnRef>
+            <a:fillRef idx="0">
+              <a:schemeClr val="accent1"/>
+            </a:fillRef>
+            <a:effectRef idx="0">
+              <a:schemeClr val="accent1"/>
+            </a:effectRef>
+            <a:fontRef idx="minor">
+              <a:schemeClr val="tx1"/>
+            </a:fontRef>
+          </p:style>
+        </p:cxnSp>
+        <p:cxnSp>
+          <p:nvCxnSpPr>
+            <p:cNvPr id="85" name="Straight Connector 84"/>
+            <p:cNvCxnSpPr>
+              <a:stCxn id="5" idx="6"/>
+              <a:endCxn id="6" idx="6"/>
+            </p:cNvCxnSpPr>
+            <p:nvPr/>
+          </p:nvCxnSpPr>
+          <p:spPr>
+            <a:xfrm flipV="1">
+              <a:off x="5722154" y="-5345797"/>
+              <a:ext cx="6354218" cy="2484964"/>
+            </a:xfrm>
+            <a:prstGeom prst="line">
+              <a:avLst/>
+            </a:prstGeom>
+            <a:ln>
+              <a:solidFill>
+                <a:schemeClr val="tx1"/>
+              </a:solidFill>
+            </a:ln>
+          </p:spPr>
+          <p:style>
+            <a:lnRef idx="1">
+              <a:schemeClr val="accent1"/>
+            </a:lnRef>
+            <a:fillRef idx="0">
+              <a:schemeClr val="accent1"/>
+            </a:fillRef>
+            <a:effectRef idx="0">
+              <a:schemeClr val="accent1"/>
+            </a:effectRef>
+            <a:fontRef idx="minor">
+              <a:schemeClr val="tx1"/>
+            </a:fontRef>
+          </p:style>
+        </p:cxnSp>
+        <p:cxnSp>
+          <p:nvCxnSpPr>
+            <p:cNvPr id="89" name="Straight Connector 88"/>
+            <p:cNvCxnSpPr>
+              <a:stCxn id="5" idx="3"/>
+              <a:endCxn id="6" idx="3"/>
+            </p:cNvCxnSpPr>
+            <p:nvPr/>
+          </p:nvCxnSpPr>
+          <p:spPr>
+            <a:xfrm flipH="1">
+              <a:off x="1790124" y="-1711488"/>
+              <a:ext cx="2735977" cy="6250246"/>
+            </a:xfrm>
+            <a:prstGeom prst="line">
+              <a:avLst/>
+            </a:prstGeom>
+            <a:ln>
+              <a:solidFill>
+                <a:schemeClr val="tx1"/>
+              </a:solidFill>
+            </a:ln>
+          </p:spPr>
+          <p:style>
+            <a:lnRef idx="1">
+              <a:schemeClr val="accent1"/>
+            </a:lnRef>
+            <a:fillRef idx="0">
+              <a:schemeClr val="accent1"/>
+            </a:fillRef>
+            <a:effectRef idx="0">
+              <a:schemeClr val="accent1"/>
+            </a:effectRef>
+            <a:fontRef idx="minor">
+              <a:schemeClr val="tx1"/>
+            </a:fontRef>
+          </p:style>
+        </p:cxnSp>
+        <p:cxnSp>
+          <p:nvCxnSpPr>
+            <p:cNvPr id="91" name="Straight Connector 90"/>
+            <p:cNvCxnSpPr>
+              <a:stCxn id="6" idx="2"/>
+              <a:endCxn id="5" idx="2"/>
+            </p:cNvCxnSpPr>
+            <p:nvPr/>
+          </p:nvCxnSpPr>
+          <p:spPr>
+            <a:xfrm flipV="1">
+              <a:off x="-2304192" y="-2206909"/>
+              <a:ext cx="6354218" cy="2484964"/>
+            </a:xfrm>
+            <a:prstGeom prst="line">
+              <a:avLst/>
+            </a:prstGeom>
+            <a:ln>
+              <a:solidFill>
+                <a:schemeClr val="tx1"/>
+              </a:solidFill>
+            </a:ln>
+          </p:spPr>
+          <p:style>
+            <a:lnRef idx="1">
+              <a:schemeClr val="accent1"/>
+            </a:lnRef>
+            <a:fillRef idx="0">
+              <a:schemeClr val="accent1"/>
+            </a:fillRef>
+            <a:effectRef idx="0">
+              <a:schemeClr val="accent1"/>
+            </a:effectRef>
+            <a:fontRef idx="minor">
+              <a:schemeClr val="tx1"/>
+            </a:fontRef>
+          </p:style>
+        </p:cxnSp>
+        <p:cxnSp>
+          <p:nvCxnSpPr>
+            <p:cNvPr id="93" name="Straight Connector 92"/>
+            <p:cNvCxnSpPr/>
+            <p:nvPr/>
+          </p:nvCxnSpPr>
+          <p:spPr>
+            <a:xfrm rot="20318452">
+              <a:off x="-1473655" y="-6625319"/>
+              <a:ext cx="4824476" cy="4824476"/>
+            </a:xfrm>
+            <a:prstGeom prst="line">
+              <a:avLst/>
+            </a:prstGeom>
+            <a:ln>
+              <a:solidFill>
+                <a:schemeClr val="tx1"/>
+              </a:solidFill>
+            </a:ln>
+          </p:spPr>
+          <p:style>
+            <a:lnRef idx="1">
+              <a:schemeClr val="accent1"/>
+            </a:lnRef>
+            <a:fillRef idx="0">
+              <a:schemeClr val="accent1"/>
+            </a:fillRef>
+            <a:effectRef idx="0">
+              <a:schemeClr val="accent1"/>
+            </a:effectRef>
+            <a:fontRef idx="minor">
+              <a:schemeClr val="tx1"/>
+            </a:fontRef>
+          </p:style>
+        </p:cxnSp>
+        <p:cxnSp>
+          <p:nvCxnSpPr>
+            <p:cNvPr id="99" name="Straight Connector 98"/>
+            <p:cNvCxnSpPr/>
+            <p:nvPr/>
+          </p:nvCxnSpPr>
+          <p:spPr>
+            <a:xfrm rot="20318452" flipV="1">
+              <a:off x="3316645" y="-9909696"/>
+              <a:ext cx="0" cy="6822840"/>
+            </a:xfrm>
+            <a:prstGeom prst="line">
+              <a:avLst/>
+            </a:prstGeom>
+            <a:ln>
+              <a:solidFill>
+                <a:schemeClr val="tx1"/>
+              </a:solidFill>
+            </a:ln>
+          </p:spPr>
+          <p:style>
+            <a:lnRef idx="1">
+              <a:schemeClr val="accent1"/>
+            </a:lnRef>
+            <a:fillRef idx="0">
+              <a:schemeClr val="accent1"/>
+            </a:fillRef>
+            <a:effectRef idx="0">
+              <a:schemeClr val="accent1"/>
+            </a:effectRef>
+            <a:fontRef idx="minor">
+              <a:schemeClr val="tx1"/>
+            </a:fontRef>
+          </p:style>
+        </p:cxnSp>
+        <p:cxnSp>
+          <p:nvCxnSpPr>
+            <p:cNvPr id="102" name="Straight Connector 101"/>
+            <p:cNvCxnSpPr/>
+            <p:nvPr/>
+          </p:nvCxnSpPr>
+          <p:spPr>
+            <a:xfrm rot="20318452" flipV="1">
+              <a:off x="4201829" y="-8844848"/>
+              <a:ext cx="4824476" cy="4824476"/>
+            </a:xfrm>
+            <a:prstGeom prst="line">
+              <a:avLst/>
+            </a:prstGeom>
+            <a:ln>
+              <a:solidFill>
+                <a:schemeClr val="tx1"/>
+              </a:solidFill>
+            </a:ln>
+          </p:spPr>
+          <p:style>
+            <a:lnRef idx="1">
+              <a:schemeClr val="accent1"/>
+            </a:lnRef>
+            <a:fillRef idx="0">
+              <a:schemeClr val="accent1"/>
+            </a:fillRef>
+            <a:effectRef idx="0">
+              <a:schemeClr val="accent1"/>
+            </a:effectRef>
+            <a:fontRef idx="minor">
+              <a:schemeClr val="tx1"/>
+            </a:fontRef>
+          </p:style>
+        </p:cxnSp>
       </p:grpSp>
       <p:sp>
         <p:nvSpPr>
-          <p:cNvPr id="2" name="TextBox 1"/>
+          <p:cNvPr id="8" name="Rectangle 7"/>
+          <p:cNvSpPr/>
+          <p:nvPr/>
+        </p:nvSpPr>
+        <p:spPr>
+          <a:xfrm>
+            <a:off x="9537812" y="0"/>
+            <a:ext cx="2654188" cy="6858000"/>
+          </a:xfrm>
+          <a:prstGeom prst="rect">
+            <a:avLst/>
+          </a:prstGeom>
+          <a:solidFill>
+            <a:schemeClr val="bg1">
+              <a:lumMod val="85000"/>
+            </a:schemeClr>
+          </a:solidFill>
+          <a:ln>
+            <a:solidFill>
+              <a:schemeClr val="tx1"/>
+            </a:solidFill>
+          </a:ln>
+          <a:effectLst>
+            <a:outerShdw blurRad="50800" dist="38100" dir="13500000" algn="br" rotWithShape="0">
+              <a:prstClr val="black">
+                <a:alpha val="40000"/>
+              </a:prstClr>
+            </a:outerShdw>
+          </a:effectLst>
+        </p:spPr>
+        <p:style>
+          <a:lnRef idx="2">
+            <a:schemeClr val="accent1">
+              <a:shade val="50000"/>
+            </a:schemeClr>
+          </a:lnRef>
+          <a:fillRef idx="1">
+            <a:schemeClr val="accent1"/>
+          </a:fillRef>
+          <a:effectRef idx="0">
+            <a:schemeClr val="accent1"/>
+          </a:effectRef>
+          <a:fontRef idx="minor">
+            <a:schemeClr val="lt1"/>
+          </a:fontRef>
+        </p:style>
+        <p:txBody>
+          <a:bodyPr rot="0" spcFirstLastPara="0" vertOverflow="overflow" horzOverflow="overflow" vert="horz" wrap="square" lIns="91440" tIns="45720" rIns="91440" bIns="45720" numCol="1" spcCol="0" rtlCol="0" fromWordArt="0" anchor="ctr" anchorCtr="0" forceAA="0" compatLnSpc="1">
+            <a:prstTxWarp prst="textNoShape">
+              <a:avLst/>
+            </a:prstTxWarp>
+            <a:noAutofit/>
+          </a:bodyPr>
+          <a:lstStyle/>
+          <a:p>
+            <a:pPr algn="ctr"/>
+            <a:endParaRPr lang="en-US"/>
+          </a:p>
+        </p:txBody>
+      </p:sp>
+      <p:grpSp>
+        <p:nvGrpSpPr>
+          <p:cNvPr id="77" name="Group 76"/>
+          <p:cNvGrpSpPr/>
+          <p:nvPr/>
+        </p:nvGrpSpPr>
+        <p:grpSpPr>
+          <a:xfrm>
+            <a:off x="-8477" y="2518966"/>
+            <a:ext cx="9319959" cy="6520245"/>
+            <a:chOff x="0" y="1552652"/>
+            <a:chExt cx="9319959" cy="6520245"/>
+          </a:xfrm>
+        </p:grpSpPr>
+        <p:pic>
+          <p:nvPicPr>
+            <p:cNvPr id="37" name="Picture 36"/>
+            <p:cNvPicPr>
+              <a:picLocks noChangeAspect="1"/>
+            </p:cNvPicPr>
+            <p:nvPr/>
+          </p:nvPicPr>
+          <p:blipFill>
+            <a:blip r:embed="rId2"/>
+            <a:stretch>
+              <a:fillRect/>
+            </a:stretch>
+          </p:blipFill>
+          <p:spPr>
+            <a:xfrm>
+              <a:off x="0" y="3726067"/>
+              <a:ext cx="3024571" cy="4346830"/>
+            </a:xfrm>
+            <a:prstGeom prst="rect">
+              <a:avLst/>
+            </a:prstGeom>
+          </p:spPr>
+        </p:pic>
+        <p:pic>
+          <p:nvPicPr>
+            <p:cNvPr id="38" name="Picture 37"/>
+            <p:cNvPicPr>
+              <a:picLocks noChangeAspect="1"/>
+            </p:cNvPicPr>
+            <p:nvPr/>
+          </p:nvPicPr>
+          <p:blipFill>
+            <a:blip r:embed="rId2"/>
+            <a:stretch>
+              <a:fillRect/>
+            </a:stretch>
+          </p:blipFill>
+          <p:spPr>
+            <a:xfrm>
+              <a:off x="345651" y="3726067"/>
+              <a:ext cx="3024571" cy="4346830"/>
+            </a:xfrm>
+            <a:prstGeom prst="rect">
+              <a:avLst/>
+            </a:prstGeom>
+          </p:spPr>
+        </p:pic>
+        <p:pic>
+          <p:nvPicPr>
+            <p:cNvPr id="39" name="Picture 38"/>
+            <p:cNvPicPr>
+              <a:picLocks noChangeAspect="1"/>
+            </p:cNvPicPr>
+            <p:nvPr/>
+          </p:nvPicPr>
+          <p:blipFill>
+            <a:blip r:embed="rId2"/>
+            <a:stretch>
+              <a:fillRect/>
+            </a:stretch>
+          </p:blipFill>
+          <p:spPr>
+            <a:xfrm>
+              <a:off x="691302" y="3726067"/>
+              <a:ext cx="3024571" cy="4346830"/>
+            </a:xfrm>
+            <a:prstGeom prst="rect">
+              <a:avLst/>
+            </a:prstGeom>
+          </p:spPr>
+        </p:pic>
+        <p:pic>
+          <p:nvPicPr>
+            <p:cNvPr id="40" name="Picture 39"/>
+            <p:cNvPicPr>
+              <a:picLocks noChangeAspect="1"/>
+            </p:cNvPicPr>
+            <p:nvPr/>
+          </p:nvPicPr>
+          <p:blipFill>
+            <a:blip r:embed="rId2"/>
+            <a:stretch>
+              <a:fillRect/>
+            </a:stretch>
+          </p:blipFill>
+          <p:spPr>
+            <a:xfrm>
+              <a:off x="1044516" y="3726067"/>
+              <a:ext cx="3024571" cy="4346830"/>
+            </a:xfrm>
+            <a:prstGeom prst="rect">
+              <a:avLst/>
+            </a:prstGeom>
+          </p:spPr>
+        </p:pic>
+        <p:pic>
+          <p:nvPicPr>
+            <p:cNvPr id="41" name="Picture 40"/>
+            <p:cNvPicPr>
+              <a:picLocks noChangeAspect="1"/>
+            </p:cNvPicPr>
+            <p:nvPr/>
+          </p:nvPicPr>
+          <p:blipFill>
+            <a:blip r:embed="rId2"/>
+            <a:stretch>
+              <a:fillRect/>
+            </a:stretch>
+          </p:blipFill>
+          <p:spPr>
+            <a:xfrm>
+              <a:off x="1391456" y="3726067"/>
+              <a:ext cx="3024571" cy="4346830"/>
+            </a:xfrm>
+            <a:prstGeom prst="rect">
+              <a:avLst/>
+            </a:prstGeom>
+          </p:spPr>
+        </p:pic>
+        <p:pic>
+          <p:nvPicPr>
+            <p:cNvPr id="42" name="Picture 41"/>
+            <p:cNvPicPr>
+              <a:picLocks noChangeAspect="1"/>
+            </p:cNvPicPr>
+            <p:nvPr/>
+          </p:nvPicPr>
+          <p:blipFill>
+            <a:blip r:embed="rId2"/>
+            <a:stretch>
+              <a:fillRect/>
+            </a:stretch>
+          </p:blipFill>
+          <p:spPr>
+            <a:xfrm>
+              <a:off x="1738396" y="3726067"/>
+              <a:ext cx="3024571" cy="4346830"/>
+            </a:xfrm>
+            <a:prstGeom prst="rect">
+              <a:avLst/>
+            </a:prstGeom>
+          </p:spPr>
+        </p:pic>
+        <p:pic>
+          <p:nvPicPr>
+            <p:cNvPr id="43" name="Picture 42"/>
+            <p:cNvPicPr>
+              <a:picLocks noChangeAspect="1"/>
+            </p:cNvPicPr>
+            <p:nvPr/>
+          </p:nvPicPr>
+          <p:blipFill>
+            <a:blip r:embed="rId2"/>
+            <a:stretch>
+              <a:fillRect/>
+            </a:stretch>
+          </p:blipFill>
+          <p:spPr>
+            <a:xfrm>
+              <a:off x="2085336" y="3726067"/>
+              <a:ext cx="3024571" cy="4346830"/>
+            </a:xfrm>
+            <a:prstGeom prst="rect">
+              <a:avLst/>
+            </a:prstGeom>
+          </p:spPr>
+        </p:pic>
+        <p:pic>
+          <p:nvPicPr>
+            <p:cNvPr id="44" name="Picture 43"/>
+            <p:cNvPicPr>
+              <a:picLocks noChangeAspect="1"/>
+            </p:cNvPicPr>
+            <p:nvPr/>
+          </p:nvPicPr>
+          <p:blipFill>
+            <a:blip r:embed="rId2"/>
+            <a:stretch>
+              <a:fillRect/>
+            </a:stretch>
+          </p:blipFill>
+          <p:spPr>
+            <a:xfrm>
+              <a:off x="2432276" y="3726067"/>
+              <a:ext cx="3024571" cy="4346830"/>
+            </a:xfrm>
+            <a:prstGeom prst="rect">
+              <a:avLst/>
+            </a:prstGeom>
+          </p:spPr>
+        </p:pic>
+        <p:pic>
+          <p:nvPicPr>
+            <p:cNvPr id="46" name="Picture 45"/>
+            <p:cNvPicPr>
+              <a:picLocks noChangeAspect="1"/>
+            </p:cNvPicPr>
+            <p:nvPr/>
+          </p:nvPicPr>
+          <p:blipFill>
+            <a:blip r:embed="rId2"/>
+            <a:stretch>
+              <a:fillRect/>
+            </a:stretch>
+          </p:blipFill>
+          <p:spPr>
+            <a:xfrm>
+              <a:off x="2791207" y="3726067"/>
+              <a:ext cx="3024571" cy="4346830"/>
+            </a:xfrm>
+            <a:prstGeom prst="rect">
+              <a:avLst/>
+            </a:prstGeom>
+          </p:spPr>
+        </p:pic>
+        <p:pic>
+          <p:nvPicPr>
+            <p:cNvPr id="47" name="Picture 46"/>
+            <p:cNvPicPr>
+              <a:picLocks noChangeAspect="1"/>
+            </p:cNvPicPr>
+            <p:nvPr/>
+          </p:nvPicPr>
+          <p:blipFill>
+            <a:blip r:embed="rId2"/>
+            <a:stretch>
+              <a:fillRect/>
+            </a:stretch>
+          </p:blipFill>
+          <p:spPr>
+            <a:xfrm>
+              <a:off x="3147694" y="3726067"/>
+              <a:ext cx="3024571" cy="4346830"/>
+            </a:xfrm>
+            <a:prstGeom prst="rect">
+              <a:avLst/>
+            </a:prstGeom>
+          </p:spPr>
+        </p:pic>
+        <p:pic>
+          <p:nvPicPr>
+            <p:cNvPr id="48" name="Picture 47"/>
+            <p:cNvPicPr>
+              <a:picLocks noChangeAspect="1"/>
+            </p:cNvPicPr>
+            <p:nvPr/>
+          </p:nvPicPr>
+          <p:blipFill>
+            <a:blip r:embed="rId2"/>
+            <a:stretch>
+              <a:fillRect/>
+            </a:stretch>
+          </p:blipFill>
+          <p:spPr>
+            <a:xfrm>
+              <a:off x="3493345" y="3726067"/>
+              <a:ext cx="3024571" cy="4346830"/>
+            </a:xfrm>
+            <a:prstGeom prst="rect">
+              <a:avLst/>
+            </a:prstGeom>
+          </p:spPr>
+        </p:pic>
+        <p:pic>
+          <p:nvPicPr>
+            <p:cNvPr id="49" name="Picture 48"/>
+            <p:cNvPicPr>
+              <a:picLocks noChangeAspect="1"/>
+            </p:cNvPicPr>
+            <p:nvPr/>
+          </p:nvPicPr>
+          <p:blipFill>
+            <a:blip r:embed="rId2"/>
+            <a:stretch>
+              <a:fillRect/>
+            </a:stretch>
+          </p:blipFill>
+          <p:spPr>
+            <a:xfrm>
+              <a:off x="3838996" y="3726067"/>
+              <a:ext cx="3024571" cy="4346830"/>
+            </a:xfrm>
+            <a:prstGeom prst="rect">
+              <a:avLst/>
+            </a:prstGeom>
+          </p:spPr>
+        </p:pic>
+        <p:pic>
+          <p:nvPicPr>
+            <p:cNvPr id="50" name="Picture 49"/>
+            <p:cNvPicPr>
+              <a:picLocks noChangeAspect="1"/>
+            </p:cNvPicPr>
+            <p:nvPr/>
+          </p:nvPicPr>
+          <p:blipFill>
+            <a:blip r:embed="rId2"/>
+            <a:stretch>
+              <a:fillRect/>
+            </a:stretch>
+          </p:blipFill>
+          <p:spPr>
+            <a:xfrm>
+              <a:off x="4192210" y="3726067"/>
+              <a:ext cx="3024571" cy="4346830"/>
+            </a:xfrm>
+            <a:prstGeom prst="rect">
+              <a:avLst/>
+            </a:prstGeom>
+          </p:spPr>
+        </p:pic>
+        <p:pic>
+          <p:nvPicPr>
+            <p:cNvPr id="52" name="Picture 51"/>
+            <p:cNvPicPr>
+              <a:picLocks noChangeAspect="1"/>
+            </p:cNvPicPr>
+            <p:nvPr/>
+          </p:nvPicPr>
+          <p:blipFill>
+            <a:blip r:embed="rId2"/>
+            <a:stretch>
+              <a:fillRect/>
+            </a:stretch>
+          </p:blipFill>
+          <p:spPr>
+            <a:xfrm>
+              <a:off x="4886090" y="3726067"/>
+              <a:ext cx="3024571" cy="4346830"/>
+            </a:xfrm>
+            <a:prstGeom prst="rect">
+              <a:avLst/>
+            </a:prstGeom>
+          </p:spPr>
+        </p:pic>
+        <p:pic>
+          <p:nvPicPr>
+            <p:cNvPr id="53" name="Picture 52"/>
+            <p:cNvPicPr>
+              <a:picLocks noChangeAspect="1"/>
+            </p:cNvPicPr>
+            <p:nvPr/>
+          </p:nvPicPr>
+          <p:blipFill>
+            <a:blip r:embed="rId2"/>
+            <a:stretch>
+              <a:fillRect/>
+            </a:stretch>
+          </p:blipFill>
+          <p:spPr>
+            <a:xfrm>
+              <a:off x="5233030" y="3726067"/>
+              <a:ext cx="3024571" cy="4346830"/>
+            </a:xfrm>
+            <a:prstGeom prst="rect">
+              <a:avLst/>
+            </a:prstGeom>
+          </p:spPr>
+        </p:pic>
+        <p:pic>
+          <p:nvPicPr>
+            <p:cNvPr id="54" name="Picture 53"/>
+            <p:cNvPicPr>
+              <a:picLocks noChangeAspect="1"/>
+            </p:cNvPicPr>
+            <p:nvPr/>
+          </p:nvPicPr>
+          <p:blipFill>
+            <a:blip r:embed="rId2"/>
+            <a:stretch>
+              <a:fillRect/>
+            </a:stretch>
+          </p:blipFill>
+          <p:spPr>
+            <a:xfrm>
+              <a:off x="5579970" y="3726067"/>
+              <a:ext cx="3024571" cy="4346830"/>
+            </a:xfrm>
+            <a:prstGeom prst="rect">
+              <a:avLst/>
+            </a:prstGeom>
+          </p:spPr>
+        </p:pic>
+        <p:pic>
+          <p:nvPicPr>
+            <p:cNvPr id="55" name="Picture 54"/>
+            <p:cNvPicPr>
+              <a:picLocks noChangeAspect="1"/>
+            </p:cNvPicPr>
+            <p:nvPr/>
+          </p:nvPicPr>
+          <p:blipFill>
+            <a:blip r:embed="rId2"/>
+            <a:stretch>
+              <a:fillRect/>
+            </a:stretch>
+          </p:blipFill>
+          <p:spPr>
+            <a:xfrm>
+              <a:off x="5938901" y="3726067"/>
+              <a:ext cx="3024571" cy="4346830"/>
+            </a:xfrm>
+            <a:prstGeom prst="rect">
+              <a:avLst/>
+            </a:prstGeom>
+          </p:spPr>
+        </p:pic>
+        <p:pic>
+          <p:nvPicPr>
+            <p:cNvPr id="74" name="Picture 73"/>
+            <p:cNvPicPr>
+              <a:picLocks noChangeAspect="1"/>
+            </p:cNvPicPr>
+            <p:nvPr/>
+          </p:nvPicPr>
+          <p:blipFill>
+            <a:blip r:embed="rId2"/>
+            <a:stretch>
+              <a:fillRect/>
+            </a:stretch>
+          </p:blipFill>
+          <p:spPr>
+            <a:xfrm>
+              <a:off x="6295388" y="3718271"/>
+              <a:ext cx="3024571" cy="4346830"/>
+            </a:xfrm>
+            <a:prstGeom prst="rect">
+              <a:avLst/>
+            </a:prstGeom>
+          </p:spPr>
+        </p:pic>
+        <p:pic>
+          <p:nvPicPr>
+            <p:cNvPr id="51" name="Picture 50"/>
+            <p:cNvPicPr>
+              <a:picLocks noChangeAspect="1"/>
+            </p:cNvPicPr>
+            <p:nvPr/>
+          </p:nvPicPr>
+          <p:blipFill>
+            <a:blip r:embed="rId2"/>
+            <a:stretch>
+              <a:fillRect/>
+            </a:stretch>
+          </p:blipFill>
+          <p:spPr>
+            <a:xfrm>
+              <a:off x="4476318" y="1552652"/>
+              <a:ext cx="3024571" cy="4346830"/>
+            </a:xfrm>
+            <a:prstGeom prst="rect">
+              <a:avLst/>
+            </a:prstGeom>
+          </p:spPr>
+        </p:pic>
+      </p:grpSp>
+      <p:sp>
+        <p:nvSpPr>
+          <p:cNvPr id="9" name="Rectangle 8"/>
+          <p:cNvSpPr/>
+          <p:nvPr/>
+        </p:nvSpPr>
+        <p:spPr>
+          <a:xfrm>
+            <a:off x="9359788" y="3060812"/>
+            <a:ext cx="178024" cy="736375"/>
+          </a:xfrm>
+          <a:prstGeom prst="rect">
+            <a:avLst/>
+          </a:prstGeom>
+          <a:solidFill>
+            <a:schemeClr val="bg1">
+              <a:lumMod val="75000"/>
+            </a:schemeClr>
+          </a:solidFill>
+          <a:ln>
+            <a:solidFill>
+              <a:schemeClr val="tx1"/>
+            </a:solidFill>
+          </a:ln>
+        </p:spPr>
+        <p:style>
+          <a:lnRef idx="2">
+            <a:schemeClr val="accent1">
+              <a:shade val="50000"/>
+            </a:schemeClr>
+          </a:lnRef>
+          <a:fillRef idx="1">
+            <a:schemeClr val="accent1"/>
+          </a:fillRef>
+          <a:effectRef idx="0">
+            <a:schemeClr val="accent1"/>
+          </a:effectRef>
+          <a:fontRef idx="minor">
+            <a:schemeClr val="lt1"/>
+          </a:fontRef>
+        </p:style>
+        <p:txBody>
+          <a:bodyPr rot="0" spcFirstLastPara="0" vertOverflow="overflow" horzOverflow="overflow" vert="horz" wrap="square" lIns="91440" tIns="45720" rIns="91440" bIns="45720" numCol="1" spcCol="0" rtlCol="0" fromWordArt="0" anchor="ctr" anchorCtr="0" forceAA="0" compatLnSpc="1">
+            <a:prstTxWarp prst="textNoShape">
+              <a:avLst/>
+            </a:prstTxWarp>
+            <a:noAutofit/>
+          </a:bodyPr>
+          <a:lstStyle/>
+          <a:p>
+            <a:pPr algn="ctr"/>
+            <a:r>
+              <a:rPr lang="zh-CN" altLang="en-US" sz="1200" dirty="0" smtClean="0">
+                <a:solidFill>
+                  <a:sysClr val="windowText" lastClr="000000"/>
+                </a:solidFill>
+              </a:rPr>
+              <a:t>▶</a:t>
+            </a:r>
+            <a:endParaRPr lang="en-US" sz="1200" dirty="0">
+              <a:solidFill>
+                <a:sysClr val="windowText" lastClr="000000"/>
+              </a:solidFill>
+            </a:endParaRPr>
+          </a:p>
+        </p:txBody>
+      </p:sp>
+      <p:cxnSp>
+        <p:nvCxnSpPr>
+          <p:cNvPr id="114" name="Straight Connector 113"/>
+          <p:cNvCxnSpPr/>
+          <p:nvPr/>
+        </p:nvCxnSpPr>
+        <p:spPr>
+          <a:xfrm flipH="1">
+            <a:off x="9733280" y="3422927"/>
+            <a:ext cx="2296160" cy="6073"/>
+          </a:xfrm>
+          <a:prstGeom prst="line">
+            <a:avLst/>
+          </a:prstGeom>
+          <a:ln>
+            <a:solidFill>
+              <a:schemeClr val="tx1"/>
+            </a:solidFill>
+          </a:ln>
+        </p:spPr>
+        <p:style>
+          <a:lnRef idx="1">
+            <a:schemeClr val="accent1"/>
+          </a:lnRef>
+          <a:fillRef idx="0">
+            <a:schemeClr val="accent1"/>
+          </a:fillRef>
+          <a:effectRef idx="0">
+            <a:schemeClr val="accent1"/>
+          </a:effectRef>
+          <a:fontRef idx="minor">
+            <a:schemeClr val="tx1"/>
+          </a:fontRef>
+        </p:style>
+      </p:cxnSp>
+      <p:sp>
+        <p:nvSpPr>
+          <p:cNvPr id="117" name="TextBox 116"/>
           <p:cNvSpPr txBox="1"/>
           <p:nvPr/>
         </p:nvSpPr>
         <p:spPr>
-          <a:xfrm>
-            <a:off x="4661207" y="1610072"/>
-            <a:ext cx="2236510" cy="707886"/>
+          <a:xfrm flipH="1">
+            <a:off x="9711531" y="170714"/>
+            <a:ext cx="1637072" cy="369332"/>
           </a:xfrm>
           <a:prstGeom prst="rect">
             <a:avLst/>
@@ -6664,21 +8481,508 @@
           <a:noFill/>
         </p:spPr>
         <p:txBody>
-          <a:bodyPr wrap="none" rtlCol="0">
+          <a:bodyPr wrap="square" rtlCol="0">
             <a:spAutoFit/>
           </a:bodyPr>
           <a:lstStyle/>
           <a:p>
             <a:r>
-              <a:rPr lang="zh-CN" altLang="en-US" sz="4000" dirty="0" smtClean="0">
-                <a:latin typeface="Microsoft YaHei Light" panose="020B0502040204020203" pitchFamily="34" charset="-122"/>
-                <a:ea typeface="Microsoft YaHei Light" panose="020B0502040204020203" pitchFamily="34" charset="-122"/>
+              <a:rPr lang="zh-CN" altLang="en-US" dirty="0" smtClean="0">
+                <a:latin typeface="Microsoft YaHei" panose="020B0503020204020204" pitchFamily="34" charset="-122"/>
+                <a:ea typeface="Microsoft YaHei" panose="020B0503020204020204" pitchFamily="34" charset="-122"/>
               </a:rPr>
-              <a:t>创建房间</a:t>
-            </a:r>
-            <a:endParaRPr lang="en-US" sz="4000" dirty="0">
-              <a:latin typeface="Microsoft YaHei Light" panose="020B0502040204020203" pitchFamily="34" charset="-122"/>
-              <a:ea typeface="Microsoft YaHei Light" panose="020B0502040204020203" pitchFamily="34" charset="-122"/>
+              <a:t>任务</a:t>
+            </a:r>
+            <a:endParaRPr lang="en-US" dirty="0">
+              <a:latin typeface="Microsoft YaHei" panose="020B0503020204020204" pitchFamily="34" charset="-122"/>
+              <a:ea typeface="Microsoft YaHei" panose="020B0503020204020204" pitchFamily="34" charset="-122"/>
+            </a:endParaRPr>
+          </a:p>
+        </p:txBody>
+      </p:sp>
+      <p:sp>
+        <p:nvSpPr>
+          <p:cNvPr id="118" name="TextBox 117"/>
+          <p:cNvSpPr txBox="1"/>
+          <p:nvPr/>
+        </p:nvSpPr>
+        <p:spPr>
+          <a:xfrm>
+            <a:off x="9732119" y="582886"/>
+            <a:ext cx="2035158" cy="1031051"/>
+          </a:xfrm>
+          <a:prstGeom prst="rect">
+            <a:avLst/>
+          </a:prstGeom>
+          <a:noFill/>
+        </p:spPr>
+        <p:txBody>
+          <a:bodyPr wrap="square" rtlCol="0">
+            <a:spAutoFit/>
+          </a:bodyPr>
+          <a:lstStyle/>
+          <a:p>
+            <a:pPr marL="182880" indent="-182880">
+              <a:spcAft>
+                <a:spcPts val="600"/>
+              </a:spcAft>
+              <a:buAutoNum type="arabicPeriod"/>
+            </a:pPr>
+            <a:r>
+              <a:rPr lang="en-US" sz="1400" dirty="0" smtClean="0"/>
+              <a:t>Tom </a:t>
+            </a:r>
+            <a:r>
+              <a:rPr lang="zh-CN" altLang="en-US" sz="1400" dirty="0" smtClean="0"/>
+              <a:t>需要</a:t>
+            </a:r>
+            <a:r>
+              <a:rPr lang="zh-CN" altLang="en-US" sz="1400" dirty="0" smtClean="0">
+                <a:solidFill>
+                  <a:schemeClr val="accent1">
+                    <a:lumMod val="75000"/>
+                  </a:schemeClr>
+                </a:solidFill>
+              </a:rPr>
+              <a:t>驱散身上的恶灵 </a:t>
+            </a:r>
+            <a:r>
+              <a:rPr lang="en-US" altLang="zh-CN" sz="1400" dirty="0" smtClean="0"/>
+              <a:t>[</a:t>
+            </a:r>
+            <a:r>
+              <a:rPr lang="zh-CN" altLang="en-US" sz="1400" dirty="0" smtClean="0"/>
+              <a:t>难度</a:t>
+            </a:r>
+            <a:r>
+              <a:rPr lang="en-US" altLang="zh-CN" sz="1400" dirty="0" smtClean="0"/>
+              <a:t>2]</a:t>
+            </a:r>
+          </a:p>
+          <a:p>
+            <a:pPr marL="182880" indent="-182880">
+              <a:spcAft>
+                <a:spcPts val="600"/>
+              </a:spcAft>
+              <a:buAutoNum type="arabicPeriod"/>
+            </a:pPr>
+            <a:r>
+              <a:rPr lang="en-US" altLang="zh-CN" sz="1400" dirty="0" smtClean="0"/>
+              <a:t>Lucy </a:t>
+            </a:r>
+            <a:r>
+              <a:rPr lang="zh-CN" altLang="en-US" sz="1400" dirty="0"/>
+              <a:t>需</a:t>
+            </a:r>
+            <a:r>
+              <a:rPr lang="zh-CN" altLang="en-US" sz="1400" dirty="0" smtClean="0"/>
+              <a:t>要</a:t>
+            </a:r>
+            <a:r>
+              <a:rPr lang="en-US" altLang="zh-CN" sz="1400" dirty="0" smtClean="0">
+                <a:solidFill>
+                  <a:srgbClr val="FFC000"/>
+                </a:solidFill>
+              </a:rPr>
+              <a:t>1</a:t>
+            </a:r>
+            <a:r>
+              <a:rPr lang="zh-CN" altLang="en-US" sz="1400" dirty="0" smtClean="0">
+                <a:solidFill>
+                  <a:srgbClr val="FFC000"/>
+                </a:solidFill>
+              </a:rPr>
+              <a:t>*铜钱剑</a:t>
+            </a:r>
+            <a:r>
+              <a:rPr lang="en-US" altLang="zh-CN" sz="1400" dirty="0" smtClean="0">
+                <a:solidFill>
+                  <a:srgbClr val="FFC000"/>
+                </a:solidFill>
+              </a:rPr>
+              <a:t> </a:t>
+            </a:r>
+            <a:r>
+              <a:rPr lang="en-US" altLang="zh-CN" sz="1400" dirty="0" smtClean="0"/>
+              <a:t>[</a:t>
+            </a:r>
+            <a:r>
+              <a:rPr lang="zh-CN" altLang="en-US" sz="1400" dirty="0" smtClean="0"/>
+              <a:t>难度</a:t>
+            </a:r>
+            <a:r>
+              <a:rPr lang="en-US" altLang="zh-CN" sz="1400" dirty="0"/>
+              <a:t>1</a:t>
+            </a:r>
+            <a:r>
+              <a:rPr lang="en-US" altLang="zh-CN" sz="1400" dirty="0" smtClean="0"/>
+              <a:t>]</a:t>
+            </a:r>
+            <a:endParaRPr lang="zh-CN" altLang="en-US" sz="1400" dirty="0" smtClean="0">
+              <a:solidFill>
+                <a:schemeClr val="accent4">
+                  <a:lumMod val="75000"/>
+                </a:schemeClr>
+              </a:solidFill>
+            </a:endParaRPr>
+          </a:p>
+        </p:txBody>
+      </p:sp>
+      <p:sp>
+        <p:nvSpPr>
+          <p:cNvPr id="119" name="Rounded Rectangle 118"/>
+          <p:cNvSpPr/>
+          <p:nvPr/>
+        </p:nvSpPr>
+        <p:spPr>
+          <a:xfrm>
+            <a:off x="9708421" y="6352176"/>
+            <a:ext cx="2024718" cy="284480"/>
+          </a:xfrm>
+          <a:prstGeom prst="roundRect">
+            <a:avLst>
+              <a:gd name="adj" fmla="val 50000"/>
+            </a:avLst>
+          </a:prstGeom>
+          <a:solidFill>
+            <a:schemeClr val="bg1"/>
+          </a:solidFill>
+          <a:ln>
+            <a:solidFill>
+              <a:schemeClr val="tx1"/>
+            </a:solidFill>
+          </a:ln>
+        </p:spPr>
+        <p:style>
+          <a:lnRef idx="2">
+            <a:schemeClr val="accent1">
+              <a:shade val="50000"/>
+            </a:schemeClr>
+          </a:lnRef>
+          <a:fillRef idx="1">
+            <a:schemeClr val="accent1"/>
+          </a:fillRef>
+          <a:effectRef idx="0">
+            <a:schemeClr val="accent1"/>
+          </a:effectRef>
+          <a:fontRef idx="minor">
+            <a:schemeClr val="lt1"/>
+          </a:fontRef>
+        </p:style>
+        <p:txBody>
+          <a:bodyPr rtlCol="0" anchor="ctr"/>
+          <a:lstStyle/>
+          <a:p>
+            <a:pPr algn="ctr"/>
+            <a:endParaRPr lang="en-US"/>
+          </a:p>
+        </p:txBody>
+      </p:sp>
+      <p:sp>
+        <p:nvSpPr>
+          <p:cNvPr id="120" name="TextBox 119"/>
+          <p:cNvSpPr txBox="1"/>
+          <p:nvPr/>
+        </p:nvSpPr>
+        <p:spPr>
+          <a:xfrm flipH="1">
+            <a:off x="9715836" y="3656506"/>
+            <a:ext cx="1069948" cy="369332"/>
+          </a:xfrm>
+          <a:prstGeom prst="rect">
+            <a:avLst/>
+          </a:prstGeom>
+          <a:noFill/>
+        </p:spPr>
+        <p:txBody>
+          <a:bodyPr wrap="square" rtlCol="0">
+            <a:spAutoFit/>
+          </a:bodyPr>
+          <a:lstStyle/>
+          <a:p>
+            <a:r>
+              <a:rPr lang="zh-CN" altLang="en-US" dirty="0">
+                <a:latin typeface="Microsoft YaHei" panose="020B0503020204020204" pitchFamily="34" charset="-122"/>
+                <a:ea typeface="Microsoft YaHei" panose="020B0503020204020204" pitchFamily="34" charset="-122"/>
+              </a:rPr>
+              <a:t>聊天</a:t>
+            </a:r>
+            <a:endParaRPr lang="en-US" dirty="0">
+              <a:latin typeface="Microsoft YaHei" panose="020B0503020204020204" pitchFamily="34" charset="-122"/>
+              <a:ea typeface="Microsoft YaHei" panose="020B0503020204020204" pitchFamily="34" charset="-122"/>
+            </a:endParaRPr>
+          </a:p>
+        </p:txBody>
+      </p:sp>
+      <p:sp>
+        <p:nvSpPr>
+          <p:cNvPr id="121" name="TextBox 120"/>
+          <p:cNvSpPr txBox="1"/>
+          <p:nvPr/>
+        </p:nvSpPr>
+        <p:spPr>
+          <a:xfrm>
+            <a:off x="9781546" y="4148391"/>
+            <a:ext cx="2180162" cy="923330"/>
+          </a:xfrm>
+          <a:prstGeom prst="rect">
+            <a:avLst/>
+          </a:prstGeom>
+          <a:noFill/>
+        </p:spPr>
+        <p:txBody>
+          <a:bodyPr wrap="square" rtlCol="0">
+            <a:spAutoFit/>
+          </a:bodyPr>
+          <a:lstStyle/>
+          <a:p>
+            <a:pPr>
+              <a:spcAft>
+                <a:spcPts val="600"/>
+              </a:spcAft>
+            </a:pPr>
+            <a:r>
+              <a:rPr lang="zh-CN" altLang="en-US" sz="1100" dirty="0">
+                <a:solidFill>
+                  <a:srgbClr val="C00000"/>
+                </a:solidFill>
+                <a:latin typeface="Microsoft YaHei" panose="020B0503020204020204" pitchFamily="34" charset="-122"/>
+                <a:ea typeface="Microsoft YaHei" panose="020B0503020204020204" pitchFamily="34" charset="-122"/>
+              </a:rPr>
+              <a:t>系</a:t>
+            </a:r>
+            <a:r>
+              <a:rPr lang="zh-CN" altLang="en-US" sz="1100" dirty="0" smtClean="0">
+                <a:solidFill>
+                  <a:srgbClr val="C00000"/>
+                </a:solidFill>
+                <a:latin typeface="Microsoft YaHei" panose="020B0503020204020204" pitchFamily="34" charset="-122"/>
+                <a:ea typeface="Microsoft YaHei" panose="020B0503020204020204" pitchFamily="34" charset="-122"/>
+              </a:rPr>
+              <a:t>统</a:t>
+            </a:r>
+            <a:r>
+              <a:rPr lang="zh-CN" altLang="en-US" sz="1100" dirty="0" smtClean="0">
+                <a:latin typeface="Microsoft YaHei" panose="020B0503020204020204" pitchFamily="34" charset="-122"/>
+                <a:ea typeface="Microsoft YaHei" panose="020B0503020204020204" pitchFamily="34" charset="-122"/>
+              </a:rPr>
+              <a:t>：</a:t>
+            </a:r>
+            <a:r>
+              <a:rPr lang="zh-CN" altLang="en-US" sz="1100" dirty="0" smtClean="0">
+                <a:solidFill>
+                  <a:srgbClr val="7030A0"/>
+                </a:solidFill>
+                <a:latin typeface="Microsoft YaHei" panose="020B0503020204020204" pitchFamily="34" charset="-122"/>
+                <a:ea typeface="Microsoft YaHei" panose="020B0503020204020204" pitchFamily="34" charset="-122"/>
+              </a:rPr>
+              <a:t>玩家</a:t>
+            </a:r>
+            <a:r>
+              <a:rPr lang="en-US" altLang="zh-CN" sz="1100" dirty="0" smtClean="0">
+                <a:solidFill>
+                  <a:srgbClr val="7030A0"/>
+                </a:solidFill>
+                <a:latin typeface="Microsoft YaHei" panose="020B0503020204020204" pitchFamily="34" charset="-122"/>
+                <a:ea typeface="Microsoft YaHei" panose="020B0503020204020204" pitchFamily="34" charset="-122"/>
+              </a:rPr>
+              <a:t>1 </a:t>
+            </a:r>
+            <a:r>
+              <a:rPr lang="zh-CN" altLang="en-US" sz="1100" dirty="0" smtClean="0">
+                <a:latin typeface="Microsoft YaHei" panose="020B0503020204020204" pitchFamily="34" charset="-122"/>
+                <a:ea typeface="Microsoft YaHei" panose="020B0503020204020204" pitchFamily="34" charset="-122"/>
+              </a:rPr>
+              <a:t>在 </a:t>
+            </a:r>
+            <a:r>
+              <a:rPr lang="zh-CN" altLang="en-US" sz="1100" dirty="0">
+                <a:solidFill>
+                  <a:srgbClr val="7030A0"/>
+                </a:solidFill>
+                <a:latin typeface="Microsoft YaHei" panose="020B0503020204020204" pitchFamily="34" charset="-122"/>
+                <a:ea typeface="Microsoft YaHei" panose="020B0503020204020204" pitchFamily="34" charset="-122"/>
+              </a:rPr>
+              <a:t>玩</a:t>
+            </a:r>
+            <a:r>
+              <a:rPr lang="zh-CN" altLang="en-US" sz="1100" dirty="0" smtClean="0">
+                <a:solidFill>
+                  <a:srgbClr val="7030A0"/>
+                </a:solidFill>
+                <a:latin typeface="Microsoft YaHei" panose="020B0503020204020204" pitchFamily="34" charset="-122"/>
+                <a:ea typeface="Microsoft YaHei" panose="020B0503020204020204" pitchFamily="34" charset="-122"/>
+              </a:rPr>
+              <a:t>家</a:t>
+            </a:r>
+            <a:r>
+              <a:rPr lang="en-US" altLang="zh-CN" sz="1100" dirty="0" smtClean="0">
+                <a:solidFill>
+                  <a:srgbClr val="7030A0"/>
+                </a:solidFill>
+                <a:latin typeface="Microsoft YaHei" panose="020B0503020204020204" pitchFamily="34" charset="-122"/>
+                <a:ea typeface="Microsoft YaHei" panose="020B0503020204020204" pitchFamily="34" charset="-122"/>
+              </a:rPr>
+              <a:t>1</a:t>
+            </a:r>
+            <a:r>
+              <a:rPr lang="zh-CN" altLang="en-US" sz="1100" dirty="0" smtClean="0">
+                <a:solidFill>
+                  <a:srgbClr val="7030A0"/>
+                </a:solidFill>
+                <a:latin typeface="Microsoft YaHei" panose="020B0503020204020204" pitchFamily="34" charset="-122"/>
+                <a:ea typeface="Microsoft YaHei" panose="020B0503020204020204" pitchFamily="34" charset="-122"/>
+              </a:rPr>
+              <a:t>的区域 </a:t>
+            </a:r>
+            <a:r>
+              <a:rPr lang="zh-CN" altLang="en-US" sz="1100" dirty="0" smtClean="0">
+                <a:latin typeface="Microsoft YaHei" panose="020B0503020204020204" pitchFamily="34" charset="-122"/>
+                <a:ea typeface="Microsoft YaHei" panose="020B0503020204020204" pitchFamily="34" charset="-122"/>
+              </a:rPr>
+              <a:t>放</a:t>
+            </a:r>
+            <a:r>
+              <a:rPr lang="zh-CN" altLang="en-US" sz="1100" dirty="0">
+                <a:latin typeface="Microsoft YaHei" panose="020B0503020204020204" pitchFamily="34" charset="-122"/>
+                <a:ea typeface="Microsoft YaHei" panose="020B0503020204020204" pitchFamily="34" charset="-122"/>
+              </a:rPr>
+              <a:t>置</a:t>
+            </a:r>
+            <a:r>
+              <a:rPr lang="zh-CN" altLang="en-US" sz="1100" dirty="0" smtClean="0">
+                <a:latin typeface="Microsoft YaHei" panose="020B0503020204020204" pitchFamily="34" charset="-122"/>
+                <a:ea typeface="Microsoft YaHei" panose="020B0503020204020204" pitchFamily="34" charset="-122"/>
+              </a:rPr>
+              <a:t>了</a:t>
+            </a:r>
+            <a:r>
+              <a:rPr lang="zh-CN" altLang="en-US" sz="1100" dirty="0" smtClean="0">
+                <a:solidFill>
+                  <a:srgbClr val="FFC000"/>
+                </a:solidFill>
+                <a:latin typeface="Microsoft YaHei" panose="020B0503020204020204" pitchFamily="34" charset="-122"/>
+                <a:ea typeface="Microsoft YaHei" panose="020B0503020204020204" pitchFamily="34" charset="-122"/>
+              </a:rPr>
+              <a:t> 自杀宝典</a:t>
+            </a:r>
+            <a:endParaRPr lang="en-US" altLang="zh-CN" sz="1100" dirty="0" smtClean="0">
+              <a:solidFill>
+                <a:srgbClr val="FFC000"/>
+              </a:solidFill>
+              <a:latin typeface="Microsoft YaHei" panose="020B0503020204020204" pitchFamily="34" charset="-122"/>
+              <a:ea typeface="Microsoft YaHei" panose="020B0503020204020204" pitchFamily="34" charset="-122"/>
+            </a:endParaRPr>
+          </a:p>
+          <a:p>
+            <a:pPr>
+              <a:spcAft>
+                <a:spcPts val="600"/>
+              </a:spcAft>
+            </a:pPr>
+            <a:r>
+              <a:rPr lang="zh-CN" altLang="en-US" sz="1100" dirty="0" smtClean="0">
+                <a:solidFill>
+                  <a:schemeClr val="accent2">
+                    <a:lumMod val="75000"/>
+                  </a:schemeClr>
+                </a:solidFill>
+                <a:latin typeface="Microsoft YaHei" panose="020B0503020204020204" pitchFamily="34" charset="-122"/>
+                <a:ea typeface="Microsoft YaHei" panose="020B0503020204020204" pitchFamily="34" charset="-122"/>
+              </a:rPr>
+              <a:t>玩家</a:t>
+            </a:r>
+            <a:r>
+              <a:rPr lang="en-US" altLang="zh-CN" sz="1100" dirty="0" smtClean="0">
+                <a:solidFill>
+                  <a:schemeClr val="accent2">
+                    <a:lumMod val="75000"/>
+                  </a:schemeClr>
+                </a:solidFill>
+                <a:latin typeface="Microsoft YaHei" panose="020B0503020204020204" pitchFamily="34" charset="-122"/>
+                <a:ea typeface="Microsoft YaHei" panose="020B0503020204020204" pitchFamily="34" charset="-122"/>
+              </a:rPr>
+              <a:t>2</a:t>
+            </a:r>
+            <a:r>
+              <a:rPr lang="zh-CN" altLang="en-US" sz="1100" dirty="0" smtClean="0">
+                <a:latin typeface="Microsoft YaHei" panose="020B0503020204020204" pitchFamily="34" charset="-122"/>
+                <a:ea typeface="Microsoft YaHei" panose="020B0503020204020204" pitchFamily="34" charset="-122"/>
+              </a:rPr>
+              <a:t>：哈哈哈还真放啊</a:t>
+            </a:r>
+            <a:endParaRPr lang="en-US" altLang="zh-CN" sz="1100" dirty="0" smtClean="0">
+              <a:latin typeface="Microsoft YaHei" panose="020B0503020204020204" pitchFamily="34" charset="-122"/>
+              <a:ea typeface="Microsoft YaHei" panose="020B0503020204020204" pitchFamily="34" charset="-122"/>
+            </a:endParaRPr>
+          </a:p>
+          <a:p>
+            <a:pPr>
+              <a:spcAft>
+                <a:spcPts val="600"/>
+              </a:spcAft>
+            </a:pPr>
+            <a:r>
+              <a:rPr lang="zh-CN" altLang="en-US" sz="1100" dirty="0">
+                <a:solidFill>
+                  <a:srgbClr val="7030A0"/>
+                </a:solidFill>
+                <a:latin typeface="Microsoft YaHei" panose="020B0503020204020204" pitchFamily="34" charset="-122"/>
+                <a:ea typeface="Microsoft YaHei" panose="020B0503020204020204" pitchFamily="34" charset="-122"/>
+              </a:rPr>
+              <a:t>玩</a:t>
+            </a:r>
+            <a:r>
+              <a:rPr lang="zh-CN" altLang="en-US" sz="1100" dirty="0" smtClean="0">
+                <a:solidFill>
+                  <a:srgbClr val="7030A0"/>
+                </a:solidFill>
+                <a:latin typeface="Microsoft YaHei" panose="020B0503020204020204" pitchFamily="34" charset="-122"/>
+                <a:ea typeface="Microsoft YaHei" panose="020B0503020204020204" pitchFamily="34" charset="-122"/>
+              </a:rPr>
+              <a:t>家</a:t>
+            </a:r>
+            <a:r>
+              <a:rPr lang="en-US" altLang="zh-CN" sz="1100" dirty="0" smtClean="0">
+                <a:solidFill>
+                  <a:srgbClr val="7030A0"/>
+                </a:solidFill>
+                <a:latin typeface="Microsoft YaHei" panose="020B0503020204020204" pitchFamily="34" charset="-122"/>
+                <a:ea typeface="Microsoft YaHei" panose="020B0503020204020204" pitchFamily="34" charset="-122"/>
+              </a:rPr>
+              <a:t>1</a:t>
+            </a:r>
+            <a:r>
+              <a:rPr lang="zh-CN" altLang="en-US" sz="1100" dirty="0" smtClean="0">
+                <a:latin typeface="Microsoft YaHei" panose="020B0503020204020204" pitchFamily="34" charset="-122"/>
+                <a:ea typeface="Microsoft YaHei" panose="020B0503020204020204" pitchFamily="34" charset="-122"/>
+              </a:rPr>
+              <a:t>：</a:t>
+            </a:r>
+            <a:r>
+              <a:rPr lang="en-US" altLang="ja-JP" sz="1100" dirty="0" smtClean="0">
+                <a:latin typeface="Microsoft YaHei" panose="020B0503020204020204" pitchFamily="34" charset="-122"/>
+                <a:ea typeface="Microsoft YaHei" panose="020B0503020204020204" pitchFamily="34" charset="-122"/>
+              </a:rPr>
+              <a:t>¯\_(</a:t>
+            </a:r>
+            <a:r>
+              <a:rPr lang="ja-JP" altLang="en-US" sz="1100" dirty="0" smtClean="0">
+                <a:latin typeface="Microsoft YaHei" panose="020B0503020204020204" pitchFamily="34" charset="-122"/>
+                <a:ea typeface="Microsoft YaHei" panose="020B0503020204020204" pitchFamily="34" charset="-122"/>
+              </a:rPr>
+              <a:t>ツ</a:t>
+            </a:r>
+            <a:r>
+              <a:rPr lang="en-US" altLang="ja-JP" sz="1100" dirty="0" smtClean="0">
+                <a:latin typeface="Microsoft YaHei" panose="020B0503020204020204" pitchFamily="34" charset="-122"/>
+                <a:ea typeface="Microsoft YaHei" panose="020B0503020204020204" pitchFamily="34" charset="-122"/>
+              </a:rPr>
+              <a:t>)_/¯</a:t>
+            </a:r>
+            <a:endParaRPr lang="en-US" sz="1100" dirty="0">
+              <a:latin typeface="Microsoft YaHei" panose="020B0503020204020204" pitchFamily="34" charset="-122"/>
+              <a:ea typeface="Microsoft YaHei" panose="020B0503020204020204" pitchFamily="34" charset="-122"/>
             </a:endParaRPr>
           </a:p>
         </p:txBody>
@@ -6686,7 +8990,7 @@
     </p:spTree>
     <p:extLst>
       <p:ext uri="{BB962C8B-B14F-4D97-AF65-F5344CB8AC3E}">
-        <p14:creationId xmlns:p14="http://schemas.microsoft.com/office/powerpoint/2010/main" val="1809472695"/>
+        <p14:creationId xmlns:p14="http://schemas.microsoft.com/office/powerpoint/2010/main" val="2699790629"/>
       </p:ext>
     </p:extLst>
   </p:cSld>

--- a/Board_Display.pptx
+++ b/Board_Display.pptx
@@ -248,7 +248,7 @@
           <a:p>
             <a:fld id="{09D1AB0D-6ABC-4A8F-A329-D321C82B9A5A}" type="datetimeFigureOut">
               <a:rPr lang="en-US" smtClean="0"/>
-              <a:t>5/16/2019</a:t>
+              <a:t>5/17/2019</a:t>
             </a:fld>
             <a:endParaRPr lang="en-US"/>
           </a:p>
@@ -418,7 +418,7 @@
           <a:p>
             <a:fld id="{09D1AB0D-6ABC-4A8F-A329-D321C82B9A5A}" type="datetimeFigureOut">
               <a:rPr lang="en-US" smtClean="0"/>
-              <a:t>5/16/2019</a:t>
+              <a:t>5/17/2019</a:t>
             </a:fld>
             <a:endParaRPr lang="en-US"/>
           </a:p>
@@ -598,7 +598,7 @@
           <a:p>
             <a:fld id="{09D1AB0D-6ABC-4A8F-A329-D321C82B9A5A}" type="datetimeFigureOut">
               <a:rPr lang="en-US" smtClean="0"/>
-              <a:t>5/16/2019</a:t>
+              <a:t>5/17/2019</a:t>
             </a:fld>
             <a:endParaRPr lang="en-US"/>
           </a:p>
@@ -768,7 +768,7 @@
           <a:p>
             <a:fld id="{09D1AB0D-6ABC-4A8F-A329-D321C82B9A5A}" type="datetimeFigureOut">
               <a:rPr lang="en-US" smtClean="0"/>
-              <a:t>5/16/2019</a:t>
+              <a:t>5/17/2019</a:t>
             </a:fld>
             <a:endParaRPr lang="en-US"/>
           </a:p>
@@ -1014,7 +1014,7 @@
           <a:p>
             <a:fld id="{09D1AB0D-6ABC-4A8F-A329-D321C82B9A5A}" type="datetimeFigureOut">
               <a:rPr lang="en-US" smtClean="0"/>
-              <a:t>5/16/2019</a:t>
+              <a:t>5/17/2019</a:t>
             </a:fld>
             <a:endParaRPr lang="en-US"/>
           </a:p>
@@ -1246,7 +1246,7 @@
           <a:p>
             <a:fld id="{09D1AB0D-6ABC-4A8F-A329-D321C82B9A5A}" type="datetimeFigureOut">
               <a:rPr lang="en-US" smtClean="0"/>
-              <a:t>5/16/2019</a:t>
+              <a:t>5/17/2019</a:t>
             </a:fld>
             <a:endParaRPr lang="en-US"/>
           </a:p>
@@ -1613,7 +1613,7 @@
           <a:p>
             <a:fld id="{09D1AB0D-6ABC-4A8F-A329-D321C82B9A5A}" type="datetimeFigureOut">
               <a:rPr lang="en-US" smtClean="0"/>
-              <a:t>5/16/2019</a:t>
+              <a:t>5/17/2019</a:t>
             </a:fld>
             <a:endParaRPr lang="en-US"/>
           </a:p>
@@ -1731,7 +1731,7 @@
           <a:p>
             <a:fld id="{09D1AB0D-6ABC-4A8F-A329-D321C82B9A5A}" type="datetimeFigureOut">
               <a:rPr lang="en-US" smtClean="0"/>
-              <a:t>5/16/2019</a:t>
+              <a:t>5/17/2019</a:t>
             </a:fld>
             <a:endParaRPr lang="en-US"/>
           </a:p>
@@ -1826,7 +1826,7 @@
           <a:p>
             <a:fld id="{09D1AB0D-6ABC-4A8F-A329-D321C82B9A5A}" type="datetimeFigureOut">
               <a:rPr lang="en-US" smtClean="0"/>
-              <a:t>5/16/2019</a:t>
+              <a:t>5/17/2019</a:t>
             </a:fld>
             <a:endParaRPr lang="en-US"/>
           </a:p>
@@ -2103,7 +2103,7 @@
           <a:p>
             <a:fld id="{09D1AB0D-6ABC-4A8F-A329-D321C82B9A5A}" type="datetimeFigureOut">
               <a:rPr lang="en-US" smtClean="0"/>
-              <a:t>5/16/2019</a:t>
+              <a:t>5/17/2019</a:t>
             </a:fld>
             <a:endParaRPr lang="en-US"/>
           </a:p>
@@ -2360,7 +2360,7 @@
           <a:p>
             <a:fld id="{09D1AB0D-6ABC-4A8F-A329-D321C82B9A5A}" type="datetimeFigureOut">
               <a:rPr lang="en-US" smtClean="0"/>
-              <a:t>5/16/2019</a:t>
+              <a:t>5/17/2019</a:t>
             </a:fld>
             <a:endParaRPr lang="en-US"/>
           </a:p>
@@ -2573,7 +2573,7 @@
           <a:p>
             <a:fld id="{09D1AB0D-6ABC-4A8F-A329-D321C82B9A5A}" type="datetimeFigureOut">
               <a:rPr lang="en-US" smtClean="0"/>
-              <a:t>5/16/2019</a:t>
+              <a:t>5/17/2019</a:t>
             </a:fld>
             <a:endParaRPr lang="en-US"/>
           </a:p>

--- a/Board_Display.pptx
+++ b/Board_Display.pptx
@@ -248,7 +248,7 @@
           <a:p>
             <a:fld id="{09D1AB0D-6ABC-4A8F-A329-D321C82B9A5A}" type="datetimeFigureOut">
               <a:rPr lang="en-US" smtClean="0"/>
-              <a:t>5/17/2019</a:t>
+              <a:t>5/20/2019</a:t>
             </a:fld>
             <a:endParaRPr lang="en-US"/>
           </a:p>
@@ -418,7 +418,7 @@
           <a:p>
             <a:fld id="{09D1AB0D-6ABC-4A8F-A329-D321C82B9A5A}" type="datetimeFigureOut">
               <a:rPr lang="en-US" smtClean="0"/>
-              <a:t>5/17/2019</a:t>
+              <a:t>5/20/2019</a:t>
             </a:fld>
             <a:endParaRPr lang="en-US"/>
           </a:p>
@@ -598,7 +598,7 @@
           <a:p>
             <a:fld id="{09D1AB0D-6ABC-4A8F-A329-D321C82B9A5A}" type="datetimeFigureOut">
               <a:rPr lang="en-US" smtClean="0"/>
-              <a:t>5/17/2019</a:t>
+              <a:t>5/20/2019</a:t>
             </a:fld>
             <a:endParaRPr lang="en-US"/>
           </a:p>
@@ -768,7 +768,7 @@
           <a:p>
             <a:fld id="{09D1AB0D-6ABC-4A8F-A329-D321C82B9A5A}" type="datetimeFigureOut">
               <a:rPr lang="en-US" smtClean="0"/>
-              <a:t>5/17/2019</a:t>
+              <a:t>5/20/2019</a:t>
             </a:fld>
             <a:endParaRPr lang="en-US"/>
           </a:p>
@@ -1014,7 +1014,7 @@
           <a:p>
             <a:fld id="{09D1AB0D-6ABC-4A8F-A329-D321C82B9A5A}" type="datetimeFigureOut">
               <a:rPr lang="en-US" smtClean="0"/>
-              <a:t>5/17/2019</a:t>
+              <a:t>5/20/2019</a:t>
             </a:fld>
             <a:endParaRPr lang="en-US"/>
           </a:p>
@@ -1246,7 +1246,7 @@
           <a:p>
             <a:fld id="{09D1AB0D-6ABC-4A8F-A329-D321C82B9A5A}" type="datetimeFigureOut">
               <a:rPr lang="en-US" smtClean="0"/>
-              <a:t>5/17/2019</a:t>
+              <a:t>5/20/2019</a:t>
             </a:fld>
             <a:endParaRPr lang="en-US"/>
           </a:p>
@@ -1613,7 +1613,7 @@
           <a:p>
             <a:fld id="{09D1AB0D-6ABC-4A8F-A329-D321C82B9A5A}" type="datetimeFigureOut">
               <a:rPr lang="en-US" smtClean="0"/>
-              <a:t>5/17/2019</a:t>
+              <a:t>5/20/2019</a:t>
             </a:fld>
             <a:endParaRPr lang="en-US"/>
           </a:p>
@@ -1731,7 +1731,7 @@
           <a:p>
             <a:fld id="{09D1AB0D-6ABC-4A8F-A329-D321C82B9A5A}" type="datetimeFigureOut">
               <a:rPr lang="en-US" smtClean="0"/>
-              <a:t>5/17/2019</a:t>
+              <a:t>5/20/2019</a:t>
             </a:fld>
             <a:endParaRPr lang="en-US"/>
           </a:p>
@@ -1826,7 +1826,7 @@
           <a:p>
             <a:fld id="{09D1AB0D-6ABC-4A8F-A329-D321C82B9A5A}" type="datetimeFigureOut">
               <a:rPr lang="en-US" smtClean="0"/>
-              <a:t>5/17/2019</a:t>
+              <a:t>5/20/2019</a:t>
             </a:fld>
             <a:endParaRPr lang="en-US"/>
           </a:p>
@@ -2103,7 +2103,7 @@
           <a:p>
             <a:fld id="{09D1AB0D-6ABC-4A8F-A329-D321C82B9A5A}" type="datetimeFigureOut">
               <a:rPr lang="en-US" smtClean="0"/>
-              <a:t>5/17/2019</a:t>
+              <a:t>5/20/2019</a:t>
             </a:fld>
             <a:endParaRPr lang="en-US"/>
           </a:p>
@@ -2360,7 +2360,7 @@
           <a:p>
             <a:fld id="{09D1AB0D-6ABC-4A8F-A329-D321C82B9A5A}" type="datetimeFigureOut">
               <a:rPr lang="en-US" smtClean="0"/>
-              <a:t>5/17/2019</a:t>
+              <a:t>5/20/2019</a:t>
             </a:fld>
             <a:endParaRPr lang="en-US"/>
           </a:p>
@@ -2573,7 +2573,7 @@
           <a:p>
             <a:fld id="{09D1AB0D-6ABC-4A8F-A329-D321C82B9A5A}" type="datetimeFigureOut">
               <a:rPr lang="en-US" smtClean="0"/>
-              <a:t>5/17/2019</a:t>
+              <a:t>5/20/2019</a:t>
             </a:fld>
             <a:endParaRPr lang="en-US"/>
           </a:p>
@@ -3636,7 +3636,7 @@
         </p:nvGrpSpPr>
         <p:grpSpPr>
           <a:xfrm>
-            <a:off x="2688760" y="142300"/>
+            <a:off x="2688760" y="90547"/>
             <a:ext cx="6814480" cy="7699746"/>
             <a:chOff x="5198277" y="3107382"/>
             <a:chExt cx="1795446" cy="2028692"/>
@@ -3961,7 +3961,7 @@
         </p:nvSpPr>
         <p:spPr>
           <a:xfrm>
-            <a:off x="4977745" y="967064"/>
+            <a:off x="4977745" y="915311"/>
             <a:ext cx="2236510" cy="707886"/>
           </a:xfrm>
           <a:prstGeom prst="rect">
@@ -4011,7 +4011,7 @@
         </p:nvSpPr>
         <p:spPr>
           <a:xfrm>
-            <a:off x="3750177" y="1874921"/>
+            <a:off x="3750177" y="1823168"/>
             <a:ext cx="1051947" cy="523220"/>
           </a:xfrm>
           <a:prstGeom prst="rect">
@@ -4054,7 +4054,7 @@
         </p:nvSpPr>
         <p:spPr>
           <a:xfrm>
-            <a:off x="6315740" y="1874921"/>
+            <a:off x="6315740" y="1823168"/>
             <a:ext cx="2126083" cy="523220"/>
           </a:xfrm>
           <a:prstGeom prst="rect">
@@ -4105,7 +4105,7 @@
         </p:nvCxnSpPr>
         <p:spPr>
           <a:xfrm>
-            <a:off x="3879743" y="1721444"/>
+            <a:off x="3879743" y="1669691"/>
             <a:ext cx="4432515" cy="0"/>
           </a:xfrm>
           <a:prstGeom prst="line">
@@ -4147,7 +4147,7 @@
         </p:nvSpPr>
         <p:spPr>
           <a:xfrm>
-            <a:off x="3750177" y="2611354"/>
+            <a:off x="3750177" y="2559601"/>
             <a:ext cx="1227568" cy="523220"/>
           </a:xfrm>
           <a:prstGeom prst="rect">
@@ -4197,7 +4197,7 @@
         </p:nvSpPr>
         <p:spPr>
           <a:xfrm>
-            <a:off x="6315740" y="2611354"/>
+            <a:off x="6315740" y="2559601"/>
             <a:ext cx="2126083" cy="523220"/>
           </a:xfrm>
           <a:prstGeom prst="rect">
@@ -4248,7 +4248,7 @@
         </p:nvSpPr>
         <p:spPr>
           <a:xfrm>
-            <a:off x="3750177" y="3347787"/>
+            <a:off x="3750177" y="3296034"/>
             <a:ext cx="1612237" cy="523220"/>
           </a:xfrm>
           <a:prstGeom prst="rect">
@@ -4298,7 +4298,7 @@
         </p:nvSpPr>
         <p:spPr>
           <a:xfrm>
-            <a:off x="6315740" y="3347787"/>
+            <a:off x="6315740" y="3296034"/>
             <a:ext cx="2126083" cy="523220"/>
           </a:xfrm>
           <a:prstGeom prst="rect">
@@ -4356,7 +4356,7 @@
         </p:nvSpPr>
         <p:spPr>
           <a:xfrm>
-            <a:off x="3750177" y="4820651"/>
+            <a:off x="3750177" y="4768898"/>
             <a:ext cx="1767220" cy="523220"/>
           </a:xfrm>
           <a:prstGeom prst="rect">
@@ -4406,7 +4406,7 @@
         </p:nvSpPr>
         <p:spPr>
           <a:xfrm>
-            <a:off x="6315740" y="4820651"/>
+            <a:off x="6315740" y="4768898"/>
             <a:ext cx="2126083" cy="523220"/>
           </a:xfrm>
           <a:prstGeom prst="rect">
@@ -4457,7 +4457,7 @@
         </p:nvSpPr>
         <p:spPr>
           <a:xfrm>
-            <a:off x="3750177" y="4084220"/>
+            <a:off x="3750177" y="4032467"/>
             <a:ext cx="1418508" cy="523220"/>
           </a:xfrm>
           <a:prstGeom prst="rect">
@@ -4503,7 +4503,7 @@
         </p:nvSpPr>
         <p:spPr>
           <a:xfrm>
-            <a:off x="6315740" y="4084220"/>
+            <a:off x="6315740" y="4032467"/>
             <a:ext cx="2126083" cy="523220"/>
           </a:xfrm>
           <a:prstGeom prst="rect">
@@ -4554,7 +4554,7 @@
         </p:nvGrpSpPr>
         <p:grpSpPr>
           <a:xfrm>
-            <a:off x="5517218" y="5634569"/>
+            <a:off x="5517218" y="5582816"/>
             <a:ext cx="1157565" cy="461665"/>
             <a:chOff x="5517218" y="5634569"/>
             <a:chExt cx="1157565" cy="461665"/>
@@ -4694,6 +4694,49 @@
           </p:txBody>
         </p:sp>
       </p:grpSp>
+      <p:sp>
+        <p:nvSpPr>
+          <p:cNvPr id="25" name="TextBox 24"/>
+          <p:cNvSpPr txBox="1"/>
+          <p:nvPr/>
+        </p:nvSpPr>
+        <p:spPr>
+          <a:xfrm>
+            <a:off x="5509203" y="6478165"/>
+            <a:ext cx="1051947" cy="523220"/>
+          </a:xfrm>
+          <a:prstGeom prst="rect">
+            <a:avLst/>
+          </a:prstGeom>
+          <a:noFill/>
+        </p:spPr>
+        <p:txBody>
+          <a:bodyPr wrap="square" rtlCol="0">
+            <a:spAutoFit/>
+          </a:bodyPr>
+          <a:lstStyle/>
+          <a:p>
+            <a:r>
+              <a:rPr lang="zh-CN" altLang="en-US" sz="2800" dirty="0">
+                <a:latin typeface="Microsoft YaHei Light" panose="020B0502040204020203" pitchFamily="34" charset="-122"/>
+                <a:ea typeface="Microsoft YaHei Light" panose="020B0502040204020203" pitchFamily="34" charset="-122"/>
+              </a:rPr>
+              <a:t>房间</a:t>
+            </a:r>
+            <a:r>
+              <a:rPr lang="en-US" altLang="zh-CN" sz="2800" dirty="0" smtClean="0">
+                <a:latin typeface="Microsoft YaHei Light" panose="020B0502040204020203" pitchFamily="34" charset="-122"/>
+                <a:ea typeface="Microsoft YaHei Light" panose="020B0502040204020203" pitchFamily="34" charset="-122"/>
+              </a:rPr>
+              <a:t>1</a:t>
+            </a:r>
+            <a:endParaRPr lang="en-US" sz="2800" dirty="0">
+              <a:latin typeface="Microsoft YaHei Light" panose="020B0502040204020203" pitchFamily="34" charset="-122"/>
+              <a:ea typeface="Microsoft YaHei Light" panose="020B0502040204020203" pitchFamily="34" charset="-122"/>
+            </a:endParaRPr>
+          </a:p>
+        </p:txBody>
+      </p:sp>
     </p:spTree>
     <p:extLst>
       <p:ext uri="{BB962C8B-B14F-4D97-AF65-F5344CB8AC3E}">
@@ -5842,7 +5885,7 @@
                   <a:latin typeface="Microsoft YaHei Light" panose="020B0502040204020203" pitchFamily="34" charset="-122"/>
                   <a:ea typeface="Microsoft YaHei Light" panose="020B0502040204020203" pitchFamily="34" charset="-122"/>
                 </a:rPr>
-                <a:t>1</a:t>
+                <a:t>6</a:t>
               </a:r>
               <a:endParaRPr lang="en-US" sz="2400" dirty="0">
                 <a:latin typeface="Microsoft YaHei Light" panose="020B0502040204020203" pitchFamily="34" charset="-122"/>
@@ -6038,7 +6081,7 @@
                 <a:latin typeface="Microsoft YaHei" panose="020B0503020204020204" pitchFamily="34" charset="-122"/>
                 <a:ea typeface="Microsoft YaHei" panose="020B0503020204020204" pitchFamily="34" charset="-122"/>
               </a:rPr>
-              <a:t>这里是对话框</a:t>
+              <a:t>回车输入</a:t>
             </a:r>
             <a:endParaRPr lang="en-US" sz="2000" dirty="0">
               <a:solidFill>
@@ -8987,6 +9030,154 @@
           </a:p>
         </p:txBody>
       </p:sp>
+      <p:grpSp>
+        <p:nvGrpSpPr>
+          <p:cNvPr id="56" name="Group 55"/>
+          <p:cNvGrpSpPr/>
+          <p:nvPr/>
+        </p:nvGrpSpPr>
+        <p:grpSpPr>
+          <a:xfrm>
+            <a:off x="10499048" y="2967047"/>
+            <a:ext cx="728001" cy="338554"/>
+            <a:chOff x="10535019" y="6337745"/>
+            <a:chExt cx="1157565" cy="538322"/>
+          </a:xfrm>
+        </p:grpSpPr>
+        <p:sp>
+          <p:nvSpPr>
+            <p:cNvPr id="57" name="Isosceles Triangle 56"/>
+            <p:cNvSpPr/>
+            <p:nvPr/>
+          </p:nvSpPr>
+          <p:spPr>
+            <a:xfrm rot="5400000">
+              <a:off x="11448125" y="6455402"/>
+              <a:ext cx="262567" cy="226351"/>
+            </a:xfrm>
+            <a:prstGeom prst="triangle">
+              <a:avLst/>
+            </a:prstGeom>
+            <a:solidFill>
+              <a:schemeClr val="tx1"/>
+            </a:solidFill>
+            <a:ln>
+              <a:solidFill>
+                <a:schemeClr val="tx1"/>
+              </a:solidFill>
+            </a:ln>
+          </p:spPr>
+          <p:style>
+            <a:lnRef idx="2">
+              <a:schemeClr val="accent1">
+                <a:shade val="50000"/>
+              </a:schemeClr>
+            </a:lnRef>
+            <a:fillRef idx="1">
+              <a:schemeClr val="accent1"/>
+            </a:fillRef>
+            <a:effectRef idx="0">
+              <a:schemeClr val="accent1"/>
+            </a:effectRef>
+            <a:fontRef idx="minor">
+              <a:schemeClr val="lt1"/>
+            </a:fontRef>
+          </p:style>
+          <p:txBody>
+            <a:bodyPr rtlCol="0" anchor="ctr"/>
+            <a:lstStyle/>
+            <a:p>
+              <a:pPr algn="ctr"/>
+              <a:endParaRPr lang="en-US" sz="1200"/>
+            </a:p>
+          </p:txBody>
+        </p:sp>
+        <p:sp>
+          <p:nvSpPr>
+            <p:cNvPr id="58" name="TextBox 57"/>
+            <p:cNvSpPr txBox="1"/>
+            <p:nvPr/>
+          </p:nvSpPr>
+          <p:spPr>
+            <a:xfrm>
+              <a:off x="10911470" y="6337745"/>
+              <a:ext cx="404662" cy="538322"/>
+            </a:xfrm>
+            <a:prstGeom prst="rect">
+              <a:avLst/>
+            </a:prstGeom>
+            <a:noFill/>
+          </p:spPr>
+          <p:txBody>
+            <a:bodyPr wrap="square" rtlCol="0">
+              <a:spAutoFit/>
+            </a:bodyPr>
+            <a:lstStyle/>
+            <a:p>
+              <a:pPr algn="ctr"/>
+              <a:r>
+                <a:rPr lang="en-US" altLang="zh-CN" sz="1600" dirty="0" smtClean="0">
+                  <a:latin typeface="Microsoft YaHei Light" panose="020B0502040204020203" pitchFamily="34" charset="-122"/>
+                  <a:ea typeface="Microsoft YaHei Light" panose="020B0502040204020203" pitchFamily="34" charset="-122"/>
+                </a:rPr>
+                <a:t>1</a:t>
+              </a:r>
+              <a:endParaRPr lang="en-US" sz="1600" dirty="0">
+                <a:latin typeface="Microsoft YaHei Light" panose="020B0502040204020203" pitchFamily="34" charset="-122"/>
+                <a:ea typeface="Microsoft YaHei Light" panose="020B0502040204020203" pitchFamily="34" charset="-122"/>
+              </a:endParaRPr>
+            </a:p>
+          </p:txBody>
+        </p:sp>
+        <p:sp>
+          <p:nvSpPr>
+            <p:cNvPr id="59" name="Isosceles Triangle 58"/>
+            <p:cNvSpPr/>
+            <p:nvPr/>
+          </p:nvSpPr>
+          <p:spPr>
+            <a:xfrm rot="16200000">
+              <a:off x="10516911" y="6455402"/>
+              <a:ext cx="262567" cy="226351"/>
+            </a:xfrm>
+            <a:prstGeom prst="triangle">
+              <a:avLst/>
+            </a:prstGeom>
+            <a:solidFill>
+              <a:schemeClr val="tx1"/>
+            </a:solidFill>
+            <a:ln>
+              <a:solidFill>
+                <a:schemeClr val="tx1"/>
+              </a:solidFill>
+            </a:ln>
+          </p:spPr>
+          <p:style>
+            <a:lnRef idx="2">
+              <a:schemeClr val="accent1">
+                <a:shade val="50000"/>
+              </a:schemeClr>
+            </a:lnRef>
+            <a:fillRef idx="1">
+              <a:schemeClr val="accent1"/>
+            </a:fillRef>
+            <a:effectRef idx="0">
+              <a:schemeClr val="accent1"/>
+            </a:effectRef>
+            <a:fontRef idx="minor">
+              <a:schemeClr val="lt1"/>
+            </a:fontRef>
+          </p:style>
+          <p:txBody>
+            <a:bodyPr rtlCol="0" anchor="ctr"/>
+            <a:lstStyle/>
+            <a:p>
+              <a:pPr algn="ctr"/>
+              <a:endParaRPr lang="en-US" sz="1200"/>
+            </a:p>
+          </p:txBody>
+        </p:sp>
+      </p:grpSp>
     </p:spTree>
     <p:extLst>
       <p:ext uri="{BB962C8B-B14F-4D97-AF65-F5344CB8AC3E}">

--- a/Board_Display.pptx
+++ b/Board_Display.pptx
@@ -4702,8 +4702,8 @@
         </p:nvSpPr>
         <p:spPr>
           <a:xfrm>
-            <a:off x="5509203" y="6478165"/>
-            <a:ext cx="1051947" cy="523220"/>
+            <a:off x="9638952" y="3236176"/>
+            <a:ext cx="2671447" cy="523220"/>
           </a:xfrm>
           <a:prstGeom prst="rect">
             <a:avLst/>
@@ -4717,18 +4717,11 @@
           <a:lstStyle/>
           <a:p>
             <a:r>
-              <a:rPr lang="zh-CN" altLang="en-US" sz="2800" dirty="0">
+              <a:rPr lang="zh-CN" altLang="en-US" sz="2800" dirty="0" smtClean="0">
                 <a:latin typeface="Microsoft YaHei Light" panose="020B0502040204020203" pitchFamily="34" charset="-122"/>
                 <a:ea typeface="Microsoft YaHei Light" panose="020B0502040204020203" pitchFamily="34" charset="-122"/>
               </a:rPr>
-              <a:t>房间</a:t>
-            </a:r>
-            <a:r>
-              <a:rPr lang="en-US" altLang="zh-CN" sz="2800" dirty="0" smtClean="0">
-                <a:latin typeface="Microsoft YaHei Light" panose="020B0502040204020203" pitchFamily="34" charset="-122"/>
-                <a:ea typeface="Microsoft YaHei Light" panose="020B0502040204020203" pitchFamily="34" charset="-122"/>
-              </a:rPr>
-              <a:t>1</a:t>
+              <a:t>点击背景返回</a:t>
             </a:r>
             <a:endParaRPr lang="en-US" sz="2800" dirty="0">
               <a:latin typeface="Microsoft YaHei Light" panose="020B0502040204020203" pitchFamily="34" charset="-122"/>

--- a/Board_Display.pptx
+++ b/Board_Display.pptx
@@ -159,7 +159,7 @@
           </a:lstStyle>
           <a:p>
             <a:r>
-              <a:rPr lang="en-US" smtClean="0"/>
+              <a:rPr lang="en-US"/>
               <a:t>Click to edit Master title style</a:t>
             </a:r>
             <a:endParaRPr lang="en-US" dirty="0"/>
@@ -224,7 +224,7 @@
           </a:lstStyle>
           <a:p>
             <a:r>
-              <a:rPr lang="en-US" smtClean="0"/>
+              <a:rPr lang="en-US"/>
               <a:t>Click to edit Master subtitle style</a:t>
             </a:r>
             <a:endParaRPr lang="en-US" dirty="0"/>
@@ -248,7 +248,7 @@
           <a:p>
             <a:fld id="{09D1AB0D-6ABC-4A8F-A329-D321C82B9A5A}" type="datetimeFigureOut">
               <a:rPr lang="en-US" smtClean="0"/>
-              <a:t>5/20/2019</a:t>
+              <a:t>7/12/2019</a:t>
             </a:fld>
             <a:endParaRPr lang="en-US"/>
           </a:p>
@@ -342,7 +342,7 @@
           <a:lstStyle/>
           <a:p>
             <a:r>
-              <a:rPr lang="en-US" smtClean="0"/>
+              <a:rPr lang="en-US"/>
               <a:t>Click to edit Master title style</a:t>
             </a:r>
             <a:endParaRPr lang="en-US" dirty="0"/>
@@ -366,35 +366,35 @@
           <a:p>
             <a:pPr lvl="0"/>
             <a:r>
-              <a:rPr lang="en-US" smtClean="0"/>
+              <a:rPr lang="en-US"/>
               <a:t>Edit Master text styles</a:t>
             </a:r>
           </a:p>
           <a:p>
             <a:pPr lvl="1"/>
             <a:r>
-              <a:rPr lang="en-US" smtClean="0"/>
+              <a:rPr lang="en-US"/>
               <a:t>Second level</a:t>
             </a:r>
           </a:p>
           <a:p>
             <a:pPr lvl="2"/>
             <a:r>
-              <a:rPr lang="en-US" smtClean="0"/>
+              <a:rPr lang="en-US"/>
               <a:t>Third level</a:t>
             </a:r>
           </a:p>
           <a:p>
             <a:pPr lvl="3"/>
             <a:r>
-              <a:rPr lang="en-US" smtClean="0"/>
+              <a:rPr lang="en-US"/>
               <a:t>Fourth level</a:t>
             </a:r>
           </a:p>
           <a:p>
             <a:pPr lvl="4"/>
             <a:r>
-              <a:rPr lang="en-US" smtClean="0"/>
+              <a:rPr lang="en-US"/>
               <a:t>Fifth level</a:t>
             </a:r>
             <a:endParaRPr lang="en-US" dirty="0"/>
@@ -418,7 +418,7 @@
           <a:p>
             <a:fld id="{09D1AB0D-6ABC-4A8F-A329-D321C82B9A5A}" type="datetimeFigureOut">
               <a:rPr lang="en-US" smtClean="0"/>
-              <a:t>5/20/2019</a:t>
+              <a:t>7/12/2019</a:t>
             </a:fld>
             <a:endParaRPr lang="en-US"/>
           </a:p>
@@ -517,7 +517,7 @@
           <a:lstStyle/>
           <a:p>
             <a:r>
-              <a:rPr lang="en-US" smtClean="0"/>
+              <a:rPr lang="en-US"/>
               <a:t>Click to edit Master title style</a:t>
             </a:r>
             <a:endParaRPr lang="en-US" dirty="0"/>
@@ -546,35 +546,35 @@
           <a:p>
             <a:pPr lvl="0"/>
             <a:r>
-              <a:rPr lang="en-US" smtClean="0"/>
+              <a:rPr lang="en-US"/>
               <a:t>Edit Master text styles</a:t>
             </a:r>
           </a:p>
           <a:p>
             <a:pPr lvl="1"/>
             <a:r>
-              <a:rPr lang="en-US" smtClean="0"/>
+              <a:rPr lang="en-US"/>
               <a:t>Second level</a:t>
             </a:r>
           </a:p>
           <a:p>
             <a:pPr lvl="2"/>
             <a:r>
-              <a:rPr lang="en-US" smtClean="0"/>
+              <a:rPr lang="en-US"/>
               <a:t>Third level</a:t>
             </a:r>
           </a:p>
           <a:p>
             <a:pPr lvl="3"/>
             <a:r>
-              <a:rPr lang="en-US" smtClean="0"/>
+              <a:rPr lang="en-US"/>
               <a:t>Fourth level</a:t>
             </a:r>
           </a:p>
           <a:p>
             <a:pPr lvl="4"/>
             <a:r>
-              <a:rPr lang="en-US" smtClean="0"/>
+              <a:rPr lang="en-US"/>
               <a:t>Fifth level</a:t>
             </a:r>
             <a:endParaRPr lang="en-US" dirty="0"/>
@@ -598,7 +598,7 @@
           <a:p>
             <a:fld id="{09D1AB0D-6ABC-4A8F-A329-D321C82B9A5A}" type="datetimeFigureOut">
               <a:rPr lang="en-US" smtClean="0"/>
-              <a:t>5/20/2019</a:t>
+              <a:t>7/12/2019</a:t>
             </a:fld>
             <a:endParaRPr lang="en-US"/>
           </a:p>
@@ -692,7 +692,7 @@
           <a:lstStyle/>
           <a:p>
             <a:r>
-              <a:rPr lang="en-US" smtClean="0"/>
+              <a:rPr lang="en-US"/>
               <a:t>Click to edit Master title style</a:t>
             </a:r>
             <a:endParaRPr lang="en-US" dirty="0"/>
@@ -716,35 +716,35 @@
           <a:p>
             <a:pPr lvl="0"/>
             <a:r>
-              <a:rPr lang="en-US" smtClean="0"/>
+              <a:rPr lang="en-US"/>
               <a:t>Edit Master text styles</a:t>
             </a:r>
           </a:p>
           <a:p>
             <a:pPr lvl="1"/>
             <a:r>
-              <a:rPr lang="en-US" smtClean="0"/>
+              <a:rPr lang="en-US"/>
               <a:t>Second level</a:t>
             </a:r>
           </a:p>
           <a:p>
             <a:pPr lvl="2"/>
             <a:r>
-              <a:rPr lang="en-US" smtClean="0"/>
+              <a:rPr lang="en-US"/>
               <a:t>Third level</a:t>
             </a:r>
           </a:p>
           <a:p>
             <a:pPr lvl="3"/>
             <a:r>
-              <a:rPr lang="en-US" smtClean="0"/>
+              <a:rPr lang="en-US"/>
               <a:t>Fourth level</a:t>
             </a:r>
           </a:p>
           <a:p>
             <a:pPr lvl="4"/>
             <a:r>
-              <a:rPr lang="en-US" smtClean="0"/>
+              <a:rPr lang="en-US"/>
               <a:t>Fifth level</a:t>
             </a:r>
             <a:endParaRPr lang="en-US" dirty="0"/>
@@ -768,7 +768,7 @@
           <a:p>
             <a:fld id="{09D1AB0D-6ABC-4A8F-A329-D321C82B9A5A}" type="datetimeFigureOut">
               <a:rPr lang="en-US" smtClean="0"/>
-              <a:t>5/20/2019</a:t>
+              <a:t>7/12/2019</a:t>
             </a:fld>
             <a:endParaRPr lang="en-US"/>
           </a:p>
@@ -871,7 +871,7 @@
           </a:lstStyle>
           <a:p>
             <a:r>
-              <a:rPr lang="en-US" smtClean="0"/>
+              <a:rPr lang="en-US"/>
               <a:t>Click to edit Master title style</a:t>
             </a:r>
             <a:endParaRPr lang="en-US" dirty="0"/>
@@ -991,7 +991,7 @@
           <a:p>
             <a:pPr lvl="0"/>
             <a:r>
-              <a:rPr lang="en-US" smtClean="0"/>
+              <a:rPr lang="en-US"/>
               <a:t>Edit Master text styles</a:t>
             </a:r>
           </a:p>
@@ -1014,7 +1014,7 @@
           <a:p>
             <a:fld id="{09D1AB0D-6ABC-4A8F-A329-D321C82B9A5A}" type="datetimeFigureOut">
               <a:rPr lang="en-US" smtClean="0"/>
-              <a:t>5/20/2019</a:t>
+              <a:t>7/12/2019</a:t>
             </a:fld>
             <a:endParaRPr lang="en-US"/>
           </a:p>
@@ -1108,7 +1108,7 @@
           <a:lstStyle/>
           <a:p>
             <a:r>
-              <a:rPr lang="en-US" smtClean="0"/>
+              <a:rPr lang="en-US"/>
               <a:t>Click to edit Master title style</a:t>
             </a:r>
             <a:endParaRPr lang="en-US" dirty="0"/>
@@ -1137,35 +1137,35 @@
           <a:p>
             <a:pPr lvl="0"/>
             <a:r>
-              <a:rPr lang="en-US" smtClean="0"/>
+              <a:rPr lang="en-US"/>
               <a:t>Edit Master text styles</a:t>
             </a:r>
           </a:p>
           <a:p>
             <a:pPr lvl="1"/>
             <a:r>
-              <a:rPr lang="en-US" smtClean="0"/>
+              <a:rPr lang="en-US"/>
               <a:t>Second level</a:t>
             </a:r>
           </a:p>
           <a:p>
             <a:pPr lvl="2"/>
             <a:r>
-              <a:rPr lang="en-US" smtClean="0"/>
+              <a:rPr lang="en-US"/>
               <a:t>Third level</a:t>
             </a:r>
           </a:p>
           <a:p>
             <a:pPr lvl="3"/>
             <a:r>
-              <a:rPr lang="en-US" smtClean="0"/>
+              <a:rPr lang="en-US"/>
               <a:t>Fourth level</a:t>
             </a:r>
           </a:p>
           <a:p>
             <a:pPr lvl="4"/>
             <a:r>
-              <a:rPr lang="en-US" smtClean="0"/>
+              <a:rPr lang="en-US"/>
               <a:t>Fifth level</a:t>
             </a:r>
             <a:endParaRPr lang="en-US" dirty="0"/>
@@ -1194,35 +1194,35 @@
           <a:p>
             <a:pPr lvl="0"/>
             <a:r>
-              <a:rPr lang="en-US" smtClean="0"/>
+              <a:rPr lang="en-US"/>
               <a:t>Edit Master text styles</a:t>
             </a:r>
           </a:p>
           <a:p>
             <a:pPr lvl="1"/>
             <a:r>
-              <a:rPr lang="en-US" smtClean="0"/>
+              <a:rPr lang="en-US"/>
               <a:t>Second level</a:t>
             </a:r>
           </a:p>
           <a:p>
             <a:pPr lvl="2"/>
             <a:r>
-              <a:rPr lang="en-US" smtClean="0"/>
+              <a:rPr lang="en-US"/>
               <a:t>Third level</a:t>
             </a:r>
           </a:p>
           <a:p>
             <a:pPr lvl="3"/>
             <a:r>
-              <a:rPr lang="en-US" smtClean="0"/>
+              <a:rPr lang="en-US"/>
               <a:t>Fourth level</a:t>
             </a:r>
           </a:p>
           <a:p>
             <a:pPr lvl="4"/>
             <a:r>
-              <a:rPr lang="en-US" smtClean="0"/>
+              <a:rPr lang="en-US"/>
               <a:t>Fifth level</a:t>
             </a:r>
             <a:endParaRPr lang="en-US" dirty="0"/>
@@ -1246,7 +1246,7 @@
           <a:p>
             <a:fld id="{09D1AB0D-6ABC-4A8F-A329-D321C82B9A5A}" type="datetimeFigureOut">
               <a:rPr lang="en-US" smtClean="0"/>
-              <a:t>5/20/2019</a:t>
+              <a:t>7/12/2019</a:t>
             </a:fld>
             <a:endParaRPr lang="en-US"/>
           </a:p>
@@ -1345,7 +1345,7 @@
           <a:lstStyle/>
           <a:p>
             <a:r>
-              <a:rPr lang="en-US" smtClean="0"/>
+              <a:rPr lang="en-US"/>
               <a:t>Click to edit Master title style</a:t>
             </a:r>
             <a:endParaRPr lang="en-US" dirty="0"/>
@@ -1411,7 +1411,7 @@
           <a:p>
             <a:pPr lvl="0"/>
             <a:r>
-              <a:rPr lang="en-US" smtClean="0"/>
+              <a:rPr lang="en-US"/>
               <a:t>Edit Master text styles</a:t>
             </a:r>
           </a:p>
@@ -1439,35 +1439,35 @@
           <a:p>
             <a:pPr lvl="0"/>
             <a:r>
-              <a:rPr lang="en-US" smtClean="0"/>
+              <a:rPr lang="en-US"/>
               <a:t>Edit Master text styles</a:t>
             </a:r>
           </a:p>
           <a:p>
             <a:pPr lvl="1"/>
             <a:r>
-              <a:rPr lang="en-US" smtClean="0"/>
+              <a:rPr lang="en-US"/>
               <a:t>Second level</a:t>
             </a:r>
           </a:p>
           <a:p>
             <a:pPr lvl="2"/>
             <a:r>
-              <a:rPr lang="en-US" smtClean="0"/>
+              <a:rPr lang="en-US"/>
               <a:t>Third level</a:t>
             </a:r>
           </a:p>
           <a:p>
             <a:pPr lvl="3"/>
             <a:r>
-              <a:rPr lang="en-US" smtClean="0"/>
+              <a:rPr lang="en-US"/>
               <a:t>Fourth level</a:t>
             </a:r>
           </a:p>
           <a:p>
             <a:pPr lvl="4"/>
             <a:r>
-              <a:rPr lang="en-US" smtClean="0"/>
+              <a:rPr lang="en-US"/>
               <a:t>Fifth level</a:t>
             </a:r>
             <a:endParaRPr lang="en-US" dirty="0"/>
@@ -1533,7 +1533,7 @@
           <a:p>
             <a:pPr lvl="0"/>
             <a:r>
-              <a:rPr lang="en-US" smtClean="0"/>
+              <a:rPr lang="en-US"/>
               <a:t>Edit Master text styles</a:t>
             </a:r>
           </a:p>
@@ -1561,35 +1561,35 @@
           <a:p>
             <a:pPr lvl="0"/>
             <a:r>
-              <a:rPr lang="en-US" smtClean="0"/>
+              <a:rPr lang="en-US"/>
               <a:t>Edit Master text styles</a:t>
             </a:r>
           </a:p>
           <a:p>
             <a:pPr lvl="1"/>
             <a:r>
-              <a:rPr lang="en-US" smtClean="0"/>
+              <a:rPr lang="en-US"/>
               <a:t>Second level</a:t>
             </a:r>
           </a:p>
           <a:p>
             <a:pPr lvl="2"/>
             <a:r>
-              <a:rPr lang="en-US" smtClean="0"/>
+              <a:rPr lang="en-US"/>
               <a:t>Third level</a:t>
             </a:r>
           </a:p>
           <a:p>
             <a:pPr lvl="3"/>
             <a:r>
-              <a:rPr lang="en-US" smtClean="0"/>
+              <a:rPr lang="en-US"/>
               <a:t>Fourth level</a:t>
             </a:r>
           </a:p>
           <a:p>
             <a:pPr lvl="4"/>
             <a:r>
-              <a:rPr lang="en-US" smtClean="0"/>
+              <a:rPr lang="en-US"/>
               <a:t>Fifth level</a:t>
             </a:r>
             <a:endParaRPr lang="en-US" dirty="0"/>
@@ -1613,7 +1613,7 @@
           <a:p>
             <a:fld id="{09D1AB0D-6ABC-4A8F-A329-D321C82B9A5A}" type="datetimeFigureOut">
               <a:rPr lang="en-US" smtClean="0"/>
-              <a:t>5/20/2019</a:t>
+              <a:t>7/12/2019</a:t>
             </a:fld>
             <a:endParaRPr lang="en-US"/>
           </a:p>
@@ -1707,7 +1707,7 @@
           <a:lstStyle/>
           <a:p>
             <a:r>
-              <a:rPr lang="en-US" smtClean="0"/>
+              <a:rPr lang="en-US"/>
               <a:t>Click to edit Master title style</a:t>
             </a:r>
             <a:endParaRPr lang="en-US" dirty="0"/>
@@ -1731,7 +1731,7 @@
           <a:p>
             <a:fld id="{09D1AB0D-6ABC-4A8F-A329-D321C82B9A5A}" type="datetimeFigureOut">
               <a:rPr lang="en-US" smtClean="0"/>
-              <a:t>5/20/2019</a:t>
+              <a:t>7/12/2019</a:t>
             </a:fld>
             <a:endParaRPr lang="en-US"/>
           </a:p>
@@ -1826,7 +1826,7 @@
           <a:p>
             <a:fld id="{09D1AB0D-6ABC-4A8F-A329-D321C82B9A5A}" type="datetimeFigureOut">
               <a:rPr lang="en-US" smtClean="0"/>
-              <a:t>5/20/2019</a:t>
+              <a:t>7/12/2019</a:t>
             </a:fld>
             <a:endParaRPr lang="en-US"/>
           </a:p>
@@ -1929,7 +1929,7 @@
           </a:lstStyle>
           <a:p>
             <a:r>
-              <a:rPr lang="en-US" smtClean="0"/>
+              <a:rPr lang="en-US"/>
               <a:t>Click to edit Master title style</a:t>
             </a:r>
             <a:endParaRPr lang="en-US" dirty="0"/>
@@ -1986,35 +1986,35 @@
           <a:p>
             <a:pPr lvl="0"/>
             <a:r>
-              <a:rPr lang="en-US" smtClean="0"/>
+              <a:rPr lang="en-US"/>
               <a:t>Edit Master text styles</a:t>
             </a:r>
           </a:p>
           <a:p>
             <a:pPr lvl="1"/>
             <a:r>
-              <a:rPr lang="en-US" smtClean="0"/>
+              <a:rPr lang="en-US"/>
               <a:t>Second level</a:t>
             </a:r>
           </a:p>
           <a:p>
             <a:pPr lvl="2"/>
             <a:r>
-              <a:rPr lang="en-US" smtClean="0"/>
+              <a:rPr lang="en-US"/>
               <a:t>Third level</a:t>
             </a:r>
           </a:p>
           <a:p>
             <a:pPr lvl="3"/>
             <a:r>
-              <a:rPr lang="en-US" smtClean="0"/>
+              <a:rPr lang="en-US"/>
               <a:t>Fourth level</a:t>
             </a:r>
           </a:p>
           <a:p>
             <a:pPr lvl="4"/>
             <a:r>
-              <a:rPr lang="en-US" smtClean="0"/>
+              <a:rPr lang="en-US"/>
               <a:t>Fifth level</a:t>
             </a:r>
             <a:endParaRPr lang="en-US" dirty="0"/>
@@ -2080,7 +2080,7 @@
           <a:p>
             <a:pPr lvl="0"/>
             <a:r>
-              <a:rPr lang="en-US" smtClean="0"/>
+              <a:rPr lang="en-US"/>
               <a:t>Edit Master text styles</a:t>
             </a:r>
           </a:p>
@@ -2103,7 +2103,7 @@
           <a:p>
             <a:fld id="{09D1AB0D-6ABC-4A8F-A329-D321C82B9A5A}" type="datetimeFigureOut">
               <a:rPr lang="en-US" smtClean="0"/>
-              <a:t>5/20/2019</a:t>
+              <a:t>7/12/2019</a:t>
             </a:fld>
             <a:endParaRPr lang="en-US"/>
           </a:p>
@@ -2206,7 +2206,7 @@
           </a:lstStyle>
           <a:p>
             <a:r>
-              <a:rPr lang="en-US" smtClean="0"/>
+              <a:rPr lang="en-US"/>
               <a:t>Click to edit Master title style</a:t>
             </a:r>
             <a:endParaRPr lang="en-US" dirty="0"/>
@@ -2271,7 +2271,7 @@
           </a:lstStyle>
           <a:p>
             <a:r>
-              <a:rPr lang="en-US" smtClean="0"/>
+              <a:rPr lang="en-US"/>
               <a:t>Click icon to add picture</a:t>
             </a:r>
             <a:endParaRPr lang="en-US" dirty="0"/>
@@ -2337,7 +2337,7 @@
           <a:p>
             <a:pPr lvl="0"/>
             <a:r>
-              <a:rPr lang="en-US" smtClean="0"/>
+              <a:rPr lang="en-US"/>
               <a:t>Edit Master text styles</a:t>
             </a:r>
           </a:p>
@@ -2360,7 +2360,7 @@
           <a:p>
             <a:fld id="{09D1AB0D-6ABC-4A8F-A329-D321C82B9A5A}" type="datetimeFigureOut">
               <a:rPr lang="en-US" smtClean="0"/>
-              <a:t>5/20/2019</a:t>
+              <a:t>7/12/2019</a:t>
             </a:fld>
             <a:endParaRPr lang="en-US"/>
           </a:p>
@@ -2469,7 +2469,7 @@
           <a:lstStyle/>
           <a:p>
             <a:r>
-              <a:rPr lang="en-US" smtClean="0"/>
+              <a:rPr lang="en-US"/>
               <a:t>Click to edit Master title style</a:t>
             </a:r>
             <a:endParaRPr lang="en-US" dirty="0"/>
@@ -2503,35 +2503,35 @@
           <a:p>
             <a:pPr lvl="0"/>
             <a:r>
-              <a:rPr lang="en-US" smtClean="0"/>
+              <a:rPr lang="en-US"/>
               <a:t>Edit Master text styles</a:t>
             </a:r>
           </a:p>
           <a:p>
             <a:pPr lvl="1"/>
             <a:r>
-              <a:rPr lang="en-US" smtClean="0"/>
+              <a:rPr lang="en-US"/>
               <a:t>Second level</a:t>
             </a:r>
           </a:p>
           <a:p>
             <a:pPr lvl="2"/>
             <a:r>
-              <a:rPr lang="en-US" smtClean="0"/>
+              <a:rPr lang="en-US"/>
               <a:t>Third level</a:t>
             </a:r>
           </a:p>
           <a:p>
             <a:pPr lvl="3"/>
             <a:r>
-              <a:rPr lang="en-US" smtClean="0"/>
+              <a:rPr lang="en-US"/>
               <a:t>Fourth level</a:t>
             </a:r>
           </a:p>
           <a:p>
             <a:pPr lvl="4"/>
             <a:r>
-              <a:rPr lang="en-US" smtClean="0"/>
+              <a:rPr lang="en-US"/>
               <a:t>Fifth level</a:t>
             </a:r>
             <a:endParaRPr lang="en-US" dirty="0"/>
@@ -2573,7 +2573,7 @@
           <a:p>
             <a:fld id="{09D1AB0D-6ABC-4A8F-A329-D321C82B9A5A}" type="datetimeFigureOut">
               <a:rPr lang="en-US" smtClean="0"/>
-              <a:t>5/20/2019</a:t>
+              <a:t>7/12/2019</a:t>
             </a:fld>
             <a:endParaRPr lang="en-US"/>
           </a:p>
@@ -3072,7 +3072,7 @@
           <a:p>
             <a:pPr algn="ctr"/>
             <a:r>
-              <a:rPr lang="zh-CN" altLang="en-US" sz="8000" spc="1000" dirty="0" smtClean="0">
+              <a:rPr lang="zh-CN" altLang="en-US" sz="8000" spc="1000" dirty="0">
                 <a:latin typeface="Microsoft YaHei" panose="020B0503020204020204" pitchFamily="34" charset="-122"/>
                 <a:ea typeface="Microsoft YaHei" panose="020B0503020204020204" pitchFamily="34" charset="-122"/>
               </a:rPr>
@@ -3434,7 +3434,7 @@
           <a:p>
             <a:pPr algn="ctr"/>
             <a:r>
-              <a:rPr lang="zh-CN" altLang="en-US" dirty="0" smtClean="0">
+              <a:rPr lang="zh-CN" altLang="en-US" dirty="0">
                 <a:latin typeface="Microsoft YaHei" panose="020B0503020204020204" pitchFamily="34" charset="-122"/>
                 <a:ea typeface="Microsoft YaHei" panose="020B0503020204020204" pitchFamily="34" charset="-122"/>
               </a:rPr>
@@ -3508,7 +3508,7 @@
           <a:p>
             <a:pPr algn="ctr"/>
             <a:r>
-              <a:rPr lang="zh-CN" altLang="en-US" dirty="0" smtClean="0">
+              <a:rPr lang="zh-CN" altLang="en-US" dirty="0">
                 <a:latin typeface="Microsoft YaHei" panose="020B0503020204020204" pitchFamily="34" charset="-122"/>
                 <a:ea typeface="Microsoft YaHei" panose="020B0503020204020204" pitchFamily="34" charset="-122"/>
               </a:rPr>
@@ -3531,13 +3531,6 @@
   <p:clrMapOvr>
     <a:masterClrMapping/>
   </p:clrMapOvr>
-  <p:timing>
-    <p:tnLst>
-      <p:par>
-        <p:cTn id="1" dur="indefinite" restart="never" nodeType="tmRoot"/>
-      </p:par>
-    </p:tnLst>
-  </p:timing>
 </p:sld>
 </file>
 
@@ -3976,7 +3969,7 @@
           <a:lstStyle/>
           <a:p>
             <a:r>
-              <a:rPr lang="zh-CN" altLang="en-US" sz="4000" dirty="0" smtClean="0">
+              <a:rPr lang="zh-CN" altLang="en-US" sz="4000" dirty="0">
                 <a:effectLst>
                   <a:outerShdw blurRad="88900" dist="63500" dir="2400000" algn="ctr" rotWithShape="0">
                     <a:schemeClr val="bg1">
@@ -4033,7 +4026,7 @@
               <a:t>房间</a:t>
             </a:r>
             <a:r>
-              <a:rPr lang="en-US" altLang="zh-CN" sz="2800" dirty="0" smtClean="0">
+              <a:rPr lang="en-US" altLang="zh-CN" sz="2800" dirty="0">
                 <a:latin typeface="Microsoft YaHei Light" panose="020B0502040204020203" pitchFamily="34" charset="-122"/>
                 <a:ea typeface="Microsoft YaHei Light" panose="020B0502040204020203" pitchFamily="34" charset="-122"/>
               </a:rPr>
@@ -4070,21 +4063,21 @@
           <a:p>
             <a:pPr algn="r"/>
             <a:r>
-              <a:rPr lang="en-US" altLang="zh-CN" sz="2800" dirty="0" smtClean="0">
+              <a:rPr lang="en-US" altLang="zh-CN" sz="2800" dirty="0">
                 <a:latin typeface="Microsoft YaHei Light" panose="020B0502040204020203" pitchFamily="34" charset="-122"/>
                 <a:ea typeface="Microsoft YaHei Light" panose="020B0502040204020203" pitchFamily="34" charset="-122"/>
               </a:rPr>
               <a:t>[</a:t>
             </a:r>
             <a:r>
-              <a:rPr lang="zh-CN" altLang="en-US" sz="2800" dirty="0" smtClean="0">
+              <a:rPr lang="zh-CN" altLang="en-US" sz="2800" dirty="0">
                 <a:latin typeface="Microsoft YaHei Light" panose="020B0502040204020203" pitchFamily="34" charset="-122"/>
                 <a:ea typeface="Microsoft YaHei Light" panose="020B0502040204020203" pitchFamily="34" charset="-122"/>
               </a:rPr>
               <a:t>空闲</a:t>
             </a:r>
             <a:r>
-              <a:rPr lang="en-US" altLang="zh-CN" sz="2800" dirty="0" smtClean="0">
+              <a:rPr lang="en-US" altLang="zh-CN" sz="2800" dirty="0">
                 <a:latin typeface="Microsoft YaHei Light" panose="020B0502040204020203" pitchFamily="34" charset="-122"/>
                 <a:ea typeface="Microsoft YaHei Light" panose="020B0502040204020203" pitchFamily="34" charset="-122"/>
               </a:rPr>
@@ -4166,14 +4159,7 @@
                 <a:latin typeface="Microsoft YaHei Light" panose="020B0502040204020203" pitchFamily="34" charset="-122"/>
                 <a:ea typeface="Microsoft YaHei Light" panose="020B0502040204020203" pitchFamily="34" charset="-122"/>
               </a:rPr>
-              <a:t>房</a:t>
-            </a:r>
-            <a:r>
-              <a:rPr lang="zh-CN" altLang="en-US" sz="2800" dirty="0" smtClean="0">
-                <a:latin typeface="Microsoft YaHei Light" panose="020B0502040204020203" pitchFamily="34" charset="-122"/>
-                <a:ea typeface="Microsoft YaHei Light" panose="020B0502040204020203" pitchFamily="34" charset="-122"/>
-              </a:rPr>
-              <a:t>间</a:t>
+              <a:t>房间</a:t>
             </a:r>
             <a:r>
               <a:rPr lang="en-US" altLang="zh-CN" sz="2800" dirty="0">
@@ -4213,21 +4199,21 @@
           <a:p>
             <a:pPr algn="r"/>
             <a:r>
-              <a:rPr lang="en-US" altLang="zh-CN" sz="2800" dirty="0" smtClean="0">
+              <a:rPr lang="en-US" altLang="zh-CN" sz="2800" dirty="0">
                 <a:latin typeface="Microsoft YaHei Light" panose="020B0502040204020203" pitchFamily="34" charset="-122"/>
                 <a:ea typeface="Microsoft YaHei Light" panose="020B0502040204020203" pitchFamily="34" charset="-122"/>
               </a:rPr>
               <a:t>[</a:t>
             </a:r>
             <a:r>
-              <a:rPr lang="zh-CN" altLang="en-US" sz="2800" dirty="0" smtClean="0">
+              <a:rPr lang="zh-CN" altLang="en-US" sz="2800" dirty="0">
                 <a:latin typeface="Microsoft YaHei Light" panose="020B0502040204020203" pitchFamily="34" charset="-122"/>
                 <a:ea typeface="Microsoft YaHei Light" panose="020B0502040204020203" pitchFamily="34" charset="-122"/>
               </a:rPr>
               <a:t>游戏中</a:t>
             </a:r>
             <a:r>
-              <a:rPr lang="en-US" altLang="zh-CN" sz="2800" dirty="0" smtClean="0">
+              <a:rPr lang="en-US" altLang="zh-CN" sz="2800" dirty="0">
                 <a:latin typeface="Microsoft YaHei Light" panose="020B0502040204020203" pitchFamily="34" charset="-122"/>
                 <a:ea typeface="Microsoft YaHei Light" panose="020B0502040204020203" pitchFamily="34" charset="-122"/>
               </a:rPr>
@@ -4267,17 +4253,10 @@
                 <a:latin typeface="Microsoft YaHei Light" panose="020B0502040204020203" pitchFamily="34" charset="-122"/>
                 <a:ea typeface="Microsoft YaHei Light" panose="020B0502040204020203" pitchFamily="34" charset="-122"/>
               </a:rPr>
-              <a:t>房</a:t>
-            </a:r>
-            <a:r>
-              <a:rPr lang="zh-CN" altLang="en-US" sz="2800" dirty="0" smtClean="0">
-                <a:latin typeface="Microsoft YaHei Light" panose="020B0502040204020203" pitchFamily="34" charset="-122"/>
-                <a:ea typeface="Microsoft YaHei Light" panose="020B0502040204020203" pitchFamily="34" charset="-122"/>
-              </a:rPr>
-              <a:t>间</a:t>
-            </a:r>
-            <a:r>
-              <a:rPr lang="en-US" altLang="zh-CN" sz="2800" dirty="0" smtClean="0">
+              <a:t>房间</a:t>
+            </a:r>
+            <a:r>
+              <a:rPr lang="en-US" altLang="zh-CN" sz="2800" dirty="0">
                 <a:latin typeface="Microsoft YaHei Light" panose="020B0502040204020203" pitchFamily="34" charset="-122"/>
                 <a:ea typeface="Microsoft YaHei Light" panose="020B0502040204020203" pitchFamily="34" charset="-122"/>
               </a:rPr>
@@ -4314,7 +4293,7 @@
           <a:p>
             <a:pPr algn="r"/>
             <a:r>
-              <a:rPr lang="en-US" altLang="zh-CN" sz="2800" dirty="0" smtClean="0">
+              <a:rPr lang="en-US" altLang="zh-CN" sz="2800" dirty="0">
                 <a:latin typeface="Microsoft YaHei Light" panose="020B0502040204020203" pitchFamily="34" charset="-122"/>
                 <a:ea typeface="Microsoft YaHei Light" panose="020B0502040204020203" pitchFamily="34" charset="-122"/>
               </a:rPr>
@@ -4325,17 +4304,10 @@
                 <a:latin typeface="Microsoft YaHei Light" panose="020B0502040204020203" pitchFamily="34" charset="-122"/>
                 <a:ea typeface="Microsoft YaHei Light" panose="020B0502040204020203" pitchFamily="34" charset="-122"/>
               </a:rPr>
-              <a:t>空</a:t>
-            </a:r>
-            <a:r>
-              <a:rPr lang="zh-CN" altLang="en-US" sz="2800" dirty="0" smtClean="0">
-                <a:latin typeface="Microsoft YaHei Light" panose="020B0502040204020203" pitchFamily="34" charset="-122"/>
-                <a:ea typeface="Microsoft YaHei Light" panose="020B0502040204020203" pitchFamily="34" charset="-122"/>
-              </a:rPr>
-              <a:t>闲</a:t>
-            </a:r>
-            <a:r>
-              <a:rPr lang="en-US" altLang="zh-CN" sz="2800" dirty="0" smtClean="0">
+              <a:t>空闲</a:t>
+            </a:r>
+            <a:r>
+              <a:rPr lang="en-US" altLang="zh-CN" sz="2800" dirty="0">
                 <a:latin typeface="Microsoft YaHei Light" panose="020B0502040204020203" pitchFamily="34" charset="-122"/>
                 <a:ea typeface="Microsoft YaHei Light" panose="020B0502040204020203" pitchFamily="34" charset="-122"/>
               </a:rPr>
@@ -4375,17 +4347,10 @@
                 <a:latin typeface="Microsoft YaHei Light" panose="020B0502040204020203" pitchFamily="34" charset="-122"/>
                 <a:ea typeface="Microsoft YaHei Light" panose="020B0502040204020203" pitchFamily="34" charset="-122"/>
               </a:rPr>
-              <a:t>房</a:t>
-            </a:r>
-            <a:r>
-              <a:rPr lang="zh-CN" altLang="en-US" sz="2800" dirty="0" smtClean="0">
-                <a:latin typeface="Microsoft YaHei Light" panose="020B0502040204020203" pitchFamily="34" charset="-122"/>
-                <a:ea typeface="Microsoft YaHei Light" panose="020B0502040204020203" pitchFamily="34" charset="-122"/>
-              </a:rPr>
-              <a:t>间</a:t>
-            </a:r>
-            <a:r>
-              <a:rPr lang="en-US" altLang="zh-CN" sz="2800" dirty="0" smtClean="0">
+              <a:t>房间</a:t>
+            </a:r>
+            <a:r>
+              <a:rPr lang="en-US" altLang="zh-CN" sz="2800" dirty="0">
                 <a:latin typeface="Microsoft YaHei Light" panose="020B0502040204020203" pitchFamily="34" charset="-122"/>
                 <a:ea typeface="Microsoft YaHei Light" panose="020B0502040204020203" pitchFamily="34" charset="-122"/>
               </a:rPr>
@@ -4422,21 +4387,21 @@
           <a:p>
             <a:pPr algn="r"/>
             <a:r>
-              <a:rPr lang="en-US" altLang="zh-CN" sz="2800" dirty="0" smtClean="0">
+              <a:rPr lang="en-US" altLang="zh-CN" sz="2800" dirty="0">
                 <a:latin typeface="Microsoft YaHei Light" panose="020B0502040204020203" pitchFamily="34" charset="-122"/>
                 <a:ea typeface="Microsoft YaHei Light" panose="020B0502040204020203" pitchFamily="34" charset="-122"/>
               </a:rPr>
               <a:t>[</a:t>
             </a:r>
             <a:r>
-              <a:rPr lang="zh-CN" altLang="en-US" sz="2800" dirty="0" smtClean="0">
+              <a:rPr lang="zh-CN" altLang="en-US" sz="2800" dirty="0">
                 <a:latin typeface="Microsoft YaHei Light" panose="020B0502040204020203" pitchFamily="34" charset="-122"/>
                 <a:ea typeface="Microsoft YaHei Light" panose="020B0502040204020203" pitchFamily="34" charset="-122"/>
               </a:rPr>
               <a:t>游戏中</a:t>
             </a:r>
             <a:r>
-              <a:rPr lang="en-US" altLang="zh-CN" sz="2800" dirty="0" smtClean="0">
+              <a:rPr lang="en-US" altLang="zh-CN" sz="2800" dirty="0">
                 <a:latin typeface="Microsoft YaHei Light" panose="020B0502040204020203" pitchFamily="34" charset="-122"/>
                 <a:ea typeface="Microsoft YaHei Light" panose="020B0502040204020203" pitchFamily="34" charset="-122"/>
               </a:rPr>
@@ -4476,17 +4441,10 @@
                 <a:latin typeface="Microsoft YaHei Light" panose="020B0502040204020203" pitchFamily="34" charset="-122"/>
                 <a:ea typeface="Microsoft YaHei Light" panose="020B0502040204020203" pitchFamily="34" charset="-122"/>
               </a:rPr>
-              <a:t>房</a:t>
-            </a:r>
-            <a:r>
-              <a:rPr lang="zh-CN" altLang="en-US" sz="2800" dirty="0" smtClean="0">
-                <a:latin typeface="Microsoft YaHei Light" panose="020B0502040204020203" pitchFamily="34" charset="-122"/>
-                <a:ea typeface="Microsoft YaHei Light" panose="020B0502040204020203" pitchFamily="34" charset="-122"/>
-              </a:rPr>
-              <a:t>间</a:t>
-            </a:r>
-            <a:r>
-              <a:rPr lang="en-US" altLang="zh-CN" sz="2800" dirty="0" smtClean="0">
+              <a:t>房间</a:t>
+            </a:r>
+            <a:r>
+              <a:rPr lang="en-US" altLang="zh-CN" sz="2800" dirty="0">
                 <a:latin typeface="Microsoft YaHei Light" panose="020B0502040204020203" pitchFamily="34" charset="-122"/>
                 <a:ea typeface="Microsoft YaHei Light" panose="020B0502040204020203" pitchFamily="34" charset="-122"/>
               </a:rPr>
@@ -4519,21 +4477,21 @@
           <a:p>
             <a:pPr algn="r"/>
             <a:r>
-              <a:rPr lang="en-US" altLang="zh-CN" sz="2800" dirty="0" smtClean="0">
+              <a:rPr lang="en-US" altLang="zh-CN" sz="2800" dirty="0">
                 <a:latin typeface="Microsoft YaHei Light" panose="020B0502040204020203" pitchFamily="34" charset="-122"/>
                 <a:ea typeface="Microsoft YaHei Light" panose="020B0502040204020203" pitchFamily="34" charset="-122"/>
               </a:rPr>
               <a:t>[</a:t>
             </a:r>
             <a:r>
-              <a:rPr lang="zh-CN" altLang="en-US" sz="2800" dirty="0" smtClean="0">
+              <a:rPr lang="zh-CN" altLang="en-US" sz="2800" dirty="0">
                 <a:latin typeface="Microsoft YaHei Light" panose="020B0502040204020203" pitchFamily="34" charset="-122"/>
                 <a:ea typeface="Microsoft YaHei Light" panose="020B0502040204020203" pitchFamily="34" charset="-122"/>
               </a:rPr>
               <a:t>空闲</a:t>
             </a:r>
             <a:r>
-              <a:rPr lang="en-US" altLang="zh-CN" sz="2800" dirty="0" smtClean="0">
+              <a:rPr lang="en-US" altLang="zh-CN" sz="2800" dirty="0">
                 <a:latin typeface="Microsoft YaHei Light" panose="020B0502040204020203" pitchFamily="34" charset="-122"/>
                 <a:ea typeface="Microsoft YaHei Light" panose="020B0502040204020203" pitchFamily="34" charset="-122"/>
               </a:rPr>
@@ -4632,16 +4590,12 @@
             <a:p>
               <a:pPr algn="ctr"/>
               <a:r>
-                <a:rPr lang="en-US" sz="2400" dirty="0" smtClean="0">
+                <a:rPr lang="en-US" sz="2400" dirty="0">
                   <a:latin typeface="Microsoft YaHei Light" panose="020B0502040204020203" pitchFamily="34" charset="-122"/>
                   <a:ea typeface="Microsoft YaHei Light" panose="020B0502040204020203" pitchFamily="34" charset="-122"/>
                 </a:rPr>
                 <a:t>1</a:t>
               </a:r>
-              <a:endParaRPr lang="en-US" sz="2400" dirty="0">
-                <a:latin typeface="Microsoft YaHei Light" panose="020B0502040204020203" pitchFamily="34" charset="-122"/>
-                <a:ea typeface="Microsoft YaHei Light" panose="020B0502040204020203" pitchFamily="34" charset="-122"/>
-              </a:endParaRPr>
             </a:p>
           </p:txBody>
         </p:sp>
@@ -4717,7 +4671,7 @@
           <a:lstStyle/>
           <a:p>
             <a:r>
-              <a:rPr lang="zh-CN" altLang="en-US" sz="2800" dirty="0" smtClean="0">
+              <a:rPr lang="zh-CN" altLang="en-US" sz="2800" dirty="0">
                 <a:latin typeface="Microsoft YaHei Light" panose="020B0502040204020203" pitchFamily="34" charset="-122"/>
                 <a:ea typeface="Microsoft YaHei Light" panose="020B0502040204020203" pitchFamily="34" charset="-122"/>
               </a:rPr>
@@ -4740,13 +4694,6 @@
   <p:clrMapOvr>
     <a:masterClrMapping/>
   </p:clrMapOvr>
-  <p:timing>
-    <p:tnLst>
-      <p:par>
-        <p:cTn id="1" dur="indefinite" restart="never" nodeType="tmRoot"/>
-      </p:par>
-    </p:tnLst>
-  </p:timing>
 </p:sld>
 </file>
 
@@ -5186,7 +5133,7 @@
           <a:p>
             <a:pPr algn="ctr"/>
             <a:r>
-              <a:rPr lang="zh-CN" altLang="en-US" sz="4400" dirty="0" smtClean="0">
+              <a:rPr lang="zh-CN" altLang="en-US" sz="4400" dirty="0">
                 <a:solidFill>
                   <a:schemeClr val="bg1">
                     <a:lumMod val="95000"/>
@@ -5631,28 +5578,28 @@
           <a:p>
             <a:pPr algn="ctr"/>
             <a:r>
-              <a:rPr lang="en-US" altLang="zh-CN" sz="2400" smtClean="0">
+              <a:rPr lang="en-US" altLang="zh-CN" sz="2400">
                 <a:latin typeface="Microsoft YaHei Light" panose="020B0502040204020203" pitchFamily="34" charset="-122"/>
                 <a:ea typeface="Microsoft YaHei Light" panose="020B0502040204020203" pitchFamily="34" charset="-122"/>
               </a:rPr>
               <a:t>[</a:t>
             </a:r>
             <a:r>
-              <a:rPr lang="zh-CN" altLang="en-US" sz="2400" smtClean="0">
+              <a:rPr lang="zh-CN" altLang="en-US" sz="2400">
                 <a:latin typeface="Microsoft YaHei Light" panose="020B0502040204020203" pitchFamily="34" charset="-122"/>
                 <a:ea typeface="Microsoft YaHei Light" panose="020B0502040204020203" pitchFamily="34" charset="-122"/>
               </a:rPr>
               <a:t>房主</a:t>
             </a:r>
             <a:r>
-              <a:rPr lang="en-US" altLang="zh-CN" sz="2400" smtClean="0">
+              <a:rPr lang="en-US" altLang="zh-CN" sz="2400">
                 <a:latin typeface="Microsoft YaHei Light" panose="020B0502040204020203" pitchFamily="34" charset="-122"/>
                 <a:ea typeface="Microsoft YaHei Light" panose="020B0502040204020203" pitchFamily="34" charset="-122"/>
               </a:rPr>
               <a:t>]</a:t>
             </a:r>
             <a:r>
-              <a:rPr lang="zh-CN" altLang="en-US" sz="2400" smtClean="0">
+              <a:rPr lang="zh-CN" altLang="en-US" sz="2400">
                 <a:latin typeface="Microsoft YaHei Light" panose="020B0502040204020203" pitchFamily="34" charset="-122"/>
                 <a:ea typeface="Microsoft YaHei Light" panose="020B0502040204020203" pitchFamily="34" charset="-122"/>
               </a:rPr>
@@ -5688,7 +5635,7 @@
           <a:p>
             <a:pPr lvl="0" algn="ctr"/>
             <a:r>
-              <a:rPr lang="zh-CN" altLang="en-US" sz="2400" smtClean="0">
+              <a:rPr lang="zh-CN" altLang="en-US" sz="2400">
                 <a:solidFill>
                   <a:prstClr val="black"/>
                 </a:solidFill>
@@ -5730,7 +5677,7 @@
           <a:p>
             <a:pPr lvl="0" algn="ctr"/>
             <a:r>
-              <a:rPr lang="zh-CN" altLang="en-US" sz="2400" dirty="0" smtClean="0">
+              <a:rPr lang="zh-CN" altLang="en-US" sz="2400" dirty="0">
                 <a:solidFill>
                   <a:prstClr val="black"/>
                 </a:solidFill>
@@ -5874,16 +5821,12 @@
             <a:p>
               <a:pPr algn="ctr"/>
               <a:r>
-                <a:rPr lang="en-US" sz="2400" dirty="0" smtClean="0">
+                <a:rPr lang="en-US" sz="2400" dirty="0">
                   <a:latin typeface="Microsoft YaHei Light" panose="020B0502040204020203" pitchFamily="34" charset="-122"/>
                   <a:ea typeface="Microsoft YaHei Light" panose="020B0502040204020203" pitchFamily="34" charset="-122"/>
                 </a:rPr>
                 <a:t>6</a:t>
               </a:r>
-              <a:endParaRPr lang="en-US" sz="2400" dirty="0">
-                <a:latin typeface="Microsoft YaHei Light" panose="020B0502040204020203" pitchFamily="34" charset="-122"/>
-                <a:ea typeface="Microsoft YaHei Light" panose="020B0502040204020203" pitchFamily="34" charset="-122"/>
-              </a:endParaRPr>
             </a:p>
           </p:txBody>
         </p:sp>
@@ -6001,7 +5944,7 @@
           <a:p>
             <a:pPr lvl="0" algn="ctr"/>
             <a:r>
-              <a:rPr lang="zh-CN" altLang="en-US" sz="2400" dirty="0" smtClean="0">
+              <a:rPr lang="zh-CN" altLang="en-US" sz="2400" dirty="0">
                 <a:solidFill>
                   <a:prstClr val="black"/>
                 </a:solidFill>
@@ -6067,7 +6010,7 @@
           <a:p>
             <a:pPr algn="ctr"/>
             <a:r>
-              <a:rPr lang="zh-CN" altLang="en-US" sz="2000" dirty="0" smtClean="0">
+              <a:rPr lang="zh-CN" altLang="en-US" sz="2000" dirty="0">
                 <a:solidFill>
                   <a:schemeClr val="tx1"/>
                 </a:solidFill>
@@ -6096,13 +6039,6 @@
   <p:clrMapOvr>
     <a:masterClrMapping/>
   </p:clrMapOvr>
-  <p:timing>
-    <p:tnLst>
-      <p:par>
-        <p:cTn id="1" dur="indefinite" restart="never" nodeType="tmRoot"/>
-      </p:par>
-    </p:tnLst>
-  </p:timing>
 </p:sld>
 </file>
 
@@ -6166,7 +6102,7 @@
           <a:p>
             <a:pPr algn="ctr"/>
             <a:r>
-              <a:rPr lang="zh-CN" altLang="en-US" dirty="0" smtClean="0"/>
+              <a:rPr lang="zh-CN" altLang="en-US" dirty="0"/>
               <a:t>（渐黑过渡）</a:t>
             </a:r>
             <a:endParaRPr lang="en-US" dirty="0"/>
@@ -6183,13 +6119,6 @@
   <p:clrMapOvr>
     <a:masterClrMapping/>
   </p:clrMapOvr>
-  <p:timing>
-    <p:tnLst>
-      <p:par>
-        <p:cTn id="1" dur="indefinite" restart="never" nodeType="tmRoot"/>
-      </p:par>
-    </p:tnLst>
-  </p:timing>
 </p:sld>
 </file>
 
@@ -6752,7 +6681,13 @@
       </p:grpSp>
       <p:grpSp>
         <p:nvGrpSpPr>
-          <p:cNvPr id="2" name="Group 1"/>
+          <p:cNvPr id="4" name="组合 3">
+            <a:extLst>
+              <a:ext uri="{FF2B5EF4-FFF2-40B4-BE49-F238E27FC236}">
+                <a16:creationId xmlns:a16="http://schemas.microsoft.com/office/drawing/2014/main" id="{850A4BBF-7674-4575-B8DA-986C948D1CF1}"/>
+              </a:ext>
+            </a:extLst>
+          </p:cNvPr>
           <p:cNvGrpSpPr/>
           <p:nvPr/>
         </p:nvGrpSpPr>
@@ -7220,74 +7155,74 @@
             </a:prstGeom>
           </p:spPr>
         </p:pic>
-        <p:sp>
-          <p:nvSpPr>
-            <p:cNvPr id="9" name="Rectangle 8"/>
-            <p:cNvSpPr/>
-            <p:nvPr/>
-          </p:nvSpPr>
-          <p:spPr>
-            <a:xfrm>
-              <a:off x="12013976" y="3060812"/>
-              <a:ext cx="178024" cy="736375"/>
-            </a:xfrm>
-            <a:prstGeom prst="rect">
+      </p:grpSp>
+      <p:sp>
+        <p:nvSpPr>
+          <p:cNvPr id="9" name="Rectangle 8"/>
+          <p:cNvSpPr/>
+          <p:nvPr/>
+        </p:nvSpPr>
+        <p:spPr>
+          <a:xfrm>
+            <a:off x="12013976" y="3060812"/>
+            <a:ext cx="178024" cy="736375"/>
+          </a:xfrm>
+          <a:prstGeom prst="rect">
+            <a:avLst/>
+          </a:prstGeom>
+          <a:solidFill>
+            <a:schemeClr val="bg1">
+              <a:lumMod val="75000"/>
+            </a:schemeClr>
+          </a:solidFill>
+          <a:ln>
+            <a:solidFill>
+              <a:schemeClr val="tx1"/>
+            </a:solidFill>
+          </a:ln>
+        </p:spPr>
+        <p:style>
+          <a:lnRef idx="2">
+            <a:schemeClr val="accent1">
+              <a:shade val="50000"/>
+            </a:schemeClr>
+          </a:lnRef>
+          <a:fillRef idx="1">
+            <a:schemeClr val="accent1"/>
+          </a:fillRef>
+          <a:effectRef idx="0">
+            <a:schemeClr val="accent1"/>
+          </a:effectRef>
+          <a:fontRef idx="minor">
+            <a:schemeClr val="lt1"/>
+          </a:fontRef>
+        </p:style>
+        <p:txBody>
+          <a:bodyPr rot="0" spcFirstLastPara="0" vertOverflow="overflow" horzOverflow="overflow" vert="horz" wrap="square" lIns="91440" tIns="45720" rIns="91440" bIns="45720" numCol="1" spcCol="0" rtlCol="0" fromWordArt="0" anchor="ctr" anchorCtr="0" forceAA="0" compatLnSpc="1">
+            <a:prstTxWarp prst="textNoShape">
               <a:avLst/>
-            </a:prstGeom>
-            <a:solidFill>
-              <a:schemeClr val="bg1">
-                <a:lumMod val="75000"/>
-              </a:schemeClr>
-            </a:solidFill>
-            <a:ln>
-              <a:solidFill>
-                <a:schemeClr val="tx1"/>
-              </a:solidFill>
-            </a:ln>
-          </p:spPr>
-          <p:style>
-            <a:lnRef idx="2">
-              <a:schemeClr val="accent1">
-                <a:shade val="50000"/>
-              </a:schemeClr>
-            </a:lnRef>
-            <a:fillRef idx="1">
-              <a:schemeClr val="accent1"/>
-            </a:fillRef>
-            <a:effectRef idx="0">
-              <a:schemeClr val="accent1"/>
-            </a:effectRef>
-            <a:fontRef idx="minor">
-              <a:schemeClr val="lt1"/>
-            </a:fontRef>
-          </p:style>
-          <p:txBody>
-            <a:bodyPr rot="0" spcFirstLastPara="0" vertOverflow="overflow" horzOverflow="overflow" vert="horz" wrap="square" lIns="91440" tIns="45720" rIns="91440" bIns="45720" numCol="1" spcCol="0" rtlCol="0" fromWordArt="0" anchor="ctr" anchorCtr="0" forceAA="0" compatLnSpc="1">
-              <a:prstTxWarp prst="textNoShape">
-                <a:avLst/>
-              </a:prstTxWarp>
-              <a:noAutofit/>
-            </a:bodyPr>
-            <a:lstStyle/>
-            <a:p>
-              <a:pPr algn="ctr"/>
-              <a:r>
-                <a:rPr lang="zh-CN" altLang="en-US" sz="1200" dirty="0" smtClean="0">
-                  <a:solidFill>
-                    <a:sysClr val="windowText" lastClr="000000"/>
-                  </a:solidFill>
-                </a:rPr>
-                <a:t>◀</a:t>
-              </a:r>
-              <a:endParaRPr lang="en-US" sz="1200" dirty="0">
+            </a:prstTxWarp>
+            <a:noAutofit/>
+          </a:bodyPr>
+          <a:lstStyle/>
+          <a:p>
+            <a:pPr algn="ctr"/>
+            <a:r>
+              <a:rPr lang="zh-CN" altLang="en-US" sz="1200" dirty="0">
                 <a:solidFill>
                   <a:sysClr val="windowText" lastClr="000000"/>
                 </a:solidFill>
-              </a:endParaRPr>
-            </a:p>
-          </p:txBody>
-        </p:sp>
-      </p:grpSp>
+              </a:rPr>
+              <a:t>←</a:t>
+            </a:r>
+            <a:endParaRPr lang="en-US" sz="1200" dirty="0">
+              <a:solidFill>
+                <a:sysClr val="windowText" lastClr="000000"/>
+              </a:solidFill>
+            </a:endParaRPr>
+          </a:p>
+        </p:txBody>
+      </p:sp>
     </p:spTree>
     <p:extLst>
       <p:ext uri="{BB962C8B-B14F-4D97-AF65-F5344CB8AC3E}">
@@ -7298,13 +7233,6 @@
   <p:clrMapOvr>
     <a:masterClrMapping/>
   </p:clrMapOvr>
-  <p:timing>
-    <p:tnLst>
-      <p:par>
-        <p:cTn id="1" dur="indefinite" restart="never" nodeType="tmRoot"/>
-      </p:par>
-    </p:tnLst>
-  </p:timing>
 </p:sld>
 </file>
 
@@ -7873,7 +7801,7 @@
         </p:nvSpPr>
         <p:spPr>
           <a:xfrm>
-            <a:off x="9537812" y="0"/>
+            <a:off x="9574909" y="-48310"/>
             <a:ext cx="2654188" cy="6858000"/>
           </a:xfrm>
           <a:prstGeom prst="rect">
@@ -8450,12 +8378,12 @@
           <a:p>
             <a:pPr algn="ctr"/>
             <a:r>
-              <a:rPr lang="zh-CN" altLang="en-US" sz="1200" dirty="0" smtClean="0">
+              <a:rPr lang="zh-CN" altLang="en-US" sz="1200" dirty="0">
                 <a:solidFill>
                   <a:sysClr val="windowText" lastClr="000000"/>
                 </a:solidFill>
               </a:rPr>
-              <a:t>▶</a:t>
+              <a:t>→</a:t>
             </a:r>
             <a:endParaRPr lang="en-US" sz="1200" dirty="0">
               <a:solidFill>
@@ -8523,7 +8451,7 @@
           <a:lstStyle/>
           <a:p>
             <a:r>
-              <a:rPr lang="zh-CN" altLang="en-US" dirty="0" smtClean="0">
+              <a:rPr lang="zh-CN" altLang="en-US" dirty="0">
                 <a:latin typeface="Microsoft YaHei" panose="020B0503020204020204" pitchFamily="34" charset="-122"/>
                 <a:ea typeface="Microsoft YaHei" panose="020B0503020204020204" pitchFamily="34" charset="-122"/>
               </a:rPr>
@@ -8565,15 +8493,15 @@
               <a:buAutoNum type="arabicPeriod"/>
             </a:pPr>
             <a:r>
-              <a:rPr lang="en-US" sz="1400" dirty="0" smtClean="0"/>
+              <a:rPr lang="en-US" sz="1400" dirty="0"/>
               <a:t>Tom </a:t>
             </a:r>
             <a:r>
-              <a:rPr lang="zh-CN" altLang="en-US" sz="1400" dirty="0" smtClean="0"/>
+              <a:rPr lang="zh-CN" altLang="en-US" sz="1400" dirty="0"/>
               <a:t>需要</a:t>
             </a:r>
             <a:r>
-              <a:rPr lang="zh-CN" altLang="en-US" sz="1400" dirty="0" smtClean="0">
+              <a:rPr lang="zh-CN" altLang="en-US" sz="1400" dirty="0">
                 <a:solidFill>
                   <a:schemeClr val="accent1">
                     <a:lumMod val="75000"/>
@@ -8583,15 +8511,15 @@
               <a:t>驱散身上的恶灵 </a:t>
             </a:r>
             <a:r>
-              <a:rPr lang="en-US" altLang="zh-CN" sz="1400" dirty="0" smtClean="0"/>
+              <a:rPr lang="en-US" altLang="zh-CN" sz="1400" dirty="0"/>
               <a:t>[</a:t>
             </a:r>
             <a:r>
-              <a:rPr lang="zh-CN" altLang="en-US" sz="1400" dirty="0" smtClean="0"/>
+              <a:rPr lang="zh-CN" altLang="en-US" sz="1400" dirty="0"/>
               <a:t>难度</a:t>
             </a:r>
             <a:r>
-              <a:rPr lang="en-US" altLang="zh-CN" sz="1400" dirty="0" smtClean="0"/>
+              <a:rPr lang="en-US" altLang="zh-CN" sz="1400" dirty="0"/>
               <a:t>2]</a:t>
             </a:r>
           </a:p>
@@ -8603,19 +8531,15 @@
               <a:buAutoNum type="arabicPeriod"/>
             </a:pPr>
             <a:r>
-              <a:rPr lang="en-US" altLang="zh-CN" sz="1400" dirty="0" smtClean="0"/>
+              <a:rPr lang="en-US" altLang="zh-CN" sz="1400" dirty="0"/>
               <a:t>Lucy </a:t>
             </a:r>
             <a:r>
               <a:rPr lang="zh-CN" altLang="en-US" sz="1400" dirty="0"/>
-              <a:t>需</a:t>
-            </a:r>
-            <a:r>
-              <a:rPr lang="zh-CN" altLang="en-US" sz="1400" dirty="0" smtClean="0"/>
-              <a:t>要</a:t>
-            </a:r>
-            <a:r>
-              <a:rPr lang="en-US" altLang="zh-CN" sz="1400" dirty="0" smtClean="0">
+              <a:t>需要</a:t>
+            </a:r>
+            <a:r>
+              <a:rPr lang="en-US" altLang="zh-CN" sz="1400" dirty="0">
                 <a:solidFill>
                   <a:srgbClr val="FFC000"/>
                 </a:solidFill>
@@ -8623,7 +8547,7 @@
               <a:t>1</a:t>
             </a:r>
             <a:r>
-              <a:rPr lang="zh-CN" altLang="en-US" sz="1400" dirty="0" smtClean="0">
+              <a:rPr lang="zh-CN" altLang="en-US" sz="1400" dirty="0">
                 <a:solidFill>
                   <a:srgbClr val="FFC000"/>
                 </a:solidFill>
@@ -8631,7 +8555,7 @@
               <a:t>*铜钱剑</a:t>
             </a:r>
             <a:r>
-              <a:rPr lang="en-US" altLang="zh-CN" sz="1400" dirty="0" smtClean="0">
+              <a:rPr lang="en-US" altLang="zh-CN" sz="1400" dirty="0">
                 <a:solidFill>
                   <a:srgbClr val="FFC000"/>
                 </a:solidFill>
@@ -8639,22 +8563,18 @@
               <a:t> </a:t>
             </a:r>
             <a:r>
-              <a:rPr lang="en-US" altLang="zh-CN" sz="1400" dirty="0" smtClean="0"/>
+              <a:rPr lang="en-US" altLang="zh-CN" sz="1400" dirty="0"/>
               <a:t>[</a:t>
             </a:r>
             <a:r>
-              <a:rPr lang="zh-CN" altLang="en-US" sz="1400" dirty="0" smtClean="0"/>
+              <a:rPr lang="zh-CN" altLang="en-US" sz="1400" dirty="0"/>
               <a:t>难度</a:t>
             </a:r>
             <a:r>
               <a:rPr lang="en-US" altLang="zh-CN" sz="1400" dirty="0"/>
-              <a:t>1</a:t>
-            </a:r>
-            <a:r>
-              <a:rPr lang="en-US" altLang="zh-CN" sz="1400" dirty="0" smtClean="0"/>
-              <a:t>]</a:t>
-            </a:r>
-            <a:endParaRPr lang="zh-CN" altLang="en-US" sz="1400" dirty="0" smtClean="0">
+              <a:t>1]</a:t>
+            </a:r>
+            <a:endParaRPr lang="zh-CN" altLang="en-US" sz="1400" dirty="0">
               <a:solidFill>
                 <a:schemeClr val="accent4">
                   <a:lumMod val="75000"/>
@@ -8785,27 +8705,17 @@
                 <a:latin typeface="Microsoft YaHei" panose="020B0503020204020204" pitchFamily="34" charset="-122"/>
                 <a:ea typeface="Microsoft YaHei" panose="020B0503020204020204" pitchFamily="34" charset="-122"/>
               </a:rPr>
-              <a:t>系</a:t>
-            </a:r>
-            <a:r>
-              <a:rPr lang="zh-CN" altLang="en-US" sz="1100" dirty="0" smtClean="0">
-                <a:solidFill>
-                  <a:srgbClr val="C00000"/>
-                </a:solidFill>
-                <a:latin typeface="Microsoft YaHei" panose="020B0503020204020204" pitchFamily="34" charset="-122"/>
-                <a:ea typeface="Microsoft YaHei" panose="020B0503020204020204" pitchFamily="34" charset="-122"/>
-              </a:rPr>
-              <a:t>统</a:t>
-            </a:r>
-            <a:r>
-              <a:rPr lang="zh-CN" altLang="en-US" sz="1100" dirty="0" smtClean="0">
+              <a:t>系统</a:t>
+            </a:r>
+            <a:r>
+              <a:rPr lang="zh-CN" altLang="en-US" sz="1100" dirty="0">
                 <a:latin typeface="Microsoft YaHei" panose="020B0503020204020204" pitchFamily="34" charset="-122"/>
                 <a:ea typeface="Microsoft YaHei" panose="020B0503020204020204" pitchFamily="34" charset="-122"/>
               </a:rPr>
               <a:t>：</a:t>
             </a:r>
             <a:r>
-              <a:rPr lang="zh-CN" altLang="en-US" sz="1100" dirty="0" smtClean="0">
+              <a:rPr lang="zh-CN" altLang="en-US" sz="1100" dirty="0">
                 <a:solidFill>
                   <a:srgbClr val="7030A0"/>
                 </a:solidFill>
@@ -8815,7 +8725,7 @@
               <a:t>玩家</a:t>
             </a:r>
             <a:r>
-              <a:rPr lang="en-US" altLang="zh-CN" sz="1100" dirty="0" smtClean="0">
+              <a:rPr lang="en-US" altLang="zh-CN" sz="1100" dirty="0">
                 <a:solidFill>
                   <a:srgbClr val="7030A0"/>
                 </a:solidFill>
@@ -8825,7 +8735,7 @@
               <a:t>1 </a:t>
             </a:r>
             <a:r>
-              <a:rPr lang="zh-CN" altLang="en-US" sz="1100" dirty="0" smtClean="0">
+              <a:rPr lang="zh-CN" altLang="en-US" sz="1100" dirty="0">
                 <a:latin typeface="Microsoft YaHei" panose="020B0503020204020204" pitchFamily="34" charset="-122"/>
                 <a:ea typeface="Microsoft YaHei" panose="020B0503020204020204" pitchFamily="34" charset="-122"/>
               </a:rPr>
@@ -8839,20 +8749,10 @@
                 <a:latin typeface="Microsoft YaHei" panose="020B0503020204020204" pitchFamily="34" charset="-122"/>
                 <a:ea typeface="Microsoft YaHei" panose="020B0503020204020204" pitchFamily="34" charset="-122"/>
               </a:rPr>
-              <a:t>玩</a:t>
-            </a:r>
-            <a:r>
-              <a:rPr lang="zh-CN" altLang="en-US" sz="1100" dirty="0" smtClean="0">
-                <a:solidFill>
-                  <a:srgbClr val="7030A0"/>
-                </a:solidFill>
-                <a:latin typeface="Microsoft YaHei" panose="020B0503020204020204" pitchFamily="34" charset="-122"/>
-                <a:ea typeface="Microsoft YaHei" panose="020B0503020204020204" pitchFamily="34" charset="-122"/>
-              </a:rPr>
-              <a:t>家</a:t>
-            </a:r>
-            <a:r>
-              <a:rPr lang="en-US" altLang="zh-CN" sz="1100" dirty="0" smtClean="0">
+              <a:t>玩家</a:t>
+            </a:r>
+            <a:r>
+              <a:rPr lang="en-US" altLang="zh-CN" sz="1100" dirty="0">
                 <a:solidFill>
                   <a:srgbClr val="7030A0"/>
                 </a:solidFill>
@@ -8862,7 +8762,7 @@
               <a:t>1</a:t>
             </a:r>
             <a:r>
-              <a:rPr lang="zh-CN" altLang="en-US" sz="1100" dirty="0" smtClean="0">
+              <a:rPr lang="zh-CN" altLang="en-US" sz="1100" dirty="0">
                 <a:solidFill>
                   <a:srgbClr val="7030A0"/>
                 </a:solidFill>
@@ -8872,28 +8772,14 @@
               <a:t>的区域 </a:t>
             </a:r>
             <a:r>
-              <a:rPr lang="zh-CN" altLang="en-US" sz="1100" dirty="0" smtClean="0">
-                <a:latin typeface="Microsoft YaHei" panose="020B0503020204020204" pitchFamily="34" charset="-122"/>
-                <a:ea typeface="Microsoft YaHei" panose="020B0503020204020204" pitchFamily="34" charset="-122"/>
-              </a:rPr>
-              <a:t>放</a:t>
-            </a:r>
-            <a:r>
               <a:rPr lang="zh-CN" altLang="en-US" sz="1100" dirty="0">
                 <a:latin typeface="Microsoft YaHei" panose="020B0503020204020204" pitchFamily="34" charset="-122"/>
                 <a:ea typeface="Microsoft YaHei" panose="020B0503020204020204" pitchFamily="34" charset="-122"/>
               </a:rPr>
-              <a:t>置</a:t>
-            </a:r>
-            <a:r>
-              <a:rPr lang="zh-CN" altLang="en-US" sz="1100" dirty="0" smtClean="0">
-                <a:latin typeface="Microsoft YaHei" panose="020B0503020204020204" pitchFamily="34" charset="-122"/>
-                <a:ea typeface="Microsoft YaHei" panose="020B0503020204020204" pitchFamily="34" charset="-122"/>
-              </a:rPr>
-              <a:t>了</a:t>
-            </a:r>
-            <a:r>
-              <a:rPr lang="zh-CN" altLang="en-US" sz="1100" dirty="0" smtClean="0">
+              <a:t>放置了</a:t>
+            </a:r>
+            <a:r>
+              <a:rPr lang="zh-CN" altLang="en-US" sz="1100" dirty="0">
                 <a:solidFill>
                   <a:srgbClr val="FFC000"/>
                 </a:solidFill>
@@ -8902,7 +8788,7 @@
               </a:rPr>
               <a:t> 自杀宝典</a:t>
             </a:r>
-            <a:endParaRPr lang="en-US" altLang="zh-CN" sz="1100" dirty="0" smtClean="0">
+            <a:endParaRPr lang="en-US" altLang="zh-CN" sz="1100" dirty="0">
               <a:solidFill>
                 <a:srgbClr val="FFC000"/>
               </a:solidFill>
@@ -8917,7 +8803,7 @@
               </a:spcAft>
             </a:pPr>
             <a:r>
-              <a:rPr lang="zh-CN" altLang="en-US" sz="1100" dirty="0" smtClean="0">
+              <a:rPr lang="zh-CN" altLang="en-US" sz="1100" dirty="0">
                 <a:solidFill>
                   <a:schemeClr val="accent2">
                     <a:lumMod val="75000"/>
@@ -8929,7 +8815,7 @@
               <a:t>玩家</a:t>
             </a:r>
             <a:r>
-              <a:rPr lang="en-US" altLang="zh-CN" sz="1100" dirty="0" smtClean="0">
+              <a:rPr lang="en-US" altLang="zh-CN" sz="1100" dirty="0">
                 <a:solidFill>
                   <a:schemeClr val="accent2">
                     <a:lumMod val="75000"/>
@@ -8941,13 +8827,13 @@
               <a:t>2</a:t>
             </a:r>
             <a:r>
-              <a:rPr lang="zh-CN" altLang="en-US" sz="1100" dirty="0" smtClean="0">
+              <a:rPr lang="zh-CN" altLang="en-US" sz="1100" dirty="0">
                 <a:latin typeface="Microsoft YaHei" panose="020B0503020204020204" pitchFamily="34" charset="-122"/>
                 <a:ea typeface="Microsoft YaHei" panose="020B0503020204020204" pitchFamily="34" charset="-122"/>
               </a:rPr>
               <a:t>：哈哈哈还真放啊</a:t>
             </a:r>
-            <a:endParaRPr lang="en-US" altLang="zh-CN" sz="1100" dirty="0" smtClean="0">
+            <a:endParaRPr lang="en-US" altLang="zh-CN" sz="1100" dirty="0">
               <a:latin typeface="Microsoft YaHei" panose="020B0503020204020204" pitchFamily="34" charset="-122"/>
               <a:ea typeface="Microsoft YaHei" panose="020B0503020204020204" pitchFamily="34" charset="-122"/>
             </a:endParaRPr>
@@ -8966,20 +8852,10 @@
                 <a:latin typeface="Microsoft YaHei" panose="020B0503020204020204" pitchFamily="34" charset="-122"/>
                 <a:ea typeface="Microsoft YaHei" panose="020B0503020204020204" pitchFamily="34" charset="-122"/>
               </a:rPr>
-              <a:t>玩</a:t>
-            </a:r>
-            <a:r>
-              <a:rPr lang="zh-CN" altLang="en-US" sz="1100" dirty="0" smtClean="0">
-                <a:solidFill>
-                  <a:srgbClr val="7030A0"/>
-                </a:solidFill>
-                <a:latin typeface="Microsoft YaHei" panose="020B0503020204020204" pitchFamily="34" charset="-122"/>
-                <a:ea typeface="Microsoft YaHei" panose="020B0503020204020204" pitchFamily="34" charset="-122"/>
-              </a:rPr>
-              <a:t>家</a:t>
-            </a:r>
-            <a:r>
-              <a:rPr lang="en-US" altLang="zh-CN" sz="1100" dirty="0" smtClean="0">
+              <a:t>玩家</a:t>
+            </a:r>
+            <a:r>
+              <a:rPr lang="en-US" altLang="zh-CN" sz="1100" dirty="0">
                 <a:solidFill>
                   <a:srgbClr val="7030A0"/>
                 </a:solidFill>
@@ -8989,28 +8865,28 @@
               <a:t>1</a:t>
             </a:r>
             <a:r>
-              <a:rPr lang="zh-CN" altLang="en-US" sz="1100" dirty="0" smtClean="0">
+              <a:rPr lang="zh-CN" altLang="en-US" sz="1100" dirty="0">
                 <a:latin typeface="Microsoft YaHei" panose="020B0503020204020204" pitchFamily="34" charset="-122"/>
                 <a:ea typeface="Microsoft YaHei" panose="020B0503020204020204" pitchFamily="34" charset="-122"/>
               </a:rPr>
               <a:t>：</a:t>
             </a:r>
             <a:r>
-              <a:rPr lang="en-US" altLang="ja-JP" sz="1100" dirty="0" smtClean="0">
+              <a:rPr lang="en-US" altLang="ja-JP" sz="1100" dirty="0">
                 <a:latin typeface="Microsoft YaHei" panose="020B0503020204020204" pitchFamily="34" charset="-122"/>
                 <a:ea typeface="Microsoft YaHei" panose="020B0503020204020204" pitchFamily="34" charset="-122"/>
               </a:rPr>
               <a:t>¯\_(</a:t>
             </a:r>
             <a:r>
-              <a:rPr lang="ja-JP" altLang="en-US" sz="1100" dirty="0" smtClean="0">
+              <a:rPr lang="ja-JP" altLang="en-US" sz="1100" dirty="0">
                 <a:latin typeface="Microsoft YaHei" panose="020B0503020204020204" pitchFamily="34" charset="-122"/>
                 <a:ea typeface="Microsoft YaHei" panose="020B0503020204020204" pitchFamily="34" charset="-122"/>
               </a:rPr>
               <a:t>ツ</a:t>
             </a:r>
             <a:r>
-              <a:rPr lang="en-US" altLang="ja-JP" sz="1100" dirty="0" smtClean="0">
+              <a:rPr lang="en-US" altLang="ja-JP" sz="1100" dirty="0">
                 <a:latin typeface="Microsoft YaHei" panose="020B0503020204020204" pitchFamily="34" charset="-122"/>
                 <a:ea typeface="Microsoft YaHei" panose="020B0503020204020204" pitchFamily="34" charset="-122"/>
               </a:rPr>
@@ -9109,7 +8985,7 @@
             <a:p>
               <a:pPr algn="ctr"/>
               <a:r>
-                <a:rPr lang="en-US" altLang="zh-CN" sz="1600" dirty="0" smtClean="0">
+                <a:rPr lang="en-US" altLang="zh-CN" sz="1600" dirty="0">
                   <a:latin typeface="Microsoft YaHei Light" panose="020B0502040204020203" pitchFamily="34" charset="-122"/>
                   <a:ea typeface="Microsoft YaHei Light" panose="020B0502040204020203" pitchFamily="34" charset="-122"/>
                 </a:rPr>
@@ -9181,13 +9057,6 @@
   <p:clrMapOvr>
     <a:masterClrMapping/>
   </p:clrMapOvr>
-  <p:timing>
-    <p:tnLst>
-      <p:par>
-        <p:cTn id="1" dur="indefinite" restart="never" nodeType="tmRoot"/>
-      </p:par>
-    </p:tnLst>
-  </p:timing>
 </p:sld>
 </file>
 
